--- a/Documentation/Checkpoint I - Presentation.pptx
+++ b/Documentation/Checkpoint I - Presentation.pptx
@@ -1,35 +1,477 @@
 
 <file path=ppt/presentation.xml><?xml version="1.0" encoding="utf-8"?>
-<p:presentation xmlns:a="http://schemas.openxmlformats.org/drawingml/2006/main" xmlns:p="http://schemas.openxmlformats.org/presentationml/2006/main" xmlns:r="http://schemas.openxmlformats.org/officeDocument/2006/relationships" xmlns:p14="http://schemas.microsoft.com/office/powerpoint/2010/main" xmlns:p15="http://schemas.microsoft.com/office/powerpoint/2012/main" xmlns:mc="http://schemas.openxmlformats.org/markup-compatibility/2006">
+<p:presentation xmlns:a="http://schemas.openxmlformats.org/drawingml/2006/main" xmlns:r="http://schemas.openxmlformats.org/officeDocument/2006/relationships" xmlns:p="http://schemas.openxmlformats.org/presentationml/2006/main">
   <p:sldMasterIdLst>
-    <p:sldMasterId id="2147483648" r:id="rId2"/>
-    <p:sldMasterId id="2147483661" r:id="rId3"/>
-    <p:sldMasterId id="2147483674" r:id="rId4"/>
+    <p:sldMasterId id="2147483648" r:id="rId1"/>
+    <p:sldMasterId id="2147483661" r:id="rId2"/>
+    <p:sldMasterId id="2147483674" r:id="rId3"/>
   </p:sldMasterIdLst>
   <p:notesMasterIdLst>
-    <p:notesMasterId r:id="rId5"/>
+    <p:notesMasterId r:id="rId16"/>
   </p:notesMasterIdLst>
   <p:sldIdLst>
-    <p:sldId id="256" r:id="rId6"/>
-    <p:sldId id="257" r:id="rId7"/>
-    <p:sldId id="258" r:id="rId8"/>
-    <p:sldId id="259" r:id="rId9"/>
-    <p:sldId id="260" r:id="rId10"/>
-    <p:sldId id="261" r:id="rId11"/>
-    <p:sldId id="262" r:id="rId12"/>
-    <p:sldId id="263" r:id="rId13"/>
-    <p:sldId id="264" r:id="rId14"/>
-    <p:sldId id="265" r:id="rId15"/>
-    <p:sldId id="266" r:id="rId16"/>
-    <p:sldId id="267" r:id="rId17"/>
+    <p:sldId id="256" r:id="rId4"/>
+    <p:sldId id="257" r:id="rId5"/>
+    <p:sldId id="258" r:id="rId6"/>
+    <p:sldId id="259" r:id="rId7"/>
+    <p:sldId id="260" r:id="rId8"/>
+    <p:sldId id="261" r:id="rId9"/>
+    <p:sldId id="262" r:id="rId10"/>
+    <p:sldId id="263" r:id="rId11"/>
+    <p:sldId id="264" r:id="rId12"/>
+    <p:sldId id="265" r:id="rId13"/>
+    <p:sldId id="266" r:id="rId14"/>
+    <p:sldId id="267" r:id="rId15"/>
   </p:sldIdLst>
-  <p:sldSz cx="9144000" cy="6858000"/>
+  <p:sldSz cx="9144000" cy="6858000" type="screen4x3"/>
   <p:notesSz cx="6858000" cy="9144000"/>
+  <p:defaultTextStyle>
+    <a:defPPr>
+      <a:defRPr lang="pt-PT"/>
+    </a:defPPr>
+    <a:lvl1pPr marL="0" algn="l" defTabSz="914400" rtl="0" eaLnBrk="1" latinLnBrk="0" hangingPunct="1">
+      <a:defRPr sz="1800" kern="1200">
+        <a:solidFill>
+          <a:schemeClr val="tx1"/>
+        </a:solidFill>
+        <a:latin typeface="+mn-lt"/>
+        <a:ea typeface="+mn-ea"/>
+        <a:cs typeface="+mn-cs"/>
+      </a:defRPr>
+    </a:lvl1pPr>
+    <a:lvl2pPr marL="457200" algn="l" defTabSz="914400" rtl="0" eaLnBrk="1" latinLnBrk="0" hangingPunct="1">
+      <a:defRPr sz="1800" kern="1200">
+        <a:solidFill>
+          <a:schemeClr val="tx1"/>
+        </a:solidFill>
+        <a:latin typeface="+mn-lt"/>
+        <a:ea typeface="+mn-ea"/>
+        <a:cs typeface="+mn-cs"/>
+      </a:defRPr>
+    </a:lvl2pPr>
+    <a:lvl3pPr marL="914400" algn="l" defTabSz="914400" rtl="0" eaLnBrk="1" latinLnBrk="0" hangingPunct="1">
+      <a:defRPr sz="1800" kern="1200">
+        <a:solidFill>
+          <a:schemeClr val="tx1"/>
+        </a:solidFill>
+        <a:latin typeface="+mn-lt"/>
+        <a:ea typeface="+mn-ea"/>
+        <a:cs typeface="+mn-cs"/>
+      </a:defRPr>
+    </a:lvl3pPr>
+    <a:lvl4pPr marL="1371600" algn="l" defTabSz="914400" rtl="0" eaLnBrk="1" latinLnBrk="0" hangingPunct="1">
+      <a:defRPr sz="1800" kern="1200">
+        <a:solidFill>
+          <a:schemeClr val="tx1"/>
+        </a:solidFill>
+        <a:latin typeface="+mn-lt"/>
+        <a:ea typeface="+mn-ea"/>
+        <a:cs typeface="+mn-cs"/>
+      </a:defRPr>
+    </a:lvl4pPr>
+    <a:lvl5pPr marL="1828800" algn="l" defTabSz="914400" rtl="0" eaLnBrk="1" latinLnBrk="0" hangingPunct="1">
+      <a:defRPr sz="1800" kern="1200">
+        <a:solidFill>
+          <a:schemeClr val="tx1"/>
+        </a:solidFill>
+        <a:latin typeface="+mn-lt"/>
+        <a:ea typeface="+mn-ea"/>
+        <a:cs typeface="+mn-cs"/>
+      </a:defRPr>
+    </a:lvl5pPr>
+    <a:lvl6pPr marL="2286000" algn="l" defTabSz="914400" rtl="0" eaLnBrk="1" latinLnBrk="0" hangingPunct="1">
+      <a:defRPr sz="1800" kern="1200">
+        <a:solidFill>
+          <a:schemeClr val="tx1"/>
+        </a:solidFill>
+        <a:latin typeface="+mn-lt"/>
+        <a:ea typeface="+mn-ea"/>
+        <a:cs typeface="+mn-cs"/>
+      </a:defRPr>
+    </a:lvl6pPr>
+    <a:lvl7pPr marL="2743200" algn="l" defTabSz="914400" rtl="0" eaLnBrk="1" latinLnBrk="0" hangingPunct="1">
+      <a:defRPr sz="1800" kern="1200">
+        <a:solidFill>
+          <a:schemeClr val="tx1"/>
+        </a:solidFill>
+        <a:latin typeface="+mn-lt"/>
+        <a:ea typeface="+mn-ea"/>
+        <a:cs typeface="+mn-cs"/>
+      </a:defRPr>
+    </a:lvl7pPr>
+    <a:lvl8pPr marL="3200400" algn="l" defTabSz="914400" rtl="0" eaLnBrk="1" latinLnBrk="0" hangingPunct="1">
+      <a:defRPr sz="1800" kern="1200">
+        <a:solidFill>
+          <a:schemeClr val="tx1"/>
+        </a:solidFill>
+        <a:latin typeface="+mn-lt"/>
+        <a:ea typeface="+mn-ea"/>
+        <a:cs typeface="+mn-cs"/>
+      </a:defRPr>
+    </a:lvl8pPr>
+    <a:lvl9pPr marL="3657600" algn="l" defTabSz="914400" rtl="0" eaLnBrk="1" latinLnBrk="0" hangingPunct="1">
+      <a:defRPr sz="1800" kern="1200">
+        <a:solidFill>
+          <a:schemeClr val="tx1"/>
+        </a:solidFill>
+        <a:latin typeface="+mn-lt"/>
+        <a:ea typeface="+mn-ea"/>
+        <a:cs typeface="+mn-cs"/>
+      </a:defRPr>
+    </a:lvl9pPr>
+  </p:defaultTextStyle>
 </p:presentation>
 </file>
 
 <file path=ppt/notesMasters/notesMaster1.xml><?xml version="1.0" encoding="utf-8"?>
-<p:notesMaster xmlns:a="http://schemas.openxmlformats.org/drawingml/2006/main" xmlns:p="http://schemas.openxmlformats.org/presentationml/2006/main" xmlns:r="http://schemas.openxmlformats.org/officeDocument/2006/relationships" xmlns:p14="http://schemas.microsoft.com/office/powerpoint/2010/main" xmlns:p15="http://schemas.microsoft.com/office/powerpoint/2012/main" xmlns:mc="http://schemas.openxmlformats.org/markup-compatibility/2006">
+<p:notesMaster xmlns:a="http://schemas.openxmlformats.org/drawingml/2006/main" xmlns:r="http://schemas.openxmlformats.org/officeDocument/2006/relationships" xmlns:p="http://schemas.openxmlformats.org/presentationml/2006/main">
+  <p:cSld>
+    <p:bg>
+      <p:bgRef idx="1001">
+        <a:schemeClr val="bg1"/>
+      </p:bgRef>
+    </p:bg>
+    <p:spTree>
+      <p:nvGrpSpPr>
+        <p:cNvPr id="1" name=""/>
+        <p:cNvGrpSpPr/>
+        <p:nvPr/>
+      </p:nvGrpSpPr>
+      <p:grpSpPr>
+        <a:xfrm>
+          <a:off x="0" y="0"/>
+          <a:ext cx="0" cy="0"/>
+          <a:chOff x="0" y="0"/>
+          <a:chExt cx="0" cy="0"/>
+        </a:xfrm>
+      </p:grpSpPr>
+      <p:sp>
+        <p:nvSpPr>
+          <p:cNvPr id="119" name="PlaceHolder 1"/>
+          <p:cNvSpPr>
+            <a:spLocks noGrp="1" noRot="1" noChangeAspect="1"/>
+          </p:cNvSpPr>
+          <p:nvPr>
+            <p:ph type="sldImg"/>
+          </p:nvPr>
+        </p:nvSpPr>
+        <p:spPr>
+          <a:xfrm>
+            <a:off x="216000" y="812520"/>
+            <a:ext cx="7127280" cy="4008960"/>
+          </a:xfrm>
+          <a:prstGeom prst="rect">
+            <a:avLst/>
+          </a:prstGeom>
+        </p:spPr>
+        <p:txBody>
+          <a:bodyPr lIns="0" tIns="0" rIns="0" bIns="0" anchor="ctr"/>
+          <a:lstStyle/>
+          <a:p>
+            <a:r>
+              <a:rPr lang="pt-PT" sz="1800" b="0" strike="noStrike" spc="-1" dirty="0" err="1">
+                <a:solidFill>
+                  <a:srgbClr val="000000"/>
+                </a:solidFill>
+                <a:latin typeface="Calibri"/>
+              </a:rPr>
+              <a:t>Click</a:t>
+            </a:r>
+            <a:r>
+              <a:rPr lang="pt-PT" sz="1800" b="0" strike="noStrike" spc="-1" dirty="0">
+                <a:solidFill>
+                  <a:srgbClr val="000000"/>
+                </a:solidFill>
+                <a:latin typeface="Calibri"/>
+              </a:rPr>
+              <a:t> to move </a:t>
+            </a:r>
+            <a:r>
+              <a:rPr lang="pt-PT" sz="1800" b="0" strike="noStrike" spc="-1" dirty="0" err="1">
+                <a:solidFill>
+                  <a:srgbClr val="000000"/>
+                </a:solidFill>
+                <a:latin typeface="Calibri"/>
+              </a:rPr>
+              <a:t>the</a:t>
+            </a:r>
+            <a:r>
+              <a:rPr lang="pt-PT" sz="1800" b="0" strike="noStrike" spc="-1" dirty="0">
+                <a:solidFill>
+                  <a:srgbClr val="000000"/>
+                </a:solidFill>
+                <a:latin typeface="Calibri"/>
+              </a:rPr>
+              <a:t> slide</a:t>
+            </a:r>
+          </a:p>
+        </p:txBody>
+      </p:sp>
+      <p:sp>
+        <p:nvSpPr>
+          <p:cNvPr id="120" name="PlaceHolder 2"/>
+          <p:cNvSpPr>
+            <a:spLocks noGrp="1"/>
+          </p:cNvSpPr>
+          <p:nvPr>
+            <p:ph type="body"/>
+          </p:nvPr>
+        </p:nvSpPr>
+        <p:spPr>
+          <a:xfrm>
+            <a:off x="756000" y="5078520"/>
+            <a:ext cx="6047640" cy="4811040"/>
+          </a:xfrm>
+          <a:prstGeom prst="rect">
+            <a:avLst/>
+          </a:prstGeom>
+        </p:spPr>
+        <p:txBody>
+          <a:bodyPr lIns="0" tIns="0" rIns="0" bIns="0"/>
+          <a:lstStyle/>
+          <a:p>
+            <a:r>
+              <a:rPr lang="en-GB" sz="2000" b="0" strike="noStrike" spc="-1">
+                <a:latin typeface="Arial"/>
+              </a:rPr>
+              <a:t>Click to edit the notes' format</a:t>
+            </a:r>
+          </a:p>
+        </p:txBody>
+      </p:sp>
+      <p:sp>
+        <p:nvSpPr>
+          <p:cNvPr id="121" name="PlaceHolder 3"/>
+          <p:cNvSpPr>
+            <a:spLocks noGrp="1"/>
+          </p:cNvSpPr>
+          <p:nvPr>
+            <p:ph type="hdr"/>
+          </p:nvPr>
+        </p:nvSpPr>
+        <p:spPr>
+          <a:xfrm>
+            <a:off x="0" y="0"/>
+            <a:ext cx="3280680" cy="534240"/>
+          </a:xfrm>
+          <a:prstGeom prst="rect">
+            <a:avLst/>
+          </a:prstGeom>
+        </p:spPr>
+        <p:txBody>
+          <a:bodyPr lIns="0" tIns="0" rIns="0" bIns="0"/>
+          <a:lstStyle/>
+          <a:p>
+            <a:r>
+              <a:rPr lang="en-GB" sz="1400" b="0" strike="noStrike" spc="-1">
+                <a:latin typeface="Times New Roman"/>
+              </a:rPr>
+              <a:t>&lt;header&gt;</a:t>
+            </a:r>
+          </a:p>
+        </p:txBody>
+      </p:sp>
+      <p:sp>
+        <p:nvSpPr>
+          <p:cNvPr id="122" name="PlaceHolder 4"/>
+          <p:cNvSpPr>
+            <a:spLocks noGrp="1"/>
+          </p:cNvSpPr>
+          <p:nvPr>
+            <p:ph type="dt"/>
+          </p:nvPr>
+        </p:nvSpPr>
+        <p:spPr>
+          <a:xfrm>
+            <a:off x="4278960" y="0"/>
+            <a:ext cx="3280680" cy="534240"/>
+          </a:xfrm>
+          <a:prstGeom prst="rect">
+            <a:avLst/>
+          </a:prstGeom>
+        </p:spPr>
+        <p:txBody>
+          <a:bodyPr lIns="0" tIns="0" rIns="0" bIns="0"/>
+          <a:lstStyle/>
+          <a:p>
+            <a:pPr algn="r"/>
+            <a:r>
+              <a:rPr lang="en-GB" sz="1400" b="0" strike="noStrike" spc="-1">
+                <a:latin typeface="Times New Roman"/>
+              </a:rPr>
+              <a:t>&lt;date/time&gt;</a:t>
+            </a:r>
+          </a:p>
+        </p:txBody>
+      </p:sp>
+      <p:sp>
+        <p:nvSpPr>
+          <p:cNvPr id="123" name="PlaceHolder 5"/>
+          <p:cNvSpPr>
+            <a:spLocks noGrp="1"/>
+          </p:cNvSpPr>
+          <p:nvPr>
+            <p:ph type="ftr"/>
+          </p:nvPr>
+        </p:nvSpPr>
+        <p:spPr>
+          <a:xfrm>
+            <a:off x="0" y="10157400"/>
+            <a:ext cx="3280680" cy="534240"/>
+          </a:xfrm>
+          <a:prstGeom prst="rect">
+            <a:avLst/>
+          </a:prstGeom>
+        </p:spPr>
+        <p:txBody>
+          <a:bodyPr lIns="0" tIns="0" rIns="0" bIns="0" anchor="b"/>
+          <a:lstStyle/>
+          <a:p>
+            <a:r>
+              <a:rPr lang="en-GB" sz="1400" b="0" strike="noStrike" spc="-1">
+                <a:latin typeface="Times New Roman"/>
+              </a:rPr>
+              <a:t>&lt;footer&gt;</a:t>
+            </a:r>
+          </a:p>
+        </p:txBody>
+      </p:sp>
+      <p:sp>
+        <p:nvSpPr>
+          <p:cNvPr id="124" name="PlaceHolder 6"/>
+          <p:cNvSpPr>
+            <a:spLocks noGrp="1"/>
+          </p:cNvSpPr>
+          <p:nvPr>
+            <p:ph type="sldNum"/>
+          </p:nvPr>
+        </p:nvSpPr>
+        <p:spPr>
+          <a:xfrm>
+            <a:off x="4278960" y="10157400"/>
+            <a:ext cx="3280680" cy="534240"/>
+          </a:xfrm>
+          <a:prstGeom prst="rect">
+            <a:avLst/>
+          </a:prstGeom>
+        </p:spPr>
+        <p:txBody>
+          <a:bodyPr lIns="0" tIns="0" rIns="0" bIns="0" anchor="b"/>
+          <a:lstStyle/>
+          <a:p>
+            <a:pPr algn="r"/>
+            <a:fld id="{BCE68501-0932-4738-9294-7F10805BF859}" type="slidenum">
+              <a:rPr lang="en-GB" sz="1400" b="0" strike="noStrike" spc="-1">
+                <a:latin typeface="Times New Roman"/>
+              </a:rPr>
+              <a:t>‹#›</a:t>
+            </a:fld>
+            <a:endParaRPr lang="en-GB" sz="1400" b="0" strike="noStrike" spc="-1">
+              <a:latin typeface="Times New Roman"/>
+            </a:endParaRPr>
+          </a:p>
+        </p:txBody>
+      </p:sp>
+    </p:spTree>
+  </p:cSld>
+  <p:clrMap bg1="lt1" tx1="dk1" bg2="lt2" tx2="dk2" accent1="accent1" accent2="accent2" accent3="accent3" accent4="accent4" accent5="accent5" accent6="accent6" hlink="hlink" folHlink="folHlink"/>
+  <p:notesStyle>
+    <a:lvl1pPr marL="0" algn="l" defTabSz="914400" rtl="0" eaLnBrk="1" latinLnBrk="0" hangingPunct="1">
+      <a:defRPr sz="1200" kern="1200">
+        <a:solidFill>
+          <a:schemeClr val="tx1"/>
+        </a:solidFill>
+        <a:latin typeface="+mn-lt"/>
+        <a:ea typeface="+mn-ea"/>
+        <a:cs typeface="+mn-cs"/>
+      </a:defRPr>
+    </a:lvl1pPr>
+    <a:lvl2pPr marL="457200" algn="l" defTabSz="914400" rtl="0" eaLnBrk="1" latinLnBrk="0" hangingPunct="1">
+      <a:defRPr sz="1200" kern="1200">
+        <a:solidFill>
+          <a:schemeClr val="tx1"/>
+        </a:solidFill>
+        <a:latin typeface="+mn-lt"/>
+        <a:ea typeface="+mn-ea"/>
+        <a:cs typeface="+mn-cs"/>
+      </a:defRPr>
+    </a:lvl2pPr>
+    <a:lvl3pPr marL="914400" algn="l" defTabSz="914400" rtl="0" eaLnBrk="1" latinLnBrk="0" hangingPunct="1">
+      <a:defRPr sz="1200" kern="1200">
+        <a:solidFill>
+          <a:schemeClr val="tx1"/>
+        </a:solidFill>
+        <a:latin typeface="+mn-lt"/>
+        <a:ea typeface="+mn-ea"/>
+        <a:cs typeface="+mn-cs"/>
+      </a:defRPr>
+    </a:lvl3pPr>
+    <a:lvl4pPr marL="1371600" algn="l" defTabSz="914400" rtl="0" eaLnBrk="1" latinLnBrk="0" hangingPunct="1">
+      <a:defRPr sz="1200" kern="1200">
+        <a:solidFill>
+          <a:schemeClr val="tx1"/>
+        </a:solidFill>
+        <a:latin typeface="+mn-lt"/>
+        <a:ea typeface="+mn-ea"/>
+        <a:cs typeface="+mn-cs"/>
+      </a:defRPr>
+    </a:lvl4pPr>
+    <a:lvl5pPr marL="1828800" algn="l" defTabSz="914400" rtl="0" eaLnBrk="1" latinLnBrk="0" hangingPunct="1">
+      <a:defRPr sz="1200" kern="1200">
+        <a:solidFill>
+          <a:schemeClr val="tx1"/>
+        </a:solidFill>
+        <a:latin typeface="+mn-lt"/>
+        <a:ea typeface="+mn-ea"/>
+        <a:cs typeface="+mn-cs"/>
+      </a:defRPr>
+    </a:lvl5pPr>
+    <a:lvl6pPr marL="2286000" algn="l" defTabSz="914400" rtl="0" eaLnBrk="1" latinLnBrk="0" hangingPunct="1">
+      <a:defRPr sz="1200" kern="1200">
+        <a:solidFill>
+          <a:schemeClr val="tx1"/>
+        </a:solidFill>
+        <a:latin typeface="+mn-lt"/>
+        <a:ea typeface="+mn-ea"/>
+        <a:cs typeface="+mn-cs"/>
+      </a:defRPr>
+    </a:lvl6pPr>
+    <a:lvl7pPr marL="2743200" algn="l" defTabSz="914400" rtl="0" eaLnBrk="1" latinLnBrk="0" hangingPunct="1">
+      <a:defRPr sz="1200" kern="1200">
+        <a:solidFill>
+          <a:schemeClr val="tx1"/>
+        </a:solidFill>
+        <a:latin typeface="+mn-lt"/>
+        <a:ea typeface="+mn-ea"/>
+        <a:cs typeface="+mn-cs"/>
+      </a:defRPr>
+    </a:lvl7pPr>
+    <a:lvl8pPr marL="3200400" algn="l" defTabSz="914400" rtl="0" eaLnBrk="1" latinLnBrk="0" hangingPunct="1">
+      <a:defRPr sz="1200" kern="1200">
+        <a:solidFill>
+          <a:schemeClr val="tx1"/>
+        </a:solidFill>
+        <a:latin typeface="+mn-lt"/>
+        <a:ea typeface="+mn-ea"/>
+        <a:cs typeface="+mn-cs"/>
+      </a:defRPr>
+    </a:lvl8pPr>
+    <a:lvl9pPr marL="3657600" algn="l" defTabSz="914400" rtl="0" eaLnBrk="1" latinLnBrk="0" hangingPunct="1">
+      <a:defRPr sz="1200" kern="1200">
+        <a:solidFill>
+          <a:schemeClr val="tx1"/>
+        </a:solidFill>
+        <a:latin typeface="+mn-lt"/>
+        <a:ea typeface="+mn-ea"/>
+        <a:cs typeface="+mn-cs"/>
+      </a:defRPr>
+    </a:lvl9pPr>
+  </p:notesStyle>
+</p:notesMaster>
+</file>
+
+<file path=ppt/notesSlides/notesSlide1.xml><?xml version="1.0" encoding="utf-8"?>
+<p:notes xmlns:a="http://schemas.openxmlformats.org/drawingml/2006/main" xmlns:r="http://schemas.openxmlformats.org/officeDocument/2006/relationships" xmlns:p="http://schemas.openxmlformats.org/presentationml/2006/main">
   <p:cSld>
     <p:spTree>
       <p:nvGrpSpPr>
@@ -47,73 +489,48 @@
       </p:grpSpPr>
       <p:sp>
         <p:nvSpPr>
-          <p:cNvPr id="119" name="PlaceHolder 1"/>
+          <p:cNvPr id="157" name="PlaceHolder 1"/>
+          <p:cNvSpPr>
+            <a:spLocks noGrp="1" noRot="1" noChangeAspect="1"/>
+          </p:cNvSpPr>
+          <p:nvPr>
+            <p:ph type="sldImg"/>
+          </p:nvPr>
+        </p:nvSpPr>
+        <p:spPr>
+          <a:xfrm>
+            <a:off x="1143000" y="685800"/>
+            <a:ext cx="4572000" cy="3429000"/>
+          </a:xfrm>
+          <a:prstGeom prst="rect">
+            <a:avLst/>
+          </a:prstGeom>
+        </p:spPr>
+      </p:sp>
+      <p:sp>
+        <p:nvSpPr>
+          <p:cNvPr id="158" name="PlaceHolder 2"/>
           <p:cNvSpPr>
             <a:spLocks noGrp="1"/>
           </p:cNvSpPr>
           <p:nvPr>
-            <p:ph type="sldImg"/>
-          </p:nvPr>
-        </p:nvSpPr>
-        <p:spPr>
-          <a:xfrm>
-            <a:off x="216000" y="812520"/>
-            <a:ext cx="7127280" cy="4008960"/>
-          </a:xfrm>
-          <a:prstGeom prst="rect">
-            <a:avLst/>
-          </a:prstGeom>
-        </p:spPr>
-        <p:txBody>
-          <a:bodyPr lIns="0" rIns="0" tIns="0" bIns="0" anchor="ctr"/>
-          <a:p>
-            <a:r>
-              <a:rPr b="0" lang="pt-PT" sz="1800" spc="-1" strike="noStrike">
-                <a:solidFill>
-                  <a:srgbClr val="000000"/>
-                </a:solidFill>
-                <a:latin typeface="Calibri"/>
-              </a:rPr>
-              <a:t>Click to move the slide</a:t>
-            </a:r>
-            <a:endParaRPr b="0" lang="pt-PT" sz="1800" spc="-1" strike="noStrike">
-              <a:solidFill>
-                <a:srgbClr val="000000"/>
-              </a:solidFill>
-              <a:latin typeface="Calibri"/>
-            </a:endParaRPr>
-          </a:p>
-        </p:txBody>
-      </p:sp>
-      <p:sp>
-        <p:nvSpPr>
-          <p:cNvPr id="120" name="PlaceHolder 2"/>
-          <p:cNvSpPr>
-            <a:spLocks noGrp="1"/>
-          </p:cNvSpPr>
-          <p:nvPr>
             <p:ph type="body"/>
           </p:nvPr>
         </p:nvSpPr>
         <p:spPr>
           <a:xfrm>
-            <a:off x="756000" y="5078520"/>
-            <a:ext cx="6047640" cy="4811040"/>
-          </a:xfrm>
-          <a:prstGeom prst="rect">
-            <a:avLst/>
-          </a:prstGeom>
-        </p:spPr>
-        <p:txBody>
-          <a:bodyPr lIns="0" rIns="0" tIns="0" bIns="0"/>
-          <a:p>
-            <a:r>
-              <a:rPr b="0" lang="en-GB" sz="2000" spc="-1" strike="noStrike">
-                <a:latin typeface="Arial"/>
-              </a:rPr>
-              <a:t>Click to edit the notes' format</a:t>
-            </a:r>
-            <a:endParaRPr b="0" lang="en-GB" sz="2000" spc="-1" strike="noStrike">
+            <a:off x="685800" y="4343400"/>
+            <a:ext cx="5486040" cy="4114440"/>
+          </a:xfrm>
+          <a:prstGeom prst="rect">
+            <a:avLst/>
+          </a:prstGeom>
+        </p:spPr>
+        <p:txBody>
+          <a:bodyPr/>
+          <a:lstStyle/>
+          <a:p>
+            <a:endParaRPr lang="en-GB" sz="2000" b="0" strike="noStrike" spc="-1">
               <a:latin typeface="Arial"/>
             </a:endParaRPr>
           </a:p>
@@ -121,137 +538,43 @@
       </p:sp>
       <p:sp>
         <p:nvSpPr>
-          <p:cNvPr id="121" name="PlaceHolder 3"/>
-          <p:cNvSpPr>
-            <a:spLocks noGrp="1"/>
-          </p:cNvSpPr>
-          <p:nvPr>
-            <p:ph type="hdr"/>
-          </p:nvPr>
-        </p:nvSpPr>
-        <p:spPr>
-          <a:xfrm>
-            <a:off x="0" y="0"/>
-            <a:ext cx="3280680" cy="534240"/>
-          </a:xfrm>
-          <a:prstGeom prst="rect">
-            <a:avLst/>
-          </a:prstGeom>
-        </p:spPr>
-        <p:txBody>
-          <a:bodyPr lIns="0" rIns="0" tIns="0" bIns="0"/>
-          <a:p>
-            <a:r>
-              <a:rPr b="0" lang="en-GB" sz="1400" spc="-1" strike="noStrike">
-                <a:latin typeface="Times New Roman"/>
-              </a:rPr>
-              <a:t>&lt;header&gt;</a:t>
-            </a:r>
-            <a:endParaRPr b="0" lang="en-GB" sz="1400" spc="-1" strike="noStrike">
-              <a:latin typeface="Times New Roman"/>
-            </a:endParaRPr>
-          </a:p>
-        </p:txBody>
-      </p:sp>
-      <p:sp>
-        <p:nvSpPr>
-          <p:cNvPr id="122" name="PlaceHolder 4"/>
-          <p:cNvSpPr>
-            <a:spLocks noGrp="1"/>
-          </p:cNvSpPr>
-          <p:nvPr>
-            <p:ph type="dt"/>
-          </p:nvPr>
-        </p:nvSpPr>
-        <p:spPr>
-          <a:xfrm>
-            <a:off x="4278960" y="0"/>
-            <a:ext cx="3280680" cy="534240"/>
-          </a:xfrm>
-          <a:prstGeom prst="rect">
-            <a:avLst/>
-          </a:prstGeom>
-        </p:spPr>
-        <p:txBody>
-          <a:bodyPr lIns="0" rIns="0" tIns="0" bIns="0"/>
-          <a:p>
-            <a:pPr algn="r"/>
-            <a:r>
-              <a:rPr b="0" lang="en-GB" sz="1400" spc="-1" strike="noStrike">
-                <a:latin typeface="Times New Roman"/>
-              </a:rPr>
-              <a:t>&lt;date/time&gt;</a:t>
-            </a:r>
-            <a:endParaRPr b="0" lang="en-GB" sz="1400" spc="-1" strike="noStrike">
-              <a:latin typeface="Times New Roman"/>
-            </a:endParaRPr>
-          </a:p>
-        </p:txBody>
-      </p:sp>
-      <p:sp>
-        <p:nvSpPr>
-          <p:cNvPr id="123" name="PlaceHolder 5"/>
-          <p:cNvSpPr>
-            <a:spLocks noGrp="1"/>
-          </p:cNvSpPr>
-          <p:nvPr>
-            <p:ph type="ftr"/>
-          </p:nvPr>
-        </p:nvSpPr>
-        <p:spPr>
-          <a:xfrm>
-            <a:off x="0" y="10157400"/>
-            <a:ext cx="3280680" cy="534240"/>
-          </a:xfrm>
-          <a:prstGeom prst="rect">
-            <a:avLst/>
-          </a:prstGeom>
-        </p:spPr>
-        <p:txBody>
-          <a:bodyPr lIns="0" rIns="0" tIns="0" bIns="0" anchor="b"/>
-          <a:p>
-            <a:r>
-              <a:rPr b="0" lang="en-GB" sz="1400" spc="-1" strike="noStrike">
-                <a:latin typeface="Times New Roman"/>
-              </a:rPr>
-              <a:t>&lt;footer&gt;</a:t>
-            </a:r>
-            <a:endParaRPr b="0" lang="en-GB" sz="1400" spc="-1" strike="noStrike">
-              <a:latin typeface="Times New Roman"/>
-            </a:endParaRPr>
-          </a:p>
-        </p:txBody>
-      </p:sp>
-      <p:sp>
-        <p:nvSpPr>
-          <p:cNvPr id="124" name="PlaceHolder 6"/>
-          <p:cNvSpPr>
-            <a:spLocks noGrp="1"/>
-          </p:cNvSpPr>
-          <p:nvPr>
-            <p:ph type="sldNum"/>
-          </p:nvPr>
-        </p:nvSpPr>
-        <p:spPr>
-          <a:xfrm>
-            <a:off x="4278960" y="10157400"/>
-            <a:ext cx="3280680" cy="534240"/>
-          </a:xfrm>
-          <a:prstGeom prst="rect">
-            <a:avLst/>
-          </a:prstGeom>
-        </p:spPr>
-        <p:txBody>
-          <a:bodyPr lIns="0" rIns="0" tIns="0" bIns="0" anchor="b"/>
-          <a:p>
-            <a:pPr algn="r"/>
-            <a:fld id="{BCE68501-0932-4738-9294-7F10805BF859}" type="slidenum">
-              <a:rPr b="0" lang="en-GB" sz="1400" spc="-1" strike="noStrike">
-                <a:latin typeface="Times New Roman"/>
-              </a:rPr>
-              <a:t>&lt;number&gt;</a:t>
+          <p:cNvPr id="159" name="TextShape 3"/>
+          <p:cNvSpPr txBox="1"/>
+          <p:nvPr/>
+        </p:nvSpPr>
+        <p:spPr>
+          <a:xfrm>
+            <a:off x="3884760" y="8685360"/>
+            <a:ext cx="2971440" cy="456840"/>
+          </a:xfrm>
+          <a:prstGeom prst="rect">
+            <a:avLst/>
+          </a:prstGeom>
+          <a:noFill/>
+          <a:ln>
+            <a:noFill/>
+          </a:ln>
+        </p:spPr>
+        <p:txBody>
+          <a:bodyPr anchor="b"/>
+          <a:lstStyle/>
+          <a:p>
+            <a:pPr algn="r">
+              <a:lnSpc>
+                <a:spcPct val="100000"/>
+              </a:lnSpc>
+            </a:pPr>
+            <a:fld id="{880EC8A7-E425-4933-B90F-246058DCC64F}" type="slidenum">
+              <a:rPr lang="en-GB" sz="1200" b="0" strike="noStrike" spc="-1">
+                <a:solidFill>
+                  <a:srgbClr val="000000"/>
+                </a:solidFill>
+                <a:latin typeface="+mn-lt"/>
+                <a:ea typeface="+mn-ea"/>
+              </a:rPr>
+              <a:t>3</a:t>
             </a:fld>
-            <a:endParaRPr b="0" lang="en-GB" sz="1400" spc="-1" strike="noStrike">
+            <a:endParaRPr lang="en-GB" sz="1200" b="0" strike="noStrike" spc="-1">
               <a:latin typeface="Times New Roman"/>
             </a:endParaRPr>
           </a:p>
@@ -259,12 +582,14 @@
       </p:sp>
     </p:spTree>
   </p:cSld>
-  <p:clrMap bg1="lt1" bg2="lt2" tx1="dk1" tx2="dk2" accent1="accent1" accent2="accent2" accent3="accent3" accent4="accent4" accent5="accent5" accent6="accent6" hlink="hlink" folHlink="folHlink"/>
-</p:notesMaster>
+  <p:clrMapOvr>
+    <a:masterClrMapping/>
+  </p:clrMapOvr>
+</p:notes>
 </file>
 
-<file path=ppt/notesSlides/notesSlide10.xml><?xml version="1.0" encoding="utf-8"?>
-<p:notes xmlns:a="http://schemas.openxmlformats.org/drawingml/2006/main" xmlns:p="http://schemas.openxmlformats.org/presentationml/2006/main" xmlns:r="http://schemas.openxmlformats.org/officeDocument/2006/relationships" xmlns:p14="http://schemas.microsoft.com/office/powerpoint/2010/main" xmlns:p15="http://schemas.microsoft.com/office/powerpoint/2012/main" xmlns:mc="http://schemas.openxmlformats.org/markup-compatibility/2006">
+<file path=ppt/notesSlides/notesSlide2.xml><?xml version="1.0" encoding="utf-8"?>
+<p:notes xmlns:a="http://schemas.openxmlformats.org/drawingml/2006/main" xmlns:r="http://schemas.openxmlformats.org/officeDocument/2006/relationships" xmlns:p="http://schemas.openxmlformats.org/presentationml/2006/main">
   <p:cSld>
     <p:spTree>
       <p:nvGrpSpPr>
@@ -282,9 +607,9 @@
       </p:grpSpPr>
       <p:sp>
         <p:nvSpPr>
-          <p:cNvPr id="169" name="PlaceHolder 1"/>
-          <p:cNvSpPr>
-            <a:spLocks noGrp="1"/>
+          <p:cNvPr id="160" name="PlaceHolder 1"/>
+          <p:cNvSpPr>
+            <a:spLocks noGrp="1" noRot="1" noChangeAspect="1"/>
           </p:cNvSpPr>
           <p:nvPr>
             <p:ph type="sldImg"/>
@@ -293,16 +618,16 @@
         <p:spPr>
           <a:xfrm>
             <a:off x="1143000" y="685800"/>
-            <a:ext cx="4571640" cy="3428640"/>
-          </a:xfrm>
-          <a:prstGeom prst="rect">
-            <a:avLst/>
-          </a:prstGeom>
-        </p:spPr>
-      </p:sp>
-      <p:sp>
-        <p:nvSpPr>
-          <p:cNvPr id="170" name="PlaceHolder 2"/>
+            <a:ext cx="4572000" cy="3429000"/>
+          </a:xfrm>
+          <a:prstGeom prst="rect">
+            <a:avLst/>
+          </a:prstGeom>
+        </p:spPr>
+      </p:sp>
+      <p:sp>
+        <p:nvSpPr>
+          <p:cNvPr id="161" name="PlaceHolder 2"/>
           <p:cNvSpPr>
             <a:spLocks noGrp="1"/>
           </p:cNvSpPr>
@@ -321,8 +646,9 @@
         </p:spPr>
         <p:txBody>
           <a:bodyPr/>
-          <a:p>
-            <a:endParaRPr b="0" lang="en-GB" sz="2000" spc="-1" strike="noStrike">
+          <a:lstStyle/>
+          <a:p>
+            <a:endParaRPr lang="en-GB" sz="2000" b="0" strike="noStrike" spc="-1">
               <a:latin typeface="Arial"/>
             </a:endParaRPr>
           </a:p>
@@ -330,7 +656,7 @@
       </p:sp>
       <p:sp>
         <p:nvSpPr>
-          <p:cNvPr id="171" name="TextShape 3"/>
+          <p:cNvPr id="162" name="TextShape 3"/>
           <p:cNvSpPr txBox="1"/>
           <p:nvPr/>
         </p:nvSpPr>
@@ -349,23 +675,24 @@
         </p:spPr>
         <p:txBody>
           <a:bodyPr anchor="b"/>
+          <a:lstStyle/>
           <a:p>
             <a:pPr algn="r">
               <a:lnSpc>
                 <a:spcPct val="100000"/>
               </a:lnSpc>
             </a:pPr>
-            <a:fld id="{2CE9D915-DC56-42DF-87C4-2E7909DE9216}" type="slidenum">
-              <a:rPr b="0" lang="en-GB" sz="1200" spc="-1" strike="noStrike">
+            <a:fld id="{CD2448F2-1C1A-4C12-A2AC-A871BFB85486}" type="slidenum">
+              <a:rPr lang="en-GB" sz="1200" b="0" strike="noStrike" spc="-1">
                 <a:solidFill>
                   <a:srgbClr val="000000"/>
                 </a:solidFill>
                 <a:latin typeface="+mn-lt"/>
                 <a:ea typeface="+mn-ea"/>
               </a:rPr>
-              <a:t>&lt;number&gt;</a:t>
+              <a:t>5</a:t>
             </a:fld>
-            <a:endParaRPr b="0" lang="en-GB" sz="1200" spc="-1" strike="noStrike">
+            <a:endParaRPr lang="en-GB" sz="1200" b="0" strike="noStrike" spc="-1">
               <a:latin typeface="Times New Roman"/>
             </a:endParaRPr>
           </a:p>
@@ -373,11 +700,14 @@
       </p:sp>
     </p:spTree>
   </p:cSld>
+  <p:clrMapOvr>
+    <a:masterClrMapping/>
+  </p:clrMapOvr>
 </p:notes>
 </file>
 
-<file path=ppt/notesSlides/notesSlide12.xml><?xml version="1.0" encoding="utf-8"?>
-<p:notes xmlns:a="http://schemas.openxmlformats.org/drawingml/2006/main" xmlns:p="http://schemas.openxmlformats.org/presentationml/2006/main" xmlns:r="http://schemas.openxmlformats.org/officeDocument/2006/relationships" xmlns:p14="http://schemas.microsoft.com/office/powerpoint/2010/main" xmlns:p15="http://schemas.microsoft.com/office/powerpoint/2012/main" xmlns:mc="http://schemas.openxmlformats.org/markup-compatibility/2006">
+<file path=ppt/notesSlides/notesSlide3.xml><?xml version="1.0" encoding="utf-8"?>
+<p:notes xmlns:a="http://schemas.openxmlformats.org/drawingml/2006/main" xmlns:r="http://schemas.openxmlformats.org/officeDocument/2006/relationships" xmlns:p="http://schemas.openxmlformats.org/presentationml/2006/main">
   <p:cSld>
     <p:spTree>
       <p:nvGrpSpPr>
@@ -395,9 +725,9 @@
       </p:grpSpPr>
       <p:sp>
         <p:nvSpPr>
-          <p:cNvPr id="172" name="PlaceHolder 1"/>
-          <p:cNvSpPr>
-            <a:spLocks noGrp="1"/>
+          <p:cNvPr id="163" name="PlaceHolder 1"/>
+          <p:cNvSpPr>
+            <a:spLocks noGrp="1" noRot="1" noChangeAspect="1"/>
           </p:cNvSpPr>
           <p:nvPr>
             <p:ph type="sldImg"/>
@@ -415,7 +745,7 @@
       </p:sp>
       <p:sp>
         <p:nvSpPr>
-          <p:cNvPr id="173" name="PlaceHolder 2"/>
+          <p:cNvPr id="164" name="PlaceHolder 2"/>
           <p:cNvSpPr>
             <a:spLocks noGrp="1"/>
           </p:cNvSpPr>
@@ -434,8 +764,9 @@
         </p:spPr>
         <p:txBody>
           <a:bodyPr/>
-          <a:p>
-            <a:endParaRPr b="0" lang="en-GB" sz="2000" spc="-1" strike="noStrike">
+          <a:lstStyle/>
+          <a:p>
+            <a:endParaRPr lang="en-GB" sz="2000" b="0" strike="noStrike" spc="-1">
               <a:latin typeface="Arial"/>
             </a:endParaRPr>
           </a:p>
@@ -443,7 +774,7 @@
       </p:sp>
       <p:sp>
         <p:nvSpPr>
-          <p:cNvPr id="174" name="TextShape 3"/>
+          <p:cNvPr id="165" name="TextShape 3"/>
           <p:cNvSpPr txBox="1"/>
           <p:nvPr/>
         </p:nvSpPr>
@@ -462,23 +793,24 @@
         </p:spPr>
         <p:txBody>
           <a:bodyPr anchor="b"/>
+          <a:lstStyle/>
           <a:p>
             <a:pPr algn="r">
               <a:lnSpc>
                 <a:spcPct val="100000"/>
               </a:lnSpc>
             </a:pPr>
-            <a:fld id="{46011A57-C887-4058-9FD3-3EF093326DB6}" type="slidenum">
-              <a:rPr b="0" lang="en-GB" sz="1200" spc="-1" strike="noStrike">
+            <a:fld id="{AD5A9597-EEBE-443E-BFE1-F1B355CD8F4B}" type="slidenum">
+              <a:rPr lang="en-GB" sz="1200" b="0" strike="noStrike" spc="-1">
                 <a:solidFill>
                   <a:srgbClr val="000000"/>
                 </a:solidFill>
                 <a:latin typeface="+mn-lt"/>
                 <a:ea typeface="+mn-ea"/>
               </a:rPr>
-              <a:t>&lt;number&gt;</a:t>
+              <a:t>7</a:t>
             </a:fld>
-            <a:endParaRPr b="0" lang="en-GB" sz="1200" spc="-1" strike="noStrike">
+            <a:endParaRPr lang="en-GB" sz="1200" b="0" strike="noStrike" spc="-1">
               <a:latin typeface="Times New Roman"/>
             </a:endParaRPr>
           </a:p>
@@ -486,11 +818,14 @@
       </p:sp>
     </p:spTree>
   </p:cSld>
+  <p:clrMapOvr>
+    <a:masterClrMapping/>
+  </p:clrMapOvr>
 </p:notes>
 </file>
 
-<file path=ppt/notesSlides/notesSlide3.xml><?xml version="1.0" encoding="utf-8"?>
-<p:notes xmlns:a="http://schemas.openxmlformats.org/drawingml/2006/main" xmlns:p="http://schemas.openxmlformats.org/presentationml/2006/main" xmlns:r="http://schemas.openxmlformats.org/officeDocument/2006/relationships" xmlns:p14="http://schemas.microsoft.com/office/powerpoint/2010/main" xmlns:p15="http://schemas.microsoft.com/office/powerpoint/2012/main" xmlns:mc="http://schemas.openxmlformats.org/markup-compatibility/2006">
+<file path=ppt/notesSlides/notesSlide4.xml><?xml version="1.0" encoding="utf-8"?>
+<p:notes xmlns:a="http://schemas.openxmlformats.org/drawingml/2006/main" xmlns:r="http://schemas.openxmlformats.org/officeDocument/2006/relationships" xmlns:p="http://schemas.openxmlformats.org/presentationml/2006/main">
   <p:cSld>
     <p:spTree>
       <p:nvGrpSpPr>
@@ -508,9 +843,9 @@
       </p:grpSpPr>
       <p:sp>
         <p:nvSpPr>
-          <p:cNvPr id="157" name="PlaceHolder 1"/>
-          <p:cNvSpPr>
-            <a:spLocks noGrp="1"/>
+          <p:cNvPr id="166" name="PlaceHolder 1"/>
+          <p:cNvSpPr>
+            <a:spLocks noGrp="1" noRot="1" noChangeAspect="1"/>
           </p:cNvSpPr>
           <p:nvPr>
             <p:ph type="sldImg"/>
@@ -519,16 +854,16 @@
         <p:spPr>
           <a:xfrm>
             <a:off x="1143000" y="685800"/>
-            <a:ext cx="4571640" cy="3428640"/>
-          </a:xfrm>
-          <a:prstGeom prst="rect">
-            <a:avLst/>
-          </a:prstGeom>
-        </p:spPr>
-      </p:sp>
-      <p:sp>
-        <p:nvSpPr>
-          <p:cNvPr id="158" name="PlaceHolder 2"/>
+            <a:ext cx="4572000" cy="3429000"/>
+          </a:xfrm>
+          <a:prstGeom prst="rect">
+            <a:avLst/>
+          </a:prstGeom>
+        </p:spPr>
+      </p:sp>
+      <p:sp>
+        <p:nvSpPr>
+          <p:cNvPr id="167" name="PlaceHolder 2"/>
           <p:cNvSpPr>
             <a:spLocks noGrp="1"/>
           </p:cNvSpPr>
@@ -547,8 +882,9 @@
         </p:spPr>
         <p:txBody>
           <a:bodyPr/>
-          <a:p>
-            <a:endParaRPr b="0" lang="en-GB" sz="2000" spc="-1" strike="noStrike">
+          <a:lstStyle/>
+          <a:p>
+            <a:endParaRPr lang="en-GB" sz="2000" b="0" strike="noStrike" spc="-1">
               <a:latin typeface="Arial"/>
             </a:endParaRPr>
           </a:p>
@@ -556,7 +892,7 @@
       </p:sp>
       <p:sp>
         <p:nvSpPr>
-          <p:cNvPr id="159" name="TextShape 3"/>
+          <p:cNvPr id="168" name="TextShape 3"/>
           <p:cNvSpPr txBox="1"/>
           <p:nvPr/>
         </p:nvSpPr>
@@ -575,23 +911,24 @@
         </p:spPr>
         <p:txBody>
           <a:bodyPr anchor="b"/>
+          <a:lstStyle/>
           <a:p>
             <a:pPr algn="r">
               <a:lnSpc>
                 <a:spcPct val="100000"/>
               </a:lnSpc>
             </a:pPr>
-            <a:fld id="{880EC8A7-E425-4933-B90F-246058DCC64F}" type="slidenum">
-              <a:rPr b="0" lang="en-GB" sz="1200" spc="-1" strike="noStrike">
+            <a:fld id="{E067738F-F97B-4E30-BD0A-DF603DC96706}" type="slidenum">
+              <a:rPr lang="en-GB" sz="1200" b="0" strike="noStrike" spc="-1">
                 <a:solidFill>
                   <a:srgbClr val="000000"/>
                 </a:solidFill>
                 <a:latin typeface="+mn-lt"/>
                 <a:ea typeface="+mn-ea"/>
               </a:rPr>
-              <a:t>&lt;number&gt;</a:t>
+              <a:t>8</a:t>
             </a:fld>
-            <a:endParaRPr b="0" lang="en-GB" sz="1200" spc="-1" strike="noStrike">
+            <a:endParaRPr lang="en-GB" sz="1200" b="0" strike="noStrike" spc="-1">
               <a:latin typeface="Times New Roman"/>
             </a:endParaRPr>
           </a:p>
@@ -599,11 +936,14 @@
       </p:sp>
     </p:spTree>
   </p:cSld>
+  <p:clrMapOvr>
+    <a:masterClrMapping/>
+  </p:clrMapOvr>
 </p:notes>
 </file>
 
 <file path=ppt/notesSlides/notesSlide5.xml><?xml version="1.0" encoding="utf-8"?>
-<p:notes xmlns:a="http://schemas.openxmlformats.org/drawingml/2006/main" xmlns:p="http://schemas.openxmlformats.org/presentationml/2006/main" xmlns:r="http://schemas.openxmlformats.org/officeDocument/2006/relationships" xmlns:p14="http://schemas.microsoft.com/office/powerpoint/2010/main" xmlns:p15="http://schemas.microsoft.com/office/powerpoint/2012/main" xmlns:mc="http://schemas.openxmlformats.org/markup-compatibility/2006">
+<p:notes xmlns:a="http://schemas.openxmlformats.org/drawingml/2006/main" xmlns:r="http://schemas.openxmlformats.org/officeDocument/2006/relationships" xmlns:p="http://schemas.openxmlformats.org/presentationml/2006/main">
   <p:cSld>
     <p:spTree>
       <p:nvGrpSpPr>
@@ -621,9 +961,9 @@
       </p:grpSpPr>
       <p:sp>
         <p:nvSpPr>
-          <p:cNvPr id="160" name="PlaceHolder 1"/>
-          <p:cNvSpPr>
-            <a:spLocks noGrp="1"/>
+          <p:cNvPr id="169" name="PlaceHolder 1"/>
+          <p:cNvSpPr>
+            <a:spLocks noGrp="1" noRot="1" noChangeAspect="1"/>
           </p:cNvSpPr>
           <p:nvPr>
             <p:ph type="sldImg"/>
@@ -632,16 +972,16 @@
         <p:spPr>
           <a:xfrm>
             <a:off x="1143000" y="685800"/>
-            <a:ext cx="4571640" cy="3428640"/>
-          </a:xfrm>
-          <a:prstGeom prst="rect">
-            <a:avLst/>
-          </a:prstGeom>
-        </p:spPr>
-      </p:sp>
-      <p:sp>
-        <p:nvSpPr>
-          <p:cNvPr id="161" name="PlaceHolder 2"/>
+            <a:ext cx="4572000" cy="3429000"/>
+          </a:xfrm>
+          <a:prstGeom prst="rect">
+            <a:avLst/>
+          </a:prstGeom>
+        </p:spPr>
+      </p:sp>
+      <p:sp>
+        <p:nvSpPr>
+          <p:cNvPr id="170" name="PlaceHolder 2"/>
           <p:cNvSpPr>
             <a:spLocks noGrp="1"/>
           </p:cNvSpPr>
@@ -660,8 +1000,9 @@
         </p:spPr>
         <p:txBody>
           <a:bodyPr/>
-          <a:p>
-            <a:endParaRPr b="0" lang="en-GB" sz="2000" spc="-1" strike="noStrike">
+          <a:lstStyle/>
+          <a:p>
+            <a:endParaRPr lang="en-GB" sz="2000" b="0" strike="noStrike" spc="-1">
               <a:latin typeface="Arial"/>
             </a:endParaRPr>
           </a:p>
@@ -669,7 +1010,7 @@
       </p:sp>
       <p:sp>
         <p:nvSpPr>
-          <p:cNvPr id="162" name="TextShape 3"/>
+          <p:cNvPr id="171" name="TextShape 3"/>
           <p:cNvSpPr txBox="1"/>
           <p:nvPr/>
         </p:nvSpPr>
@@ -688,23 +1029,24 @@
         </p:spPr>
         <p:txBody>
           <a:bodyPr anchor="b"/>
+          <a:lstStyle/>
           <a:p>
             <a:pPr algn="r">
               <a:lnSpc>
                 <a:spcPct val="100000"/>
               </a:lnSpc>
             </a:pPr>
-            <a:fld id="{CD2448F2-1C1A-4C12-A2AC-A871BFB85486}" type="slidenum">
-              <a:rPr b="0" lang="en-GB" sz="1200" spc="-1" strike="noStrike">
+            <a:fld id="{2CE9D915-DC56-42DF-87C4-2E7909DE9216}" type="slidenum">
+              <a:rPr lang="en-GB" sz="1200" b="0" strike="noStrike" spc="-1">
                 <a:solidFill>
                   <a:srgbClr val="000000"/>
                 </a:solidFill>
                 <a:latin typeface="+mn-lt"/>
                 <a:ea typeface="+mn-ea"/>
               </a:rPr>
-              <a:t>&lt;number&gt;</a:t>
+              <a:t>10</a:t>
             </a:fld>
-            <a:endParaRPr b="0" lang="en-GB" sz="1200" spc="-1" strike="noStrike">
+            <a:endParaRPr lang="en-GB" sz="1200" b="0" strike="noStrike" spc="-1">
               <a:latin typeface="Times New Roman"/>
             </a:endParaRPr>
           </a:p>
@@ -712,11 +1054,14 @@
       </p:sp>
     </p:spTree>
   </p:cSld>
+  <p:clrMapOvr>
+    <a:masterClrMapping/>
+  </p:clrMapOvr>
 </p:notes>
 </file>
 
-<file path=ppt/notesSlides/notesSlide7.xml><?xml version="1.0" encoding="utf-8"?>
-<p:notes xmlns:a="http://schemas.openxmlformats.org/drawingml/2006/main" xmlns:p="http://schemas.openxmlformats.org/presentationml/2006/main" xmlns:r="http://schemas.openxmlformats.org/officeDocument/2006/relationships" xmlns:p14="http://schemas.microsoft.com/office/powerpoint/2010/main" xmlns:p15="http://schemas.microsoft.com/office/powerpoint/2012/main" xmlns:mc="http://schemas.openxmlformats.org/markup-compatibility/2006">
+<file path=ppt/notesSlides/notesSlide6.xml><?xml version="1.0" encoding="utf-8"?>
+<p:notes xmlns:a="http://schemas.openxmlformats.org/drawingml/2006/main" xmlns:r="http://schemas.openxmlformats.org/officeDocument/2006/relationships" xmlns:p="http://schemas.openxmlformats.org/presentationml/2006/main">
   <p:cSld>
     <p:spTree>
       <p:nvGrpSpPr>
@@ -734,9 +1079,9 @@
       </p:grpSpPr>
       <p:sp>
         <p:nvSpPr>
-          <p:cNvPr id="163" name="PlaceHolder 1"/>
-          <p:cNvSpPr>
-            <a:spLocks noGrp="1"/>
+          <p:cNvPr id="172" name="PlaceHolder 1"/>
+          <p:cNvSpPr>
+            <a:spLocks noGrp="1" noRot="1" noChangeAspect="1"/>
           </p:cNvSpPr>
           <p:nvPr>
             <p:ph type="sldImg"/>
@@ -745,16 +1090,16 @@
         <p:spPr>
           <a:xfrm>
             <a:off x="1143000" y="685800"/>
-            <a:ext cx="4571640" cy="3428640"/>
-          </a:xfrm>
-          <a:prstGeom prst="rect">
-            <a:avLst/>
-          </a:prstGeom>
-        </p:spPr>
-      </p:sp>
-      <p:sp>
-        <p:nvSpPr>
-          <p:cNvPr id="164" name="PlaceHolder 2"/>
+            <a:ext cx="4572000" cy="3429000"/>
+          </a:xfrm>
+          <a:prstGeom prst="rect">
+            <a:avLst/>
+          </a:prstGeom>
+        </p:spPr>
+      </p:sp>
+      <p:sp>
+        <p:nvSpPr>
+          <p:cNvPr id="173" name="PlaceHolder 2"/>
           <p:cNvSpPr>
             <a:spLocks noGrp="1"/>
           </p:cNvSpPr>
@@ -773,8 +1118,9 @@
         </p:spPr>
         <p:txBody>
           <a:bodyPr/>
-          <a:p>
-            <a:endParaRPr b="0" lang="en-GB" sz="2000" spc="-1" strike="noStrike">
+          <a:lstStyle/>
+          <a:p>
+            <a:endParaRPr lang="en-GB" sz="2000" b="0" strike="noStrike" spc="-1" dirty="0">
               <a:latin typeface="Arial"/>
             </a:endParaRPr>
           </a:p>
@@ -782,7 +1128,7 @@
       </p:sp>
       <p:sp>
         <p:nvSpPr>
-          <p:cNvPr id="165" name="TextShape 3"/>
+          <p:cNvPr id="174" name="TextShape 3"/>
           <p:cNvSpPr txBox="1"/>
           <p:nvPr/>
         </p:nvSpPr>
@@ -801,23 +1147,24 @@
         </p:spPr>
         <p:txBody>
           <a:bodyPr anchor="b"/>
+          <a:lstStyle/>
           <a:p>
             <a:pPr algn="r">
               <a:lnSpc>
                 <a:spcPct val="100000"/>
               </a:lnSpc>
             </a:pPr>
-            <a:fld id="{AD5A9597-EEBE-443E-BFE1-F1B355CD8F4B}" type="slidenum">
-              <a:rPr b="0" lang="en-GB" sz="1200" spc="-1" strike="noStrike">
+            <a:fld id="{46011A57-C887-4058-9FD3-3EF093326DB6}" type="slidenum">
+              <a:rPr lang="en-GB" sz="1200" b="0" strike="noStrike" spc="-1">
                 <a:solidFill>
                   <a:srgbClr val="000000"/>
                 </a:solidFill>
                 <a:latin typeface="+mn-lt"/>
                 <a:ea typeface="+mn-ea"/>
               </a:rPr>
-              <a:t>&lt;number&gt;</a:t>
+              <a:t>12</a:t>
             </a:fld>
-            <a:endParaRPr b="0" lang="en-GB" sz="1200" spc="-1" strike="noStrike">
+            <a:endParaRPr lang="en-GB" sz="1200" b="0" strike="noStrike" spc="-1" dirty="0">
               <a:latin typeface="Times New Roman"/>
             </a:endParaRPr>
           </a:p>
@@ -825,124 +1172,14 @@
       </p:sp>
     </p:spTree>
   </p:cSld>
-</p:notes>
-</file>
-
-<file path=ppt/notesSlides/notesSlide8.xml><?xml version="1.0" encoding="utf-8"?>
-<p:notes xmlns:a="http://schemas.openxmlformats.org/drawingml/2006/main" xmlns:p="http://schemas.openxmlformats.org/presentationml/2006/main" xmlns:r="http://schemas.openxmlformats.org/officeDocument/2006/relationships" xmlns:p14="http://schemas.microsoft.com/office/powerpoint/2010/main" xmlns:p15="http://schemas.microsoft.com/office/powerpoint/2012/main" xmlns:mc="http://schemas.openxmlformats.org/markup-compatibility/2006">
-  <p:cSld>
-    <p:spTree>
-      <p:nvGrpSpPr>
-        <p:cNvPr id="1" name=""/>
-        <p:cNvGrpSpPr/>
-        <p:nvPr/>
-      </p:nvGrpSpPr>
-      <p:grpSpPr>
-        <a:xfrm>
-          <a:off x="0" y="0"/>
-          <a:ext cx="0" cy="0"/>
-          <a:chOff x="0" y="0"/>
-          <a:chExt cx="0" cy="0"/>
-        </a:xfrm>
-      </p:grpSpPr>
-      <p:sp>
-        <p:nvSpPr>
-          <p:cNvPr id="166" name="PlaceHolder 1"/>
-          <p:cNvSpPr>
-            <a:spLocks noGrp="1"/>
-          </p:cNvSpPr>
-          <p:nvPr>
-            <p:ph type="sldImg"/>
-          </p:nvPr>
-        </p:nvSpPr>
-        <p:spPr>
-          <a:xfrm>
-            <a:off x="1143000" y="685800"/>
-            <a:ext cx="4571640" cy="3428640"/>
-          </a:xfrm>
-          <a:prstGeom prst="rect">
-            <a:avLst/>
-          </a:prstGeom>
-        </p:spPr>
-      </p:sp>
-      <p:sp>
-        <p:nvSpPr>
-          <p:cNvPr id="167" name="PlaceHolder 2"/>
-          <p:cNvSpPr>
-            <a:spLocks noGrp="1"/>
-          </p:cNvSpPr>
-          <p:nvPr>
-            <p:ph type="body"/>
-          </p:nvPr>
-        </p:nvSpPr>
-        <p:spPr>
-          <a:xfrm>
-            <a:off x="685800" y="4343400"/>
-            <a:ext cx="5486040" cy="4114440"/>
-          </a:xfrm>
-          <a:prstGeom prst="rect">
-            <a:avLst/>
-          </a:prstGeom>
-        </p:spPr>
-        <p:txBody>
-          <a:bodyPr/>
-          <a:p>
-            <a:endParaRPr b="0" lang="en-GB" sz="2000" spc="-1" strike="noStrike">
-              <a:latin typeface="Arial"/>
-            </a:endParaRPr>
-          </a:p>
-        </p:txBody>
-      </p:sp>
-      <p:sp>
-        <p:nvSpPr>
-          <p:cNvPr id="168" name="TextShape 3"/>
-          <p:cNvSpPr txBox="1"/>
-          <p:nvPr/>
-        </p:nvSpPr>
-        <p:spPr>
-          <a:xfrm>
-            <a:off x="3884760" y="8685360"/>
-            <a:ext cx="2971440" cy="456840"/>
-          </a:xfrm>
-          <a:prstGeom prst="rect">
-            <a:avLst/>
-          </a:prstGeom>
-          <a:noFill/>
-          <a:ln>
-            <a:noFill/>
-          </a:ln>
-        </p:spPr>
-        <p:txBody>
-          <a:bodyPr anchor="b"/>
-          <a:p>
-            <a:pPr algn="r">
-              <a:lnSpc>
-                <a:spcPct val="100000"/>
-              </a:lnSpc>
-            </a:pPr>
-            <a:fld id="{E067738F-F97B-4E30-BD0A-DF603DC96706}" type="slidenum">
-              <a:rPr b="0" lang="en-GB" sz="1200" spc="-1" strike="noStrike">
-                <a:solidFill>
-                  <a:srgbClr val="000000"/>
-                </a:solidFill>
-                <a:latin typeface="+mn-lt"/>
-                <a:ea typeface="+mn-ea"/>
-              </a:rPr>
-              <a:t>&lt;number&gt;</a:t>
-            </a:fld>
-            <a:endParaRPr b="0" lang="en-GB" sz="1200" spc="-1" strike="noStrike">
-              <a:latin typeface="Times New Roman"/>
-            </a:endParaRPr>
-          </a:p>
-        </p:txBody>
-      </p:sp>
-    </p:spTree>
-  </p:cSld>
+  <p:clrMapOvr>
+    <a:masterClrMapping/>
+  </p:clrMapOvr>
 </p:notes>
 </file>
 
 <file path=ppt/slideLayouts/slideLayout1.xml><?xml version="1.0" encoding="utf-8"?>
-<p:sldLayout xmlns:a="http://schemas.openxmlformats.org/drawingml/2006/main" xmlns:p="http://schemas.openxmlformats.org/presentationml/2006/main" xmlns:r="http://schemas.openxmlformats.org/officeDocument/2006/relationships" xmlns:p14="http://schemas.microsoft.com/office/powerpoint/2010/main" xmlns:p15="http://schemas.microsoft.com/office/powerpoint/2012/main" xmlns:mc="http://schemas.openxmlformats.org/markup-compatibility/2006" type="blank" preserve="1">
+<p:sldLayout xmlns:a="http://schemas.openxmlformats.org/drawingml/2006/main" xmlns:r="http://schemas.openxmlformats.org/officeDocument/2006/relationships" xmlns:p="http://schemas.openxmlformats.org/presentationml/2006/main" type="blank" preserve="1">
   <p:cSld name="Blank Slide">
     <p:spTree>
       <p:nvGrpSpPr>
@@ -960,11 +1197,14 @@
       </p:grpSpPr>
     </p:spTree>
   </p:cSld>
+  <p:clrMapOvr>
+    <a:masterClrMapping/>
+  </p:clrMapOvr>
 </p:sldLayout>
 </file>
 
 <file path=ppt/slideLayouts/slideLayout10.xml><?xml version="1.0" encoding="utf-8"?>
-<p:sldLayout xmlns:a="http://schemas.openxmlformats.org/drawingml/2006/main" xmlns:p="http://schemas.openxmlformats.org/presentationml/2006/main" xmlns:r="http://schemas.openxmlformats.org/officeDocument/2006/relationships" xmlns:p14="http://schemas.microsoft.com/office/powerpoint/2010/main" xmlns:p15="http://schemas.microsoft.com/office/powerpoint/2012/main" xmlns:mc="http://schemas.openxmlformats.org/markup-compatibility/2006" type="objOverTx" preserve="1">
+<p:sldLayout xmlns:a="http://schemas.openxmlformats.org/drawingml/2006/main" xmlns:r="http://schemas.openxmlformats.org/officeDocument/2006/relationships" xmlns:p="http://schemas.openxmlformats.org/presentationml/2006/main" type="objOverTx" preserve="1">
   <p:cSld name="Title, Content over Content">
     <p:spTree>
       <p:nvGrpSpPr>
@@ -1000,9 +1240,10 @@
           </a:prstGeom>
         </p:spPr>
         <p:txBody>
-          <a:bodyPr lIns="0" rIns="0" tIns="0" bIns="0" anchor="ctr"/>
-          <a:p>
-            <a:endParaRPr b="0" lang="pt-PT" sz="1800" spc="-1" strike="noStrike">
+          <a:bodyPr lIns="0" tIns="0" rIns="0" bIns="0" anchor="ctr"/>
+          <a:lstStyle/>
+          <a:p>
+            <a:endParaRPr lang="pt-PT" sz="1800" b="0" strike="noStrike" spc="-1">
               <a:solidFill>
                 <a:srgbClr val="000000"/>
               </a:solidFill>
@@ -1031,11 +1272,12 @@
           </a:prstGeom>
         </p:spPr>
         <p:txBody>
-          <a:bodyPr lIns="0" rIns="0" tIns="0" bIns="0">
+          <a:bodyPr lIns="0" tIns="0" rIns="0" bIns="0">
             <a:normAutofit/>
           </a:bodyPr>
-          <a:p>
-            <a:endParaRPr b="1" lang="pt-PT" sz="3200" spc="-1" strike="noStrike">
+          <a:lstStyle/>
+          <a:p>
+            <a:endParaRPr lang="pt-PT" sz="3200" b="1" strike="noStrike" spc="-1">
               <a:solidFill>
                 <a:srgbClr val="336699"/>
               </a:solidFill>
@@ -1064,11 +1306,12 @@
           </a:prstGeom>
         </p:spPr>
         <p:txBody>
-          <a:bodyPr lIns="0" rIns="0" tIns="0" bIns="0">
+          <a:bodyPr lIns="0" tIns="0" rIns="0" bIns="0">
             <a:normAutofit/>
           </a:bodyPr>
-          <a:p>
-            <a:endParaRPr b="1" lang="pt-PT" sz="3200" spc="-1" strike="noStrike">
+          <a:lstStyle/>
+          <a:p>
+            <a:endParaRPr lang="pt-PT" sz="3200" b="1" strike="noStrike" spc="-1">
               <a:solidFill>
                 <a:srgbClr val="336699"/>
               </a:solidFill>
@@ -1079,11 +1322,14 @@
       </p:sp>
     </p:spTree>
   </p:cSld>
+  <p:clrMapOvr>
+    <a:masterClrMapping/>
+  </p:clrMapOvr>
 </p:sldLayout>
 </file>
 
 <file path=ppt/slideLayouts/slideLayout11.xml><?xml version="1.0" encoding="utf-8"?>
-<p:sldLayout xmlns:a="http://schemas.openxmlformats.org/drawingml/2006/main" xmlns:p="http://schemas.openxmlformats.org/presentationml/2006/main" xmlns:r="http://schemas.openxmlformats.org/officeDocument/2006/relationships" xmlns:p14="http://schemas.microsoft.com/office/powerpoint/2010/main" xmlns:p15="http://schemas.microsoft.com/office/powerpoint/2012/main" xmlns:mc="http://schemas.openxmlformats.org/markup-compatibility/2006" type="fourObj" preserve="1">
+<p:sldLayout xmlns:a="http://schemas.openxmlformats.org/drawingml/2006/main" xmlns:r="http://schemas.openxmlformats.org/officeDocument/2006/relationships" xmlns:p="http://schemas.openxmlformats.org/presentationml/2006/main" type="fourObj" preserve="1">
   <p:cSld name="Title, 4 Content">
     <p:spTree>
       <p:nvGrpSpPr>
@@ -1119,9 +1365,10 @@
           </a:prstGeom>
         </p:spPr>
         <p:txBody>
-          <a:bodyPr lIns="0" rIns="0" tIns="0" bIns="0" anchor="ctr"/>
-          <a:p>
-            <a:endParaRPr b="0" lang="pt-PT" sz="1800" spc="-1" strike="noStrike">
+          <a:bodyPr lIns="0" tIns="0" rIns="0" bIns="0" anchor="ctr"/>
+          <a:lstStyle/>
+          <a:p>
+            <a:endParaRPr lang="pt-PT" sz="1800" b="0" strike="noStrike" spc="-1">
               <a:solidFill>
                 <a:srgbClr val="000000"/>
               </a:solidFill>
@@ -1150,11 +1397,12 @@
           </a:prstGeom>
         </p:spPr>
         <p:txBody>
-          <a:bodyPr lIns="0" rIns="0" tIns="0" bIns="0">
+          <a:bodyPr lIns="0" tIns="0" rIns="0" bIns="0">
             <a:normAutofit/>
           </a:bodyPr>
-          <a:p>
-            <a:endParaRPr b="1" lang="pt-PT" sz="3200" spc="-1" strike="noStrike">
+          <a:lstStyle/>
+          <a:p>
+            <a:endParaRPr lang="pt-PT" sz="3200" b="1" strike="noStrike" spc="-1">
               <a:solidFill>
                 <a:srgbClr val="336699"/>
               </a:solidFill>
@@ -1183,11 +1431,12 @@
           </a:prstGeom>
         </p:spPr>
         <p:txBody>
-          <a:bodyPr lIns="0" rIns="0" tIns="0" bIns="0">
+          <a:bodyPr lIns="0" tIns="0" rIns="0" bIns="0">
             <a:normAutofit/>
           </a:bodyPr>
-          <a:p>
-            <a:endParaRPr b="1" lang="pt-PT" sz="3200" spc="-1" strike="noStrike">
+          <a:lstStyle/>
+          <a:p>
+            <a:endParaRPr lang="pt-PT" sz="3200" b="1" strike="noStrike" spc="-1">
               <a:solidFill>
                 <a:srgbClr val="336699"/>
               </a:solidFill>
@@ -1216,11 +1465,12 @@
           </a:prstGeom>
         </p:spPr>
         <p:txBody>
-          <a:bodyPr lIns="0" rIns="0" tIns="0" bIns="0">
+          <a:bodyPr lIns="0" tIns="0" rIns="0" bIns="0">
             <a:normAutofit/>
           </a:bodyPr>
-          <a:p>
-            <a:endParaRPr b="1" lang="pt-PT" sz="3200" spc="-1" strike="noStrike">
+          <a:lstStyle/>
+          <a:p>
+            <a:endParaRPr lang="pt-PT" sz="3200" b="1" strike="noStrike" spc="-1">
               <a:solidFill>
                 <a:srgbClr val="336699"/>
               </a:solidFill>
@@ -1249,11 +1499,12 @@
           </a:prstGeom>
         </p:spPr>
         <p:txBody>
-          <a:bodyPr lIns="0" rIns="0" tIns="0" bIns="0">
+          <a:bodyPr lIns="0" tIns="0" rIns="0" bIns="0">
             <a:normAutofit/>
           </a:bodyPr>
-          <a:p>
-            <a:endParaRPr b="1" lang="pt-PT" sz="3200" spc="-1" strike="noStrike">
+          <a:lstStyle/>
+          <a:p>
+            <a:endParaRPr lang="pt-PT" sz="3200" b="1" strike="noStrike" spc="-1">
               <a:solidFill>
                 <a:srgbClr val="336699"/>
               </a:solidFill>
@@ -1264,11 +1515,14 @@
       </p:sp>
     </p:spTree>
   </p:cSld>
+  <p:clrMapOvr>
+    <a:masterClrMapping/>
+  </p:clrMapOvr>
 </p:sldLayout>
 </file>
 
 <file path=ppt/slideLayouts/slideLayout12.xml><?xml version="1.0" encoding="utf-8"?>
-<p:sldLayout xmlns:a="http://schemas.openxmlformats.org/drawingml/2006/main" xmlns:p="http://schemas.openxmlformats.org/presentationml/2006/main" xmlns:r="http://schemas.openxmlformats.org/officeDocument/2006/relationships" xmlns:p14="http://schemas.microsoft.com/office/powerpoint/2010/main" xmlns:p15="http://schemas.microsoft.com/office/powerpoint/2012/main" xmlns:mc="http://schemas.openxmlformats.org/markup-compatibility/2006" type="blank" preserve="1">
+<p:sldLayout xmlns:a="http://schemas.openxmlformats.org/drawingml/2006/main" xmlns:r="http://schemas.openxmlformats.org/officeDocument/2006/relationships" xmlns:p="http://schemas.openxmlformats.org/presentationml/2006/main" type="blank" preserve="1">
   <p:cSld name="Title, 6 Content">
     <p:spTree>
       <p:nvGrpSpPr>
@@ -1304,9 +1558,10 @@
           </a:prstGeom>
         </p:spPr>
         <p:txBody>
-          <a:bodyPr lIns="0" rIns="0" tIns="0" bIns="0" anchor="ctr"/>
-          <a:p>
-            <a:endParaRPr b="0" lang="pt-PT" sz="1800" spc="-1" strike="noStrike">
+          <a:bodyPr lIns="0" tIns="0" rIns="0" bIns="0" anchor="ctr"/>
+          <a:lstStyle/>
+          <a:p>
+            <a:endParaRPr lang="pt-PT" sz="1800" b="0" strike="noStrike" spc="-1">
               <a:solidFill>
                 <a:srgbClr val="000000"/>
               </a:solidFill>
@@ -1335,11 +1590,12 @@
           </a:prstGeom>
         </p:spPr>
         <p:txBody>
-          <a:bodyPr lIns="0" rIns="0" tIns="0" bIns="0">
+          <a:bodyPr lIns="0" tIns="0" rIns="0" bIns="0">
             <a:normAutofit/>
           </a:bodyPr>
-          <a:p>
-            <a:endParaRPr b="1" lang="pt-PT" sz="3200" spc="-1" strike="noStrike">
+          <a:lstStyle/>
+          <a:p>
+            <a:endParaRPr lang="pt-PT" sz="3200" b="1" strike="noStrike" spc="-1">
               <a:solidFill>
                 <a:srgbClr val="336699"/>
               </a:solidFill>
@@ -1368,11 +1624,12 @@
           </a:prstGeom>
         </p:spPr>
         <p:txBody>
-          <a:bodyPr lIns="0" rIns="0" tIns="0" bIns="0">
+          <a:bodyPr lIns="0" tIns="0" rIns="0" bIns="0">
             <a:normAutofit/>
           </a:bodyPr>
-          <a:p>
-            <a:endParaRPr b="1" lang="pt-PT" sz="3200" spc="-1" strike="noStrike">
+          <a:lstStyle/>
+          <a:p>
+            <a:endParaRPr lang="pt-PT" sz="3200" b="1" strike="noStrike" spc="-1">
               <a:solidFill>
                 <a:srgbClr val="336699"/>
               </a:solidFill>
@@ -1401,11 +1658,12 @@
           </a:prstGeom>
         </p:spPr>
         <p:txBody>
-          <a:bodyPr lIns="0" rIns="0" tIns="0" bIns="0">
+          <a:bodyPr lIns="0" tIns="0" rIns="0" bIns="0">
             <a:normAutofit/>
           </a:bodyPr>
-          <a:p>
-            <a:endParaRPr b="1" lang="pt-PT" sz="3200" spc="-1" strike="noStrike">
+          <a:lstStyle/>
+          <a:p>
+            <a:endParaRPr lang="pt-PT" sz="3200" b="1" strike="noStrike" spc="-1">
               <a:solidFill>
                 <a:srgbClr val="336699"/>
               </a:solidFill>
@@ -1434,11 +1692,12 @@
           </a:prstGeom>
         </p:spPr>
         <p:txBody>
-          <a:bodyPr lIns="0" rIns="0" tIns="0" bIns="0">
+          <a:bodyPr lIns="0" tIns="0" rIns="0" bIns="0">
             <a:normAutofit/>
           </a:bodyPr>
-          <a:p>
-            <a:endParaRPr b="1" lang="pt-PT" sz="3200" spc="-1" strike="noStrike">
+          <a:lstStyle/>
+          <a:p>
+            <a:endParaRPr lang="pt-PT" sz="3200" b="1" strike="noStrike" spc="-1">
               <a:solidFill>
                 <a:srgbClr val="336699"/>
               </a:solidFill>
@@ -1467,11 +1726,12 @@
           </a:prstGeom>
         </p:spPr>
         <p:txBody>
-          <a:bodyPr lIns="0" rIns="0" tIns="0" bIns="0">
+          <a:bodyPr lIns="0" tIns="0" rIns="0" bIns="0">
             <a:normAutofit/>
           </a:bodyPr>
-          <a:p>
-            <a:endParaRPr b="1" lang="pt-PT" sz="3200" spc="-1" strike="noStrike">
+          <a:lstStyle/>
+          <a:p>
+            <a:endParaRPr lang="pt-PT" sz="3200" b="1" strike="noStrike" spc="-1">
               <a:solidFill>
                 <a:srgbClr val="336699"/>
               </a:solidFill>
@@ -1500,11 +1760,12 @@
           </a:prstGeom>
         </p:spPr>
         <p:txBody>
-          <a:bodyPr lIns="0" rIns="0" tIns="0" bIns="0">
+          <a:bodyPr lIns="0" tIns="0" rIns="0" bIns="0">
             <a:normAutofit/>
           </a:bodyPr>
-          <a:p>
-            <a:endParaRPr b="1" lang="pt-PT" sz="3200" spc="-1" strike="noStrike">
+          <a:lstStyle/>
+          <a:p>
+            <a:endParaRPr lang="pt-PT" sz="3200" b="1" strike="noStrike" spc="-1">
               <a:solidFill>
                 <a:srgbClr val="336699"/>
               </a:solidFill>
@@ -1515,11 +1776,14 @@
       </p:sp>
     </p:spTree>
   </p:cSld>
+  <p:clrMapOvr>
+    <a:masterClrMapping/>
+  </p:clrMapOvr>
 </p:sldLayout>
 </file>
 
 <file path=ppt/slideLayouts/slideLayout13.xml><?xml version="1.0" encoding="utf-8"?>
-<p:sldLayout xmlns:a="http://schemas.openxmlformats.org/drawingml/2006/main" xmlns:p="http://schemas.openxmlformats.org/presentationml/2006/main" xmlns:r="http://schemas.openxmlformats.org/officeDocument/2006/relationships" xmlns:p14="http://schemas.microsoft.com/office/powerpoint/2010/main" xmlns:p15="http://schemas.microsoft.com/office/powerpoint/2012/main" xmlns:mc="http://schemas.openxmlformats.org/markup-compatibility/2006" type="blank" preserve="1">
+<p:sldLayout xmlns:a="http://schemas.openxmlformats.org/drawingml/2006/main" xmlns:r="http://schemas.openxmlformats.org/officeDocument/2006/relationships" xmlns:p="http://schemas.openxmlformats.org/presentationml/2006/main" type="blank" preserve="1">
   <p:cSld name="Blank Slide">
     <p:spTree>
       <p:nvGrpSpPr>
@@ -1537,11 +1801,14 @@
       </p:grpSpPr>
     </p:spTree>
   </p:cSld>
+  <p:clrMapOvr>
+    <a:masterClrMapping/>
+  </p:clrMapOvr>
 </p:sldLayout>
 </file>
 
 <file path=ppt/slideLayouts/slideLayout14.xml><?xml version="1.0" encoding="utf-8"?>
-<p:sldLayout xmlns:a="http://schemas.openxmlformats.org/drawingml/2006/main" xmlns:p="http://schemas.openxmlformats.org/presentationml/2006/main" xmlns:r="http://schemas.openxmlformats.org/officeDocument/2006/relationships" xmlns:p14="http://schemas.microsoft.com/office/powerpoint/2010/main" xmlns:p15="http://schemas.microsoft.com/office/powerpoint/2012/main" xmlns:mc="http://schemas.openxmlformats.org/markup-compatibility/2006" type="tx" preserve="1">
+<p:sldLayout xmlns:a="http://schemas.openxmlformats.org/drawingml/2006/main" xmlns:r="http://schemas.openxmlformats.org/officeDocument/2006/relationships" xmlns:p="http://schemas.openxmlformats.org/presentationml/2006/main" type="tx" preserve="1">
   <p:cSld name="Title Slide">
     <p:spTree>
       <p:nvGrpSpPr>
@@ -1577,9 +1844,10 @@
           </a:prstGeom>
         </p:spPr>
         <p:txBody>
-          <a:bodyPr lIns="0" rIns="0" tIns="0" bIns="0" anchor="ctr"/>
-          <a:p>
-            <a:endParaRPr b="0" lang="pt-PT" sz="1800" spc="-1" strike="noStrike">
+          <a:bodyPr lIns="0" tIns="0" rIns="0" bIns="0" anchor="ctr"/>
+          <a:lstStyle/>
+          <a:p>
+            <a:endParaRPr lang="pt-PT" sz="1800" b="0" strike="noStrike" spc="-1">
               <a:solidFill>
                 <a:srgbClr val="000000"/>
               </a:solidFill>
@@ -1608,10 +1876,11 @@
           </a:prstGeom>
         </p:spPr>
         <p:txBody>
-          <a:bodyPr lIns="0" rIns="0" tIns="0" bIns="0" anchor="ctr"/>
+          <a:bodyPr lIns="0" tIns="0" rIns="0" bIns="0" anchor="ctr"/>
+          <a:lstStyle/>
           <a:p>
             <a:pPr algn="ctr"/>
-            <a:endParaRPr b="0" lang="en-GB" sz="3200" spc="-1" strike="noStrike">
+            <a:endParaRPr lang="en-GB" sz="3200" b="0" strike="noStrike" spc="-1">
               <a:latin typeface="Arial"/>
             </a:endParaRPr>
           </a:p>
@@ -1619,11 +1888,14 @@
       </p:sp>
     </p:spTree>
   </p:cSld>
+  <p:clrMapOvr>
+    <a:masterClrMapping/>
+  </p:clrMapOvr>
 </p:sldLayout>
 </file>
 
 <file path=ppt/slideLayouts/slideLayout15.xml><?xml version="1.0" encoding="utf-8"?>
-<p:sldLayout xmlns:a="http://schemas.openxmlformats.org/drawingml/2006/main" xmlns:p="http://schemas.openxmlformats.org/presentationml/2006/main" xmlns:r="http://schemas.openxmlformats.org/officeDocument/2006/relationships" xmlns:p14="http://schemas.microsoft.com/office/powerpoint/2010/main" xmlns:p15="http://schemas.microsoft.com/office/powerpoint/2012/main" xmlns:mc="http://schemas.openxmlformats.org/markup-compatibility/2006" type="obj" preserve="1">
+<p:sldLayout xmlns:a="http://schemas.openxmlformats.org/drawingml/2006/main" xmlns:r="http://schemas.openxmlformats.org/officeDocument/2006/relationships" xmlns:p="http://schemas.openxmlformats.org/presentationml/2006/main" type="obj" preserve="1">
   <p:cSld name="Title, Content">
     <p:spTree>
       <p:nvGrpSpPr>
@@ -1659,9 +1931,10 @@
           </a:prstGeom>
         </p:spPr>
         <p:txBody>
-          <a:bodyPr lIns="0" rIns="0" tIns="0" bIns="0" anchor="ctr"/>
-          <a:p>
-            <a:endParaRPr b="0" lang="pt-PT" sz="1800" spc="-1" strike="noStrike">
+          <a:bodyPr lIns="0" tIns="0" rIns="0" bIns="0" anchor="ctr"/>
+          <a:lstStyle/>
+          <a:p>
+            <a:endParaRPr lang="pt-PT" sz="1800" b="0" strike="noStrike" spc="-1">
               <a:solidFill>
                 <a:srgbClr val="000000"/>
               </a:solidFill>
@@ -1690,11 +1963,12 @@
           </a:prstGeom>
         </p:spPr>
         <p:txBody>
-          <a:bodyPr lIns="0" rIns="0" tIns="0" bIns="0">
+          <a:bodyPr lIns="0" tIns="0" rIns="0" bIns="0">
             <a:normAutofit/>
           </a:bodyPr>
-          <a:p>
-            <a:endParaRPr b="1" lang="pt-PT" sz="3200" spc="-1" strike="noStrike">
+          <a:lstStyle/>
+          <a:p>
+            <a:endParaRPr lang="pt-PT" sz="3200" b="1" strike="noStrike" spc="-1">
               <a:solidFill>
                 <a:srgbClr val="336699"/>
               </a:solidFill>
@@ -1705,11 +1979,14 @@
       </p:sp>
     </p:spTree>
   </p:cSld>
+  <p:clrMapOvr>
+    <a:masterClrMapping/>
+  </p:clrMapOvr>
 </p:sldLayout>
 </file>
 
 <file path=ppt/slideLayouts/slideLayout16.xml><?xml version="1.0" encoding="utf-8"?>
-<p:sldLayout xmlns:a="http://schemas.openxmlformats.org/drawingml/2006/main" xmlns:p="http://schemas.openxmlformats.org/presentationml/2006/main" xmlns:r="http://schemas.openxmlformats.org/officeDocument/2006/relationships" xmlns:p14="http://schemas.microsoft.com/office/powerpoint/2010/main" xmlns:p15="http://schemas.microsoft.com/office/powerpoint/2012/main" xmlns:mc="http://schemas.openxmlformats.org/markup-compatibility/2006" type="twoObj" preserve="1">
+<p:sldLayout xmlns:a="http://schemas.openxmlformats.org/drawingml/2006/main" xmlns:r="http://schemas.openxmlformats.org/officeDocument/2006/relationships" xmlns:p="http://schemas.openxmlformats.org/presentationml/2006/main" type="twoObj" preserve="1">
   <p:cSld name="Title, 2 Content">
     <p:spTree>
       <p:nvGrpSpPr>
@@ -1745,9 +2022,10 @@
           </a:prstGeom>
         </p:spPr>
         <p:txBody>
-          <a:bodyPr lIns="0" rIns="0" tIns="0" bIns="0" anchor="ctr"/>
-          <a:p>
-            <a:endParaRPr b="0" lang="pt-PT" sz="1800" spc="-1" strike="noStrike">
+          <a:bodyPr lIns="0" tIns="0" rIns="0" bIns="0" anchor="ctr"/>
+          <a:lstStyle/>
+          <a:p>
+            <a:endParaRPr lang="pt-PT" sz="1800" b="0" strike="noStrike" spc="-1">
               <a:solidFill>
                 <a:srgbClr val="000000"/>
               </a:solidFill>
@@ -1776,11 +2054,12 @@
           </a:prstGeom>
         </p:spPr>
         <p:txBody>
-          <a:bodyPr lIns="0" rIns="0" tIns="0" bIns="0">
+          <a:bodyPr lIns="0" tIns="0" rIns="0" bIns="0">
             <a:normAutofit/>
           </a:bodyPr>
-          <a:p>
-            <a:endParaRPr b="1" lang="pt-PT" sz="3200" spc="-1" strike="noStrike">
+          <a:lstStyle/>
+          <a:p>
+            <a:endParaRPr lang="pt-PT" sz="3200" b="1" strike="noStrike" spc="-1">
               <a:solidFill>
                 <a:srgbClr val="336699"/>
               </a:solidFill>
@@ -1809,11 +2088,12 @@
           </a:prstGeom>
         </p:spPr>
         <p:txBody>
-          <a:bodyPr lIns="0" rIns="0" tIns="0" bIns="0">
+          <a:bodyPr lIns="0" tIns="0" rIns="0" bIns="0">
             <a:normAutofit/>
           </a:bodyPr>
-          <a:p>
-            <a:endParaRPr b="1" lang="pt-PT" sz="3200" spc="-1" strike="noStrike">
+          <a:lstStyle/>
+          <a:p>
+            <a:endParaRPr lang="pt-PT" sz="3200" b="1" strike="noStrike" spc="-1">
               <a:solidFill>
                 <a:srgbClr val="336699"/>
               </a:solidFill>
@@ -1824,11 +2104,14 @@
       </p:sp>
     </p:spTree>
   </p:cSld>
+  <p:clrMapOvr>
+    <a:masterClrMapping/>
+  </p:clrMapOvr>
 </p:sldLayout>
 </file>
 
 <file path=ppt/slideLayouts/slideLayout17.xml><?xml version="1.0" encoding="utf-8"?>
-<p:sldLayout xmlns:a="http://schemas.openxmlformats.org/drawingml/2006/main" xmlns:p="http://schemas.openxmlformats.org/presentationml/2006/main" xmlns:r="http://schemas.openxmlformats.org/officeDocument/2006/relationships" xmlns:p14="http://schemas.microsoft.com/office/powerpoint/2010/main" xmlns:p15="http://schemas.microsoft.com/office/powerpoint/2012/main" xmlns:mc="http://schemas.openxmlformats.org/markup-compatibility/2006" type="titleOnly" preserve="1">
+<p:sldLayout xmlns:a="http://schemas.openxmlformats.org/drawingml/2006/main" xmlns:r="http://schemas.openxmlformats.org/officeDocument/2006/relationships" xmlns:p="http://schemas.openxmlformats.org/presentationml/2006/main" type="titleOnly" preserve="1">
   <p:cSld name="Title Only">
     <p:spTree>
       <p:nvGrpSpPr>
@@ -1864,9 +2147,10 @@
           </a:prstGeom>
         </p:spPr>
         <p:txBody>
-          <a:bodyPr lIns="0" rIns="0" tIns="0" bIns="0" anchor="ctr"/>
-          <a:p>
-            <a:endParaRPr b="0" lang="pt-PT" sz="1800" spc="-1" strike="noStrike">
+          <a:bodyPr lIns="0" tIns="0" rIns="0" bIns="0" anchor="ctr"/>
+          <a:lstStyle/>
+          <a:p>
+            <a:endParaRPr lang="pt-PT" sz="1800" b="0" strike="noStrike" spc="-1">
               <a:solidFill>
                 <a:srgbClr val="000000"/>
               </a:solidFill>
@@ -1877,11 +2161,14 @@
       </p:sp>
     </p:spTree>
   </p:cSld>
+  <p:clrMapOvr>
+    <a:masterClrMapping/>
+  </p:clrMapOvr>
 </p:sldLayout>
 </file>
 
 <file path=ppt/slideLayouts/slideLayout18.xml><?xml version="1.0" encoding="utf-8"?>
-<p:sldLayout xmlns:a="http://schemas.openxmlformats.org/drawingml/2006/main" xmlns:p="http://schemas.openxmlformats.org/presentationml/2006/main" xmlns:r="http://schemas.openxmlformats.org/officeDocument/2006/relationships" xmlns:p14="http://schemas.microsoft.com/office/powerpoint/2010/main" xmlns:p15="http://schemas.microsoft.com/office/powerpoint/2012/main" xmlns:mc="http://schemas.openxmlformats.org/markup-compatibility/2006" type="objOnly" preserve="1">
+<p:sldLayout xmlns:a="http://schemas.openxmlformats.org/drawingml/2006/main" xmlns:r="http://schemas.openxmlformats.org/officeDocument/2006/relationships" xmlns:p="http://schemas.openxmlformats.org/presentationml/2006/main" type="objOnly" preserve="1">
   <p:cSld name="Centered Text">
     <p:spTree>
       <p:nvGrpSpPr>
@@ -1917,10 +2204,11 @@
           </a:prstGeom>
         </p:spPr>
         <p:txBody>
-          <a:bodyPr lIns="0" rIns="0" tIns="0" bIns="0" anchor="ctr"/>
+          <a:bodyPr lIns="0" tIns="0" rIns="0" bIns="0" anchor="ctr"/>
+          <a:lstStyle/>
           <a:p>
             <a:pPr algn="ctr"/>
-            <a:endParaRPr b="0" lang="en-GB" sz="3200" spc="-1" strike="noStrike">
+            <a:endParaRPr lang="en-GB" sz="3200" b="0" strike="noStrike" spc="-1">
               <a:latin typeface="Arial"/>
             </a:endParaRPr>
           </a:p>
@@ -1928,11 +2216,14 @@
       </p:sp>
     </p:spTree>
   </p:cSld>
+  <p:clrMapOvr>
+    <a:masterClrMapping/>
+  </p:clrMapOvr>
 </p:sldLayout>
 </file>
 
 <file path=ppt/slideLayouts/slideLayout19.xml><?xml version="1.0" encoding="utf-8"?>
-<p:sldLayout xmlns:a="http://schemas.openxmlformats.org/drawingml/2006/main" xmlns:p="http://schemas.openxmlformats.org/presentationml/2006/main" xmlns:r="http://schemas.openxmlformats.org/officeDocument/2006/relationships" xmlns:p14="http://schemas.microsoft.com/office/powerpoint/2010/main" xmlns:p15="http://schemas.microsoft.com/office/powerpoint/2012/main" xmlns:mc="http://schemas.openxmlformats.org/markup-compatibility/2006" type="twoObjAndObj" preserve="1">
+<p:sldLayout xmlns:a="http://schemas.openxmlformats.org/drawingml/2006/main" xmlns:r="http://schemas.openxmlformats.org/officeDocument/2006/relationships" xmlns:p="http://schemas.openxmlformats.org/presentationml/2006/main" type="twoObjAndObj" preserve="1">
   <p:cSld name="Title, 2 Content and Content">
     <p:spTree>
       <p:nvGrpSpPr>
@@ -1968,9 +2259,10 @@
           </a:prstGeom>
         </p:spPr>
         <p:txBody>
-          <a:bodyPr lIns="0" rIns="0" tIns="0" bIns="0" anchor="ctr"/>
-          <a:p>
-            <a:endParaRPr b="0" lang="pt-PT" sz="1800" spc="-1" strike="noStrike">
+          <a:bodyPr lIns="0" tIns="0" rIns="0" bIns="0" anchor="ctr"/>
+          <a:lstStyle/>
+          <a:p>
+            <a:endParaRPr lang="pt-PT" sz="1800" b="0" strike="noStrike" spc="-1">
               <a:solidFill>
                 <a:srgbClr val="000000"/>
               </a:solidFill>
@@ -1999,11 +2291,12 @@
           </a:prstGeom>
         </p:spPr>
         <p:txBody>
-          <a:bodyPr lIns="0" rIns="0" tIns="0" bIns="0">
+          <a:bodyPr lIns="0" tIns="0" rIns="0" bIns="0">
             <a:normAutofit/>
           </a:bodyPr>
-          <a:p>
-            <a:endParaRPr b="1" lang="pt-PT" sz="3200" spc="-1" strike="noStrike">
+          <a:lstStyle/>
+          <a:p>
+            <a:endParaRPr lang="pt-PT" sz="3200" b="1" strike="noStrike" spc="-1">
               <a:solidFill>
                 <a:srgbClr val="336699"/>
               </a:solidFill>
@@ -2032,11 +2325,12 @@
           </a:prstGeom>
         </p:spPr>
         <p:txBody>
-          <a:bodyPr lIns="0" rIns="0" tIns="0" bIns="0">
+          <a:bodyPr lIns="0" tIns="0" rIns="0" bIns="0">
             <a:normAutofit/>
           </a:bodyPr>
-          <a:p>
-            <a:endParaRPr b="1" lang="pt-PT" sz="3200" spc="-1" strike="noStrike">
+          <a:lstStyle/>
+          <a:p>
+            <a:endParaRPr lang="pt-PT" sz="3200" b="1" strike="noStrike" spc="-1">
               <a:solidFill>
                 <a:srgbClr val="336699"/>
               </a:solidFill>
@@ -2065,11 +2359,12 @@
           </a:prstGeom>
         </p:spPr>
         <p:txBody>
-          <a:bodyPr lIns="0" rIns="0" tIns="0" bIns="0">
+          <a:bodyPr lIns="0" tIns="0" rIns="0" bIns="0">
             <a:normAutofit/>
           </a:bodyPr>
-          <a:p>
-            <a:endParaRPr b="1" lang="pt-PT" sz="3200" spc="-1" strike="noStrike">
+          <a:lstStyle/>
+          <a:p>
+            <a:endParaRPr lang="pt-PT" sz="3200" b="1" strike="noStrike" spc="-1">
               <a:solidFill>
                 <a:srgbClr val="336699"/>
               </a:solidFill>
@@ -2080,11 +2375,14 @@
       </p:sp>
     </p:spTree>
   </p:cSld>
+  <p:clrMapOvr>
+    <a:masterClrMapping/>
+  </p:clrMapOvr>
 </p:sldLayout>
 </file>
 
 <file path=ppt/slideLayouts/slideLayout2.xml><?xml version="1.0" encoding="utf-8"?>
-<p:sldLayout xmlns:a="http://schemas.openxmlformats.org/drawingml/2006/main" xmlns:p="http://schemas.openxmlformats.org/presentationml/2006/main" xmlns:r="http://schemas.openxmlformats.org/officeDocument/2006/relationships" xmlns:p14="http://schemas.microsoft.com/office/powerpoint/2010/main" xmlns:p15="http://schemas.microsoft.com/office/powerpoint/2012/main" xmlns:mc="http://schemas.openxmlformats.org/markup-compatibility/2006" type="tx" preserve="1">
+<p:sldLayout xmlns:a="http://schemas.openxmlformats.org/drawingml/2006/main" xmlns:r="http://schemas.openxmlformats.org/officeDocument/2006/relationships" xmlns:p="http://schemas.openxmlformats.org/presentationml/2006/main" type="tx" preserve="1">
   <p:cSld name="Title Slide">
     <p:spTree>
       <p:nvGrpSpPr>
@@ -2120,9 +2418,10 @@
           </a:prstGeom>
         </p:spPr>
         <p:txBody>
-          <a:bodyPr lIns="0" rIns="0" tIns="0" bIns="0" anchor="ctr"/>
-          <a:p>
-            <a:endParaRPr b="0" lang="pt-PT" sz="1800" spc="-1" strike="noStrike">
+          <a:bodyPr lIns="0" tIns="0" rIns="0" bIns="0" anchor="ctr"/>
+          <a:lstStyle/>
+          <a:p>
+            <a:endParaRPr lang="pt-PT" sz="1800" b="0" strike="noStrike" spc="-1">
               <a:solidFill>
                 <a:srgbClr val="000000"/>
               </a:solidFill>
@@ -2151,10 +2450,11 @@
           </a:prstGeom>
         </p:spPr>
         <p:txBody>
-          <a:bodyPr lIns="0" rIns="0" tIns="0" bIns="0" anchor="ctr"/>
+          <a:bodyPr lIns="0" tIns="0" rIns="0" bIns="0" anchor="ctr"/>
+          <a:lstStyle/>
           <a:p>
             <a:pPr algn="ctr"/>
-            <a:endParaRPr b="0" lang="en-GB" sz="3200" spc="-1" strike="noStrike">
+            <a:endParaRPr lang="en-GB" sz="3200" b="0" strike="noStrike" spc="-1">
               <a:latin typeface="Arial"/>
             </a:endParaRPr>
           </a:p>
@@ -2162,11 +2462,14 @@
       </p:sp>
     </p:spTree>
   </p:cSld>
+  <p:clrMapOvr>
+    <a:masterClrMapping/>
+  </p:clrMapOvr>
 </p:sldLayout>
 </file>
 
 <file path=ppt/slideLayouts/slideLayout20.xml><?xml version="1.0" encoding="utf-8"?>
-<p:sldLayout xmlns:a="http://schemas.openxmlformats.org/drawingml/2006/main" xmlns:p="http://schemas.openxmlformats.org/presentationml/2006/main" xmlns:r="http://schemas.openxmlformats.org/officeDocument/2006/relationships" xmlns:p14="http://schemas.microsoft.com/office/powerpoint/2010/main" xmlns:p15="http://schemas.microsoft.com/office/powerpoint/2012/main" xmlns:mc="http://schemas.openxmlformats.org/markup-compatibility/2006" type="objAndTwoObj" preserve="1">
+<p:sldLayout xmlns:a="http://schemas.openxmlformats.org/drawingml/2006/main" xmlns:r="http://schemas.openxmlformats.org/officeDocument/2006/relationships" xmlns:p="http://schemas.openxmlformats.org/presentationml/2006/main" type="objAndTwoObj" preserve="1">
   <p:cSld name="Title Content and 2 Content">
     <p:spTree>
       <p:nvGrpSpPr>
@@ -2202,9 +2505,10 @@
           </a:prstGeom>
         </p:spPr>
         <p:txBody>
-          <a:bodyPr lIns="0" rIns="0" tIns="0" bIns="0" anchor="ctr"/>
-          <a:p>
-            <a:endParaRPr b="0" lang="pt-PT" sz="1800" spc="-1" strike="noStrike">
+          <a:bodyPr lIns="0" tIns="0" rIns="0" bIns="0" anchor="ctr"/>
+          <a:lstStyle/>
+          <a:p>
+            <a:endParaRPr lang="pt-PT" sz="1800" b="0" strike="noStrike" spc="-1">
               <a:solidFill>
                 <a:srgbClr val="000000"/>
               </a:solidFill>
@@ -2233,11 +2537,12 @@
           </a:prstGeom>
         </p:spPr>
         <p:txBody>
-          <a:bodyPr lIns="0" rIns="0" tIns="0" bIns="0">
+          <a:bodyPr lIns="0" tIns="0" rIns="0" bIns="0">
             <a:normAutofit/>
           </a:bodyPr>
-          <a:p>
-            <a:endParaRPr b="1" lang="pt-PT" sz="3200" spc="-1" strike="noStrike">
+          <a:lstStyle/>
+          <a:p>
+            <a:endParaRPr lang="pt-PT" sz="3200" b="1" strike="noStrike" spc="-1">
               <a:solidFill>
                 <a:srgbClr val="336699"/>
               </a:solidFill>
@@ -2266,11 +2571,12 @@
           </a:prstGeom>
         </p:spPr>
         <p:txBody>
-          <a:bodyPr lIns="0" rIns="0" tIns="0" bIns="0">
+          <a:bodyPr lIns="0" tIns="0" rIns="0" bIns="0">
             <a:normAutofit/>
           </a:bodyPr>
-          <a:p>
-            <a:endParaRPr b="1" lang="pt-PT" sz="3200" spc="-1" strike="noStrike">
+          <a:lstStyle/>
+          <a:p>
+            <a:endParaRPr lang="pt-PT" sz="3200" b="1" strike="noStrike" spc="-1">
               <a:solidFill>
                 <a:srgbClr val="336699"/>
               </a:solidFill>
@@ -2299,11 +2605,12 @@
           </a:prstGeom>
         </p:spPr>
         <p:txBody>
-          <a:bodyPr lIns="0" rIns="0" tIns="0" bIns="0">
+          <a:bodyPr lIns="0" tIns="0" rIns="0" bIns="0">
             <a:normAutofit/>
           </a:bodyPr>
-          <a:p>
-            <a:endParaRPr b="1" lang="pt-PT" sz="3200" spc="-1" strike="noStrike">
+          <a:lstStyle/>
+          <a:p>
+            <a:endParaRPr lang="pt-PT" sz="3200" b="1" strike="noStrike" spc="-1">
               <a:solidFill>
                 <a:srgbClr val="336699"/>
               </a:solidFill>
@@ -2314,11 +2621,14 @@
       </p:sp>
     </p:spTree>
   </p:cSld>
+  <p:clrMapOvr>
+    <a:masterClrMapping/>
+  </p:clrMapOvr>
 </p:sldLayout>
 </file>
 
 <file path=ppt/slideLayouts/slideLayout21.xml><?xml version="1.0" encoding="utf-8"?>
-<p:sldLayout xmlns:a="http://schemas.openxmlformats.org/drawingml/2006/main" xmlns:p="http://schemas.openxmlformats.org/presentationml/2006/main" xmlns:r="http://schemas.openxmlformats.org/officeDocument/2006/relationships" xmlns:p14="http://schemas.microsoft.com/office/powerpoint/2010/main" xmlns:p15="http://schemas.microsoft.com/office/powerpoint/2012/main" xmlns:mc="http://schemas.openxmlformats.org/markup-compatibility/2006" type="twoObjOverTx" preserve="1">
+<p:sldLayout xmlns:a="http://schemas.openxmlformats.org/drawingml/2006/main" xmlns:r="http://schemas.openxmlformats.org/officeDocument/2006/relationships" xmlns:p="http://schemas.openxmlformats.org/presentationml/2006/main" type="twoObjOverTx" preserve="1">
   <p:cSld name="Title, 2 Content over Content">
     <p:spTree>
       <p:nvGrpSpPr>
@@ -2354,9 +2664,10 @@
           </a:prstGeom>
         </p:spPr>
         <p:txBody>
-          <a:bodyPr lIns="0" rIns="0" tIns="0" bIns="0" anchor="ctr"/>
-          <a:p>
-            <a:endParaRPr b="0" lang="pt-PT" sz="1800" spc="-1" strike="noStrike">
+          <a:bodyPr lIns="0" tIns="0" rIns="0" bIns="0" anchor="ctr"/>
+          <a:lstStyle/>
+          <a:p>
+            <a:endParaRPr lang="pt-PT" sz="1800" b="0" strike="noStrike" spc="-1">
               <a:solidFill>
                 <a:srgbClr val="000000"/>
               </a:solidFill>
@@ -2385,11 +2696,12 @@
           </a:prstGeom>
         </p:spPr>
         <p:txBody>
-          <a:bodyPr lIns="0" rIns="0" tIns="0" bIns="0">
+          <a:bodyPr lIns="0" tIns="0" rIns="0" bIns="0">
             <a:normAutofit/>
           </a:bodyPr>
-          <a:p>
-            <a:endParaRPr b="1" lang="pt-PT" sz="3200" spc="-1" strike="noStrike">
+          <a:lstStyle/>
+          <a:p>
+            <a:endParaRPr lang="pt-PT" sz="3200" b="1" strike="noStrike" spc="-1">
               <a:solidFill>
                 <a:srgbClr val="336699"/>
               </a:solidFill>
@@ -2418,11 +2730,12 @@
           </a:prstGeom>
         </p:spPr>
         <p:txBody>
-          <a:bodyPr lIns="0" rIns="0" tIns="0" bIns="0">
+          <a:bodyPr lIns="0" tIns="0" rIns="0" bIns="0">
             <a:normAutofit/>
           </a:bodyPr>
-          <a:p>
-            <a:endParaRPr b="1" lang="pt-PT" sz="3200" spc="-1" strike="noStrike">
+          <a:lstStyle/>
+          <a:p>
+            <a:endParaRPr lang="pt-PT" sz="3200" b="1" strike="noStrike" spc="-1">
               <a:solidFill>
                 <a:srgbClr val="336699"/>
               </a:solidFill>
@@ -2451,11 +2764,12 @@
           </a:prstGeom>
         </p:spPr>
         <p:txBody>
-          <a:bodyPr lIns="0" rIns="0" tIns="0" bIns="0">
+          <a:bodyPr lIns="0" tIns="0" rIns="0" bIns="0">
             <a:normAutofit/>
           </a:bodyPr>
-          <a:p>
-            <a:endParaRPr b="1" lang="pt-PT" sz="3200" spc="-1" strike="noStrike">
+          <a:lstStyle/>
+          <a:p>
+            <a:endParaRPr lang="pt-PT" sz="3200" b="1" strike="noStrike" spc="-1">
               <a:solidFill>
                 <a:srgbClr val="336699"/>
               </a:solidFill>
@@ -2466,11 +2780,14 @@
       </p:sp>
     </p:spTree>
   </p:cSld>
+  <p:clrMapOvr>
+    <a:masterClrMapping/>
+  </p:clrMapOvr>
 </p:sldLayout>
 </file>
 
 <file path=ppt/slideLayouts/slideLayout22.xml><?xml version="1.0" encoding="utf-8"?>
-<p:sldLayout xmlns:a="http://schemas.openxmlformats.org/drawingml/2006/main" xmlns:p="http://schemas.openxmlformats.org/presentationml/2006/main" xmlns:r="http://schemas.openxmlformats.org/officeDocument/2006/relationships" xmlns:p14="http://schemas.microsoft.com/office/powerpoint/2010/main" xmlns:p15="http://schemas.microsoft.com/office/powerpoint/2012/main" xmlns:mc="http://schemas.openxmlformats.org/markup-compatibility/2006" type="objOverTx" preserve="1">
+<p:sldLayout xmlns:a="http://schemas.openxmlformats.org/drawingml/2006/main" xmlns:r="http://schemas.openxmlformats.org/officeDocument/2006/relationships" xmlns:p="http://schemas.openxmlformats.org/presentationml/2006/main" type="objOverTx" preserve="1">
   <p:cSld name="Title, Content over Content">
     <p:spTree>
       <p:nvGrpSpPr>
@@ -2506,9 +2823,10 @@
           </a:prstGeom>
         </p:spPr>
         <p:txBody>
-          <a:bodyPr lIns="0" rIns="0" tIns="0" bIns="0" anchor="ctr"/>
-          <a:p>
-            <a:endParaRPr b="0" lang="pt-PT" sz="1800" spc="-1" strike="noStrike">
+          <a:bodyPr lIns="0" tIns="0" rIns="0" bIns="0" anchor="ctr"/>
+          <a:lstStyle/>
+          <a:p>
+            <a:endParaRPr lang="pt-PT" sz="1800" b="0" strike="noStrike" spc="-1">
               <a:solidFill>
                 <a:srgbClr val="000000"/>
               </a:solidFill>
@@ -2537,11 +2855,12 @@
           </a:prstGeom>
         </p:spPr>
         <p:txBody>
-          <a:bodyPr lIns="0" rIns="0" tIns="0" bIns="0">
+          <a:bodyPr lIns="0" tIns="0" rIns="0" bIns="0">
             <a:normAutofit/>
           </a:bodyPr>
-          <a:p>
-            <a:endParaRPr b="1" lang="pt-PT" sz="3200" spc="-1" strike="noStrike">
+          <a:lstStyle/>
+          <a:p>
+            <a:endParaRPr lang="pt-PT" sz="3200" b="1" strike="noStrike" spc="-1">
               <a:solidFill>
                 <a:srgbClr val="336699"/>
               </a:solidFill>
@@ -2570,11 +2889,12 @@
           </a:prstGeom>
         </p:spPr>
         <p:txBody>
-          <a:bodyPr lIns="0" rIns="0" tIns="0" bIns="0">
+          <a:bodyPr lIns="0" tIns="0" rIns="0" bIns="0">
             <a:normAutofit/>
           </a:bodyPr>
-          <a:p>
-            <a:endParaRPr b="1" lang="pt-PT" sz="3200" spc="-1" strike="noStrike">
+          <a:lstStyle/>
+          <a:p>
+            <a:endParaRPr lang="pt-PT" sz="3200" b="1" strike="noStrike" spc="-1">
               <a:solidFill>
                 <a:srgbClr val="336699"/>
               </a:solidFill>
@@ -2585,11 +2905,14 @@
       </p:sp>
     </p:spTree>
   </p:cSld>
+  <p:clrMapOvr>
+    <a:masterClrMapping/>
+  </p:clrMapOvr>
 </p:sldLayout>
 </file>
 
 <file path=ppt/slideLayouts/slideLayout23.xml><?xml version="1.0" encoding="utf-8"?>
-<p:sldLayout xmlns:a="http://schemas.openxmlformats.org/drawingml/2006/main" xmlns:p="http://schemas.openxmlformats.org/presentationml/2006/main" xmlns:r="http://schemas.openxmlformats.org/officeDocument/2006/relationships" xmlns:p14="http://schemas.microsoft.com/office/powerpoint/2010/main" xmlns:p15="http://schemas.microsoft.com/office/powerpoint/2012/main" xmlns:mc="http://schemas.openxmlformats.org/markup-compatibility/2006" type="fourObj" preserve="1">
+<p:sldLayout xmlns:a="http://schemas.openxmlformats.org/drawingml/2006/main" xmlns:r="http://schemas.openxmlformats.org/officeDocument/2006/relationships" xmlns:p="http://schemas.openxmlformats.org/presentationml/2006/main" type="fourObj" preserve="1">
   <p:cSld name="Title, 4 Content">
     <p:spTree>
       <p:nvGrpSpPr>
@@ -2625,9 +2948,10 @@
           </a:prstGeom>
         </p:spPr>
         <p:txBody>
-          <a:bodyPr lIns="0" rIns="0" tIns="0" bIns="0" anchor="ctr"/>
-          <a:p>
-            <a:endParaRPr b="0" lang="pt-PT" sz="1800" spc="-1" strike="noStrike">
+          <a:bodyPr lIns="0" tIns="0" rIns="0" bIns="0" anchor="ctr"/>
+          <a:lstStyle/>
+          <a:p>
+            <a:endParaRPr lang="pt-PT" sz="1800" b="0" strike="noStrike" spc="-1">
               <a:solidFill>
                 <a:srgbClr val="000000"/>
               </a:solidFill>
@@ -2656,11 +2980,12 @@
           </a:prstGeom>
         </p:spPr>
         <p:txBody>
-          <a:bodyPr lIns="0" rIns="0" tIns="0" bIns="0">
+          <a:bodyPr lIns="0" tIns="0" rIns="0" bIns="0">
             <a:normAutofit/>
           </a:bodyPr>
-          <a:p>
-            <a:endParaRPr b="1" lang="pt-PT" sz="3200" spc="-1" strike="noStrike">
+          <a:lstStyle/>
+          <a:p>
+            <a:endParaRPr lang="pt-PT" sz="3200" b="1" strike="noStrike" spc="-1">
               <a:solidFill>
                 <a:srgbClr val="336699"/>
               </a:solidFill>
@@ -2689,11 +3014,12 @@
           </a:prstGeom>
         </p:spPr>
         <p:txBody>
-          <a:bodyPr lIns="0" rIns="0" tIns="0" bIns="0">
+          <a:bodyPr lIns="0" tIns="0" rIns="0" bIns="0">
             <a:normAutofit/>
           </a:bodyPr>
-          <a:p>
-            <a:endParaRPr b="1" lang="pt-PT" sz="3200" spc="-1" strike="noStrike">
+          <a:lstStyle/>
+          <a:p>
+            <a:endParaRPr lang="pt-PT" sz="3200" b="1" strike="noStrike" spc="-1">
               <a:solidFill>
                 <a:srgbClr val="336699"/>
               </a:solidFill>
@@ -2722,11 +3048,12 @@
           </a:prstGeom>
         </p:spPr>
         <p:txBody>
-          <a:bodyPr lIns="0" rIns="0" tIns="0" bIns="0">
+          <a:bodyPr lIns="0" tIns="0" rIns="0" bIns="0">
             <a:normAutofit/>
           </a:bodyPr>
-          <a:p>
-            <a:endParaRPr b="1" lang="pt-PT" sz="3200" spc="-1" strike="noStrike">
+          <a:lstStyle/>
+          <a:p>
+            <a:endParaRPr lang="pt-PT" sz="3200" b="1" strike="noStrike" spc="-1">
               <a:solidFill>
                 <a:srgbClr val="336699"/>
               </a:solidFill>
@@ -2755,11 +3082,12 @@
           </a:prstGeom>
         </p:spPr>
         <p:txBody>
-          <a:bodyPr lIns="0" rIns="0" tIns="0" bIns="0">
+          <a:bodyPr lIns="0" tIns="0" rIns="0" bIns="0">
             <a:normAutofit/>
           </a:bodyPr>
-          <a:p>
-            <a:endParaRPr b="1" lang="pt-PT" sz="3200" spc="-1" strike="noStrike">
+          <a:lstStyle/>
+          <a:p>
+            <a:endParaRPr lang="pt-PT" sz="3200" b="1" strike="noStrike" spc="-1">
               <a:solidFill>
                 <a:srgbClr val="336699"/>
               </a:solidFill>
@@ -2770,11 +3098,14 @@
       </p:sp>
     </p:spTree>
   </p:cSld>
+  <p:clrMapOvr>
+    <a:masterClrMapping/>
+  </p:clrMapOvr>
 </p:sldLayout>
 </file>
 
 <file path=ppt/slideLayouts/slideLayout24.xml><?xml version="1.0" encoding="utf-8"?>
-<p:sldLayout xmlns:a="http://schemas.openxmlformats.org/drawingml/2006/main" xmlns:p="http://schemas.openxmlformats.org/presentationml/2006/main" xmlns:r="http://schemas.openxmlformats.org/officeDocument/2006/relationships" xmlns:p14="http://schemas.microsoft.com/office/powerpoint/2010/main" xmlns:p15="http://schemas.microsoft.com/office/powerpoint/2012/main" xmlns:mc="http://schemas.openxmlformats.org/markup-compatibility/2006" type="blank" preserve="1">
+<p:sldLayout xmlns:a="http://schemas.openxmlformats.org/drawingml/2006/main" xmlns:r="http://schemas.openxmlformats.org/officeDocument/2006/relationships" xmlns:p="http://schemas.openxmlformats.org/presentationml/2006/main" type="blank" preserve="1">
   <p:cSld name="Title, 6 Content">
     <p:spTree>
       <p:nvGrpSpPr>
@@ -2810,9 +3141,10 @@
           </a:prstGeom>
         </p:spPr>
         <p:txBody>
-          <a:bodyPr lIns="0" rIns="0" tIns="0" bIns="0" anchor="ctr"/>
-          <a:p>
-            <a:endParaRPr b="0" lang="pt-PT" sz="1800" spc="-1" strike="noStrike">
+          <a:bodyPr lIns="0" tIns="0" rIns="0" bIns="0" anchor="ctr"/>
+          <a:lstStyle/>
+          <a:p>
+            <a:endParaRPr lang="pt-PT" sz="1800" b="0" strike="noStrike" spc="-1">
               <a:solidFill>
                 <a:srgbClr val="000000"/>
               </a:solidFill>
@@ -2841,11 +3173,12 @@
           </a:prstGeom>
         </p:spPr>
         <p:txBody>
-          <a:bodyPr lIns="0" rIns="0" tIns="0" bIns="0">
+          <a:bodyPr lIns="0" tIns="0" rIns="0" bIns="0">
             <a:normAutofit/>
           </a:bodyPr>
-          <a:p>
-            <a:endParaRPr b="1" lang="pt-PT" sz="3200" spc="-1" strike="noStrike">
+          <a:lstStyle/>
+          <a:p>
+            <a:endParaRPr lang="pt-PT" sz="3200" b="1" strike="noStrike" spc="-1">
               <a:solidFill>
                 <a:srgbClr val="336699"/>
               </a:solidFill>
@@ -2874,11 +3207,12 @@
           </a:prstGeom>
         </p:spPr>
         <p:txBody>
-          <a:bodyPr lIns="0" rIns="0" tIns="0" bIns="0">
+          <a:bodyPr lIns="0" tIns="0" rIns="0" bIns="0">
             <a:normAutofit/>
           </a:bodyPr>
-          <a:p>
-            <a:endParaRPr b="1" lang="pt-PT" sz="3200" spc="-1" strike="noStrike">
+          <a:lstStyle/>
+          <a:p>
+            <a:endParaRPr lang="pt-PT" sz="3200" b="1" strike="noStrike" spc="-1">
               <a:solidFill>
                 <a:srgbClr val="336699"/>
               </a:solidFill>
@@ -2907,11 +3241,12 @@
           </a:prstGeom>
         </p:spPr>
         <p:txBody>
-          <a:bodyPr lIns="0" rIns="0" tIns="0" bIns="0">
+          <a:bodyPr lIns="0" tIns="0" rIns="0" bIns="0">
             <a:normAutofit/>
           </a:bodyPr>
-          <a:p>
-            <a:endParaRPr b="1" lang="pt-PT" sz="3200" spc="-1" strike="noStrike">
+          <a:lstStyle/>
+          <a:p>
+            <a:endParaRPr lang="pt-PT" sz="3200" b="1" strike="noStrike" spc="-1">
               <a:solidFill>
                 <a:srgbClr val="336699"/>
               </a:solidFill>
@@ -2940,11 +3275,12 @@
           </a:prstGeom>
         </p:spPr>
         <p:txBody>
-          <a:bodyPr lIns="0" rIns="0" tIns="0" bIns="0">
+          <a:bodyPr lIns="0" tIns="0" rIns="0" bIns="0">
             <a:normAutofit/>
           </a:bodyPr>
-          <a:p>
-            <a:endParaRPr b="1" lang="pt-PT" sz="3200" spc="-1" strike="noStrike">
+          <a:lstStyle/>
+          <a:p>
+            <a:endParaRPr lang="pt-PT" sz="3200" b="1" strike="noStrike" spc="-1">
               <a:solidFill>
                 <a:srgbClr val="336699"/>
               </a:solidFill>
@@ -2973,11 +3309,12 @@
           </a:prstGeom>
         </p:spPr>
         <p:txBody>
-          <a:bodyPr lIns="0" rIns="0" tIns="0" bIns="0">
+          <a:bodyPr lIns="0" tIns="0" rIns="0" bIns="0">
             <a:normAutofit/>
           </a:bodyPr>
-          <a:p>
-            <a:endParaRPr b="1" lang="pt-PT" sz="3200" spc="-1" strike="noStrike">
+          <a:lstStyle/>
+          <a:p>
+            <a:endParaRPr lang="pt-PT" sz="3200" b="1" strike="noStrike" spc="-1">
               <a:solidFill>
                 <a:srgbClr val="336699"/>
               </a:solidFill>
@@ -3006,11 +3343,12 @@
           </a:prstGeom>
         </p:spPr>
         <p:txBody>
-          <a:bodyPr lIns="0" rIns="0" tIns="0" bIns="0">
+          <a:bodyPr lIns="0" tIns="0" rIns="0" bIns="0">
             <a:normAutofit/>
           </a:bodyPr>
-          <a:p>
-            <a:endParaRPr b="1" lang="pt-PT" sz="3200" spc="-1" strike="noStrike">
+          <a:lstStyle/>
+          <a:p>
+            <a:endParaRPr lang="pt-PT" sz="3200" b="1" strike="noStrike" spc="-1">
               <a:solidFill>
                 <a:srgbClr val="336699"/>
               </a:solidFill>
@@ -3021,11 +3359,14 @@
       </p:sp>
     </p:spTree>
   </p:cSld>
+  <p:clrMapOvr>
+    <a:masterClrMapping/>
+  </p:clrMapOvr>
 </p:sldLayout>
 </file>
 
 <file path=ppt/slideLayouts/slideLayout25.xml><?xml version="1.0" encoding="utf-8"?>
-<p:sldLayout xmlns:a="http://schemas.openxmlformats.org/drawingml/2006/main" xmlns:p="http://schemas.openxmlformats.org/presentationml/2006/main" xmlns:r="http://schemas.openxmlformats.org/officeDocument/2006/relationships" xmlns:p14="http://schemas.microsoft.com/office/powerpoint/2010/main" xmlns:p15="http://schemas.microsoft.com/office/powerpoint/2012/main" xmlns:mc="http://schemas.openxmlformats.org/markup-compatibility/2006" type="blank" preserve="1">
+<p:sldLayout xmlns:a="http://schemas.openxmlformats.org/drawingml/2006/main" xmlns:r="http://schemas.openxmlformats.org/officeDocument/2006/relationships" xmlns:p="http://schemas.openxmlformats.org/presentationml/2006/main" type="blank" preserve="1">
   <p:cSld name="Blank Slide">
     <p:spTree>
       <p:nvGrpSpPr>
@@ -3043,11 +3384,14 @@
       </p:grpSpPr>
     </p:spTree>
   </p:cSld>
+  <p:clrMapOvr>
+    <a:masterClrMapping/>
+  </p:clrMapOvr>
 </p:sldLayout>
 </file>
 
 <file path=ppt/slideLayouts/slideLayout26.xml><?xml version="1.0" encoding="utf-8"?>
-<p:sldLayout xmlns:a="http://schemas.openxmlformats.org/drawingml/2006/main" xmlns:p="http://schemas.openxmlformats.org/presentationml/2006/main" xmlns:r="http://schemas.openxmlformats.org/officeDocument/2006/relationships" xmlns:p14="http://schemas.microsoft.com/office/powerpoint/2010/main" xmlns:p15="http://schemas.microsoft.com/office/powerpoint/2012/main" xmlns:mc="http://schemas.openxmlformats.org/markup-compatibility/2006" type="tx" preserve="1">
+<p:sldLayout xmlns:a="http://schemas.openxmlformats.org/drawingml/2006/main" xmlns:r="http://schemas.openxmlformats.org/officeDocument/2006/relationships" xmlns:p="http://schemas.openxmlformats.org/presentationml/2006/main" type="tx" preserve="1">
   <p:cSld name="Title Slide">
     <p:spTree>
       <p:nvGrpSpPr>
@@ -3083,9 +3427,10 @@
           </a:prstGeom>
         </p:spPr>
         <p:txBody>
-          <a:bodyPr lIns="0" rIns="0" tIns="0" bIns="0" anchor="ctr"/>
-          <a:p>
-            <a:endParaRPr b="0" lang="pt-PT" sz="1800" spc="-1" strike="noStrike">
+          <a:bodyPr lIns="0" tIns="0" rIns="0" bIns="0" anchor="ctr"/>
+          <a:lstStyle/>
+          <a:p>
+            <a:endParaRPr lang="pt-PT" sz="1800" b="0" strike="noStrike" spc="-1">
               <a:solidFill>
                 <a:srgbClr val="000000"/>
               </a:solidFill>
@@ -3114,10 +3459,11 @@
           </a:prstGeom>
         </p:spPr>
         <p:txBody>
-          <a:bodyPr lIns="0" rIns="0" tIns="0" bIns="0" anchor="ctr"/>
+          <a:bodyPr lIns="0" tIns="0" rIns="0" bIns="0" anchor="ctr"/>
+          <a:lstStyle/>
           <a:p>
             <a:pPr algn="ctr"/>
-            <a:endParaRPr b="0" lang="en-GB" sz="3200" spc="-1" strike="noStrike">
+            <a:endParaRPr lang="en-GB" sz="3200" b="0" strike="noStrike" spc="-1">
               <a:latin typeface="Arial"/>
             </a:endParaRPr>
           </a:p>
@@ -3125,11 +3471,14 @@
       </p:sp>
     </p:spTree>
   </p:cSld>
+  <p:clrMapOvr>
+    <a:masterClrMapping/>
+  </p:clrMapOvr>
 </p:sldLayout>
 </file>
 
 <file path=ppt/slideLayouts/slideLayout27.xml><?xml version="1.0" encoding="utf-8"?>
-<p:sldLayout xmlns:a="http://schemas.openxmlformats.org/drawingml/2006/main" xmlns:p="http://schemas.openxmlformats.org/presentationml/2006/main" xmlns:r="http://schemas.openxmlformats.org/officeDocument/2006/relationships" xmlns:p14="http://schemas.microsoft.com/office/powerpoint/2010/main" xmlns:p15="http://schemas.microsoft.com/office/powerpoint/2012/main" xmlns:mc="http://schemas.openxmlformats.org/markup-compatibility/2006" type="obj" preserve="1">
+<p:sldLayout xmlns:a="http://schemas.openxmlformats.org/drawingml/2006/main" xmlns:r="http://schemas.openxmlformats.org/officeDocument/2006/relationships" xmlns:p="http://schemas.openxmlformats.org/presentationml/2006/main" type="obj" preserve="1">
   <p:cSld name="Title, Content">
     <p:spTree>
       <p:nvGrpSpPr>
@@ -3165,9 +3514,10 @@
           </a:prstGeom>
         </p:spPr>
         <p:txBody>
-          <a:bodyPr lIns="0" rIns="0" tIns="0" bIns="0" anchor="ctr"/>
-          <a:p>
-            <a:endParaRPr b="0" lang="pt-PT" sz="1800" spc="-1" strike="noStrike">
+          <a:bodyPr lIns="0" tIns="0" rIns="0" bIns="0" anchor="ctr"/>
+          <a:lstStyle/>
+          <a:p>
+            <a:endParaRPr lang="pt-PT" sz="1800" b="0" strike="noStrike" spc="-1">
               <a:solidFill>
                 <a:srgbClr val="000000"/>
               </a:solidFill>
@@ -3196,11 +3546,12 @@
           </a:prstGeom>
         </p:spPr>
         <p:txBody>
-          <a:bodyPr lIns="0" rIns="0" tIns="0" bIns="0">
+          <a:bodyPr lIns="0" tIns="0" rIns="0" bIns="0">
             <a:normAutofit/>
           </a:bodyPr>
-          <a:p>
-            <a:endParaRPr b="1" lang="pt-PT" sz="3200" spc="-1" strike="noStrike">
+          <a:lstStyle/>
+          <a:p>
+            <a:endParaRPr lang="pt-PT" sz="3200" b="1" strike="noStrike" spc="-1">
               <a:solidFill>
                 <a:srgbClr val="336699"/>
               </a:solidFill>
@@ -3211,11 +3562,14 @@
       </p:sp>
     </p:spTree>
   </p:cSld>
+  <p:clrMapOvr>
+    <a:masterClrMapping/>
+  </p:clrMapOvr>
 </p:sldLayout>
 </file>
 
 <file path=ppt/slideLayouts/slideLayout28.xml><?xml version="1.0" encoding="utf-8"?>
-<p:sldLayout xmlns:a="http://schemas.openxmlformats.org/drawingml/2006/main" xmlns:p="http://schemas.openxmlformats.org/presentationml/2006/main" xmlns:r="http://schemas.openxmlformats.org/officeDocument/2006/relationships" xmlns:p14="http://schemas.microsoft.com/office/powerpoint/2010/main" xmlns:p15="http://schemas.microsoft.com/office/powerpoint/2012/main" xmlns:mc="http://schemas.openxmlformats.org/markup-compatibility/2006" type="twoObj" preserve="1">
+<p:sldLayout xmlns:a="http://schemas.openxmlformats.org/drawingml/2006/main" xmlns:r="http://schemas.openxmlformats.org/officeDocument/2006/relationships" xmlns:p="http://schemas.openxmlformats.org/presentationml/2006/main" type="twoObj" preserve="1">
   <p:cSld name="Title, 2 Content">
     <p:spTree>
       <p:nvGrpSpPr>
@@ -3251,9 +3605,10 @@
           </a:prstGeom>
         </p:spPr>
         <p:txBody>
-          <a:bodyPr lIns="0" rIns="0" tIns="0" bIns="0" anchor="ctr"/>
-          <a:p>
-            <a:endParaRPr b="0" lang="pt-PT" sz="1800" spc="-1" strike="noStrike">
+          <a:bodyPr lIns="0" tIns="0" rIns="0" bIns="0" anchor="ctr"/>
+          <a:lstStyle/>
+          <a:p>
+            <a:endParaRPr lang="pt-PT" sz="1800" b="0" strike="noStrike" spc="-1">
               <a:solidFill>
                 <a:srgbClr val="000000"/>
               </a:solidFill>
@@ -3282,11 +3637,12 @@
           </a:prstGeom>
         </p:spPr>
         <p:txBody>
-          <a:bodyPr lIns="0" rIns="0" tIns="0" bIns="0">
+          <a:bodyPr lIns="0" tIns="0" rIns="0" bIns="0">
             <a:normAutofit/>
           </a:bodyPr>
-          <a:p>
-            <a:endParaRPr b="1" lang="pt-PT" sz="3200" spc="-1" strike="noStrike">
+          <a:lstStyle/>
+          <a:p>
+            <a:endParaRPr lang="pt-PT" sz="3200" b="1" strike="noStrike" spc="-1">
               <a:solidFill>
                 <a:srgbClr val="336699"/>
               </a:solidFill>
@@ -3315,11 +3671,12 @@
           </a:prstGeom>
         </p:spPr>
         <p:txBody>
-          <a:bodyPr lIns="0" rIns="0" tIns="0" bIns="0">
+          <a:bodyPr lIns="0" tIns="0" rIns="0" bIns="0">
             <a:normAutofit/>
           </a:bodyPr>
-          <a:p>
-            <a:endParaRPr b="1" lang="pt-PT" sz="3200" spc="-1" strike="noStrike">
+          <a:lstStyle/>
+          <a:p>
+            <a:endParaRPr lang="pt-PT" sz="3200" b="1" strike="noStrike" spc="-1">
               <a:solidFill>
                 <a:srgbClr val="336699"/>
               </a:solidFill>
@@ -3330,11 +3687,14 @@
       </p:sp>
     </p:spTree>
   </p:cSld>
+  <p:clrMapOvr>
+    <a:masterClrMapping/>
+  </p:clrMapOvr>
 </p:sldLayout>
 </file>
 
 <file path=ppt/slideLayouts/slideLayout29.xml><?xml version="1.0" encoding="utf-8"?>
-<p:sldLayout xmlns:a="http://schemas.openxmlformats.org/drawingml/2006/main" xmlns:p="http://schemas.openxmlformats.org/presentationml/2006/main" xmlns:r="http://schemas.openxmlformats.org/officeDocument/2006/relationships" xmlns:p14="http://schemas.microsoft.com/office/powerpoint/2010/main" xmlns:p15="http://schemas.microsoft.com/office/powerpoint/2012/main" xmlns:mc="http://schemas.openxmlformats.org/markup-compatibility/2006" type="titleOnly" preserve="1">
+<p:sldLayout xmlns:a="http://schemas.openxmlformats.org/drawingml/2006/main" xmlns:r="http://schemas.openxmlformats.org/officeDocument/2006/relationships" xmlns:p="http://schemas.openxmlformats.org/presentationml/2006/main" type="titleOnly" preserve="1">
   <p:cSld name="Title Only">
     <p:spTree>
       <p:nvGrpSpPr>
@@ -3370,9 +3730,10 @@
           </a:prstGeom>
         </p:spPr>
         <p:txBody>
-          <a:bodyPr lIns="0" rIns="0" tIns="0" bIns="0" anchor="ctr"/>
-          <a:p>
-            <a:endParaRPr b="0" lang="pt-PT" sz="1800" spc="-1" strike="noStrike">
+          <a:bodyPr lIns="0" tIns="0" rIns="0" bIns="0" anchor="ctr"/>
+          <a:lstStyle/>
+          <a:p>
+            <a:endParaRPr lang="pt-PT" sz="1800" b="0" strike="noStrike" spc="-1">
               <a:solidFill>
                 <a:srgbClr val="000000"/>
               </a:solidFill>
@@ -3383,11 +3744,14 @@
       </p:sp>
     </p:spTree>
   </p:cSld>
+  <p:clrMapOvr>
+    <a:masterClrMapping/>
+  </p:clrMapOvr>
 </p:sldLayout>
 </file>
 
 <file path=ppt/slideLayouts/slideLayout3.xml><?xml version="1.0" encoding="utf-8"?>
-<p:sldLayout xmlns:a="http://schemas.openxmlformats.org/drawingml/2006/main" xmlns:p="http://schemas.openxmlformats.org/presentationml/2006/main" xmlns:r="http://schemas.openxmlformats.org/officeDocument/2006/relationships" xmlns:p14="http://schemas.microsoft.com/office/powerpoint/2010/main" xmlns:p15="http://schemas.microsoft.com/office/powerpoint/2012/main" xmlns:mc="http://schemas.openxmlformats.org/markup-compatibility/2006" type="obj" preserve="1">
+<p:sldLayout xmlns:a="http://schemas.openxmlformats.org/drawingml/2006/main" xmlns:r="http://schemas.openxmlformats.org/officeDocument/2006/relationships" xmlns:p="http://schemas.openxmlformats.org/presentationml/2006/main" type="obj" preserve="1">
   <p:cSld name="Title, Content">
     <p:spTree>
       <p:nvGrpSpPr>
@@ -3423,9 +3787,10 @@
           </a:prstGeom>
         </p:spPr>
         <p:txBody>
-          <a:bodyPr lIns="0" rIns="0" tIns="0" bIns="0" anchor="ctr"/>
-          <a:p>
-            <a:endParaRPr b="0" lang="pt-PT" sz="1800" spc="-1" strike="noStrike">
+          <a:bodyPr lIns="0" tIns="0" rIns="0" bIns="0" anchor="ctr"/>
+          <a:lstStyle/>
+          <a:p>
+            <a:endParaRPr lang="pt-PT" sz="1800" b="0" strike="noStrike" spc="-1">
               <a:solidFill>
                 <a:srgbClr val="000000"/>
               </a:solidFill>
@@ -3454,11 +3819,12 @@
           </a:prstGeom>
         </p:spPr>
         <p:txBody>
-          <a:bodyPr lIns="0" rIns="0" tIns="0" bIns="0">
+          <a:bodyPr lIns="0" tIns="0" rIns="0" bIns="0">
             <a:normAutofit/>
           </a:bodyPr>
-          <a:p>
-            <a:endParaRPr b="1" lang="pt-PT" sz="3200" spc="-1" strike="noStrike">
+          <a:lstStyle/>
+          <a:p>
+            <a:endParaRPr lang="pt-PT" sz="3200" b="1" strike="noStrike" spc="-1">
               <a:solidFill>
                 <a:srgbClr val="336699"/>
               </a:solidFill>
@@ -3469,11 +3835,14 @@
       </p:sp>
     </p:spTree>
   </p:cSld>
+  <p:clrMapOvr>
+    <a:masterClrMapping/>
+  </p:clrMapOvr>
 </p:sldLayout>
 </file>
 
 <file path=ppt/slideLayouts/slideLayout30.xml><?xml version="1.0" encoding="utf-8"?>
-<p:sldLayout xmlns:a="http://schemas.openxmlformats.org/drawingml/2006/main" xmlns:p="http://schemas.openxmlformats.org/presentationml/2006/main" xmlns:r="http://schemas.openxmlformats.org/officeDocument/2006/relationships" xmlns:p14="http://schemas.microsoft.com/office/powerpoint/2010/main" xmlns:p15="http://schemas.microsoft.com/office/powerpoint/2012/main" xmlns:mc="http://schemas.openxmlformats.org/markup-compatibility/2006" type="objOnly" preserve="1">
+<p:sldLayout xmlns:a="http://schemas.openxmlformats.org/drawingml/2006/main" xmlns:r="http://schemas.openxmlformats.org/officeDocument/2006/relationships" xmlns:p="http://schemas.openxmlformats.org/presentationml/2006/main" type="objOnly" preserve="1">
   <p:cSld name="Centered Text">
     <p:spTree>
       <p:nvGrpSpPr>
@@ -3509,10 +3878,11 @@
           </a:prstGeom>
         </p:spPr>
         <p:txBody>
-          <a:bodyPr lIns="0" rIns="0" tIns="0" bIns="0" anchor="ctr"/>
+          <a:bodyPr lIns="0" tIns="0" rIns="0" bIns="0" anchor="ctr"/>
+          <a:lstStyle/>
           <a:p>
             <a:pPr algn="ctr"/>
-            <a:endParaRPr b="0" lang="en-GB" sz="3200" spc="-1" strike="noStrike">
+            <a:endParaRPr lang="en-GB" sz="3200" b="0" strike="noStrike" spc="-1">
               <a:latin typeface="Arial"/>
             </a:endParaRPr>
           </a:p>
@@ -3520,11 +3890,14 @@
       </p:sp>
     </p:spTree>
   </p:cSld>
+  <p:clrMapOvr>
+    <a:masterClrMapping/>
+  </p:clrMapOvr>
 </p:sldLayout>
 </file>
 
 <file path=ppt/slideLayouts/slideLayout31.xml><?xml version="1.0" encoding="utf-8"?>
-<p:sldLayout xmlns:a="http://schemas.openxmlformats.org/drawingml/2006/main" xmlns:p="http://schemas.openxmlformats.org/presentationml/2006/main" xmlns:r="http://schemas.openxmlformats.org/officeDocument/2006/relationships" xmlns:p14="http://schemas.microsoft.com/office/powerpoint/2010/main" xmlns:p15="http://schemas.microsoft.com/office/powerpoint/2012/main" xmlns:mc="http://schemas.openxmlformats.org/markup-compatibility/2006" type="twoObjAndObj" preserve="1">
+<p:sldLayout xmlns:a="http://schemas.openxmlformats.org/drawingml/2006/main" xmlns:r="http://schemas.openxmlformats.org/officeDocument/2006/relationships" xmlns:p="http://schemas.openxmlformats.org/presentationml/2006/main" type="twoObjAndObj" preserve="1">
   <p:cSld name="Title, 2 Content and Content">
     <p:spTree>
       <p:nvGrpSpPr>
@@ -3560,9 +3933,10 @@
           </a:prstGeom>
         </p:spPr>
         <p:txBody>
-          <a:bodyPr lIns="0" rIns="0" tIns="0" bIns="0" anchor="ctr"/>
-          <a:p>
-            <a:endParaRPr b="0" lang="pt-PT" sz="1800" spc="-1" strike="noStrike">
+          <a:bodyPr lIns="0" tIns="0" rIns="0" bIns="0" anchor="ctr"/>
+          <a:lstStyle/>
+          <a:p>
+            <a:endParaRPr lang="pt-PT" sz="1800" b="0" strike="noStrike" spc="-1">
               <a:solidFill>
                 <a:srgbClr val="000000"/>
               </a:solidFill>
@@ -3591,11 +3965,12 @@
           </a:prstGeom>
         </p:spPr>
         <p:txBody>
-          <a:bodyPr lIns="0" rIns="0" tIns="0" bIns="0">
+          <a:bodyPr lIns="0" tIns="0" rIns="0" bIns="0">
             <a:normAutofit/>
           </a:bodyPr>
-          <a:p>
-            <a:endParaRPr b="1" lang="pt-PT" sz="3200" spc="-1" strike="noStrike">
+          <a:lstStyle/>
+          <a:p>
+            <a:endParaRPr lang="pt-PT" sz="3200" b="1" strike="noStrike" spc="-1">
               <a:solidFill>
                 <a:srgbClr val="336699"/>
               </a:solidFill>
@@ -3624,11 +3999,12 @@
           </a:prstGeom>
         </p:spPr>
         <p:txBody>
-          <a:bodyPr lIns="0" rIns="0" tIns="0" bIns="0">
+          <a:bodyPr lIns="0" tIns="0" rIns="0" bIns="0">
             <a:normAutofit/>
           </a:bodyPr>
-          <a:p>
-            <a:endParaRPr b="1" lang="pt-PT" sz="3200" spc="-1" strike="noStrike">
+          <a:lstStyle/>
+          <a:p>
+            <a:endParaRPr lang="pt-PT" sz="3200" b="1" strike="noStrike" spc="-1">
               <a:solidFill>
                 <a:srgbClr val="336699"/>
               </a:solidFill>
@@ -3657,11 +4033,12 @@
           </a:prstGeom>
         </p:spPr>
         <p:txBody>
-          <a:bodyPr lIns="0" rIns="0" tIns="0" bIns="0">
+          <a:bodyPr lIns="0" tIns="0" rIns="0" bIns="0">
             <a:normAutofit/>
           </a:bodyPr>
-          <a:p>
-            <a:endParaRPr b="1" lang="pt-PT" sz="3200" spc="-1" strike="noStrike">
+          <a:lstStyle/>
+          <a:p>
+            <a:endParaRPr lang="pt-PT" sz="3200" b="1" strike="noStrike" spc="-1">
               <a:solidFill>
                 <a:srgbClr val="336699"/>
               </a:solidFill>
@@ -3672,11 +4049,14 @@
       </p:sp>
     </p:spTree>
   </p:cSld>
+  <p:clrMapOvr>
+    <a:masterClrMapping/>
+  </p:clrMapOvr>
 </p:sldLayout>
 </file>
 
 <file path=ppt/slideLayouts/slideLayout32.xml><?xml version="1.0" encoding="utf-8"?>
-<p:sldLayout xmlns:a="http://schemas.openxmlformats.org/drawingml/2006/main" xmlns:p="http://schemas.openxmlformats.org/presentationml/2006/main" xmlns:r="http://schemas.openxmlformats.org/officeDocument/2006/relationships" xmlns:p14="http://schemas.microsoft.com/office/powerpoint/2010/main" xmlns:p15="http://schemas.microsoft.com/office/powerpoint/2012/main" xmlns:mc="http://schemas.openxmlformats.org/markup-compatibility/2006" type="objAndTwoObj" preserve="1">
+<p:sldLayout xmlns:a="http://schemas.openxmlformats.org/drawingml/2006/main" xmlns:r="http://schemas.openxmlformats.org/officeDocument/2006/relationships" xmlns:p="http://schemas.openxmlformats.org/presentationml/2006/main" type="objAndTwoObj" preserve="1">
   <p:cSld name="Title Content and 2 Content">
     <p:spTree>
       <p:nvGrpSpPr>
@@ -3712,9 +4092,10 @@
           </a:prstGeom>
         </p:spPr>
         <p:txBody>
-          <a:bodyPr lIns="0" rIns="0" tIns="0" bIns="0" anchor="ctr"/>
-          <a:p>
-            <a:endParaRPr b="0" lang="pt-PT" sz="1800" spc="-1" strike="noStrike">
+          <a:bodyPr lIns="0" tIns="0" rIns="0" bIns="0" anchor="ctr"/>
+          <a:lstStyle/>
+          <a:p>
+            <a:endParaRPr lang="pt-PT" sz="1800" b="0" strike="noStrike" spc="-1">
               <a:solidFill>
                 <a:srgbClr val="000000"/>
               </a:solidFill>
@@ -3743,11 +4124,12 @@
           </a:prstGeom>
         </p:spPr>
         <p:txBody>
-          <a:bodyPr lIns="0" rIns="0" tIns="0" bIns="0">
+          <a:bodyPr lIns="0" tIns="0" rIns="0" bIns="0">
             <a:normAutofit/>
           </a:bodyPr>
-          <a:p>
-            <a:endParaRPr b="1" lang="pt-PT" sz="3200" spc="-1" strike="noStrike">
+          <a:lstStyle/>
+          <a:p>
+            <a:endParaRPr lang="pt-PT" sz="3200" b="1" strike="noStrike" spc="-1">
               <a:solidFill>
                 <a:srgbClr val="336699"/>
               </a:solidFill>
@@ -3776,11 +4158,12 @@
           </a:prstGeom>
         </p:spPr>
         <p:txBody>
-          <a:bodyPr lIns="0" rIns="0" tIns="0" bIns="0">
+          <a:bodyPr lIns="0" tIns="0" rIns="0" bIns="0">
             <a:normAutofit/>
           </a:bodyPr>
-          <a:p>
-            <a:endParaRPr b="1" lang="pt-PT" sz="3200" spc="-1" strike="noStrike">
+          <a:lstStyle/>
+          <a:p>
+            <a:endParaRPr lang="pt-PT" sz="3200" b="1" strike="noStrike" spc="-1">
               <a:solidFill>
                 <a:srgbClr val="336699"/>
               </a:solidFill>
@@ -3809,11 +4192,12 @@
           </a:prstGeom>
         </p:spPr>
         <p:txBody>
-          <a:bodyPr lIns="0" rIns="0" tIns="0" bIns="0">
+          <a:bodyPr lIns="0" tIns="0" rIns="0" bIns="0">
             <a:normAutofit/>
           </a:bodyPr>
-          <a:p>
-            <a:endParaRPr b="1" lang="pt-PT" sz="3200" spc="-1" strike="noStrike">
+          <a:lstStyle/>
+          <a:p>
+            <a:endParaRPr lang="pt-PT" sz="3200" b="1" strike="noStrike" spc="-1">
               <a:solidFill>
                 <a:srgbClr val="336699"/>
               </a:solidFill>
@@ -3824,11 +4208,14 @@
       </p:sp>
     </p:spTree>
   </p:cSld>
+  <p:clrMapOvr>
+    <a:masterClrMapping/>
+  </p:clrMapOvr>
 </p:sldLayout>
 </file>
 
 <file path=ppt/slideLayouts/slideLayout33.xml><?xml version="1.0" encoding="utf-8"?>
-<p:sldLayout xmlns:a="http://schemas.openxmlformats.org/drawingml/2006/main" xmlns:p="http://schemas.openxmlformats.org/presentationml/2006/main" xmlns:r="http://schemas.openxmlformats.org/officeDocument/2006/relationships" xmlns:p14="http://schemas.microsoft.com/office/powerpoint/2010/main" xmlns:p15="http://schemas.microsoft.com/office/powerpoint/2012/main" xmlns:mc="http://schemas.openxmlformats.org/markup-compatibility/2006" type="twoObjOverTx" preserve="1">
+<p:sldLayout xmlns:a="http://schemas.openxmlformats.org/drawingml/2006/main" xmlns:r="http://schemas.openxmlformats.org/officeDocument/2006/relationships" xmlns:p="http://schemas.openxmlformats.org/presentationml/2006/main" type="twoObjOverTx" preserve="1">
   <p:cSld name="Title, 2 Content over Content">
     <p:spTree>
       <p:nvGrpSpPr>
@@ -3864,9 +4251,10 @@
           </a:prstGeom>
         </p:spPr>
         <p:txBody>
-          <a:bodyPr lIns="0" rIns="0" tIns="0" bIns="0" anchor="ctr"/>
-          <a:p>
-            <a:endParaRPr b="0" lang="pt-PT" sz="1800" spc="-1" strike="noStrike">
+          <a:bodyPr lIns="0" tIns="0" rIns="0" bIns="0" anchor="ctr"/>
+          <a:lstStyle/>
+          <a:p>
+            <a:endParaRPr lang="pt-PT" sz="1800" b="0" strike="noStrike" spc="-1">
               <a:solidFill>
                 <a:srgbClr val="000000"/>
               </a:solidFill>
@@ -3895,11 +4283,12 @@
           </a:prstGeom>
         </p:spPr>
         <p:txBody>
-          <a:bodyPr lIns="0" rIns="0" tIns="0" bIns="0">
+          <a:bodyPr lIns="0" tIns="0" rIns="0" bIns="0">
             <a:normAutofit/>
           </a:bodyPr>
-          <a:p>
-            <a:endParaRPr b="1" lang="pt-PT" sz="3200" spc="-1" strike="noStrike">
+          <a:lstStyle/>
+          <a:p>
+            <a:endParaRPr lang="pt-PT" sz="3200" b="1" strike="noStrike" spc="-1">
               <a:solidFill>
                 <a:srgbClr val="336699"/>
               </a:solidFill>
@@ -3928,11 +4317,12 @@
           </a:prstGeom>
         </p:spPr>
         <p:txBody>
-          <a:bodyPr lIns="0" rIns="0" tIns="0" bIns="0">
+          <a:bodyPr lIns="0" tIns="0" rIns="0" bIns="0">
             <a:normAutofit/>
           </a:bodyPr>
-          <a:p>
-            <a:endParaRPr b="1" lang="pt-PT" sz="3200" spc="-1" strike="noStrike">
+          <a:lstStyle/>
+          <a:p>
+            <a:endParaRPr lang="pt-PT" sz="3200" b="1" strike="noStrike" spc="-1">
               <a:solidFill>
                 <a:srgbClr val="336699"/>
               </a:solidFill>
@@ -3961,11 +4351,12 @@
           </a:prstGeom>
         </p:spPr>
         <p:txBody>
-          <a:bodyPr lIns="0" rIns="0" tIns="0" bIns="0">
+          <a:bodyPr lIns="0" tIns="0" rIns="0" bIns="0">
             <a:normAutofit/>
           </a:bodyPr>
-          <a:p>
-            <a:endParaRPr b="1" lang="pt-PT" sz="3200" spc="-1" strike="noStrike">
+          <a:lstStyle/>
+          <a:p>
+            <a:endParaRPr lang="pt-PT" sz="3200" b="1" strike="noStrike" spc="-1">
               <a:solidFill>
                 <a:srgbClr val="336699"/>
               </a:solidFill>
@@ -3976,11 +4367,14 @@
       </p:sp>
     </p:spTree>
   </p:cSld>
+  <p:clrMapOvr>
+    <a:masterClrMapping/>
+  </p:clrMapOvr>
 </p:sldLayout>
 </file>
 
 <file path=ppt/slideLayouts/slideLayout34.xml><?xml version="1.0" encoding="utf-8"?>
-<p:sldLayout xmlns:a="http://schemas.openxmlformats.org/drawingml/2006/main" xmlns:p="http://schemas.openxmlformats.org/presentationml/2006/main" xmlns:r="http://schemas.openxmlformats.org/officeDocument/2006/relationships" xmlns:p14="http://schemas.microsoft.com/office/powerpoint/2010/main" xmlns:p15="http://schemas.microsoft.com/office/powerpoint/2012/main" xmlns:mc="http://schemas.openxmlformats.org/markup-compatibility/2006" type="objOverTx" preserve="1">
+<p:sldLayout xmlns:a="http://schemas.openxmlformats.org/drawingml/2006/main" xmlns:r="http://schemas.openxmlformats.org/officeDocument/2006/relationships" xmlns:p="http://schemas.openxmlformats.org/presentationml/2006/main" type="objOverTx" preserve="1">
   <p:cSld name="Title, Content over Content">
     <p:spTree>
       <p:nvGrpSpPr>
@@ -4016,9 +4410,10 @@
           </a:prstGeom>
         </p:spPr>
         <p:txBody>
-          <a:bodyPr lIns="0" rIns="0" tIns="0" bIns="0" anchor="ctr"/>
-          <a:p>
-            <a:endParaRPr b="0" lang="pt-PT" sz="1800" spc="-1" strike="noStrike">
+          <a:bodyPr lIns="0" tIns="0" rIns="0" bIns="0" anchor="ctr"/>
+          <a:lstStyle/>
+          <a:p>
+            <a:endParaRPr lang="pt-PT" sz="1800" b="0" strike="noStrike" spc="-1">
               <a:solidFill>
                 <a:srgbClr val="000000"/>
               </a:solidFill>
@@ -4047,11 +4442,12 @@
           </a:prstGeom>
         </p:spPr>
         <p:txBody>
-          <a:bodyPr lIns="0" rIns="0" tIns="0" bIns="0">
+          <a:bodyPr lIns="0" tIns="0" rIns="0" bIns="0">
             <a:normAutofit/>
           </a:bodyPr>
-          <a:p>
-            <a:endParaRPr b="1" lang="pt-PT" sz="3200" spc="-1" strike="noStrike">
+          <a:lstStyle/>
+          <a:p>
+            <a:endParaRPr lang="pt-PT" sz="3200" b="1" strike="noStrike" spc="-1">
               <a:solidFill>
                 <a:srgbClr val="336699"/>
               </a:solidFill>
@@ -4080,11 +4476,12 @@
           </a:prstGeom>
         </p:spPr>
         <p:txBody>
-          <a:bodyPr lIns="0" rIns="0" tIns="0" bIns="0">
+          <a:bodyPr lIns="0" tIns="0" rIns="0" bIns="0">
             <a:normAutofit/>
           </a:bodyPr>
-          <a:p>
-            <a:endParaRPr b="1" lang="pt-PT" sz="3200" spc="-1" strike="noStrike">
+          <a:lstStyle/>
+          <a:p>
+            <a:endParaRPr lang="pt-PT" sz="3200" b="1" strike="noStrike" spc="-1">
               <a:solidFill>
                 <a:srgbClr val="336699"/>
               </a:solidFill>
@@ -4095,11 +4492,14 @@
       </p:sp>
     </p:spTree>
   </p:cSld>
+  <p:clrMapOvr>
+    <a:masterClrMapping/>
+  </p:clrMapOvr>
 </p:sldLayout>
 </file>
 
 <file path=ppt/slideLayouts/slideLayout35.xml><?xml version="1.0" encoding="utf-8"?>
-<p:sldLayout xmlns:a="http://schemas.openxmlformats.org/drawingml/2006/main" xmlns:p="http://schemas.openxmlformats.org/presentationml/2006/main" xmlns:r="http://schemas.openxmlformats.org/officeDocument/2006/relationships" xmlns:p14="http://schemas.microsoft.com/office/powerpoint/2010/main" xmlns:p15="http://schemas.microsoft.com/office/powerpoint/2012/main" xmlns:mc="http://schemas.openxmlformats.org/markup-compatibility/2006" type="fourObj" preserve="1">
+<p:sldLayout xmlns:a="http://schemas.openxmlformats.org/drawingml/2006/main" xmlns:r="http://schemas.openxmlformats.org/officeDocument/2006/relationships" xmlns:p="http://schemas.openxmlformats.org/presentationml/2006/main" type="fourObj" preserve="1">
   <p:cSld name="Title, 4 Content">
     <p:spTree>
       <p:nvGrpSpPr>
@@ -4135,9 +4535,10 @@
           </a:prstGeom>
         </p:spPr>
         <p:txBody>
-          <a:bodyPr lIns="0" rIns="0" tIns="0" bIns="0" anchor="ctr"/>
-          <a:p>
-            <a:endParaRPr b="0" lang="pt-PT" sz="1800" spc="-1" strike="noStrike">
+          <a:bodyPr lIns="0" tIns="0" rIns="0" bIns="0" anchor="ctr"/>
+          <a:lstStyle/>
+          <a:p>
+            <a:endParaRPr lang="pt-PT" sz="1800" b="0" strike="noStrike" spc="-1">
               <a:solidFill>
                 <a:srgbClr val="000000"/>
               </a:solidFill>
@@ -4166,11 +4567,12 @@
           </a:prstGeom>
         </p:spPr>
         <p:txBody>
-          <a:bodyPr lIns="0" rIns="0" tIns="0" bIns="0">
+          <a:bodyPr lIns="0" tIns="0" rIns="0" bIns="0">
             <a:normAutofit/>
           </a:bodyPr>
-          <a:p>
-            <a:endParaRPr b="1" lang="pt-PT" sz="3200" spc="-1" strike="noStrike">
+          <a:lstStyle/>
+          <a:p>
+            <a:endParaRPr lang="pt-PT" sz="3200" b="1" strike="noStrike" spc="-1">
               <a:solidFill>
                 <a:srgbClr val="336699"/>
               </a:solidFill>
@@ -4199,11 +4601,12 @@
           </a:prstGeom>
         </p:spPr>
         <p:txBody>
-          <a:bodyPr lIns="0" rIns="0" tIns="0" bIns="0">
+          <a:bodyPr lIns="0" tIns="0" rIns="0" bIns="0">
             <a:normAutofit/>
           </a:bodyPr>
-          <a:p>
-            <a:endParaRPr b="1" lang="pt-PT" sz="3200" spc="-1" strike="noStrike">
+          <a:lstStyle/>
+          <a:p>
+            <a:endParaRPr lang="pt-PT" sz="3200" b="1" strike="noStrike" spc="-1">
               <a:solidFill>
                 <a:srgbClr val="336699"/>
               </a:solidFill>
@@ -4232,11 +4635,12 @@
           </a:prstGeom>
         </p:spPr>
         <p:txBody>
-          <a:bodyPr lIns="0" rIns="0" tIns="0" bIns="0">
+          <a:bodyPr lIns="0" tIns="0" rIns="0" bIns="0">
             <a:normAutofit/>
           </a:bodyPr>
-          <a:p>
-            <a:endParaRPr b="1" lang="pt-PT" sz="3200" spc="-1" strike="noStrike">
+          <a:lstStyle/>
+          <a:p>
+            <a:endParaRPr lang="pt-PT" sz="3200" b="1" strike="noStrike" spc="-1">
               <a:solidFill>
                 <a:srgbClr val="336699"/>
               </a:solidFill>
@@ -4265,11 +4669,12 @@
           </a:prstGeom>
         </p:spPr>
         <p:txBody>
-          <a:bodyPr lIns="0" rIns="0" tIns="0" bIns="0">
+          <a:bodyPr lIns="0" tIns="0" rIns="0" bIns="0">
             <a:normAutofit/>
           </a:bodyPr>
-          <a:p>
-            <a:endParaRPr b="1" lang="pt-PT" sz="3200" spc="-1" strike="noStrike">
+          <a:lstStyle/>
+          <a:p>
+            <a:endParaRPr lang="pt-PT" sz="3200" b="1" strike="noStrike" spc="-1">
               <a:solidFill>
                 <a:srgbClr val="336699"/>
               </a:solidFill>
@@ -4280,11 +4685,14 @@
       </p:sp>
     </p:spTree>
   </p:cSld>
+  <p:clrMapOvr>
+    <a:masterClrMapping/>
+  </p:clrMapOvr>
 </p:sldLayout>
 </file>
 
 <file path=ppt/slideLayouts/slideLayout36.xml><?xml version="1.0" encoding="utf-8"?>
-<p:sldLayout xmlns:a="http://schemas.openxmlformats.org/drawingml/2006/main" xmlns:p="http://schemas.openxmlformats.org/presentationml/2006/main" xmlns:r="http://schemas.openxmlformats.org/officeDocument/2006/relationships" xmlns:p14="http://schemas.microsoft.com/office/powerpoint/2010/main" xmlns:p15="http://schemas.microsoft.com/office/powerpoint/2012/main" xmlns:mc="http://schemas.openxmlformats.org/markup-compatibility/2006" type="blank" preserve="1">
+<p:sldLayout xmlns:a="http://schemas.openxmlformats.org/drawingml/2006/main" xmlns:r="http://schemas.openxmlformats.org/officeDocument/2006/relationships" xmlns:p="http://schemas.openxmlformats.org/presentationml/2006/main" type="blank" preserve="1">
   <p:cSld name="Title, 6 Content">
     <p:spTree>
       <p:nvGrpSpPr>
@@ -4320,9 +4728,10 @@
           </a:prstGeom>
         </p:spPr>
         <p:txBody>
-          <a:bodyPr lIns="0" rIns="0" tIns="0" bIns="0" anchor="ctr"/>
-          <a:p>
-            <a:endParaRPr b="0" lang="pt-PT" sz="1800" spc="-1" strike="noStrike">
+          <a:bodyPr lIns="0" tIns="0" rIns="0" bIns="0" anchor="ctr"/>
+          <a:lstStyle/>
+          <a:p>
+            <a:endParaRPr lang="pt-PT" sz="1800" b="0" strike="noStrike" spc="-1">
               <a:solidFill>
                 <a:srgbClr val="000000"/>
               </a:solidFill>
@@ -4351,11 +4760,12 @@
           </a:prstGeom>
         </p:spPr>
         <p:txBody>
-          <a:bodyPr lIns="0" rIns="0" tIns="0" bIns="0">
+          <a:bodyPr lIns="0" tIns="0" rIns="0" bIns="0">
             <a:normAutofit/>
           </a:bodyPr>
-          <a:p>
-            <a:endParaRPr b="1" lang="pt-PT" sz="3200" spc="-1" strike="noStrike">
+          <a:lstStyle/>
+          <a:p>
+            <a:endParaRPr lang="pt-PT" sz="3200" b="1" strike="noStrike" spc="-1">
               <a:solidFill>
                 <a:srgbClr val="336699"/>
               </a:solidFill>
@@ -4384,11 +4794,12 @@
           </a:prstGeom>
         </p:spPr>
         <p:txBody>
-          <a:bodyPr lIns="0" rIns="0" tIns="0" bIns="0">
+          <a:bodyPr lIns="0" tIns="0" rIns="0" bIns="0">
             <a:normAutofit/>
           </a:bodyPr>
-          <a:p>
-            <a:endParaRPr b="1" lang="pt-PT" sz="3200" spc="-1" strike="noStrike">
+          <a:lstStyle/>
+          <a:p>
+            <a:endParaRPr lang="pt-PT" sz="3200" b="1" strike="noStrike" spc="-1">
               <a:solidFill>
                 <a:srgbClr val="336699"/>
               </a:solidFill>
@@ -4417,11 +4828,12 @@
           </a:prstGeom>
         </p:spPr>
         <p:txBody>
-          <a:bodyPr lIns="0" rIns="0" tIns="0" bIns="0">
+          <a:bodyPr lIns="0" tIns="0" rIns="0" bIns="0">
             <a:normAutofit/>
           </a:bodyPr>
-          <a:p>
-            <a:endParaRPr b="1" lang="pt-PT" sz="3200" spc="-1" strike="noStrike">
+          <a:lstStyle/>
+          <a:p>
+            <a:endParaRPr lang="pt-PT" sz="3200" b="1" strike="noStrike" spc="-1">
               <a:solidFill>
                 <a:srgbClr val="336699"/>
               </a:solidFill>
@@ -4450,11 +4862,12 @@
           </a:prstGeom>
         </p:spPr>
         <p:txBody>
-          <a:bodyPr lIns="0" rIns="0" tIns="0" bIns="0">
+          <a:bodyPr lIns="0" tIns="0" rIns="0" bIns="0">
             <a:normAutofit/>
           </a:bodyPr>
-          <a:p>
-            <a:endParaRPr b="1" lang="pt-PT" sz="3200" spc="-1" strike="noStrike">
+          <a:lstStyle/>
+          <a:p>
+            <a:endParaRPr lang="pt-PT" sz="3200" b="1" strike="noStrike" spc="-1">
               <a:solidFill>
                 <a:srgbClr val="336699"/>
               </a:solidFill>
@@ -4483,11 +4896,12 @@
           </a:prstGeom>
         </p:spPr>
         <p:txBody>
-          <a:bodyPr lIns="0" rIns="0" tIns="0" bIns="0">
+          <a:bodyPr lIns="0" tIns="0" rIns="0" bIns="0">
             <a:normAutofit/>
           </a:bodyPr>
-          <a:p>
-            <a:endParaRPr b="1" lang="pt-PT" sz="3200" spc="-1" strike="noStrike">
+          <a:lstStyle/>
+          <a:p>
+            <a:endParaRPr lang="pt-PT" sz="3200" b="1" strike="noStrike" spc="-1">
               <a:solidFill>
                 <a:srgbClr val="336699"/>
               </a:solidFill>
@@ -4516,11 +4930,12 @@
           </a:prstGeom>
         </p:spPr>
         <p:txBody>
-          <a:bodyPr lIns="0" rIns="0" tIns="0" bIns="0">
+          <a:bodyPr lIns="0" tIns="0" rIns="0" bIns="0">
             <a:normAutofit/>
           </a:bodyPr>
-          <a:p>
-            <a:endParaRPr b="1" lang="pt-PT" sz="3200" spc="-1" strike="noStrike">
+          <a:lstStyle/>
+          <a:p>
+            <a:endParaRPr lang="pt-PT" sz="3200" b="1" strike="noStrike" spc="-1">
               <a:solidFill>
                 <a:srgbClr val="336699"/>
               </a:solidFill>
@@ -4531,11 +4946,14 @@
       </p:sp>
     </p:spTree>
   </p:cSld>
+  <p:clrMapOvr>
+    <a:masterClrMapping/>
+  </p:clrMapOvr>
 </p:sldLayout>
 </file>
 
 <file path=ppt/slideLayouts/slideLayout4.xml><?xml version="1.0" encoding="utf-8"?>
-<p:sldLayout xmlns:a="http://schemas.openxmlformats.org/drawingml/2006/main" xmlns:p="http://schemas.openxmlformats.org/presentationml/2006/main" xmlns:r="http://schemas.openxmlformats.org/officeDocument/2006/relationships" xmlns:p14="http://schemas.microsoft.com/office/powerpoint/2010/main" xmlns:p15="http://schemas.microsoft.com/office/powerpoint/2012/main" xmlns:mc="http://schemas.openxmlformats.org/markup-compatibility/2006" type="twoObj" preserve="1">
+<p:sldLayout xmlns:a="http://schemas.openxmlformats.org/drawingml/2006/main" xmlns:r="http://schemas.openxmlformats.org/officeDocument/2006/relationships" xmlns:p="http://schemas.openxmlformats.org/presentationml/2006/main" type="twoObj" preserve="1">
   <p:cSld name="Title, 2 Content">
     <p:spTree>
       <p:nvGrpSpPr>
@@ -4571,9 +4989,10 @@
           </a:prstGeom>
         </p:spPr>
         <p:txBody>
-          <a:bodyPr lIns="0" rIns="0" tIns="0" bIns="0" anchor="ctr"/>
-          <a:p>
-            <a:endParaRPr b="0" lang="pt-PT" sz="1800" spc="-1" strike="noStrike">
+          <a:bodyPr lIns="0" tIns="0" rIns="0" bIns="0" anchor="ctr"/>
+          <a:lstStyle/>
+          <a:p>
+            <a:endParaRPr lang="pt-PT" sz="1800" b="0" strike="noStrike" spc="-1">
               <a:solidFill>
                 <a:srgbClr val="000000"/>
               </a:solidFill>
@@ -4602,11 +5021,12 @@
           </a:prstGeom>
         </p:spPr>
         <p:txBody>
-          <a:bodyPr lIns="0" rIns="0" tIns="0" bIns="0">
+          <a:bodyPr lIns="0" tIns="0" rIns="0" bIns="0">
             <a:normAutofit/>
           </a:bodyPr>
-          <a:p>
-            <a:endParaRPr b="1" lang="pt-PT" sz="3200" spc="-1" strike="noStrike">
+          <a:lstStyle/>
+          <a:p>
+            <a:endParaRPr lang="pt-PT" sz="3200" b="1" strike="noStrike" spc="-1">
               <a:solidFill>
                 <a:srgbClr val="336699"/>
               </a:solidFill>
@@ -4635,11 +5055,12 @@
           </a:prstGeom>
         </p:spPr>
         <p:txBody>
-          <a:bodyPr lIns="0" rIns="0" tIns="0" bIns="0">
+          <a:bodyPr lIns="0" tIns="0" rIns="0" bIns="0">
             <a:normAutofit/>
           </a:bodyPr>
-          <a:p>
-            <a:endParaRPr b="1" lang="pt-PT" sz="3200" spc="-1" strike="noStrike">
+          <a:lstStyle/>
+          <a:p>
+            <a:endParaRPr lang="pt-PT" sz="3200" b="1" strike="noStrike" spc="-1">
               <a:solidFill>
                 <a:srgbClr val="336699"/>
               </a:solidFill>
@@ -4650,11 +5071,14 @@
       </p:sp>
     </p:spTree>
   </p:cSld>
+  <p:clrMapOvr>
+    <a:masterClrMapping/>
+  </p:clrMapOvr>
 </p:sldLayout>
 </file>
 
 <file path=ppt/slideLayouts/slideLayout5.xml><?xml version="1.0" encoding="utf-8"?>
-<p:sldLayout xmlns:a="http://schemas.openxmlformats.org/drawingml/2006/main" xmlns:p="http://schemas.openxmlformats.org/presentationml/2006/main" xmlns:r="http://schemas.openxmlformats.org/officeDocument/2006/relationships" xmlns:p14="http://schemas.microsoft.com/office/powerpoint/2010/main" xmlns:p15="http://schemas.microsoft.com/office/powerpoint/2012/main" xmlns:mc="http://schemas.openxmlformats.org/markup-compatibility/2006" type="titleOnly" preserve="1">
+<p:sldLayout xmlns:a="http://schemas.openxmlformats.org/drawingml/2006/main" xmlns:r="http://schemas.openxmlformats.org/officeDocument/2006/relationships" xmlns:p="http://schemas.openxmlformats.org/presentationml/2006/main" type="titleOnly" preserve="1">
   <p:cSld name="Title Only">
     <p:spTree>
       <p:nvGrpSpPr>
@@ -4690,9 +5114,10 @@
           </a:prstGeom>
         </p:spPr>
         <p:txBody>
-          <a:bodyPr lIns="0" rIns="0" tIns="0" bIns="0" anchor="ctr"/>
-          <a:p>
-            <a:endParaRPr b="0" lang="pt-PT" sz="1800" spc="-1" strike="noStrike">
+          <a:bodyPr lIns="0" tIns="0" rIns="0" bIns="0" anchor="ctr"/>
+          <a:lstStyle/>
+          <a:p>
+            <a:endParaRPr lang="pt-PT" sz="1800" b="0" strike="noStrike" spc="-1">
               <a:solidFill>
                 <a:srgbClr val="000000"/>
               </a:solidFill>
@@ -4703,11 +5128,14 @@
       </p:sp>
     </p:spTree>
   </p:cSld>
+  <p:clrMapOvr>
+    <a:masterClrMapping/>
+  </p:clrMapOvr>
 </p:sldLayout>
 </file>
 
 <file path=ppt/slideLayouts/slideLayout6.xml><?xml version="1.0" encoding="utf-8"?>
-<p:sldLayout xmlns:a="http://schemas.openxmlformats.org/drawingml/2006/main" xmlns:p="http://schemas.openxmlformats.org/presentationml/2006/main" xmlns:r="http://schemas.openxmlformats.org/officeDocument/2006/relationships" xmlns:p14="http://schemas.microsoft.com/office/powerpoint/2010/main" xmlns:p15="http://schemas.microsoft.com/office/powerpoint/2012/main" xmlns:mc="http://schemas.openxmlformats.org/markup-compatibility/2006" type="objOnly" preserve="1">
+<p:sldLayout xmlns:a="http://schemas.openxmlformats.org/drawingml/2006/main" xmlns:r="http://schemas.openxmlformats.org/officeDocument/2006/relationships" xmlns:p="http://schemas.openxmlformats.org/presentationml/2006/main" type="objOnly" preserve="1">
   <p:cSld name="Centered Text">
     <p:spTree>
       <p:nvGrpSpPr>
@@ -4743,10 +5171,11 @@
           </a:prstGeom>
         </p:spPr>
         <p:txBody>
-          <a:bodyPr lIns="0" rIns="0" tIns="0" bIns="0" anchor="ctr"/>
+          <a:bodyPr lIns="0" tIns="0" rIns="0" bIns="0" anchor="ctr"/>
+          <a:lstStyle/>
           <a:p>
             <a:pPr algn="ctr"/>
-            <a:endParaRPr b="0" lang="en-GB" sz="3200" spc="-1" strike="noStrike">
+            <a:endParaRPr lang="en-GB" sz="3200" b="0" strike="noStrike" spc="-1">
               <a:latin typeface="Arial"/>
             </a:endParaRPr>
           </a:p>
@@ -4754,11 +5183,14 @@
       </p:sp>
     </p:spTree>
   </p:cSld>
+  <p:clrMapOvr>
+    <a:masterClrMapping/>
+  </p:clrMapOvr>
 </p:sldLayout>
 </file>
 
 <file path=ppt/slideLayouts/slideLayout7.xml><?xml version="1.0" encoding="utf-8"?>
-<p:sldLayout xmlns:a="http://schemas.openxmlformats.org/drawingml/2006/main" xmlns:p="http://schemas.openxmlformats.org/presentationml/2006/main" xmlns:r="http://schemas.openxmlformats.org/officeDocument/2006/relationships" xmlns:p14="http://schemas.microsoft.com/office/powerpoint/2010/main" xmlns:p15="http://schemas.microsoft.com/office/powerpoint/2012/main" xmlns:mc="http://schemas.openxmlformats.org/markup-compatibility/2006" type="twoObjAndObj" preserve="1">
+<p:sldLayout xmlns:a="http://schemas.openxmlformats.org/drawingml/2006/main" xmlns:r="http://schemas.openxmlformats.org/officeDocument/2006/relationships" xmlns:p="http://schemas.openxmlformats.org/presentationml/2006/main" type="twoObjAndObj" preserve="1">
   <p:cSld name="Title, 2 Content and Content">
     <p:spTree>
       <p:nvGrpSpPr>
@@ -4794,9 +5226,10 @@
           </a:prstGeom>
         </p:spPr>
         <p:txBody>
-          <a:bodyPr lIns="0" rIns="0" tIns="0" bIns="0" anchor="ctr"/>
-          <a:p>
-            <a:endParaRPr b="0" lang="pt-PT" sz="1800" spc="-1" strike="noStrike">
+          <a:bodyPr lIns="0" tIns="0" rIns="0" bIns="0" anchor="ctr"/>
+          <a:lstStyle/>
+          <a:p>
+            <a:endParaRPr lang="pt-PT" sz="1800" b="0" strike="noStrike" spc="-1">
               <a:solidFill>
                 <a:srgbClr val="000000"/>
               </a:solidFill>
@@ -4825,11 +5258,12 @@
           </a:prstGeom>
         </p:spPr>
         <p:txBody>
-          <a:bodyPr lIns="0" rIns="0" tIns="0" bIns="0">
+          <a:bodyPr lIns="0" tIns="0" rIns="0" bIns="0">
             <a:normAutofit/>
           </a:bodyPr>
-          <a:p>
-            <a:endParaRPr b="1" lang="pt-PT" sz="3200" spc="-1" strike="noStrike">
+          <a:lstStyle/>
+          <a:p>
+            <a:endParaRPr lang="pt-PT" sz="3200" b="1" strike="noStrike" spc="-1">
               <a:solidFill>
                 <a:srgbClr val="336699"/>
               </a:solidFill>
@@ -4858,11 +5292,12 @@
           </a:prstGeom>
         </p:spPr>
         <p:txBody>
-          <a:bodyPr lIns="0" rIns="0" tIns="0" bIns="0">
+          <a:bodyPr lIns="0" tIns="0" rIns="0" bIns="0">
             <a:normAutofit/>
           </a:bodyPr>
-          <a:p>
-            <a:endParaRPr b="1" lang="pt-PT" sz="3200" spc="-1" strike="noStrike">
+          <a:lstStyle/>
+          <a:p>
+            <a:endParaRPr lang="pt-PT" sz="3200" b="1" strike="noStrike" spc="-1">
               <a:solidFill>
                 <a:srgbClr val="336699"/>
               </a:solidFill>
@@ -4891,11 +5326,12 @@
           </a:prstGeom>
         </p:spPr>
         <p:txBody>
-          <a:bodyPr lIns="0" rIns="0" tIns="0" bIns="0">
+          <a:bodyPr lIns="0" tIns="0" rIns="0" bIns="0">
             <a:normAutofit/>
           </a:bodyPr>
-          <a:p>
-            <a:endParaRPr b="1" lang="pt-PT" sz="3200" spc="-1" strike="noStrike">
+          <a:lstStyle/>
+          <a:p>
+            <a:endParaRPr lang="pt-PT" sz="3200" b="1" strike="noStrike" spc="-1">
               <a:solidFill>
                 <a:srgbClr val="336699"/>
               </a:solidFill>
@@ -4906,11 +5342,14 @@
       </p:sp>
     </p:spTree>
   </p:cSld>
+  <p:clrMapOvr>
+    <a:masterClrMapping/>
+  </p:clrMapOvr>
 </p:sldLayout>
 </file>
 
 <file path=ppt/slideLayouts/slideLayout8.xml><?xml version="1.0" encoding="utf-8"?>
-<p:sldLayout xmlns:a="http://schemas.openxmlformats.org/drawingml/2006/main" xmlns:p="http://schemas.openxmlformats.org/presentationml/2006/main" xmlns:r="http://schemas.openxmlformats.org/officeDocument/2006/relationships" xmlns:p14="http://schemas.microsoft.com/office/powerpoint/2010/main" xmlns:p15="http://schemas.microsoft.com/office/powerpoint/2012/main" xmlns:mc="http://schemas.openxmlformats.org/markup-compatibility/2006" type="objAndTwoObj" preserve="1">
+<p:sldLayout xmlns:a="http://schemas.openxmlformats.org/drawingml/2006/main" xmlns:r="http://schemas.openxmlformats.org/officeDocument/2006/relationships" xmlns:p="http://schemas.openxmlformats.org/presentationml/2006/main" type="objAndTwoObj" preserve="1">
   <p:cSld name="Title Content and 2 Content">
     <p:spTree>
       <p:nvGrpSpPr>
@@ -4946,9 +5385,10 @@
           </a:prstGeom>
         </p:spPr>
         <p:txBody>
-          <a:bodyPr lIns="0" rIns="0" tIns="0" bIns="0" anchor="ctr"/>
-          <a:p>
-            <a:endParaRPr b="0" lang="pt-PT" sz="1800" spc="-1" strike="noStrike">
+          <a:bodyPr lIns="0" tIns="0" rIns="0" bIns="0" anchor="ctr"/>
+          <a:lstStyle/>
+          <a:p>
+            <a:endParaRPr lang="pt-PT" sz="1800" b="0" strike="noStrike" spc="-1">
               <a:solidFill>
                 <a:srgbClr val="000000"/>
               </a:solidFill>
@@ -4977,11 +5417,12 @@
           </a:prstGeom>
         </p:spPr>
         <p:txBody>
-          <a:bodyPr lIns="0" rIns="0" tIns="0" bIns="0">
+          <a:bodyPr lIns="0" tIns="0" rIns="0" bIns="0">
             <a:normAutofit/>
           </a:bodyPr>
-          <a:p>
-            <a:endParaRPr b="1" lang="pt-PT" sz="3200" spc="-1" strike="noStrike">
+          <a:lstStyle/>
+          <a:p>
+            <a:endParaRPr lang="pt-PT" sz="3200" b="1" strike="noStrike" spc="-1">
               <a:solidFill>
                 <a:srgbClr val="336699"/>
               </a:solidFill>
@@ -5010,11 +5451,12 @@
           </a:prstGeom>
         </p:spPr>
         <p:txBody>
-          <a:bodyPr lIns="0" rIns="0" tIns="0" bIns="0">
+          <a:bodyPr lIns="0" tIns="0" rIns="0" bIns="0">
             <a:normAutofit/>
           </a:bodyPr>
-          <a:p>
-            <a:endParaRPr b="1" lang="pt-PT" sz="3200" spc="-1" strike="noStrike">
+          <a:lstStyle/>
+          <a:p>
+            <a:endParaRPr lang="pt-PT" sz="3200" b="1" strike="noStrike" spc="-1">
               <a:solidFill>
                 <a:srgbClr val="336699"/>
               </a:solidFill>
@@ -5043,11 +5485,12 @@
           </a:prstGeom>
         </p:spPr>
         <p:txBody>
-          <a:bodyPr lIns="0" rIns="0" tIns="0" bIns="0">
+          <a:bodyPr lIns="0" tIns="0" rIns="0" bIns="0">
             <a:normAutofit/>
           </a:bodyPr>
-          <a:p>
-            <a:endParaRPr b="1" lang="pt-PT" sz="3200" spc="-1" strike="noStrike">
+          <a:lstStyle/>
+          <a:p>
+            <a:endParaRPr lang="pt-PT" sz="3200" b="1" strike="noStrike" spc="-1">
               <a:solidFill>
                 <a:srgbClr val="336699"/>
               </a:solidFill>
@@ -5058,11 +5501,14 @@
       </p:sp>
     </p:spTree>
   </p:cSld>
+  <p:clrMapOvr>
+    <a:masterClrMapping/>
+  </p:clrMapOvr>
 </p:sldLayout>
 </file>
 
 <file path=ppt/slideLayouts/slideLayout9.xml><?xml version="1.0" encoding="utf-8"?>
-<p:sldLayout xmlns:a="http://schemas.openxmlformats.org/drawingml/2006/main" xmlns:p="http://schemas.openxmlformats.org/presentationml/2006/main" xmlns:r="http://schemas.openxmlformats.org/officeDocument/2006/relationships" xmlns:p14="http://schemas.microsoft.com/office/powerpoint/2010/main" xmlns:p15="http://schemas.microsoft.com/office/powerpoint/2012/main" xmlns:mc="http://schemas.openxmlformats.org/markup-compatibility/2006" type="twoObjOverTx" preserve="1">
+<p:sldLayout xmlns:a="http://schemas.openxmlformats.org/drawingml/2006/main" xmlns:r="http://schemas.openxmlformats.org/officeDocument/2006/relationships" xmlns:p="http://schemas.openxmlformats.org/presentationml/2006/main" type="twoObjOverTx" preserve="1">
   <p:cSld name="Title, 2 Content over Content">
     <p:spTree>
       <p:nvGrpSpPr>
@@ -5098,9 +5544,10 @@
           </a:prstGeom>
         </p:spPr>
         <p:txBody>
-          <a:bodyPr lIns="0" rIns="0" tIns="0" bIns="0" anchor="ctr"/>
-          <a:p>
-            <a:endParaRPr b="0" lang="pt-PT" sz="1800" spc="-1" strike="noStrike">
+          <a:bodyPr lIns="0" tIns="0" rIns="0" bIns="0" anchor="ctr"/>
+          <a:lstStyle/>
+          <a:p>
+            <a:endParaRPr lang="pt-PT" sz="1800" b="0" strike="noStrike" spc="-1">
               <a:solidFill>
                 <a:srgbClr val="000000"/>
               </a:solidFill>
@@ -5129,11 +5576,12 @@
           </a:prstGeom>
         </p:spPr>
         <p:txBody>
-          <a:bodyPr lIns="0" rIns="0" tIns="0" bIns="0">
+          <a:bodyPr lIns="0" tIns="0" rIns="0" bIns="0">
             <a:normAutofit/>
           </a:bodyPr>
-          <a:p>
-            <a:endParaRPr b="1" lang="pt-PT" sz="3200" spc="-1" strike="noStrike">
+          <a:lstStyle/>
+          <a:p>
+            <a:endParaRPr lang="pt-PT" sz="3200" b="1" strike="noStrike" spc="-1">
               <a:solidFill>
                 <a:srgbClr val="336699"/>
               </a:solidFill>
@@ -5162,11 +5610,12 @@
           </a:prstGeom>
         </p:spPr>
         <p:txBody>
-          <a:bodyPr lIns="0" rIns="0" tIns="0" bIns="0">
+          <a:bodyPr lIns="0" tIns="0" rIns="0" bIns="0">
             <a:normAutofit/>
           </a:bodyPr>
-          <a:p>
-            <a:endParaRPr b="1" lang="pt-PT" sz="3200" spc="-1" strike="noStrike">
+          <a:lstStyle/>
+          <a:p>
+            <a:endParaRPr lang="pt-PT" sz="3200" b="1" strike="noStrike" spc="-1">
               <a:solidFill>
                 <a:srgbClr val="336699"/>
               </a:solidFill>
@@ -5195,11 +5644,12 @@
           </a:prstGeom>
         </p:spPr>
         <p:txBody>
-          <a:bodyPr lIns="0" rIns="0" tIns="0" bIns="0">
+          <a:bodyPr lIns="0" tIns="0" rIns="0" bIns="0">
             <a:normAutofit/>
           </a:bodyPr>
-          <a:p>
-            <a:endParaRPr b="1" lang="pt-PT" sz="3200" spc="-1" strike="noStrike">
+          <a:lstStyle/>
+          <a:p>
+            <a:endParaRPr lang="pt-PT" sz="3200" b="1" strike="noStrike" spc="-1">
               <a:solidFill>
                 <a:srgbClr val="336699"/>
               </a:solidFill>
@@ -5210,17 +5660,21 @@
       </p:sp>
     </p:spTree>
   </p:cSld>
+  <p:clrMapOvr>
+    <a:masterClrMapping/>
+  </p:clrMapOvr>
 </p:sldLayout>
 </file>
 
 <file path=ppt/slideMasters/slideMaster1.xml><?xml version="1.0" encoding="utf-8"?>
-<p:sldMaster xmlns:a="http://schemas.openxmlformats.org/drawingml/2006/main" xmlns:p="http://schemas.openxmlformats.org/presentationml/2006/main" xmlns:r="http://schemas.openxmlformats.org/officeDocument/2006/relationships" xmlns:p14="http://schemas.microsoft.com/office/powerpoint/2010/main" xmlns:p15="http://schemas.microsoft.com/office/powerpoint/2012/main" xmlns:mc="http://schemas.openxmlformats.org/markup-compatibility/2006">
+<p:sldMaster xmlns:a="http://schemas.openxmlformats.org/drawingml/2006/main" xmlns:r="http://schemas.openxmlformats.org/officeDocument/2006/relationships" xmlns:p="http://schemas.openxmlformats.org/presentationml/2006/main">
   <p:cSld>
     <p:bg>
       <p:bgPr>
         <a:solidFill>
-          <a:srgbClr val="f2f2f2"/>
+          <a:srgbClr val="F2F2F2"/>
         </a:solidFill>
+        <a:effectLst/>
       </p:bgPr>
     </p:bg>
     <p:spTree>
@@ -5239,13 +5693,13 @@
       </p:grpSpPr>
       <p:pic>
         <p:nvPicPr>
-          <p:cNvPr id="0" name="Picture 2" descr=""/>
+          <p:cNvPr id="3" name="Picture 2"/>
           <p:cNvPicPr/>
           <p:nvPr/>
         </p:nvPicPr>
         <p:blipFill>
-          <a:blip r:embed="rId2"/>
-          <a:srcRect l="0" t="0" r="24527" b="29246"/>
+          <a:blip r:embed="rId14"/>
+          <a:srcRect r="24527" b="29246"/>
           <a:stretch/>
         </p:blipFill>
         <p:spPr>
@@ -5263,7 +5717,7 @@
       </p:pic>
       <p:sp>
         <p:nvSpPr>
-          <p:cNvPr id="1" name="PlaceHolder 1"/>
+          <p:cNvPr id="4" name="PlaceHolder 1"/>
           <p:cNvSpPr>
             <a:spLocks noGrp="1"/>
           </p:cNvSpPr>
@@ -5282,6 +5736,7 @@
         </p:spPr>
         <p:txBody>
           <a:bodyPr anchor="ctr"/>
+          <a:lstStyle/>
           <a:p>
             <a:pPr marL="358920">
               <a:lnSpc>
@@ -5289,15 +5744,15 @@
               </a:lnSpc>
             </a:pPr>
             <a:r>
-              <a:rPr b="0" lang="pt-PT" sz="4400" spc="-1" strike="noStrike">
-                <a:solidFill>
-                  <a:srgbClr val="ffffff"/>
+              <a:rPr lang="pt-PT" sz="4400" b="0" strike="noStrike" spc="-1">
+                <a:solidFill>
+                  <a:srgbClr val="FFFFFF"/>
                 </a:solidFill>
                 <a:latin typeface="Calibri"/>
               </a:rPr>
               <a:t>Click to edit Master title style</a:t>
             </a:r>
-            <a:endParaRPr b="0" lang="pt-PT" sz="4400" spc="-1" strike="noStrike">
+            <a:endParaRPr lang="pt-PT" sz="4400" b="0" strike="noStrike" spc="-1">
               <a:solidFill>
                 <a:srgbClr val="000000"/>
               </a:solidFill>
@@ -5327,6 +5782,7 @@
         </p:spPr>
         <p:txBody>
           <a:bodyPr anchor="ctr"/>
+          <a:lstStyle/>
           <a:p>
             <a:pPr algn="ctr">
               <a:lnSpc>
@@ -5337,33 +5793,15 @@
               </a:spcBef>
             </a:pPr>
             <a:r>
-              <a:rPr b="1" lang="pt-PT" sz="11500" spc="-1" strike="noStrike">
-                <a:solidFill>
-                  <a:srgbClr val="ffffff"/>
-                </a:solidFill>
-                <a:latin typeface="Calibri"/>
-              </a:rPr>
-              <a:t>Click to edit </a:t>
-            </a:r>
-            <a:r>
-              <a:rPr b="1" lang="pt-PT" sz="11500" spc="-1" strike="noStrike">
-                <a:solidFill>
-                  <a:srgbClr val="ffffff"/>
-                </a:solidFill>
-                <a:latin typeface="Calibri"/>
-              </a:rPr>
-              <a:t>Master text </a:t>
-            </a:r>
-            <a:r>
-              <a:rPr b="1" lang="pt-PT" sz="11500" spc="-1" strike="noStrike">
-                <a:solidFill>
-                  <a:srgbClr val="ffffff"/>
-                </a:solidFill>
-                <a:latin typeface="Calibri"/>
-              </a:rPr>
-              <a:t>styles</a:t>
-            </a:r>
-            <a:endParaRPr b="1" lang="pt-PT" sz="11500" spc="-1" strike="noStrike">
+              <a:rPr lang="pt-PT" sz="11500" b="1" strike="noStrike" spc="-1">
+                <a:solidFill>
+                  <a:srgbClr val="FFFFFF"/>
+                </a:solidFill>
+                <a:latin typeface="Calibri"/>
+              </a:rPr>
+              <a:t>Click to edit Master text styles</a:t>
+            </a:r>
+            <a:endParaRPr lang="pt-PT" sz="11500" b="1" strike="noStrike" spc="-1">
               <a:solidFill>
                 <a:srgbClr val="336699"/>
               </a:solidFill>
@@ -5374,32 +5812,313 @@
       </p:sp>
     </p:spTree>
   </p:cSld>
-  <p:clrMap bg1="lt1" bg2="lt2" tx1="dk1" tx2="dk2" accent1="accent1" accent2="accent2" accent3="accent3" accent4="accent4" accent5="accent5" accent6="accent6" hlink="hlink" folHlink="folHlink"/>
+  <p:clrMap bg1="lt1" tx1="dk1" bg2="lt2" tx2="dk2" accent1="accent1" accent2="accent2" accent3="accent3" accent4="accent4" accent5="accent5" accent6="accent6" hlink="hlink" folHlink="folHlink"/>
   <p:sldLayoutIdLst>
-    <p:sldLayoutId id="2147483649" r:id="rId3"/>
-    <p:sldLayoutId id="2147483650" r:id="rId4"/>
-    <p:sldLayoutId id="2147483651" r:id="rId5"/>
-    <p:sldLayoutId id="2147483652" r:id="rId6"/>
-    <p:sldLayoutId id="2147483653" r:id="rId7"/>
-    <p:sldLayoutId id="2147483654" r:id="rId8"/>
-    <p:sldLayoutId id="2147483655" r:id="rId9"/>
-    <p:sldLayoutId id="2147483656" r:id="rId10"/>
-    <p:sldLayoutId id="2147483657" r:id="rId11"/>
-    <p:sldLayoutId id="2147483658" r:id="rId12"/>
-    <p:sldLayoutId id="2147483659" r:id="rId13"/>
-    <p:sldLayoutId id="2147483660" r:id="rId14"/>
+    <p:sldLayoutId id="2147483649" r:id="rId1"/>
+    <p:sldLayoutId id="2147483650" r:id="rId2"/>
+    <p:sldLayoutId id="2147483651" r:id="rId3"/>
+    <p:sldLayoutId id="2147483652" r:id="rId4"/>
+    <p:sldLayoutId id="2147483653" r:id="rId5"/>
+    <p:sldLayoutId id="2147483654" r:id="rId6"/>
+    <p:sldLayoutId id="2147483655" r:id="rId7"/>
+    <p:sldLayoutId id="2147483656" r:id="rId8"/>
+    <p:sldLayoutId id="2147483657" r:id="rId9"/>
+    <p:sldLayoutId id="2147483658" r:id="rId10"/>
+    <p:sldLayoutId id="2147483659" r:id="rId11"/>
+    <p:sldLayoutId id="2147483660" r:id="rId12"/>
   </p:sldLayoutIdLst>
+  <p:txStyles>
+    <p:titleStyle>
+      <a:lvl1pPr algn="l" defTabSz="914400" rtl="0" eaLnBrk="1" latinLnBrk="0" hangingPunct="1">
+        <a:lnSpc>
+          <a:spcPct val="90000"/>
+        </a:lnSpc>
+        <a:spcBef>
+          <a:spcPct val="0"/>
+        </a:spcBef>
+        <a:buNone/>
+        <a:defRPr sz="4400" kern="1200">
+          <a:solidFill>
+            <a:schemeClr val="tx1"/>
+          </a:solidFill>
+          <a:latin typeface="+mj-lt"/>
+          <a:ea typeface="+mj-ea"/>
+          <a:cs typeface="+mj-cs"/>
+        </a:defRPr>
+      </a:lvl1pPr>
+    </p:titleStyle>
+    <p:bodyStyle>
+      <a:lvl1pPr marL="228600" indent="-228600" algn="l" defTabSz="914400" rtl="0" eaLnBrk="1" latinLnBrk="0" hangingPunct="1">
+        <a:lnSpc>
+          <a:spcPct val="90000"/>
+        </a:lnSpc>
+        <a:spcBef>
+          <a:spcPts val="1000"/>
+        </a:spcBef>
+        <a:buFont typeface="Arial" panose="020B0604020202020204" pitchFamily="34" charset="0"/>
+        <a:buChar char="•"/>
+        <a:defRPr sz="2800" kern="1200">
+          <a:solidFill>
+            <a:schemeClr val="tx1"/>
+          </a:solidFill>
+          <a:latin typeface="+mn-lt"/>
+          <a:ea typeface="+mn-ea"/>
+          <a:cs typeface="+mn-cs"/>
+        </a:defRPr>
+      </a:lvl1pPr>
+      <a:lvl2pPr marL="685800" indent="-228600" algn="l" defTabSz="914400" rtl="0" eaLnBrk="1" latinLnBrk="0" hangingPunct="1">
+        <a:lnSpc>
+          <a:spcPct val="90000"/>
+        </a:lnSpc>
+        <a:spcBef>
+          <a:spcPts val="500"/>
+        </a:spcBef>
+        <a:buFont typeface="Arial" panose="020B0604020202020204" pitchFamily="34" charset="0"/>
+        <a:buChar char="•"/>
+        <a:defRPr sz="2400" kern="1200">
+          <a:solidFill>
+            <a:schemeClr val="tx1"/>
+          </a:solidFill>
+          <a:latin typeface="+mn-lt"/>
+          <a:ea typeface="+mn-ea"/>
+          <a:cs typeface="+mn-cs"/>
+        </a:defRPr>
+      </a:lvl2pPr>
+      <a:lvl3pPr marL="1143000" indent="-228600" algn="l" defTabSz="914400" rtl="0" eaLnBrk="1" latinLnBrk="0" hangingPunct="1">
+        <a:lnSpc>
+          <a:spcPct val="90000"/>
+        </a:lnSpc>
+        <a:spcBef>
+          <a:spcPts val="500"/>
+        </a:spcBef>
+        <a:buFont typeface="Arial" panose="020B0604020202020204" pitchFamily="34" charset="0"/>
+        <a:buChar char="•"/>
+        <a:defRPr sz="2000" kern="1200">
+          <a:solidFill>
+            <a:schemeClr val="tx1"/>
+          </a:solidFill>
+          <a:latin typeface="+mn-lt"/>
+          <a:ea typeface="+mn-ea"/>
+          <a:cs typeface="+mn-cs"/>
+        </a:defRPr>
+      </a:lvl3pPr>
+      <a:lvl4pPr marL="1600200" indent="-228600" algn="l" defTabSz="914400" rtl="0" eaLnBrk="1" latinLnBrk="0" hangingPunct="1">
+        <a:lnSpc>
+          <a:spcPct val="90000"/>
+        </a:lnSpc>
+        <a:spcBef>
+          <a:spcPts val="500"/>
+        </a:spcBef>
+        <a:buFont typeface="Arial" panose="020B0604020202020204" pitchFamily="34" charset="0"/>
+        <a:buChar char="•"/>
+        <a:defRPr sz="1800" kern="1200">
+          <a:solidFill>
+            <a:schemeClr val="tx1"/>
+          </a:solidFill>
+          <a:latin typeface="+mn-lt"/>
+          <a:ea typeface="+mn-ea"/>
+          <a:cs typeface="+mn-cs"/>
+        </a:defRPr>
+      </a:lvl4pPr>
+      <a:lvl5pPr marL="2057400" indent="-228600" algn="l" defTabSz="914400" rtl="0" eaLnBrk="1" latinLnBrk="0" hangingPunct="1">
+        <a:lnSpc>
+          <a:spcPct val="90000"/>
+        </a:lnSpc>
+        <a:spcBef>
+          <a:spcPts val="500"/>
+        </a:spcBef>
+        <a:buFont typeface="Arial" panose="020B0604020202020204" pitchFamily="34" charset="0"/>
+        <a:buChar char="•"/>
+        <a:defRPr sz="1800" kern="1200">
+          <a:solidFill>
+            <a:schemeClr val="tx1"/>
+          </a:solidFill>
+          <a:latin typeface="+mn-lt"/>
+          <a:ea typeface="+mn-ea"/>
+          <a:cs typeface="+mn-cs"/>
+        </a:defRPr>
+      </a:lvl5pPr>
+      <a:lvl6pPr marL="2514600" indent="-228600" algn="l" defTabSz="914400" rtl="0" eaLnBrk="1" latinLnBrk="0" hangingPunct="1">
+        <a:lnSpc>
+          <a:spcPct val="90000"/>
+        </a:lnSpc>
+        <a:spcBef>
+          <a:spcPts val="500"/>
+        </a:spcBef>
+        <a:buFont typeface="Arial" panose="020B0604020202020204" pitchFamily="34" charset="0"/>
+        <a:buChar char="•"/>
+        <a:defRPr sz="1800" kern="1200">
+          <a:solidFill>
+            <a:schemeClr val="tx1"/>
+          </a:solidFill>
+          <a:latin typeface="+mn-lt"/>
+          <a:ea typeface="+mn-ea"/>
+          <a:cs typeface="+mn-cs"/>
+        </a:defRPr>
+      </a:lvl6pPr>
+      <a:lvl7pPr marL="2971800" indent="-228600" algn="l" defTabSz="914400" rtl="0" eaLnBrk="1" latinLnBrk="0" hangingPunct="1">
+        <a:lnSpc>
+          <a:spcPct val="90000"/>
+        </a:lnSpc>
+        <a:spcBef>
+          <a:spcPts val="500"/>
+        </a:spcBef>
+        <a:buFont typeface="Arial" panose="020B0604020202020204" pitchFamily="34" charset="0"/>
+        <a:buChar char="•"/>
+        <a:defRPr sz="1800" kern="1200">
+          <a:solidFill>
+            <a:schemeClr val="tx1"/>
+          </a:solidFill>
+          <a:latin typeface="+mn-lt"/>
+          <a:ea typeface="+mn-ea"/>
+          <a:cs typeface="+mn-cs"/>
+        </a:defRPr>
+      </a:lvl7pPr>
+      <a:lvl8pPr marL="3429000" indent="-228600" algn="l" defTabSz="914400" rtl="0" eaLnBrk="1" latinLnBrk="0" hangingPunct="1">
+        <a:lnSpc>
+          <a:spcPct val="90000"/>
+        </a:lnSpc>
+        <a:spcBef>
+          <a:spcPts val="500"/>
+        </a:spcBef>
+        <a:buFont typeface="Arial" panose="020B0604020202020204" pitchFamily="34" charset="0"/>
+        <a:buChar char="•"/>
+        <a:defRPr sz="1800" kern="1200">
+          <a:solidFill>
+            <a:schemeClr val="tx1"/>
+          </a:solidFill>
+          <a:latin typeface="+mn-lt"/>
+          <a:ea typeface="+mn-ea"/>
+          <a:cs typeface="+mn-cs"/>
+        </a:defRPr>
+      </a:lvl8pPr>
+      <a:lvl9pPr marL="3886200" indent="-228600" algn="l" defTabSz="914400" rtl="0" eaLnBrk="1" latinLnBrk="0" hangingPunct="1">
+        <a:lnSpc>
+          <a:spcPct val="90000"/>
+        </a:lnSpc>
+        <a:spcBef>
+          <a:spcPts val="500"/>
+        </a:spcBef>
+        <a:buFont typeface="Arial" panose="020B0604020202020204" pitchFamily="34" charset="0"/>
+        <a:buChar char="•"/>
+        <a:defRPr sz="1800" kern="1200">
+          <a:solidFill>
+            <a:schemeClr val="tx1"/>
+          </a:solidFill>
+          <a:latin typeface="+mn-lt"/>
+          <a:ea typeface="+mn-ea"/>
+          <a:cs typeface="+mn-cs"/>
+        </a:defRPr>
+      </a:lvl9pPr>
+    </p:bodyStyle>
+    <p:otherStyle>
+      <a:defPPr>
+        <a:defRPr lang="pt-PT"/>
+      </a:defPPr>
+      <a:lvl1pPr marL="0" algn="l" defTabSz="914400" rtl="0" eaLnBrk="1" latinLnBrk="0" hangingPunct="1">
+        <a:defRPr sz="1800" kern="1200">
+          <a:solidFill>
+            <a:schemeClr val="tx1"/>
+          </a:solidFill>
+          <a:latin typeface="+mn-lt"/>
+          <a:ea typeface="+mn-ea"/>
+          <a:cs typeface="+mn-cs"/>
+        </a:defRPr>
+      </a:lvl1pPr>
+      <a:lvl2pPr marL="457200" algn="l" defTabSz="914400" rtl="0" eaLnBrk="1" latinLnBrk="0" hangingPunct="1">
+        <a:defRPr sz="1800" kern="1200">
+          <a:solidFill>
+            <a:schemeClr val="tx1"/>
+          </a:solidFill>
+          <a:latin typeface="+mn-lt"/>
+          <a:ea typeface="+mn-ea"/>
+          <a:cs typeface="+mn-cs"/>
+        </a:defRPr>
+      </a:lvl2pPr>
+      <a:lvl3pPr marL="914400" algn="l" defTabSz="914400" rtl="0" eaLnBrk="1" latinLnBrk="0" hangingPunct="1">
+        <a:defRPr sz="1800" kern="1200">
+          <a:solidFill>
+            <a:schemeClr val="tx1"/>
+          </a:solidFill>
+          <a:latin typeface="+mn-lt"/>
+          <a:ea typeface="+mn-ea"/>
+          <a:cs typeface="+mn-cs"/>
+        </a:defRPr>
+      </a:lvl3pPr>
+      <a:lvl4pPr marL="1371600" algn="l" defTabSz="914400" rtl="0" eaLnBrk="1" latinLnBrk="0" hangingPunct="1">
+        <a:defRPr sz="1800" kern="1200">
+          <a:solidFill>
+            <a:schemeClr val="tx1"/>
+          </a:solidFill>
+          <a:latin typeface="+mn-lt"/>
+          <a:ea typeface="+mn-ea"/>
+          <a:cs typeface="+mn-cs"/>
+        </a:defRPr>
+      </a:lvl4pPr>
+      <a:lvl5pPr marL="1828800" algn="l" defTabSz="914400" rtl="0" eaLnBrk="1" latinLnBrk="0" hangingPunct="1">
+        <a:defRPr sz="1800" kern="1200">
+          <a:solidFill>
+            <a:schemeClr val="tx1"/>
+          </a:solidFill>
+          <a:latin typeface="+mn-lt"/>
+          <a:ea typeface="+mn-ea"/>
+          <a:cs typeface="+mn-cs"/>
+        </a:defRPr>
+      </a:lvl5pPr>
+      <a:lvl6pPr marL="2286000" algn="l" defTabSz="914400" rtl="0" eaLnBrk="1" latinLnBrk="0" hangingPunct="1">
+        <a:defRPr sz="1800" kern="1200">
+          <a:solidFill>
+            <a:schemeClr val="tx1"/>
+          </a:solidFill>
+          <a:latin typeface="+mn-lt"/>
+          <a:ea typeface="+mn-ea"/>
+          <a:cs typeface="+mn-cs"/>
+        </a:defRPr>
+      </a:lvl6pPr>
+      <a:lvl7pPr marL="2743200" algn="l" defTabSz="914400" rtl="0" eaLnBrk="1" latinLnBrk="0" hangingPunct="1">
+        <a:defRPr sz="1800" kern="1200">
+          <a:solidFill>
+            <a:schemeClr val="tx1"/>
+          </a:solidFill>
+          <a:latin typeface="+mn-lt"/>
+          <a:ea typeface="+mn-ea"/>
+          <a:cs typeface="+mn-cs"/>
+        </a:defRPr>
+      </a:lvl7pPr>
+      <a:lvl8pPr marL="3200400" algn="l" defTabSz="914400" rtl="0" eaLnBrk="1" latinLnBrk="0" hangingPunct="1">
+        <a:defRPr sz="1800" kern="1200">
+          <a:solidFill>
+            <a:schemeClr val="tx1"/>
+          </a:solidFill>
+          <a:latin typeface="+mn-lt"/>
+          <a:ea typeface="+mn-ea"/>
+          <a:cs typeface="+mn-cs"/>
+        </a:defRPr>
+      </a:lvl8pPr>
+      <a:lvl9pPr marL="3657600" algn="l" defTabSz="914400" rtl="0" eaLnBrk="1" latinLnBrk="0" hangingPunct="1">
+        <a:defRPr sz="1800" kern="1200">
+          <a:solidFill>
+            <a:schemeClr val="tx1"/>
+          </a:solidFill>
+          <a:latin typeface="+mn-lt"/>
+          <a:ea typeface="+mn-ea"/>
+          <a:cs typeface="+mn-cs"/>
+        </a:defRPr>
+      </a:lvl9pPr>
+    </p:otherStyle>
+  </p:txStyles>
 </p:sldMaster>
 </file>
 
 <file path=ppt/slideMasters/slideMaster2.xml><?xml version="1.0" encoding="utf-8"?>
-<p:sldMaster xmlns:a="http://schemas.openxmlformats.org/drawingml/2006/main" xmlns:p="http://schemas.openxmlformats.org/presentationml/2006/main" xmlns:r="http://schemas.openxmlformats.org/officeDocument/2006/relationships" xmlns:p14="http://schemas.microsoft.com/office/powerpoint/2010/main" xmlns:p15="http://schemas.microsoft.com/office/powerpoint/2012/main" xmlns:mc="http://schemas.openxmlformats.org/markup-compatibility/2006">
+<p:sldMaster xmlns:a="http://schemas.openxmlformats.org/drawingml/2006/main" xmlns:r="http://schemas.openxmlformats.org/officeDocument/2006/relationships" xmlns:p="http://schemas.openxmlformats.org/presentationml/2006/main">
   <p:cSld>
     <p:bg>
       <p:bgPr>
         <a:solidFill>
-          <a:srgbClr val="ffffff"/>
+          <a:srgbClr val="FFFFFF"/>
         </a:solidFill>
+        <a:effectLst/>
       </p:bgPr>
     </p:bg>
     <p:spTree>
@@ -5437,6 +6156,7 @@
         </p:spPr>
         <p:txBody>
           <a:bodyPr/>
+          <a:lstStyle/>
           <a:p>
             <a:pPr marL="343080" indent="-342720">
               <a:lnSpc>
@@ -5447,7 +6167,7 @@
               </a:spcBef>
             </a:pPr>
             <a:r>
-              <a:rPr b="1" lang="pt-PT" sz="3200" spc="-1" strike="noStrike">
+              <a:rPr lang="pt-PT" sz="3200" b="1" strike="noStrike" spc="-1">
                 <a:solidFill>
                   <a:srgbClr val="336699"/>
                 </a:solidFill>
@@ -5455,12 +6175,6 @@
               </a:rPr>
               <a:t>Click to edit Master text styles</a:t>
             </a:r>
-            <a:endParaRPr b="1" lang="pt-PT" sz="3200" spc="-1" strike="noStrike">
-              <a:solidFill>
-                <a:srgbClr val="336699"/>
-              </a:solidFill>
-              <a:latin typeface="Calibri"/>
-            </a:endParaRPr>
           </a:p>
         </p:txBody>
       </p:sp>
@@ -5485,6 +6199,7 @@
         </p:spPr>
         <p:txBody>
           <a:bodyPr/>
+          <a:lstStyle/>
           <a:p>
             <a:pPr algn="ctr">
               <a:lnSpc>
@@ -5495,15 +6210,15 @@
               </a:spcBef>
             </a:pPr>
             <a:r>
-              <a:rPr b="1" lang="pt-PT" sz="16600" spc="-1" strike="noStrike">
-                <a:solidFill>
-                  <a:srgbClr val="ffffff"/>
+              <a:rPr lang="pt-PT" sz="16600" b="1" strike="noStrike" spc="-1">
+                <a:solidFill>
+                  <a:srgbClr val="FFFFFF"/>
                 </a:solidFill>
                 <a:latin typeface="Calibri"/>
               </a:rPr>
               <a:t>Click to edit Master text styles</a:t>
             </a:r>
-            <a:endParaRPr b="1" lang="pt-PT" sz="16600" spc="-1" strike="noStrike">
+            <a:endParaRPr lang="pt-PT" sz="16600" b="1" strike="noStrike" spc="-1">
               <a:solidFill>
                 <a:srgbClr val="336699"/>
               </a:solidFill>
@@ -5533,6 +6248,7 @@
         </p:spPr>
         <p:txBody>
           <a:bodyPr/>
+          <a:lstStyle/>
           <a:p>
             <a:pPr marL="358920" algn="r">
               <a:lnSpc>
@@ -5540,7 +6256,7 @@
               </a:lnSpc>
             </a:pPr>
             <a:r>
-              <a:rPr b="1" lang="pt-PT" sz="6600" spc="-1" strike="noStrike" cap="all">
+              <a:rPr lang="pt-PT" sz="6600" b="1" strike="noStrike" cap="all" spc="-1">
                 <a:solidFill>
                   <a:srgbClr val="336699"/>
                 </a:solidFill>
@@ -5548,7 +6264,7 @@
               </a:rPr>
               <a:t>Click to edit Master title style</a:t>
             </a:r>
-            <a:endParaRPr b="0" lang="pt-PT" sz="6600" spc="-1" strike="noStrike">
+            <a:endParaRPr lang="pt-PT" sz="6600" b="0" strike="noStrike" spc="-1">
               <a:solidFill>
                 <a:srgbClr val="000000"/>
               </a:solidFill>
@@ -5559,32 +6275,313 @@
       </p:sp>
     </p:spTree>
   </p:cSld>
-  <p:clrMap bg1="lt1" bg2="lt2" tx1="dk1" tx2="dk2" accent1="accent1" accent2="accent2" accent3="accent3" accent4="accent4" accent5="accent5" accent6="accent6" hlink="hlink" folHlink="folHlink"/>
+  <p:clrMap bg1="lt1" tx1="dk1" bg2="lt2" tx2="dk2" accent1="accent1" accent2="accent2" accent3="accent3" accent4="accent4" accent5="accent5" accent6="accent6" hlink="hlink" folHlink="folHlink"/>
   <p:sldLayoutIdLst>
-    <p:sldLayoutId id="2147483662" r:id="rId2"/>
-    <p:sldLayoutId id="2147483663" r:id="rId3"/>
-    <p:sldLayoutId id="2147483664" r:id="rId4"/>
-    <p:sldLayoutId id="2147483665" r:id="rId5"/>
-    <p:sldLayoutId id="2147483666" r:id="rId6"/>
-    <p:sldLayoutId id="2147483667" r:id="rId7"/>
-    <p:sldLayoutId id="2147483668" r:id="rId8"/>
-    <p:sldLayoutId id="2147483669" r:id="rId9"/>
-    <p:sldLayoutId id="2147483670" r:id="rId10"/>
-    <p:sldLayoutId id="2147483671" r:id="rId11"/>
-    <p:sldLayoutId id="2147483672" r:id="rId12"/>
-    <p:sldLayoutId id="2147483673" r:id="rId13"/>
+    <p:sldLayoutId id="2147483662" r:id="rId1"/>
+    <p:sldLayoutId id="2147483663" r:id="rId2"/>
+    <p:sldLayoutId id="2147483664" r:id="rId3"/>
+    <p:sldLayoutId id="2147483665" r:id="rId4"/>
+    <p:sldLayoutId id="2147483666" r:id="rId5"/>
+    <p:sldLayoutId id="2147483667" r:id="rId6"/>
+    <p:sldLayoutId id="2147483668" r:id="rId7"/>
+    <p:sldLayoutId id="2147483669" r:id="rId8"/>
+    <p:sldLayoutId id="2147483670" r:id="rId9"/>
+    <p:sldLayoutId id="2147483671" r:id="rId10"/>
+    <p:sldLayoutId id="2147483672" r:id="rId11"/>
+    <p:sldLayoutId id="2147483673" r:id="rId12"/>
   </p:sldLayoutIdLst>
+  <p:txStyles>
+    <p:titleStyle>
+      <a:lvl1pPr algn="l" defTabSz="914400" rtl="0" eaLnBrk="1" latinLnBrk="0" hangingPunct="1">
+        <a:lnSpc>
+          <a:spcPct val="90000"/>
+        </a:lnSpc>
+        <a:spcBef>
+          <a:spcPct val="0"/>
+        </a:spcBef>
+        <a:buNone/>
+        <a:defRPr sz="4400" kern="1200">
+          <a:solidFill>
+            <a:schemeClr val="tx1"/>
+          </a:solidFill>
+          <a:latin typeface="+mj-lt"/>
+          <a:ea typeface="+mj-ea"/>
+          <a:cs typeface="+mj-cs"/>
+        </a:defRPr>
+      </a:lvl1pPr>
+    </p:titleStyle>
+    <p:bodyStyle>
+      <a:lvl1pPr marL="228600" indent="-228600" algn="l" defTabSz="914400" rtl="0" eaLnBrk="1" latinLnBrk="0" hangingPunct="1">
+        <a:lnSpc>
+          <a:spcPct val="90000"/>
+        </a:lnSpc>
+        <a:spcBef>
+          <a:spcPts val="1000"/>
+        </a:spcBef>
+        <a:buFont typeface="Arial" panose="020B0604020202020204" pitchFamily="34" charset="0"/>
+        <a:buChar char="•"/>
+        <a:defRPr sz="2800" kern="1200">
+          <a:solidFill>
+            <a:schemeClr val="tx1"/>
+          </a:solidFill>
+          <a:latin typeface="+mn-lt"/>
+          <a:ea typeface="+mn-ea"/>
+          <a:cs typeface="+mn-cs"/>
+        </a:defRPr>
+      </a:lvl1pPr>
+      <a:lvl2pPr marL="685800" indent="-228600" algn="l" defTabSz="914400" rtl="0" eaLnBrk="1" latinLnBrk="0" hangingPunct="1">
+        <a:lnSpc>
+          <a:spcPct val="90000"/>
+        </a:lnSpc>
+        <a:spcBef>
+          <a:spcPts val="500"/>
+        </a:spcBef>
+        <a:buFont typeface="Arial" panose="020B0604020202020204" pitchFamily="34" charset="0"/>
+        <a:buChar char="•"/>
+        <a:defRPr sz="2400" kern="1200">
+          <a:solidFill>
+            <a:schemeClr val="tx1"/>
+          </a:solidFill>
+          <a:latin typeface="+mn-lt"/>
+          <a:ea typeface="+mn-ea"/>
+          <a:cs typeface="+mn-cs"/>
+        </a:defRPr>
+      </a:lvl2pPr>
+      <a:lvl3pPr marL="1143000" indent="-228600" algn="l" defTabSz="914400" rtl="0" eaLnBrk="1" latinLnBrk="0" hangingPunct="1">
+        <a:lnSpc>
+          <a:spcPct val="90000"/>
+        </a:lnSpc>
+        <a:spcBef>
+          <a:spcPts val="500"/>
+        </a:spcBef>
+        <a:buFont typeface="Arial" panose="020B0604020202020204" pitchFamily="34" charset="0"/>
+        <a:buChar char="•"/>
+        <a:defRPr sz="2000" kern="1200">
+          <a:solidFill>
+            <a:schemeClr val="tx1"/>
+          </a:solidFill>
+          <a:latin typeface="+mn-lt"/>
+          <a:ea typeface="+mn-ea"/>
+          <a:cs typeface="+mn-cs"/>
+        </a:defRPr>
+      </a:lvl3pPr>
+      <a:lvl4pPr marL="1600200" indent="-228600" algn="l" defTabSz="914400" rtl="0" eaLnBrk="1" latinLnBrk="0" hangingPunct="1">
+        <a:lnSpc>
+          <a:spcPct val="90000"/>
+        </a:lnSpc>
+        <a:spcBef>
+          <a:spcPts val="500"/>
+        </a:spcBef>
+        <a:buFont typeface="Arial" panose="020B0604020202020204" pitchFamily="34" charset="0"/>
+        <a:buChar char="•"/>
+        <a:defRPr sz="1800" kern="1200">
+          <a:solidFill>
+            <a:schemeClr val="tx1"/>
+          </a:solidFill>
+          <a:latin typeface="+mn-lt"/>
+          <a:ea typeface="+mn-ea"/>
+          <a:cs typeface="+mn-cs"/>
+        </a:defRPr>
+      </a:lvl4pPr>
+      <a:lvl5pPr marL="2057400" indent="-228600" algn="l" defTabSz="914400" rtl="0" eaLnBrk="1" latinLnBrk="0" hangingPunct="1">
+        <a:lnSpc>
+          <a:spcPct val="90000"/>
+        </a:lnSpc>
+        <a:spcBef>
+          <a:spcPts val="500"/>
+        </a:spcBef>
+        <a:buFont typeface="Arial" panose="020B0604020202020204" pitchFamily="34" charset="0"/>
+        <a:buChar char="•"/>
+        <a:defRPr sz="1800" kern="1200">
+          <a:solidFill>
+            <a:schemeClr val="tx1"/>
+          </a:solidFill>
+          <a:latin typeface="+mn-lt"/>
+          <a:ea typeface="+mn-ea"/>
+          <a:cs typeface="+mn-cs"/>
+        </a:defRPr>
+      </a:lvl5pPr>
+      <a:lvl6pPr marL="2514600" indent="-228600" algn="l" defTabSz="914400" rtl="0" eaLnBrk="1" latinLnBrk="0" hangingPunct="1">
+        <a:lnSpc>
+          <a:spcPct val="90000"/>
+        </a:lnSpc>
+        <a:spcBef>
+          <a:spcPts val="500"/>
+        </a:spcBef>
+        <a:buFont typeface="Arial" panose="020B0604020202020204" pitchFamily="34" charset="0"/>
+        <a:buChar char="•"/>
+        <a:defRPr sz="1800" kern="1200">
+          <a:solidFill>
+            <a:schemeClr val="tx1"/>
+          </a:solidFill>
+          <a:latin typeface="+mn-lt"/>
+          <a:ea typeface="+mn-ea"/>
+          <a:cs typeface="+mn-cs"/>
+        </a:defRPr>
+      </a:lvl6pPr>
+      <a:lvl7pPr marL="2971800" indent="-228600" algn="l" defTabSz="914400" rtl="0" eaLnBrk="1" latinLnBrk="0" hangingPunct="1">
+        <a:lnSpc>
+          <a:spcPct val="90000"/>
+        </a:lnSpc>
+        <a:spcBef>
+          <a:spcPts val="500"/>
+        </a:spcBef>
+        <a:buFont typeface="Arial" panose="020B0604020202020204" pitchFamily="34" charset="0"/>
+        <a:buChar char="•"/>
+        <a:defRPr sz="1800" kern="1200">
+          <a:solidFill>
+            <a:schemeClr val="tx1"/>
+          </a:solidFill>
+          <a:latin typeface="+mn-lt"/>
+          <a:ea typeface="+mn-ea"/>
+          <a:cs typeface="+mn-cs"/>
+        </a:defRPr>
+      </a:lvl7pPr>
+      <a:lvl8pPr marL="3429000" indent="-228600" algn="l" defTabSz="914400" rtl="0" eaLnBrk="1" latinLnBrk="0" hangingPunct="1">
+        <a:lnSpc>
+          <a:spcPct val="90000"/>
+        </a:lnSpc>
+        <a:spcBef>
+          <a:spcPts val="500"/>
+        </a:spcBef>
+        <a:buFont typeface="Arial" panose="020B0604020202020204" pitchFamily="34" charset="0"/>
+        <a:buChar char="•"/>
+        <a:defRPr sz="1800" kern="1200">
+          <a:solidFill>
+            <a:schemeClr val="tx1"/>
+          </a:solidFill>
+          <a:latin typeface="+mn-lt"/>
+          <a:ea typeface="+mn-ea"/>
+          <a:cs typeface="+mn-cs"/>
+        </a:defRPr>
+      </a:lvl8pPr>
+      <a:lvl9pPr marL="3886200" indent="-228600" algn="l" defTabSz="914400" rtl="0" eaLnBrk="1" latinLnBrk="0" hangingPunct="1">
+        <a:lnSpc>
+          <a:spcPct val="90000"/>
+        </a:lnSpc>
+        <a:spcBef>
+          <a:spcPts val="500"/>
+        </a:spcBef>
+        <a:buFont typeface="Arial" panose="020B0604020202020204" pitchFamily="34" charset="0"/>
+        <a:buChar char="•"/>
+        <a:defRPr sz="1800" kern="1200">
+          <a:solidFill>
+            <a:schemeClr val="tx1"/>
+          </a:solidFill>
+          <a:latin typeface="+mn-lt"/>
+          <a:ea typeface="+mn-ea"/>
+          <a:cs typeface="+mn-cs"/>
+        </a:defRPr>
+      </a:lvl9pPr>
+    </p:bodyStyle>
+    <p:otherStyle>
+      <a:defPPr>
+        <a:defRPr lang="pt-PT"/>
+      </a:defPPr>
+      <a:lvl1pPr marL="0" algn="l" defTabSz="914400" rtl="0" eaLnBrk="1" latinLnBrk="0" hangingPunct="1">
+        <a:defRPr sz="1800" kern="1200">
+          <a:solidFill>
+            <a:schemeClr val="tx1"/>
+          </a:solidFill>
+          <a:latin typeface="+mn-lt"/>
+          <a:ea typeface="+mn-ea"/>
+          <a:cs typeface="+mn-cs"/>
+        </a:defRPr>
+      </a:lvl1pPr>
+      <a:lvl2pPr marL="457200" algn="l" defTabSz="914400" rtl="0" eaLnBrk="1" latinLnBrk="0" hangingPunct="1">
+        <a:defRPr sz="1800" kern="1200">
+          <a:solidFill>
+            <a:schemeClr val="tx1"/>
+          </a:solidFill>
+          <a:latin typeface="+mn-lt"/>
+          <a:ea typeface="+mn-ea"/>
+          <a:cs typeface="+mn-cs"/>
+        </a:defRPr>
+      </a:lvl2pPr>
+      <a:lvl3pPr marL="914400" algn="l" defTabSz="914400" rtl="0" eaLnBrk="1" latinLnBrk="0" hangingPunct="1">
+        <a:defRPr sz="1800" kern="1200">
+          <a:solidFill>
+            <a:schemeClr val="tx1"/>
+          </a:solidFill>
+          <a:latin typeface="+mn-lt"/>
+          <a:ea typeface="+mn-ea"/>
+          <a:cs typeface="+mn-cs"/>
+        </a:defRPr>
+      </a:lvl3pPr>
+      <a:lvl4pPr marL="1371600" algn="l" defTabSz="914400" rtl="0" eaLnBrk="1" latinLnBrk="0" hangingPunct="1">
+        <a:defRPr sz="1800" kern="1200">
+          <a:solidFill>
+            <a:schemeClr val="tx1"/>
+          </a:solidFill>
+          <a:latin typeface="+mn-lt"/>
+          <a:ea typeface="+mn-ea"/>
+          <a:cs typeface="+mn-cs"/>
+        </a:defRPr>
+      </a:lvl4pPr>
+      <a:lvl5pPr marL="1828800" algn="l" defTabSz="914400" rtl="0" eaLnBrk="1" latinLnBrk="0" hangingPunct="1">
+        <a:defRPr sz="1800" kern="1200">
+          <a:solidFill>
+            <a:schemeClr val="tx1"/>
+          </a:solidFill>
+          <a:latin typeface="+mn-lt"/>
+          <a:ea typeface="+mn-ea"/>
+          <a:cs typeface="+mn-cs"/>
+        </a:defRPr>
+      </a:lvl5pPr>
+      <a:lvl6pPr marL="2286000" algn="l" defTabSz="914400" rtl="0" eaLnBrk="1" latinLnBrk="0" hangingPunct="1">
+        <a:defRPr sz="1800" kern="1200">
+          <a:solidFill>
+            <a:schemeClr val="tx1"/>
+          </a:solidFill>
+          <a:latin typeface="+mn-lt"/>
+          <a:ea typeface="+mn-ea"/>
+          <a:cs typeface="+mn-cs"/>
+        </a:defRPr>
+      </a:lvl6pPr>
+      <a:lvl7pPr marL="2743200" algn="l" defTabSz="914400" rtl="0" eaLnBrk="1" latinLnBrk="0" hangingPunct="1">
+        <a:defRPr sz="1800" kern="1200">
+          <a:solidFill>
+            <a:schemeClr val="tx1"/>
+          </a:solidFill>
+          <a:latin typeface="+mn-lt"/>
+          <a:ea typeface="+mn-ea"/>
+          <a:cs typeface="+mn-cs"/>
+        </a:defRPr>
+      </a:lvl7pPr>
+      <a:lvl8pPr marL="3200400" algn="l" defTabSz="914400" rtl="0" eaLnBrk="1" latinLnBrk="0" hangingPunct="1">
+        <a:defRPr sz="1800" kern="1200">
+          <a:solidFill>
+            <a:schemeClr val="tx1"/>
+          </a:solidFill>
+          <a:latin typeface="+mn-lt"/>
+          <a:ea typeface="+mn-ea"/>
+          <a:cs typeface="+mn-cs"/>
+        </a:defRPr>
+      </a:lvl8pPr>
+      <a:lvl9pPr marL="3657600" algn="l" defTabSz="914400" rtl="0" eaLnBrk="1" latinLnBrk="0" hangingPunct="1">
+        <a:defRPr sz="1800" kern="1200">
+          <a:solidFill>
+            <a:schemeClr val="tx1"/>
+          </a:solidFill>
+          <a:latin typeface="+mn-lt"/>
+          <a:ea typeface="+mn-ea"/>
+          <a:cs typeface="+mn-cs"/>
+        </a:defRPr>
+      </a:lvl9pPr>
+    </p:otherStyle>
+  </p:txStyles>
 </p:sldMaster>
 </file>
 
 <file path=ppt/slideMasters/slideMaster3.xml><?xml version="1.0" encoding="utf-8"?>
-<p:sldMaster xmlns:a="http://schemas.openxmlformats.org/drawingml/2006/main" xmlns:p="http://schemas.openxmlformats.org/presentationml/2006/main" xmlns:r="http://schemas.openxmlformats.org/officeDocument/2006/relationships" xmlns:p14="http://schemas.microsoft.com/office/powerpoint/2010/main" xmlns:p15="http://schemas.microsoft.com/office/powerpoint/2012/main" xmlns:mc="http://schemas.openxmlformats.org/markup-compatibility/2006">
+<p:sldMaster xmlns:a="http://schemas.openxmlformats.org/drawingml/2006/main" xmlns:r="http://schemas.openxmlformats.org/officeDocument/2006/relationships" xmlns:p="http://schemas.openxmlformats.org/presentationml/2006/main">
   <p:cSld>
     <p:bg>
       <p:bgPr>
         <a:solidFill>
-          <a:srgbClr val="ffffff"/>
+          <a:srgbClr val="FFFFFF"/>
         </a:solidFill>
+        <a:effectLst/>
       </p:bgPr>
     </p:bg>
     <p:spTree>
@@ -5622,6 +6619,7 @@
         </p:spPr>
         <p:txBody>
           <a:bodyPr anchor="ctr"/>
+          <a:lstStyle/>
           <a:p>
             <a:pPr marL="358920">
               <a:lnSpc>
@@ -5629,15 +6627,15 @@
               </a:lnSpc>
             </a:pPr>
             <a:r>
-              <a:rPr b="0" lang="pt-PT" sz="4400" spc="-1" strike="noStrike">
-                <a:solidFill>
-                  <a:srgbClr val="ffffff"/>
+              <a:rPr lang="pt-PT" sz="4400" b="0" strike="noStrike" spc="-1">
+                <a:solidFill>
+                  <a:srgbClr val="FFFFFF"/>
                 </a:solidFill>
                 <a:latin typeface="Calibri"/>
               </a:rPr>
               <a:t>Click to edit Master title style</a:t>
             </a:r>
-            <a:endParaRPr b="0" lang="pt-PT" sz="4400" spc="-1" strike="noStrike">
+            <a:endParaRPr lang="pt-PT" sz="4400" b="0" strike="noStrike" spc="-1">
               <a:solidFill>
                 <a:srgbClr val="000000"/>
               </a:solidFill>
@@ -5667,6 +6665,7 @@
         </p:spPr>
         <p:txBody>
           <a:bodyPr/>
+          <a:lstStyle/>
           <a:p>
             <a:pPr marL="343080" indent="-342720">
               <a:lnSpc>
@@ -5677,7 +6676,7 @@
               </a:spcBef>
             </a:pPr>
             <a:r>
-              <a:rPr b="1" lang="pt-PT" sz="3200" spc="-1" strike="noStrike">
+              <a:rPr lang="pt-PT" sz="3200" b="1" strike="noStrike" spc="-1">
                 <a:solidFill>
                   <a:srgbClr val="336699"/>
                 </a:solidFill>
@@ -5685,12 +6684,6 @@
               </a:rPr>
               <a:t>Click to edit Master text styles</a:t>
             </a:r>
-            <a:endParaRPr b="1" lang="pt-PT" sz="3200" spc="-1" strike="noStrike">
-              <a:solidFill>
-                <a:srgbClr val="336699"/>
-              </a:solidFill>
-              <a:latin typeface="Calibri"/>
-            </a:endParaRPr>
           </a:p>
           <a:p>
             <a:pPr marL="743040" indent="-285480">
@@ -5702,7 +6695,7 @@
               </a:spcBef>
             </a:pPr>
             <a:r>
-              <a:rPr b="0" lang="pt-PT" sz="2800" spc="-1" strike="noStrike">
+              <a:rPr lang="pt-PT" sz="2800" b="0" strike="noStrike" spc="-1">
                 <a:solidFill>
                   <a:srgbClr val="000000"/>
                 </a:solidFill>
@@ -5710,7 +6703,7 @@
               </a:rPr>
               <a:t>Second level</a:t>
             </a:r>
-            <a:endParaRPr b="1" lang="pt-PT" sz="2800" spc="-1" strike="noStrike">
+            <a:endParaRPr lang="pt-PT" sz="2800" b="1" strike="noStrike" spc="-1">
               <a:solidFill>
                 <a:srgbClr val="336699"/>
               </a:solidFill>
@@ -5724,7 +6717,7 @@
               </a:lnSpc>
             </a:pPr>
             <a:r>
-              <a:rPr b="0" lang="pt-PT" sz="2400" spc="-1" strike="noStrike">
+              <a:rPr lang="pt-PT" sz="2400" b="0" strike="noStrike" spc="-1">
                 <a:solidFill>
                   <a:srgbClr val="000000"/>
                 </a:solidFill>
@@ -5732,7 +6725,7 @@
               </a:rPr>
               <a:t>Third level</a:t>
             </a:r>
-            <a:endParaRPr b="1" lang="pt-PT" sz="2400" spc="-1" strike="noStrike">
+            <a:endParaRPr lang="pt-PT" sz="2400" b="1" strike="noStrike" spc="-1">
               <a:solidFill>
                 <a:srgbClr val="336699"/>
               </a:solidFill>
@@ -5746,7 +6739,7 @@
               </a:lnSpc>
             </a:pPr>
             <a:r>
-              <a:rPr b="0" lang="pt-PT" sz="2000" spc="-1" strike="noStrike">
+              <a:rPr lang="pt-PT" sz="2000" b="0" strike="noStrike" spc="-1">
                 <a:solidFill>
                   <a:srgbClr val="000000"/>
                 </a:solidFill>
@@ -5754,7 +6747,7 @@
               </a:rPr>
               <a:t>Fourth level</a:t>
             </a:r>
-            <a:endParaRPr b="1" lang="pt-PT" sz="2000" spc="-1" strike="noStrike">
+            <a:endParaRPr lang="pt-PT" sz="2000" b="1" strike="noStrike" spc="-1">
               <a:solidFill>
                 <a:srgbClr val="336699"/>
               </a:solidFill>
@@ -5768,7 +6761,7 @@
               </a:lnSpc>
             </a:pPr>
             <a:r>
-              <a:rPr b="0" lang="pt-PT" sz="2000" spc="-1" strike="noStrike">
+              <a:rPr lang="pt-PT" sz="2000" b="0" strike="noStrike" spc="-1">
                 <a:solidFill>
                   <a:srgbClr val="000000"/>
                 </a:solidFill>
@@ -5776,7 +6769,7 @@
               </a:rPr>
               <a:t>Fifth level</a:t>
             </a:r>
-            <a:endParaRPr b="1" lang="pt-PT" sz="2000" spc="-1" strike="noStrike">
+            <a:endParaRPr lang="pt-PT" sz="2000" b="1" strike="noStrike" spc="-1">
               <a:solidFill>
                 <a:srgbClr val="336699"/>
               </a:solidFill>
@@ -5805,7 +6798,8 @@
           </a:prstGeom>
         </p:spPr>
         <p:txBody>
-          <a:bodyPr lIns="90000" rIns="90000" tIns="45000" bIns="45000"/>
+          <a:bodyPr lIns="90000" tIns="45000" rIns="90000" bIns="45000"/>
+          <a:lstStyle/>
           <a:p>
             <a:pPr>
               <a:lnSpc>
@@ -5813,15 +6807,15 @@
               </a:lnSpc>
             </a:pPr>
             <a:fld id="{1BF0FE34-9371-4C00-B1FA-D7B4D4E0A55A}" type="datetime">
-              <a:rPr b="0" lang="en-GB" sz="1800" spc="-1" strike="noStrike">
-                <a:solidFill>
-                  <a:srgbClr val="000000"/>
-                </a:solidFill>
-                <a:latin typeface="Calibri"/>
-              </a:rPr>
-              <a:t>27/09/18</a:t>
+              <a:rPr lang="en-GB" sz="1800" b="0" strike="noStrike" spc="-1">
+                <a:solidFill>
+                  <a:srgbClr val="000000"/>
+                </a:solidFill>
+                <a:latin typeface="Calibri"/>
+              </a:rPr>
+              <a:t>01/10/2018</a:t>
             </a:fld>
-            <a:endParaRPr b="0" lang="en-GB" sz="1800" spc="-1" strike="noStrike">
+            <a:endParaRPr lang="en-GB" sz="1800" b="0" strike="noStrike" spc="-1" dirty="0">
               <a:latin typeface="Times New Roman"/>
             </a:endParaRPr>
           </a:p>
@@ -5847,9 +6841,10 @@
           </a:prstGeom>
         </p:spPr>
         <p:txBody>
-          <a:bodyPr lIns="90000" rIns="90000" tIns="45000" bIns="45000"/>
-          <a:p>
-            <a:endParaRPr b="0" lang="en-GB" sz="2400" spc="-1" strike="noStrike">
+          <a:bodyPr lIns="90000" tIns="45000" rIns="90000" bIns="45000"/>
+          <a:lstStyle/>
+          <a:p>
+            <a:endParaRPr lang="en-GB" sz="2400" b="0" strike="noStrike" spc="-1" dirty="0">
               <a:latin typeface="Times New Roman"/>
             </a:endParaRPr>
           </a:p>
@@ -5875,7 +6870,8 @@
           </a:prstGeom>
         </p:spPr>
         <p:txBody>
-          <a:bodyPr lIns="90000" rIns="90000" tIns="45000" bIns="45000"/>
+          <a:bodyPr lIns="90000" tIns="45000" rIns="90000" bIns="45000"/>
+          <a:lstStyle/>
           <a:p>
             <a:pPr>
               <a:lnSpc>
@@ -5883,15 +6879,15 @@
               </a:lnSpc>
             </a:pPr>
             <a:fld id="{9C0322FA-5C73-4B48-8BA4-D2313D877002}" type="slidenum">
-              <a:rPr b="0" lang="en-GB" sz="1800" spc="-1" strike="noStrike">
-                <a:solidFill>
-                  <a:srgbClr val="000000"/>
-                </a:solidFill>
-                <a:latin typeface="Calibri"/>
-              </a:rPr>
-              <a:t>&lt;number&gt;</a:t>
+              <a:rPr lang="en-GB" sz="1800" b="0" strike="noStrike" spc="-1">
+                <a:solidFill>
+                  <a:srgbClr val="000000"/>
+                </a:solidFill>
+                <a:latin typeface="Calibri"/>
+              </a:rPr>
+              <a:t>‹#›</a:t>
             </a:fld>
-            <a:endParaRPr b="0" lang="en-GB" sz="1800" spc="-1" strike="noStrike">
+            <a:endParaRPr lang="en-GB" sz="1800" b="0" strike="noStrike" spc="-1" dirty="0">
               <a:latin typeface="Times New Roman"/>
             </a:endParaRPr>
           </a:p>
@@ -5899,32 +6895,313 @@
       </p:sp>
     </p:spTree>
   </p:cSld>
-  <p:clrMap bg1="lt1" bg2="lt2" tx1="dk1" tx2="dk2" accent1="accent1" accent2="accent2" accent3="accent3" accent4="accent4" accent5="accent5" accent6="accent6" hlink="hlink" folHlink="folHlink"/>
+  <p:clrMap bg1="lt1" tx1="dk1" bg2="lt2" tx2="dk2" accent1="accent1" accent2="accent2" accent3="accent3" accent4="accent4" accent5="accent5" accent6="accent6" hlink="hlink" folHlink="folHlink"/>
   <p:sldLayoutIdLst>
-    <p:sldLayoutId id="2147483675" r:id="rId2"/>
-    <p:sldLayoutId id="2147483676" r:id="rId3"/>
-    <p:sldLayoutId id="2147483677" r:id="rId4"/>
-    <p:sldLayoutId id="2147483678" r:id="rId5"/>
-    <p:sldLayoutId id="2147483679" r:id="rId6"/>
-    <p:sldLayoutId id="2147483680" r:id="rId7"/>
-    <p:sldLayoutId id="2147483681" r:id="rId8"/>
-    <p:sldLayoutId id="2147483682" r:id="rId9"/>
-    <p:sldLayoutId id="2147483683" r:id="rId10"/>
-    <p:sldLayoutId id="2147483684" r:id="rId11"/>
-    <p:sldLayoutId id="2147483685" r:id="rId12"/>
-    <p:sldLayoutId id="2147483686" r:id="rId13"/>
+    <p:sldLayoutId id="2147483675" r:id="rId1"/>
+    <p:sldLayoutId id="2147483676" r:id="rId2"/>
+    <p:sldLayoutId id="2147483677" r:id="rId3"/>
+    <p:sldLayoutId id="2147483678" r:id="rId4"/>
+    <p:sldLayoutId id="2147483679" r:id="rId5"/>
+    <p:sldLayoutId id="2147483680" r:id="rId6"/>
+    <p:sldLayoutId id="2147483681" r:id="rId7"/>
+    <p:sldLayoutId id="2147483682" r:id="rId8"/>
+    <p:sldLayoutId id="2147483683" r:id="rId9"/>
+    <p:sldLayoutId id="2147483684" r:id="rId10"/>
+    <p:sldLayoutId id="2147483685" r:id="rId11"/>
+    <p:sldLayoutId id="2147483686" r:id="rId12"/>
   </p:sldLayoutIdLst>
+  <p:txStyles>
+    <p:titleStyle>
+      <a:lvl1pPr algn="l" defTabSz="914400" rtl="0" eaLnBrk="1" latinLnBrk="0" hangingPunct="1">
+        <a:lnSpc>
+          <a:spcPct val="90000"/>
+        </a:lnSpc>
+        <a:spcBef>
+          <a:spcPct val="0"/>
+        </a:spcBef>
+        <a:buNone/>
+        <a:defRPr sz="4400" kern="1200">
+          <a:solidFill>
+            <a:schemeClr val="tx1"/>
+          </a:solidFill>
+          <a:latin typeface="+mj-lt"/>
+          <a:ea typeface="+mj-ea"/>
+          <a:cs typeface="+mj-cs"/>
+        </a:defRPr>
+      </a:lvl1pPr>
+    </p:titleStyle>
+    <p:bodyStyle>
+      <a:lvl1pPr marL="228600" indent="-228600" algn="l" defTabSz="914400" rtl="0" eaLnBrk="1" latinLnBrk="0" hangingPunct="1">
+        <a:lnSpc>
+          <a:spcPct val="90000"/>
+        </a:lnSpc>
+        <a:spcBef>
+          <a:spcPts val="1000"/>
+        </a:spcBef>
+        <a:buFont typeface="Arial" panose="020B0604020202020204" pitchFamily="34" charset="0"/>
+        <a:buChar char="•"/>
+        <a:defRPr sz="2800" kern="1200">
+          <a:solidFill>
+            <a:schemeClr val="tx1"/>
+          </a:solidFill>
+          <a:latin typeface="+mn-lt"/>
+          <a:ea typeface="+mn-ea"/>
+          <a:cs typeface="+mn-cs"/>
+        </a:defRPr>
+      </a:lvl1pPr>
+      <a:lvl2pPr marL="685800" indent="-228600" algn="l" defTabSz="914400" rtl="0" eaLnBrk="1" latinLnBrk="0" hangingPunct="1">
+        <a:lnSpc>
+          <a:spcPct val="90000"/>
+        </a:lnSpc>
+        <a:spcBef>
+          <a:spcPts val="500"/>
+        </a:spcBef>
+        <a:buFont typeface="Arial" panose="020B0604020202020204" pitchFamily="34" charset="0"/>
+        <a:buChar char="•"/>
+        <a:defRPr sz="2400" kern="1200">
+          <a:solidFill>
+            <a:schemeClr val="tx1"/>
+          </a:solidFill>
+          <a:latin typeface="+mn-lt"/>
+          <a:ea typeface="+mn-ea"/>
+          <a:cs typeface="+mn-cs"/>
+        </a:defRPr>
+      </a:lvl2pPr>
+      <a:lvl3pPr marL="1143000" indent="-228600" algn="l" defTabSz="914400" rtl="0" eaLnBrk="1" latinLnBrk="0" hangingPunct="1">
+        <a:lnSpc>
+          <a:spcPct val="90000"/>
+        </a:lnSpc>
+        <a:spcBef>
+          <a:spcPts val="500"/>
+        </a:spcBef>
+        <a:buFont typeface="Arial" panose="020B0604020202020204" pitchFamily="34" charset="0"/>
+        <a:buChar char="•"/>
+        <a:defRPr sz="2000" kern="1200">
+          <a:solidFill>
+            <a:schemeClr val="tx1"/>
+          </a:solidFill>
+          <a:latin typeface="+mn-lt"/>
+          <a:ea typeface="+mn-ea"/>
+          <a:cs typeface="+mn-cs"/>
+        </a:defRPr>
+      </a:lvl3pPr>
+      <a:lvl4pPr marL="1600200" indent="-228600" algn="l" defTabSz="914400" rtl="0" eaLnBrk="1" latinLnBrk="0" hangingPunct="1">
+        <a:lnSpc>
+          <a:spcPct val="90000"/>
+        </a:lnSpc>
+        <a:spcBef>
+          <a:spcPts val="500"/>
+        </a:spcBef>
+        <a:buFont typeface="Arial" panose="020B0604020202020204" pitchFamily="34" charset="0"/>
+        <a:buChar char="•"/>
+        <a:defRPr sz="1800" kern="1200">
+          <a:solidFill>
+            <a:schemeClr val="tx1"/>
+          </a:solidFill>
+          <a:latin typeface="+mn-lt"/>
+          <a:ea typeface="+mn-ea"/>
+          <a:cs typeface="+mn-cs"/>
+        </a:defRPr>
+      </a:lvl4pPr>
+      <a:lvl5pPr marL="2057400" indent="-228600" algn="l" defTabSz="914400" rtl="0" eaLnBrk="1" latinLnBrk="0" hangingPunct="1">
+        <a:lnSpc>
+          <a:spcPct val="90000"/>
+        </a:lnSpc>
+        <a:spcBef>
+          <a:spcPts val="500"/>
+        </a:spcBef>
+        <a:buFont typeface="Arial" panose="020B0604020202020204" pitchFamily="34" charset="0"/>
+        <a:buChar char="•"/>
+        <a:defRPr sz="1800" kern="1200">
+          <a:solidFill>
+            <a:schemeClr val="tx1"/>
+          </a:solidFill>
+          <a:latin typeface="+mn-lt"/>
+          <a:ea typeface="+mn-ea"/>
+          <a:cs typeface="+mn-cs"/>
+        </a:defRPr>
+      </a:lvl5pPr>
+      <a:lvl6pPr marL="2514600" indent="-228600" algn="l" defTabSz="914400" rtl="0" eaLnBrk="1" latinLnBrk="0" hangingPunct="1">
+        <a:lnSpc>
+          <a:spcPct val="90000"/>
+        </a:lnSpc>
+        <a:spcBef>
+          <a:spcPts val="500"/>
+        </a:spcBef>
+        <a:buFont typeface="Arial" panose="020B0604020202020204" pitchFamily="34" charset="0"/>
+        <a:buChar char="•"/>
+        <a:defRPr sz="1800" kern="1200">
+          <a:solidFill>
+            <a:schemeClr val="tx1"/>
+          </a:solidFill>
+          <a:latin typeface="+mn-lt"/>
+          <a:ea typeface="+mn-ea"/>
+          <a:cs typeface="+mn-cs"/>
+        </a:defRPr>
+      </a:lvl6pPr>
+      <a:lvl7pPr marL="2971800" indent="-228600" algn="l" defTabSz="914400" rtl="0" eaLnBrk="1" latinLnBrk="0" hangingPunct="1">
+        <a:lnSpc>
+          <a:spcPct val="90000"/>
+        </a:lnSpc>
+        <a:spcBef>
+          <a:spcPts val="500"/>
+        </a:spcBef>
+        <a:buFont typeface="Arial" panose="020B0604020202020204" pitchFamily="34" charset="0"/>
+        <a:buChar char="•"/>
+        <a:defRPr sz="1800" kern="1200">
+          <a:solidFill>
+            <a:schemeClr val="tx1"/>
+          </a:solidFill>
+          <a:latin typeface="+mn-lt"/>
+          <a:ea typeface="+mn-ea"/>
+          <a:cs typeface="+mn-cs"/>
+        </a:defRPr>
+      </a:lvl7pPr>
+      <a:lvl8pPr marL="3429000" indent="-228600" algn="l" defTabSz="914400" rtl="0" eaLnBrk="1" latinLnBrk="0" hangingPunct="1">
+        <a:lnSpc>
+          <a:spcPct val="90000"/>
+        </a:lnSpc>
+        <a:spcBef>
+          <a:spcPts val="500"/>
+        </a:spcBef>
+        <a:buFont typeface="Arial" panose="020B0604020202020204" pitchFamily="34" charset="0"/>
+        <a:buChar char="•"/>
+        <a:defRPr sz="1800" kern="1200">
+          <a:solidFill>
+            <a:schemeClr val="tx1"/>
+          </a:solidFill>
+          <a:latin typeface="+mn-lt"/>
+          <a:ea typeface="+mn-ea"/>
+          <a:cs typeface="+mn-cs"/>
+        </a:defRPr>
+      </a:lvl8pPr>
+      <a:lvl9pPr marL="3886200" indent="-228600" algn="l" defTabSz="914400" rtl="0" eaLnBrk="1" latinLnBrk="0" hangingPunct="1">
+        <a:lnSpc>
+          <a:spcPct val="90000"/>
+        </a:lnSpc>
+        <a:spcBef>
+          <a:spcPts val="500"/>
+        </a:spcBef>
+        <a:buFont typeface="Arial" panose="020B0604020202020204" pitchFamily="34" charset="0"/>
+        <a:buChar char="•"/>
+        <a:defRPr sz="1800" kern="1200">
+          <a:solidFill>
+            <a:schemeClr val="tx1"/>
+          </a:solidFill>
+          <a:latin typeface="+mn-lt"/>
+          <a:ea typeface="+mn-ea"/>
+          <a:cs typeface="+mn-cs"/>
+        </a:defRPr>
+      </a:lvl9pPr>
+    </p:bodyStyle>
+    <p:otherStyle>
+      <a:defPPr>
+        <a:defRPr lang="pt-PT"/>
+      </a:defPPr>
+      <a:lvl1pPr marL="0" algn="l" defTabSz="914400" rtl="0" eaLnBrk="1" latinLnBrk="0" hangingPunct="1">
+        <a:defRPr sz="1800" kern="1200">
+          <a:solidFill>
+            <a:schemeClr val="tx1"/>
+          </a:solidFill>
+          <a:latin typeface="+mn-lt"/>
+          <a:ea typeface="+mn-ea"/>
+          <a:cs typeface="+mn-cs"/>
+        </a:defRPr>
+      </a:lvl1pPr>
+      <a:lvl2pPr marL="457200" algn="l" defTabSz="914400" rtl="0" eaLnBrk="1" latinLnBrk="0" hangingPunct="1">
+        <a:defRPr sz="1800" kern="1200">
+          <a:solidFill>
+            <a:schemeClr val="tx1"/>
+          </a:solidFill>
+          <a:latin typeface="+mn-lt"/>
+          <a:ea typeface="+mn-ea"/>
+          <a:cs typeface="+mn-cs"/>
+        </a:defRPr>
+      </a:lvl2pPr>
+      <a:lvl3pPr marL="914400" algn="l" defTabSz="914400" rtl="0" eaLnBrk="1" latinLnBrk="0" hangingPunct="1">
+        <a:defRPr sz="1800" kern="1200">
+          <a:solidFill>
+            <a:schemeClr val="tx1"/>
+          </a:solidFill>
+          <a:latin typeface="+mn-lt"/>
+          <a:ea typeface="+mn-ea"/>
+          <a:cs typeface="+mn-cs"/>
+        </a:defRPr>
+      </a:lvl3pPr>
+      <a:lvl4pPr marL="1371600" algn="l" defTabSz="914400" rtl="0" eaLnBrk="1" latinLnBrk="0" hangingPunct="1">
+        <a:defRPr sz="1800" kern="1200">
+          <a:solidFill>
+            <a:schemeClr val="tx1"/>
+          </a:solidFill>
+          <a:latin typeface="+mn-lt"/>
+          <a:ea typeface="+mn-ea"/>
+          <a:cs typeface="+mn-cs"/>
+        </a:defRPr>
+      </a:lvl4pPr>
+      <a:lvl5pPr marL="1828800" algn="l" defTabSz="914400" rtl="0" eaLnBrk="1" latinLnBrk="0" hangingPunct="1">
+        <a:defRPr sz="1800" kern="1200">
+          <a:solidFill>
+            <a:schemeClr val="tx1"/>
+          </a:solidFill>
+          <a:latin typeface="+mn-lt"/>
+          <a:ea typeface="+mn-ea"/>
+          <a:cs typeface="+mn-cs"/>
+        </a:defRPr>
+      </a:lvl5pPr>
+      <a:lvl6pPr marL="2286000" algn="l" defTabSz="914400" rtl="0" eaLnBrk="1" latinLnBrk="0" hangingPunct="1">
+        <a:defRPr sz="1800" kern="1200">
+          <a:solidFill>
+            <a:schemeClr val="tx1"/>
+          </a:solidFill>
+          <a:latin typeface="+mn-lt"/>
+          <a:ea typeface="+mn-ea"/>
+          <a:cs typeface="+mn-cs"/>
+        </a:defRPr>
+      </a:lvl6pPr>
+      <a:lvl7pPr marL="2743200" algn="l" defTabSz="914400" rtl="0" eaLnBrk="1" latinLnBrk="0" hangingPunct="1">
+        <a:defRPr sz="1800" kern="1200">
+          <a:solidFill>
+            <a:schemeClr val="tx1"/>
+          </a:solidFill>
+          <a:latin typeface="+mn-lt"/>
+          <a:ea typeface="+mn-ea"/>
+          <a:cs typeface="+mn-cs"/>
+        </a:defRPr>
+      </a:lvl7pPr>
+      <a:lvl8pPr marL="3200400" algn="l" defTabSz="914400" rtl="0" eaLnBrk="1" latinLnBrk="0" hangingPunct="1">
+        <a:defRPr sz="1800" kern="1200">
+          <a:solidFill>
+            <a:schemeClr val="tx1"/>
+          </a:solidFill>
+          <a:latin typeface="+mn-lt"/>
+          <a:ea typeface="+mn-ea"/>
+          <a:cs typeface="+mn-cs"/>
+        </a:defRPr>
+      </a:lvl8pPr>
+      <a:lvl9pPr marL="3657600" algn="l" defTabSz="914400" rtl="0" eaLnBrk="1" latinLnBrk="0" hangingPunct="1">
+        <a:defRPr sz="1800" kern="1200">
+          <a:solidFill>
+            <a:schemeClr val="tx1"/>
+          </a:solidFill>
+          <a:latin typeface="+mn-lt"/>
+          <a:ea typeface="+mn-ea"/>
+          <a:cs typeface="+mn-cs"/>
+        </a:defRPr>
+      </a:lvl9pPr>
+    </p:otherStyle>
+  </p:txStyles>
 </p:sldMaster>
 </file>
 
 <file path=ppt/slides/slide1.xml><?xml version="1.0" encoding="utf-8"?>
-<p:sld xmlns:a="http://schemas.openxmlformats.org/drawingml/2006/main" xmlns:p="http://schemas.openxmlformats.org/presentationml/2006/main" xmlns:r="http://schemas.openxmlformats.org/officeDocument/2006/relationships" xmlns:p14="http://schemas.microsoft.com/office/powerpoint/2010/main" xmlns:p15="http://schemas.microsoft.com/office/powerpoint/2012/main" xmlns:mc="http://schemas.openxmlformats.org/markup-compatibility/2006">
+<p:sld xmlns:a="http://schemas.openxmlformats.org/drawingml/2006/main" xmlns:r="http://schemas.openxmlformats.org/officeDocument/2006/relationships" xmlns:p="http://schemas.openxmlformats.org/presentationml/2006/main">
   <p:cSld>
     <p:bg>
       <p:bgPr>
         <a:solidFill>
-          <a:srgbClr val="f2f2f2"/>
+          <a:srgbClr val="F2F2F2"/>
         </a:solidFill>
+        <a:effectLst/>
       </p:bgPr>
     </p:bg>
     <p:spTree>
@@ -5956,7 +7233,7 @@
             <a:avLst/>
           </a:prstGeom>
           <a:solidFill>
-            <a:srgbClr val="1d3b59"/>
+            <a:srgbClr val="1D3B59"/>
           </a:solidFill>
           <a:ln>
             <a:noFill/>
@@ -5964,6 +7241,7 @@
         </p:spPr>
         <p:txBody>
           <a:bodyPr anchor="ctr"/>
+          <a:lstStyle/>
           <a:p>
             <a:pPr marL="358920" algn="ctr">
               <a:lnSpc>
@@ -5971,25 +7249,34 @@
               </a:lnSpc>
             </a:pPr>
             <a:r>
-              <a:rPr b="1" lang="pt-PT" sz="4800" spc="-1" strike="noStrike">
-                <a:solidFill>
-                  <a:srgbClr val="ffffff"/>
-                </a:solidFill>
-                <a:latin typeface="Calibri"/>
-              </a:rPr>
-              <a:t>Information Visualization</a:t>
+              <a:rPr lang="pt-PT" sz="4800" b="1" strike="noStrike" spc="-1" dirty="0" err="1">
+                <a:solidFill>
+                  <a:srgbClr val="FFFFFF"/>
+                </a:solidFill>
+                <a:latin typeface="Calibri"/>
+              </a:rPr>
+              <a:t>Information</a:t>
+            </a:r>
+            <a:r>
+              <a:rPr lang="pt-PT" sz="4800" b="1" strike="noStrike" spc="-1">
+                <a:solidFill>
+                  <a:srgbClr val="FFFFFF"/>
+                </a:solidFill>
+                <a:latin typeface="Calibri"/>
+              </a:rPr>
+              <a:t> Visualization</a:t>
             </a:r>
             <a:br/>
             <a:r>
-              <a:rPr b="0" lang="pt-PT" sz="4800" spc="-1" strike="noStrike">
-                <a:solidFill>
-                  <a:srgbClr val="ffffff"/>
+              <a:rPr lang="pt-PT" sz="4800" b="0" strike="noStrike" spc="-1">
+                <a:solidFill>
+                  <a:srgbClr val="FFFFFF"/>
                 </a:solidFill>
                 <a:latin typeface="Calibri"/>
               </a:rPr>
               <a:t>Project Proposal and Dataset</a:t>
             </a:r>
-            <a:endParaRPr b="0" lang="pt-PT" sz="4800" spc="-1" strike="noStrike">
+            <a:endParaRPr lang="pt-PT" sz="4800" b="0" strike="noStrike" spc="-1">
               <a:solidFill>
                 <a:srgbClr val="000000"/>
               </a:solidFill>
@@ -6013,7 +7300,7 @@
             <a:avLst/>
           </a:prstGeom>
           <a:solidFill>
-            <a:srgbClr val="ffffff"/>
+            <a:srgbClr val="FFFFFF"/>
           </a:solidFill>
           <a:ln>
             <a:noFill/>
@@ -6021,6 +7308,7 @@
         </p:spPr>
         <p:txBody>
           <a:bodyPr anchor="ctr"/>
+          <a:lstStyle/>
           <a:p>
             <a:pPr algn="ctr">
               <a:lnSpc>
@@ -6031,20 +7319,14 @@
               </a:spcBef>
             </a:pPr>
             <a:r>
-              <a:rPr b="1" lang="pt-PT" sz="4600" spc="-1" strike="noStrike">
+              <a:rPr lang="pt-PT" sz="4600" b="1" strike="noStrike" spc="-1" dirty="0">
                 <a:solidFill>
                   <a:srgbClr val="336699"/>
                 </a:solidFill>
                 <a:latin typeface="Calibri"/>
               </a:rPr>
-              <a:t>GX</a:t>
-            </a:r>
-            <a:endParaRPr b="1" lang="pt-PT" sz="4600" spc="-1" strike="noStrike">
-              <a:solidFill>
-                <a:srgbClr val="336699"/>
-              </a:solidFill>
-              <a:latin typeface="Calibri"/>
-            </a:endParaRPr>
+              <a:t>G13</a:t>
+            </a:r>
           </a:p>
         </p:txBody>
       </p:sp>
@@ -6070,13 +7352,20 @@
           </a:ln>
         </p:spPr>
         <p:style>
-          <a:lnRef idx="0"/>
-          <a:fillRef idx="0"/>
-          <a:effectRef idx="0"/>
+          <a:lnRef idx="0">
+            <a:scrgbClr r="0" g="0" b="0"/>
+          </a:lnRef>
+          <a:fillRef idx="0">
+            <a:scrgbClr r="0" g="0" b="0"/>
+          </a:fillRef>
+          <a:effectRef idx="0">
+            <a:scrgbClr r="0" g="0" b="0"/>
+          </a:effectRef>
           <a:fontRef idx="minor"/>
         </p:style>
         <p:txBody>
           <a:bodyPr anchor="ctr"/>
+          <a:lstStyle/>
           <a:p>
             <a:pPr algn="ctr">
               <a:lnSpc>
@@ -6087,15 +7376,33 @@
               </a:spcBef>
             </a:pPr>
             <a:r>
-              <a:rPr b="0" lang="en-GB" sz="2400" spc="-1" strike="noStrike">
+              <a:rPr lang="en-GB" sz="1600" b="0" strike="noStrike" spc="-1" dirty="0">
                 <a:solidFill>
                   <a:srgbClr val="336699"/>
                 </a:solidFill>
                 <a:latin typeface="Calibri"/>
               </a:rPr>
-              <a:t>Number – Name</a:t>
-            </a:r>
-            <a:endParaRPr b="0" lang="en-GB" sz="2400" spc="-1" strike="noStrike">
+              <a:t>83463 – </a:t>
+            </a:r>
+            <a:r>
+              <a:rPr lang="en-GB" sz="1600" spc="-1" dirty="0">
+                <a:solidFill>
+                  <a:srgbClr val="336699"/>
+                </a:solidFill>
+                <a:latin typeface="Calibri"/>
+              </a:rPr>
+              <a:t>Francisco </a:t>
+            </a:r>
+            <a:r>
+              <a:rPr lang="en-GB" sz="1600" spc="-1" dirty="0" err="1">
+                <a:solidFill>
+                  <a:srgbClr val="336699"/>
+                </a:solidFill>
+                <a:latin typeface="Calibri"/>
+              </a:rPr>
+              <a:t>Campaniço</a:t>
+            </a:r>
+            <a:endParaRPr lang="en-GB" sz="1600" b="0" strike="noStrike" spc="-1" dirty="0">
               <a:latin typeface="Arial"/>
             </a:endParaRPr>
           </a:p>
@@ -6109,15 +7416,24 @@
               </a:spcBef>
             </a:pPr>
             <a:r>
-              <a:rPr b="0" lang="en-GB" sz="2400" spc="-1" strike="noStrike">
+              <a:rPr lang="en-GB" sz="1600" b="0" strike="noStrike" spc="-1" dirty="0">
                 <a:solidFill>
                   <a:srgbClr val="336699"/>
                 </a:solidFill>
                 <a:latin typeface="Calibri"/>
               </a:rPr>
-              <a:t>Number – Name</a:t>
-            </a:r>
-            <a:endParaRPr b="0" lang="en-GB" sz="2400" spc="-1" strike="noStrike">
+              <a:t>83482 – </a:t>
+            </a:r>
+            <a:r>
+              <a:rPr lang="en-GB" sz="1600" spc="-1" dirty="0">
+                <a:solidFill>
+                  <a:srgbClr val="336699"/>
+                </a:solidFill>
+                <a:latin typeface="Calibri"/>
+              </a:rPr>
+              <a:t>João Rafael</a:t>
+            </a:r>
+            <a:endParaRPr lang="en-GB" sz="1600" b="0" strike="noStrike" spc="-1" dirty="0">
               <a:latin typeface="Arial"/>
             </a:endParaRPr>
           </a:p>
@@ -6131,15 +7447,24 @@
               </a:spcBef>
             </a:pPr>
             <a:r>
-              <a:rPr b="0" lang="en-GB" sz="2400" spc="-1" strike="noStrike">
+              <a:rPr lang="en-GB" sz="1600" b="0" strike="noStrike" spc="-1" dirty="0">
                 <a:solidFill>
                   <a:srgbClr val="336699"/>
                 </a:solidFill>
                 <a:latin typeface="Calibri"/>
               </a:rPr>
-              <a:t>Number – Name</a:t>
-            </a:r>
-            <a:endParaRPr b="0" lang="en-GB" sz="2400" spc="-1" strike="noStrike">
+              <a:t>83558 – </a:t>
+            </a:r>
+            <a:r>
+              <a:rPr lang="en-GB" sz="1600" spc="-1" dirty="0">
+                <a:solidFill>
+                  <a:srgbClr val="336699"/>
+                </a:solidFill>
+                <a:latin typeface="Calibri"/>
+              </a:rPr>
+              <a:t>Rodrigo Oliveira</a:t>
+            </a:r>
+            <a:endParaRPr lang="en-GB" sz="1600" b="0" strike="noStrike" spc="-1" dirty="0">
               <a:latin typeface="Arial"/>
             </a:endParaRPr>
           </a:p>
@@ -6147,6 +7472,9 @@
       </p:sp>
     </p:spTree>
   </p:cSld>
+  <p:clrMapOvr>
+    <a:masterClrMapping/>
+  </p:clrMapOvr>
   <p:timing>
     <p:tnLst>
       <p:par>
@@ -6155,14 +7483,14 @@
             <p:seq>
               <p:cTn id="2" dur="indefinite" nodeType="mainSeq"/>
               <p:prevCondLst>
-                <p:cond delay="0" evt="onPrev">
+                <p:cond evt="onPrev" delay="0">
                   <p:tgtEl>
                     <p:sldTgt/>
                   </p:tgtEl>
                 </p:cond>
               </p:prevCondLst>
               <p:nextCondLst>
-                <p:cond delay="0" evt="onNext">
+                <p:cond evt="onNext" delay="0">
                   <p:tgtEl>
                     <p:sldTgt/>
                   </p:tgtEl>
@@ -6178,7 +7506,7 @@
 </file>
 
 <file path=ppt/slides/slide10.xml><?xml version="1.0" encoding="utf-8"?>
-<p:sld xmlns:a="http://schemas.openxmlformats.org/drawingml/2006/main" xmlns:p="http://schemas.openxmlformats.org/presentationml/2006/main" xmlns:r="http://schemas.openxmlformats.org/officeDocument/2006/relationships" xmlns:p14="http://schemas.microsoft.com/office/powerpoint/2010/main" xmlns:p15="http://schemas.microsoft.com/office/powerpoint/2012/main" xmlns:mc="http://schemas.openxmlformats.org/markup-compatibility/2006">
+<p:sld xmlns:a="http://schemas.openxmlformats.org/drawingml/2006/main" xmlns:r="http://schemas.openxmlformats.org/officeDocument/2006/relationships" xmlns:p="http://schemas.openxmlformats.org/presentationml/2006/main">
   <p:cSld>
     <p:spTree>
       <p:nvGrpSpPr>
@@ -6217,6 +7545,7 @@
         </p:spPr>
         <p:txBody>
           <a:bodyPr anchor="ctr"/>
+          <a:lstStyle/>
           <a:p>
             <a:pPr marL="358920">
               <a:lnSpc>
@@ -6224,15 +7553,15 @@
               </a:lnSpc>
             </a:pPr>
             <a:r>
-              <a:rPr b="0" lang="pt-PT" sz="4400" spc="-1" strike="noStrike">
-                <a:solidFill>
-                  <a:srgbClr val="ffffff"/>
+              <a:rPr lang="pt-PT" sz="4400" b="0" strike="noStrike" spc="-1">
+                <a:solidFill>
+                  <a:srgbClr val="FFFFFF"/>
                 </a:solidFill>
                 <a:latin typeface="Calibri"/>
               </a:rPr>
               <a:t>Questions</a:t>
             </a:r>
-            <a:endParaRPr b="0" lang="pt-PT" sz="4400" spc="-1" strike="noStrike">
+            <a:endParaRPr lang="pt-PT" sz="4400" b="0" strike="noStrike" spc="-1">
               <a:solidFill>
                 <a:srgbClr val="000000"/>
               </a:solidFill>
@@ -6262,6 +7591,7 @@
         </p:spPr>
         <p:txBody>
           <a:bodyPr/>
+          <a:lstStyle/>
           <a:p>
             <a:pPr marL="914400" indent="-228600" algn="just">
               <a:spcAft>
@@ -6269,15 +7599,15 @@
               </a:spcAft>
             </a:pPr>
             <a:r>
-              <a:rPr b="1" lang="en-GB" sz="2800" spc="-1" strike="noStrike">
+              <a:rPr lang="en-GB" sz="2800" b="1" strike="noStrike" spc="-1" dirty="0">
                 <a:solidFill>
                   <a:srgbClr val="336699"/>
                 </a:solidFill>
                 <a:latin typeface="Calibri"/>
               </a:rPr>
-              <a:t>Which tournament had the biggest prize pool in each year?</a:t>
-            </a:r>
-            <a:endParaRPr b="0" lang="en-GB" sz="2800" spc="-1" strike="noStrike">
+              <a:t>Task 2: What countries have the highest earnings?</a:t>
+            </a:r>
+            <a:endParaRPr lang="en-GB" sz="2800" b="0" strike="noStrike" spc="-1" dirty="0">
               <a:latin typeface="Calibri"/>
             </a:endParaRPr>
           </a:p>
@@ -6287,7 +7617,7 @@
                 <a:spcPts val="601"/>
               </a:spcAft>
             </a:pPr>
-            <a:endParaRPr b="0" lang="en-GB" sz="2800" spc="-1" strike="noStrike">
+            <a:endParaRPr lang="en-GB" sz="2800" b="0" strike="noStrike" spc="-1" dirty="0">
               <a:latin typeface="Calibri"/>
             </a:endParaRPr>
           </a:p>
@@ -6298,15 +7628,15 @@
               </a:spcAft>
             </a:pPr>
             <a:r>
-              <a:rPr b="1" lang="en-GB" sz="2800" spc="-1" strike="noStrike">
+              <a:rPr lang="en-GB" sz="2800" b="1" strike="noStrike" spc="-1" dirty="0">
                 <a:solidFill>
                   <a:srgbClr val="336699"/>
                 </a:solidFill>
                 <a:latin typeface="Calibri"/>
               </a:rPr>
-              <a:t>What countries have the highest earnings?</a:t>
-            </a:r>
-            <a:endParaRPr b="0" lang="en-GB" sz="2800" spc="-1" strike="noStrike">
+              <a:t>Task 3: What is the age at which players earn the most?</a:t>
+            </a:r>
+            <a:endParaRPr lang="en-GB" sz="2800" b="0" strike="noStrike" spc="-1" dirty="0">
               <a:latin typeface="Calibri"/>
             </a:endParaRPr>
           </a:p>
@@ -6316,7 +7646,7 @@
                 <a:spcPts val="601"/>
               </a:spcAft>
             </a:pPr>
-            <a:endParaRPr b="0" lang="en-GB" sz="2800" spc="-1" strike="noStrike">
+            <a:endParaRPr lang="en-GB" sz="2800" b="0" strike="noStrike" spc="-1" dirty="0">
               <a:latin typeface="Calibri"/>
             </a:endParaRPr>
           </a:p>
@@ -6327,15 +7657,15 @@
               </a:spcAft>
             </a:pPr>
             <a:r>
-              <a:rPr b="1" lang="en-GB" sz="2800" spc="-1" strike="noStrike">
+              <a:rPr lang="en-GB" sz="2800" b="1" strike="noStrike" spc="-1" dirty="0">
                 <a:solidFill>
                   <a:srgbClr val="336699"/>
                 </a:solidFill>
                 <a:latin typeface="Calibri"/>
               </a:rPr>
-              <a:t>What is the age at which players earn the most?</a:t>
-            </a:r>
-            <a:endParaRPr b="0" lang="en-GB" sz="2800" spc="-1" strike="noStrike">
+              <a:t>Task 4: What organizations earned the most?</a:t>
+            </a:r>
+            <a:endParaRPr lang="en-GB" sz="2800" b="0" strike="noStrike" spc="-1" dirty="0">
               <a:latin typeface="Calibri"/>
             </a:endParaRPr>
           </a:p>
@@ -6345,7 +7675,7 @@
                 <a:spcPts val="601"/>
               </a:spcAft>
             </a:pPr>
-            <a:endParaRPr b="0" lang="en-GB" sz="2800" spc="-1" strike="noStrike">
+            <a:endParaRPr lang="en-GB" sz="2800" b="0" strike="noStrike" spc="-1" dirty="0">
               <a:latin typeface="Calibri"/>
             </a:endParaRPr>
           </a:p>
@@ -6356,17 +7686,14 @@
               </a:spcAft>
             </a:pPr>
             <a:r>
-              <a:rPr b="1" lang="en-GB" sz="2800" spc="-1" strike="noStrike">
+              <a:rPr lang="en-GB" sz="2800" b="1" strike="noStrike" spc="-1" dirty="0">
                 <a:solidFill>
                   <a:srgbClr val="336699"/>
                 </a:solidFill>
                 <a:latin typeface="Calibri"/>
               </a:rPr>
-              <a:t>What organizations earned the most?</a:t>
-            </a:r>
-            <a:endParaRPr b="0" lang="en-GB" sz="2800" spc="-1" strike="noStrike">
-              <a:latin typeface="Calibri"/>
-            </a:endParaRPr>
+              <a:t>Task 5: What games have the most earnings?</a:t>
+            </a:r>
           </a:p>
           <a:p>
             <a:pPr marL="914400" indent="-228600" algn="just">
@@ -6374,7 +7701,10 @@
                 <a:spcPts val="601"/>
               </a:spcAft>
             </a:pPr>
-            <a:endParaRPr b="0" lang="en-GB" sz="2800" spc="-1" strike="noStrike">
+            <a:endParaRPr lang="en-GB" sz="2800" b="1" spc="-1" dirty="0">
+              <a:solidFill>
+                <a:srgbClr val="336699"/>
+              </a:solidFill>
               <a:latin typeface="Calibri"/>
             </a:endParaRPr>
           </a:p>
@@ -6385,15 +7715,25 @@
               </a:spcAft>
             </a:pPr>
             <a:r>
-              <a:rPr b="1" lang="en-GB" sz="2800" spc="-1" strike="noStrike">
+              <a:rPr lang="en-GB" sz="2800" b="1" strike="noStrike" spc="-1" dirty="0">
                 <a:solidFill>
                   <a:srgbClr val="336699"/>
                 </a:solidFill>
                 <a:latin typeface="Calibri"/>
               </a:rPr>
-              <a:t>What games have the most earnings?</a:t>
-            </a:r>
-            <a:endParaRPr b="0" lang="en-GB" sz="2800" spc="-1" strike="noStrike">
+              <a:t>Task 6: Which months are the most active in esports?</a:t>
+            </a:r>
+            <a:endParaRPr lang="en-GB" sz="2800" b="0" strike="noStrike" spc="-1" dirty="0">
+              <a:latin typeface="Calibri"/>
+            </a:endParaRPr>
+          </a:p>
+          <a:p>
+            <a:pPr marL="914400" indent="-228600" algn="just">
+              <a:spcAft>
+                <a:spcPts val="601"/>
+              </a:spcAft>
+            </a:pPr>
+            <a:endParaRPr lang="en-GB" sz="2800" b="0" strike="noStrike" spc="-1" dirty="0">
               <a:latin typeface="Calibri"/>
             </a:endParaRPr>
           </a:p>
@@ -6406,7 +7746,7 @@
                 <a:spcPts val="1800"/>
               </a:spcBef>
             </a:pPr>
-            <a:endParaRPr b="1" lang="pt-PT" sz="2800" spc="-1" strike="noStrike">
+            <a:endParaRPr lang="pt-PT" sz="2800" b="1" strike="noStrike" spc="-1" dirty="0">
               <a:solidFill>
                 <a:srgbClr val="336699"/>
               </a:solidFill>
@@ -6422,7 +7762,7 @@
                 <a:spcPts val="1800"/>
               </a:spcBef>
             </a:pPr>
-            <a:endParaRPr b="1" lang="pt-PT" sz="2800" spc="-1" strike="noStrike">
+            <a:endParaRPr lang="pt-PT" sz="2800" b="1" strike="noStrike" spc="-1" dirty="0">
               <a:solidFill>
                 <a:srgbClr val="336699"/>
               </a:solidFill>
@@ -6433,22 +7773,25 @@
       </p:sp>
     </p:spTree>
   </p:cSld>
+  <p:clrMapOvr>
+    <a:masterClrMapping/>
+  </p:clrMapOvr>
   <p:timing>
     <p:tnLst>
       <p:par>
-        <p:cTn id="19" dur="indefinite" restart="never" nodeType="tmRoot">
+        <p:cTn id="1" dur="indefinite" restart="never" nodeType="tmRoot">
           <p:childTnLst>
             <p:seq>
-              <p:cTn id="20" dur="indefinite" nodeType="mainSeq"/>
+              <p:cTn id="2" dur="indefinite" nodeType="mainSeq"/>
               <p:prevCondLst>
-                <p:cond delay="0" evt="onPrev">
+                <p:cond evt="onPrev" delay="0">
                   <p:tgtEl>
                     <p:sldTgt/>
                   </p:tgtEl>
                 </p:cond>
               </p:prevCondLst>
               <p:nextCondLst>
-                <p:cond delay="0" evt="onNext">
+                <p:cond evt="onNext" delay="0">
                   <p:tgtEl>
                     <p:sldTgt/>
                   </p:tgtEl>
@@ -6464,7 +7807,7 @@
 </file>
 
 <file path=ppt/slides/slide11.xml><?xml version="1.0" encoding="utf-8"?>
-<p:sld xmlns:a="http://schemas.openxmlformats.org/drawingml/2006/main" xmlns:p="http://schemas.openxmlformats.org/presentationml/2006/main" xmlns:r="http://schemas.openxmlformats.org/officeDocument/2006/relationships" xmlns:p14="http://schemas.microsoft.com/office/powerpoint/2010/main" xmlns:p15="http://schemas.microsoft.com/office/powerpoint/2012/main" xmlns:mc="http://schemas.openxmlformats.org/markup-compatibility/2006">
+<p:sld xmlns:a="http://schemas.openxmlformats.org/drawingml/2006/main" xmlns:r="http://schemas.openxmlformats.org/officeDocument/2006/relationships" xmlns:p="http://schemas.openxmlformats.org/presentationml/2006/main">
   <p:cSld>
     <p:spTree>
       <p:nvGrpSpPr>
@@ -6504,8 +7847,9 @@
         </p:spPr>
         <p:txBody>
           <a:bodyPr/>
-          <a:p>
-            <a:endParaRPr b="1" lang="pt-PT" sz="3200" spc="-1" strike="noStrike">
+          <a:lstStyle/>
+          <a:p>
+            <a:endParaRPr lang="pt-PT" sz="3200" b="1" strike="noStrike" spc="-1">
               <a:solidFill>
                 <a:srgbClr val="336699"/>
               </a:solidFill>
@@ -6537,6 +7881,7 @@
         </p:spPr>
         <p:txBody>
           <a:bodyPr/>
+          <a:lstStyle/>
           <a:p>
             <a:pPr algn="ctr">
               <a:lnSpc>
@@ -6547,15 +7892,15 @@
               </a:spcBef>
             </a:pPr>
             <a:r>
-              <a:rPr b="1" lang="pt-PT" sz="16600" spc="-1" strike="noStrike">
-                <a:solidFill>
-                  <a:srgbClr val="ffffff"/>
+              <a:rPr lang="pt-PT" sz="16600" b="1" strike="noStrike" spc="-1">
+                <a:solidFill>
+                  <a:srgbClr val="FFFFFF"/>
                 </a:solidFill>
                 <a:latin typeface="Calibri"/>
               </a:rPr>
               <a:t>05</a:t>
             </a:r>
-            <a:endParaRPr b="1" lang="pt-PT" sz="16600" spc="-1" strike="noStrike">
+            <a:endParaRPr lang="pt-PT" sz="16600" b="1" strike="noStrike" spc="-1">
               <a:solidFill>
                 <a:srgbClr val="336699"/>
               </a:solidFill>
@@ -6579,7 +7924,7 @@
             <a:avLst/>
           </a:prstGeom>
           <a:solidFill>
-            <a:srgbClr val="ffffff">
+            <a:srgbClr val="FFFFFF">
               <a:alpha val="80000"/>
             </a:srgbClr>
           </a:solidFill>
@@ -6589,6 +7934,7 @@
         </p:spPr>
         <p:txBody>
           <a:bodyPr rIns="288000"/>
+          <a:lstStyle/>
           <a:p>
             <a:pPr algn="r">
               <a:lnSpc>
@@ -6596,7 +7942,7 @@
               </a:lnSpc>
             </a:pPr>
             <a:r>
-              <a:rPr b="1" lang="pt-PT" sz="6000" spc="-1" strike="noStrike" cap="all">
+              <a:rPr lang="pt-PT" sz="6000" b="1" strike="noStrike" cap="all" spc="-1">
                 <a:solidFill>
                   <a:srgbClr val="336699"/>
                 </a:solidFill>
@@ -6604,7 +7950,7 @@
               </a:rPr>
               <a:t>Data Sample</a:t>
             </a:r>
-            <a:endParaRPr b="0" lang="pt-PT" sz="6000" spc="-1" strike="noStrike">
+            <a:endParaRPr lang="pt-PT" sz="6000" b="0" strike="noStrike" spc="-1">
               <a:solidFill>
                 <a:srgbClr val="000000"/>
               </a:solidFill>
@@ -6615,22 +7961,25 @@
       </p:sp>
     </p:spTree>
   </p:cSld>
+  <p:clrMapOvr>
+    <a:masterClrMapping/>
+  </p:clrMapOvr>
   <p:timing>
     <p:tnLst>
       <p:par>
-        <p:cTn id="21" dur="indefinite" restart="never" nodeType="tmRoot">
+        <p:cTn id="1" dur="indefinite" restart="never" nodeType="tmRoot">
           <p:childTnLst>
             <p:seq>
-              <p:cTn id="22" dur="indefinite" nodeType="mainSeq"/>
+              <p:cTn id="2" dur="indefinite" nodeType="mainSeq"/>
               <p:prevCondLst>
-                <p:cond delay="0" evt="onPrev">
+                <p:cond evt="onPrev" delay="0">
                   <p:tgtEl>
                     <p:sldTgt/>
                   </p:tgtEl>
                 </p:cond>
               </p:prevCondLst>
               <p:nextCondLst>
-                <p:cond delay="0" evt="onNext">
+                <p:cond evt="onNext" delay="0">
                   <p:tgtEl>
                     <p:sldTgt/>
                   </p:tgtEl>
@@ -6646,7 +7995,7 @@
 </file>
 
 <file path=ppt/slides/slide12.xml><?xml version="1.0" encoding="utf-8"?>
-<p:sld xmlns:a="http://schemas.openxmlformats.org/drawingml/2006/main" xmlns:p="http://schemas.openxmlformats.org/presentationml/2006/main" xmlns:r="http://schemas.openxmlformats.org/officeDocument/2006/relationships" xmlns:p14="http://schemas.microsoft.com/office/powerpoint/2010/main" xmlns:p15="http://schemas.microsoft.com/office/powerpoint/2012/main" xmlns:mc="http://schemas.openxmlformats.org/markup-compatibility/2006">
+<p:sld xmlns:a="http://schemas.openxmlformats.org/drawingml/2006/main" xmlns:r="http://schemas.openxmlformats.org/officeDocument/2006/relationships" xmlns:p="http://schemas.openxmlformats.org/presentationml/2006/main">
   <p:cSld>
     <p:spTree>
       <p:nvGrpSpPr>
@@ -6685,6 +8034,7 @@
         </p:spPr>
         <p:txBody>
           <a:bodyPr anchor="ctr"/>
+          <a:lstStyle/>
           <a:p>
             <a:pPr marL="358920">
               <a:lnSpc>
@@ -6692,15 +8042,15 @@
               </a:lnSpc>
             </a:pPr>
             <a:r>
-              <a:rPr b="0" lang="pt-PT" sz="4400" spc="-1" strike="noStrike">
-                <a:solidFill>
-                  <a:srgbClr val="ffffff"/>
+              <a:rPr lang="pt-PT" sz="4400" b="0" strike="noStrike" spc="-1">
+                <a:solidFill>
+                  <a:srgbClr val="FFFFFF"/>
                 </a:solidFill>
                 <a:latin typeface="Calibri"/>
               </a:rPr>
               <a:t>Data Sample</a:t>
             </a:r>
-            <a:endParaRPr b="0" lang="pt-PT" sz="4400" spc="-1" strike="noStrike">
+            <a:endParaRPr lang="pt-PT" sz="4400" b="0" strike="noStrike" spc="-1">
               <a:solidFill>
                 <a:srgbClr val="000000"/>
               </a:solidFill>
@@ -6730,17 +8080,36 @@
         </p:spPr>
         <p:txBody>
           <a:bodyPr/>
-          <a:p>
-            <a:r>
-              <a:rPr b="1" lang="pt-PT" sz="1300" spc="-1" strike="noStrike">
-                <a:solidFill>
-                  <a:srgbClr val="000000"/>
-                </a:solidFill>
-                <a:latin typeface="Calibri"/>
-              </a:rPr>
-              <a:t>For a player:</a:t>
-            </a:r>
-            <a:endParaRPr b="1" lang="pt-PT" sz="1300" spc="-1" strike="noStrike">
+          <a:lstStyle/>
+          <a:p>
+            <a:r>
+              <a:rPr lang="pt-PT" sz="1300" b="1" strike="noStrike" spc="-1" dirty="0">
+                <a:solidFill>
+                  <a:srgbClr val="000000"/>
+                </a:solidFill>
+                <a:latin typeface="Calibri"/>
+              </a:rPr>
+              <a:t>For a </a:t>
+            </a:r>
+            <a:r>
+              <a:rPr lang="pt-PT" sz="1300" b="1" strike="noStrike" spc="-1" dirty="0" err="1">
+                <a:solidFill>
+                  <a:srgbClr val="000000"/>
+                </a:solidFill>
+                <a:latin typeface="Calibri"/>
+              </a:rPr>
+              <a:t>player</a:t>
+            </a:r>
+            <a:r>
+              <a:rPr lang="pt-PT" sz="1300" b="1" strike="noStrike" spc="-1" dirty="0">
+                <a:solidFill>
+                  <a:srgbClr val="000000"/>
+                </a:solidFill>
+                <a:latin typeface="Calibri"/>
+              </a:rPr>
+              <a:t>:</a:t>
+            </a:r>
+            <a:endParaRPr lang="pt-PT" sz="1300" b="1" strike="noStrike" spc="-1" dirty="0">
               <a:solidFill>
                 <a:srgbClr val="336699"/>
               </a:solidFill>
@@ -6749,7 +8118,7 @@
           </a:p>
           <a:p>
             <a:r>
-              <a:rPr b="1" lang="pt-PT" sz="1300" spc="-1" strike="noStrike">
+              <a:rPr lang="pt-PT" sz="1300" b="1" strike="noStrike" spc="-1" dirty="0">
                 <a:solidFill>
                   <a:srgbClr val="000000"/>
                 </a:solidFill>
@@ -6757,103 +8126,226 @@
               </a:rPr>
               <a:t>{</a:t>
             </a:r>
-            <a:endParaRPr b="1" lang="pt-PT" sz="1300" spc="-1" strike="noStrike">
+          </a:p>
+          <a:p>
+            <a:r>
+              <a:rPr lang="pt-PT" sz="1200" spc="-1" dirty="0">
+                <a:solidFill>
+                  <a:srgbClr val="000000"/>
+                </a:solidFill>
+                <a:latin typeface="Courier New" panose="02070309020205020404" pitchFamily="49" charset="0"/>
+                <a:cs typeface="Courier New" panose="02070309020205020404" pitchFamily="49" charset="0"/>
+              </a:rPr>
+              <a:t>    </a:t>
+            </a:r>
+            <a:r>
+              <a:rPr lang="pt-PT" sz="1200" spc="-1" dirty="0" err="1">
+                <a:solidFill>
+                  <a:srgbClr val="000000"/>
+                </a:solidFill>
+                <a:latin typeface="Courier New" panose="02070309020205020404" pitchFamily="49" charset="0"/>
+                <a:cs typeface="Courier New" panose="02070309020205020404" pitchFamily="49" charset="0"/>
+              </a:rPr>
+              <a:t>playerId</a:t>
+            </a:r>
+            <a:r>
+              <a:rPr lang="pt-PT" sz="1200" spc="-1" dirty="0">
+                <a:solidFill>
+                  <a:srgbClr val="000000"/>
+                </a:solidFill>
+                <a:latin typeface="Courier New" panose="02070309020205020404" pitchFamily="49" charset="0"/>
+                <a:cs typeface="Courier New" panose="02070309020205020404" pitchFamily="49" charset="0"/>
+              </a:rPr>
+              <a:t>: 3145,</a:t>
+            </a:r>
+            <a:endParaRPr lang="pt-PT" sz="1200" strike="noStrike" spc="-1" dirty="0">
               <a:solidFill>
                 <a:srgbClr val="336699"/>
               </a:solidFill>
-              <a:latin typeface="Calibri"/>
-            </a:endParaRPr>
-          </a:p>
-          <a:p>
-            <a:r>
-              <a:rPr b="1" lang="pt-PT" sz="1300" spc="-1" strike="noStrike">
-                <a:solidFill>
-                  <a:srgbClr val="000000"/>
-                </a:solidFill>
-                <a:latin typeface="Calibri"/>
-              </a:rPr>
-              <a:t>handle: “</a:t>
-            </a:r>
-            <a:r>
-              <a:rPr b="1" lang="pt-PT" sz="1300" spc="-1" strike="noStrike">
-                <a:solidFill>
-                  <a:srgbClr val="000000"/>
-                </a:solidFill>
-                <a:latin typeface="Calibri"/>
+              <a:latin typeface="Courier New" panose="02070309020205020404" pitchFamily="49" charset="0"/>
+              <a:cs typeface="Courier New" panose="02070309020205020404" pitchFamily="49" charset="0"/>
+            </a:endParaRPr>
+          </a:p>
+          <a:p>
+            <a:r>
+              <a:rPr lang="pt-PT" sz="1200" strike="noStrike" spc="-1" dirty="0">
+                <a:solidFill>
+                  <a:srgbClr val="000000"/>
+                </a:solidFill>
+                <a:latin typeface="Courier New" panose="02070309020205020404" pitchFamily="49" charset="0"/>
+                <a:cs typeface="Courier New" panose="02070309020205020404" pitchFamily="49" charset="0"/>
+              </a:rPr>
+              <a:t>    </a:t>
+            </a:r>
+            <a:r>
+              <a:rPr lang="pt-PT" sz="1200" strike="noStrike" spc="-1" dirty="0" err="1">
+                <a:solidFill>
+                  <a:srgbClr val="000000"/>
+                </a:solidFill>
+                <a:latin typeface="Courier New" panose="02070309020205020404" pitchFamily="49" charset="0"/>
+                <a:cs typeface="Courier New" panose="02070309020205020404" pitchFamily="49" charset="0"/>
+              </a:rPr>
+              <a:t>handle</a:t>
+            </a:r>
+            <a:r>
+              <a:rPr lang="pt-PT" sz="1200" strike="noStrike" spc="-1" dirty="0">
+                <a:solidFill>
+                  <a:srgbClr val="000000"/>
+                </a:solidFill>
+                <a:latin typeface="Courier New" panose="02070309020205020404" pitchFamily="49" charset="0"/>
+                <a:cs typeface="Courier New" panose="02070309020205020404" pitchFamily="49" charset="0"/>
+              </a:rPr>
+              <a:t>: “</a:t>
+            </a:r>
+            <a:r>
+              <a:rPr lang="pt-PT" sz="1200" strike="noStrike" spc="-1" dirty="0" err="1">
+                <a:solidFill>
+                  <a:srgbClr val="000000"/>
+                </a:solidFill>
+                <a:latin typeface="Courier New" panose="02070309020205020404" pitchFamily="49" charset="0"/>
                 <a:ea typeface="Courier New"/>
+                <a:cs typeface="Courier New" panose="02070309020205020404" pitchFamily="49" charset="0"/>
               </a:rPr>
               <a:t>KuroKy</a:t>
             </a:r>
             <a:r>
-              <a:rPr b="1" lang="pt-PT" sz="1300" spc="-1" strike="noStrike">
-                <a:solidFill>
-                  <a:srgbClr val="000000"/>
-                </a:solidFill>
-                <a:latin typeface="Calibri"/>
+              <a:rPr lang="pt-PT" sz="1200" strike="noStrike" spc="-1" dirty="0">
+                <a:solidFill>
+                  <a:srgbClr val="000000"/>
+                </a:solidFill>
+                <a:latin typeface="Courier New" panose="02070309020205020404" pitchFamily="49" charset="0"/>
+                <a:cs typeface="Courier New" panose="02070309020205020404" pitchFamily="49" charset="0"/>
               </a:rPr>
               <a:t>”,</a:t>
             </a:r>
-            <a:endParaRPr b="1" lang="pt-PT" sz="1300" spc="-1" strike="noStrike">
+            <a:endParaRPr lang="pt-PT" sz="1200" strike="noStrike" spc="-1" dirty="0">
               <a:solidFill>
                 <a:srgbClr val="336699"/>
               </a:solidFill>
-              <a:latin typeface="Calibri"/>
-            </a:endParaRPr>
-          </a:p>
-          <a:p>
-            <a:r>
-              <a:rPr b="1" lang="pt-PT" sz="1300" spc="-1" strike="noStrike">
-                <a:solidFill>
-                  <a:srgbClr val="000000"/>
-                </a:solidFill>
-                <a:latin typeface="Calibri"/>
-              </a:rPr>
-              <a:t>countryCode: “de”,</a:t>
-            </a:r>
-            <a:endParaRPr b="1" lang="pt-PT" sz="1300" spc="-1" strike="noStrike">
+              <a:latin typeface="Courier New" panose="02070309020205020404" pitchFamily="49" charset="0"/>
+              <a:cs typeface="Courier New" panose="02070309020205020404" pitchFamily="49" charset="0"/>
+            </a:endParaRPr>
+          </a:p>
+          <a:p>
+            <a:r>
+              <a:rPr lang="pt-PT" sz="1200" strike="noStrike" spc="-1" dirty="0">
+                <a:solidFill>
+                  <a:srgbClr val="000000"/>
+                </a:solidFill>
+                <a:latin typeface="Courier New" panose="02070309020205020404" pitchFamily="49" charset="0"/>
+                <a:cs typeface="Courier New" panose="02070309020205020404" pitchFamily="49" charset="0"/>
+              </a:rPr>
+              <a:t>    </a:t>
+            </a:r>
+            <a:r>
+              <a:rPr lang="pt-PT" sz="1200" strike="noStrike" spc="-1" dirty="0" err="1">
+                <a:solidFill>
+                  <a:srgbClr val="000000"/>
+                </a:solidFill>
+                <a:latin typeface="Courier New" panose="02070309020205020404" pitchFamily="49" charset="0"/>
+                <a:cs typeface="Courier New" panose="02070309020205020404" pitchFamily="49" charset="0"/>
+              </a:rPr>
+              <a:t>countryCode</a:t>
+            </a:r>
+            <a:r>
+              <a:rPr lang="pt-PT" sz="1200" strike="noStrike" spc="-1" dirty="0">
+                <a:solidFill>
+                  <a:srgbClr val="000000"/>
+                </a:solidFill>
+                <a:latin typeface="Courier New" panose="02070309020205020404" pitchFamily="49" charset="0"/>
+                <a:cs typeface="Courier New" panose="02070309020205020404" pitchFamily="49" charset="0"/>
+              </a:rPr>
+              <a:t>: “de”,</a:t>
+            </a:r>
+            <a:endParaRPr lang="pt-PT" sz="1200" strike="noStrike" spc="-1" dirty="0">
               <a:solidFill>
                 <a:srgbClr val="336699"/>
               </a:solidFill>
-              <a:latin typeface="Calibri"/>
-            </a:endParaRPr>
-          </a:p>
-          <a:p>
-            <a:r>
-              <a:rPr b="1" lang="pt-PT" sz="1300" spc="-1" strike="noStrike">
-                <a:solidFill>
-                  <a:srgbClr val="000000"/>
-                </a:solidFill>
-                <a:latin typeface="Calibri"/>
-              </a:rPr>
-              <a:t>totalUSDPrizeByAge: 702750.40,</a:t>
-            </a:r>
-            <a:endParaRPr b="1" lang="pt-PT" sz="1300" spc="-1" strike="noStrike">
+              <a:latin typeface="Courier New" panose="02070309020205020404" pitchFamily="49" charset="0"/>
+              <a:cs typeface="Courier New" panose="02070309020205020404" pitchFamily="49" charset="0"/>
+            </a:endParaRPr>
+          </a:p>
+          <a:p>
+            <a:r>
+              <a:rPr lang="pt-PT" sz="1200" strike="noStrike" spc="-1" dirty="0">
+                <a:solidFill>
+                  <a:srgbClr val="000000"/>
+                </a:solidFill>
+                <a:latin typeface="Courier New" panose="02070309020205020404" pitchFamily="49" charset="0"/>
+                <a:cs typeface="Courier New" panose="02070309020205020404" pitchFamily="49" charset="0"/>
+              </a:rPr>
+              <a:t>    </a:t>
+            </a:r>
+            <a:r>
+              <a:rPr lang="pt-PT" sz="1200" strike="noStrike" spc="-1" dirty="0" err="1">
+                <a:solidFill>
+                  <a:srgbClr val="000000"/>
+                </a:solidFill>
+                <a:latin typeface="Courier New" panose="02070309020205020404" pitchFamily="49" charset="0"/>
+                <a:cs typeface="Courier New" panose="02070309020205020404" pitchFamily="49" charset="0"/>
+              </a:rPr>
+              <a:t>totalUSDPrizeByAge</a:t>
+            </a:r>
+            <a:r>
+              <a:rPr lang="pt-PT" sz="1200" strike="noStrike" spc="-1" dirty="0">
+                <a:solidFill>
+                  <a:srgbClr val="000000"/>
+                </a:solidFill>
+                <a:latin typeface="Courier New" panose="02070309020205020404" pitchFamily="49" charset="0"/>
+                <a:cs typeface="Courier New" panose="02070309020205020404" pitchFamily="49" charset="0"/>
+              </a:rPr>
+              <a:t>: 702750.40,</a:t>
+            </a:r>
+            <a:endParaRPr lang="pt-PT" sz="1200" strike="noStrike" spc="-1" dirty="0">
               <a:solidFill>
                 <a:srgbClr val="336699"/>
               </a:solidFill>
-              <a:latin typeface="Calibri"/>
-            </a:endParaRPr>
-          </a:p>
-          <a:p>
-            <a:r>
-              <a:rPr b="1" lang="pt-PT" sz="1300" spc="-1" strike="noStrike">
-                <a:solidFill>
-                  <a:srgbClr val="000000"/>
-                </a:solidFill>
-                <a:latin typeface="Calibri"/>
-              </a:rPr>
-              <a:t>age: 25</a:t>
-            </a:r>
-            <a:endParaRPr b="1" lang="pt-PT" sz="1300" spc="-1" strike="noStrike">
+              <a:latin typeface="Courier New" panose="02070309020205020404" pitchFamily="49" charset="0"/>
+              <a:cs typeface="Courier New" panose="02070309020205020404" pitchFamily="49" charset="0"/>
+            </a:endParaRPr>
+          </a:p>
+          <a:p>
+            <a:r>
+              <a:rPr lang="pt-PT" sz="1200" spc="-1" dirty="0">
+                <a:solidFill>
+                  <a:srgbClr val="000000"/>
+                </a:solidFill>
+                <a:latin typeface="Courier New" panose="02070309020205020404" pitchFamily="49" charset="0"/>
+                <a:cs typeface="Courier New" panose="02070309020205020404" pitchFamily="49" charset="0"/>
+              </a:rPr>
+              <a:t>    </a:t>
+            </a:r>
+            <a:r>
+              <a:rPr lang="pt-PT" sz="1200" strike="noStrike" spc="-1" dirty="0" err="1">
+                <a:solidFill>
+                  <a:srgbClr val="000000"/>
+                </a:solidFill>
+                <a:latin typeface="Courier New" panose="02070309020205020404" pitchFamily="49" charset="0"/>
+                <a:cs typeface="Courier New" panose="02070309020205020404" pitchFamily="49" charset="0"/>
+              </a:rPr>
+              <a:t>currentAge</a:t>
+            </a:r>
+            <a:r>
+              <a:rPr lang="pt-PT" sz="1200" strike="noStrike" spc="-1" dirty="0">
+                <a:solidFill>
+                  <a:srgbClr val="000000"/>
+                </a:solidFill>
+                <a:latin typeface="Courier New" panose="02070309020205020404" pitchFamily="49" charset="0"/>
+                <a:cs typeface="Courier New" panose="02070309020205020404" pitchFamily="49" charset="0"/>
+              </a:rPr>
+              <a:t>: 25</a:t>
+            </a:r>
+            <a:endParaRPr lang="pt-PT" sz="1200" strike="noStrike" spc="-1" dirty="0">
               <a:solidFill>
                 <a:srgbClr val="336699"/>
               </a:solidFill>
-              <a:latin typeface="Calibri"/>
-            </a:endParaRPr>
-          </a:p>
-          <a:p>
-            <a:r>
-              <a:rPr b="1" lang="pt-PT" sz="1300" spc="-1" strike="noStrike">
+              <a:latin typeface="Courier New" panose="02070309020205020404" pitchFamily="49" charset="0"/>
+              <a:cs typeface="Courier New" panose="02070309020205020404" pitchFamily="49" charset="0"/>
+            </a:endParaRPr>
+          </a:p>
+          <a:p>
+            <a:r>
+              <a:rPr lang="pt-PT" sz="1300" b="1" strike="noStrike" spc="-1" dirty="0">
                 <a:solidFill>
                   <a:srgbClr val="000000"/>
                 </a:solidFill>
@@ -6861,7 +8353,7 @@
               </a:rPr>
               <a:t>}</a:t>
             </a:r>
-            <a:endParaRPr b="1" lang="pt-PT" sz="1300" spc="-1" strike="noStrike">
+            <a:endParaRPr lang="pt-PT" sz="1300" b="1" strike="noStrike" spc="-1" dirty="0">
               <a:solidFill>
                 <a:srgbClr val="336699"/>
               </a:solidFill>
@@ -6875,15 +8367,51 @@
               </a:lnSpc>
             </a:pPr>
             <a:r>
-              <a:rPr b="1" lang="pt-PT" sz="1300" spc="-1" strike="noStrike">
-                <a:solidFill>
-                  <a:srgbClr val="000000"/>
-                </a:solidFill>
-                <a:latin typeface="Calibri"/>
-              </a:rPr>
-              <a:t>For an organization:</a:t>
-            </a:r>
-            <a:endParaRPr b="1" lang="pt-PT" sz="1300" spc="-1" strike="noStrike">
+              <a:rPr lang="pt-PT" sz="1300" b="1" strike="noStrike" spc="-1" dirty="0">
+                <a:solidFill>
+                  <a:srgbClr val="000000"/>
+                </a:solidFill>
+                <a:latin typeface="Calibri"/>
+              </a:rPr>
+              <a:t>For </a:t>
+            </a:r>
+            <a:r>
+              <a:rPr lang="pt-PT" sz="1300" b="1" strike="noStrike" spc="-1" dirty="0" err="1">
+                <a:solidFill>
+                  <a:srgbClr val="000000"/>
+                </a:solidFill>
+                <a:latin typeface="Calibri"/>
+              </a:rPr>
+              <a:t>an</a:t>
+            </a:r>
+            <a:r>
+              <a:rPr lang="pt-PT" sz="1300" b="1" strike="noStrike" spc="-1" dirty="0">
+                <a:solidFill>
+                  <a:srgbClr val="000000"/>
+                </a:solidFill>
+                <a:latin typeface="Calibri"/>
+              </a:rPr>
+              <a:t> </a:t>
+            </a:r>
+            <a:r>
+              <a:rPr lang="pt-PT" sz="1300" b="1" strike="noStrike" spc="-1" dirty="0" err="1">
+                <a:solidFill>
+                  <a:srgbClr val="000000"/>
+                </a:solidFill>
+                <a:latin typeface="Calibri"/>
+              </a:rPr>
+              <a:t>organization</a:t>
+            </a:r>
+            <a:r>
+              <a:rPr lang="pt-PT" sz="1300" b="1" strike="noStrike" spc="-1" dirty="0">
+                <a:solidFill>
+                  <a:srgbClr val="000000"/>
+                </a:solidFill>
+                <a:latin typeface="Calibri"/>
+              </a:rPr>
+              <a:t>:</a:t>
+            </a:r>
+            <a:endParaRPr lang="pt-PT" sz="1300" b="1" strike="noStrike" spc="-1" dirty="0">
               <a:solidFill>
                 <a:srgbClr val="336699"/>
               </a:solidFill>
@@ -6898,7 +8426,7 @@
               </a:lnSpc>
             </a:pPr>
             <a:r>
-              <a:rPr b="1" lang="pt-PT" sz="1300" spc="-1" strike="noStrike">
+              <a:rPr lang="pt-PT" sz="1300" b="1" strike="noStrike" spc="-1" dirty="0">
                 <a:solidFill>
                   <a:srgbClr val="000000"/>
                 </a:solidFill>
@@ -6906,76 +8434,6 @@
               </a:rPr>
               <a:t>{</a:t>
             </a:r>
-            <a:endParaRPr b="1" lang="pt-PT" sz="1300" spc="-1" strike="noStrike">
-              <a:solidFill>
-                <a:srgbClr val="336699"/>
-              </a:solidFill>
-              <a:latin typeface="Calibri"/>
-              <a:ea typeface="Courier New"/>
-            </a:endParaRPr>
-          </a:p>
-          <a:p>
-            <a:r>
-              <a:rPr b="1" lang="pt-PT" sz="1300" spc="-1" strike="noStrike">
-                <a:solidFill>
-                  <a:srgbClr val="000000"/>
-                </a:solidFill>
-                <a:latin typeface="Calibri"/>
-              </a:rPr>
-              <a:t>teamName: “Team Liquid”,</a:t>
-            </a:r>
-            <a:endParaRPr b="1" lang="pt-PT" sz="1300" spc="-1" strike="noStrike">
-              <a:solidFill>
-                <a:srgbClr val="336699"/>
-              </a:solidFill>
-              <a:latin typeface="Calibri"/>
-            </a:endParaRPr>
-          </a:p>
-          <a:p>
-            <a:r>
-              <a:rPr b="1" lang="pt-PT" sz="1300" spc="-1" strike="noStrike">
-                <a:solidFill>
-                  <a:srgbClr val="000000"/>
-                </a:solidFill>
-                <a:latin typeface="Calibri"/>
-              </a:rPr>
-              <a:t>earnings: 23820752.90</a:t>
-            </a:r>
-            <a:endParaRPr b="1" lang="pt-PT" sz="1300" spc="-1" strike="noStrike">
-              <a:solidFill>
-                <a:srgbClr val="336699"/>
-              </a:solidFill>
-              <a:latin typeface="Calibri"/>
-            </a:endParaRPr>
-          </a:p>
-          <a:p>
-            <a:pPr>
-              <a:lnSpc>
-                <a:spcPct val="150000"/>
-              </a:lnSpc>
-              <a:spcBef>
-                <a:spcPts val="1199"/>
-              </a:spcBef>
-              <a:spcAft>
-                <a:spcPts val="601"/>
-              </a:spcAft>
-            </a:pPr>
-            <a:r>
-              <a:rPr b="1" lang="pt-PT" sz="1300" spc="-1" strike="noStrike">
-                <a:solidFill>
-                  <a:srgbClr val="000000"/>
-                </a:solidFill>
-                <a:latin typeface="Calibri"/>
-              </a:rPr>
-              <a:t>tournamentsPlayed: 1386</a:t>
-            </a:r>
-            <a:endParaRPr b="1" lang="pt-PT" sz="1300" spc="-1" strike="noStrike">
-              <a:solidFill>
-                <a:srgbClr val="336699"/>
-              </a:solidFill>
-              <a:latin typeface="Calibri"/>
-              <a:ea typeface="Courier New"/>
-            </a:endParaRPr>
           </a:p>
           <a:p>
             <a:pPr>
@@ -6984,7 +8442,190 @@
               </a:lnSpc>
             </a:pPr>
             <a:r>
-              <a:rPr b="1" lang="pt-PT" sz="1300" spc="-1" strike="noStrike">
+              <a:rPr lang="pt-PT" sz="1300" spc="-1" dirty="0">
+                <a:solidFill>
+                  <a:srgbClr val="000000"/>
+                </a:solidFill>
+                <a:latin typeface="Courier New" panose="02070309020205020404" pitchFamily="49" charset="0"/>
+                <a:ea typeface="Courier New"/>
+                <a:cs typeface="Courier New" panose="02070309020205020404" pitchFamily="49" charset="0"/>
+              </a:rPr>
+              <a:t>    </a:t>
+            </a:r>
+            <a:r>
+              <a:rPr lang="pt-PT" sz="1200" spc="-1" dirty="0" err="1">
+                <a:solidFill>
+                  <a:srgbClr val="000000"/>
+                </a:solidFill>
+                <a:latin typeface="Courier New" panose="02070309020205020404" pitchFamily="49" charset="0"/>
+                <a:ea typeface="Courier New"/>
+                <a:cs typeface="Courier New" panose="02070309020205020404" pitchFamily="49" charset="0"/>
+              </a:rPr>
+              <a:t>teamId</a:t>
+            </a:r>
+            <a:r>
+              <a:rPr lang="pt-PT" sz="1200" spc="-1" dirty="0">
+                <a:solidFill>
+                  <a:srgbClr val="000000"/>
+                </a:solidFill>
+                <a:latin typeface="Courier New" panose="02070309020205020404" pitchFamily="49" charset="0"/>
+                <a:ea typeface="Courier New"/>
+                <a:cs typeface="Courier New" panose="02070309020205020404" pitchFamily="49" charset="0"/>
+              </a:rPr>
+              <a:t>: 102,</a:t>
+            </a:r>
+            <a:endParaRPr lang="pt-PT" sz="1200" strike="noStrike" spc="-1" dirty="0">
+              <a:solidFill>
+                <a:srgbClr val="336699"/>
+              </a:solidFill>
+              <a:latin typeface="Courier New" panose="02070309020205020404" pitchFamily="49" charset="0"/>
+              <a:ea typeface="Courier New"/>
+              <a:cs typeface="Courier New" panose="02070309020205020404" pitchFamily="49" charset="0"/>
+            </a:endParaRPr>
+          </a:p>
+          <a:p>
+            <a:r>
+              <a:rPr lang="pt-PT" sz="1200" strike="noStrike" spc="-1" dirty="0">
+                <a:solidFill>
+                  <a:srgbClr val="000000"/>
+                </a:solidFill>
+                <a:latin typeface="Courier New" panose="02070309020205020404" pitchFamily="49" charset="0"/>
+                <a:cs typeface="Courier New" panose="02070309020205020404" pitchFamily="49" charset="0"/>
+              </a:rPr>
+              <a:t>    </a:t>
+            </a:r>
+            <a:r>
+              <a:rPr lang="pt-PT" sz="1200" strike="noStrike" spc="-1" dirty="0" err="1">
+                <a:solidFill>
+                  <a:srgbClr val="000000"/>
+                </a:solidFill>
+                <a:latin typeface="Courier New" panose="02070309020205020404" pitchFamily="49" charset="0"/>
+                <a:cs typeface="Courier New" panose="02070309020205020404" pitchFamily="49" charset="0"/>
+              </a:rPr>
+              <a:t>teamName</a:t>
+            </a:r>
+            <a:r>
+              <a:rPr lang="pt-PT" sz="1200" strike="noStrike" spc="-1" dirty="0">
+                <a:solidFill>
+                  <a:srgbClr val="000000"/>
+                </a:solidFill>
+                <a:latin typeface="Courier New" panose="02070309020205020404" pitchFamily="49" charset="0"/>
+                <a:cs typeface="Courier New" panose="02070309020205020404" pitchFamily="49" charset="0"/>
+              </a:rPr>
+              <a:t>: “Team </a:t>
+            </a:r>
+            <a:r>
+              <a:rPr lang="pt-PT" sz="1200" strike="noStrike" spc="-1" dirty="0" err="1">
+                <a:solidFill>
+                  <a:srgbClr val="000000"/>
+                </a:solidFill>
+                <a:latin typeface="Courier New" panose="02070309020205020404" pitchFamily="49" charset="0"/>
+                <a:cs typeface="Courier New" panose="02070309020205020404" pitchFamily="49" charset="0"/>
+              </a:rPr>
+              <a:t>Liquid</a:t>
+            </a:r>
+            <a:r>
+              <a:rPr lang="pt-PT" sz="1200" strike="noStrike" spc="-1" dirty="0">
+                <a:solidFill>
+                  <a:srgbClr val="000000"/>
+                </a:solidFill>
+                <a:latin typeface="Courier New" panose="02070309020205020404" pitchFamily="49" charset="0"/>
+                <a:cs typeface="Courier New" panose="02070309020205020404" pitchFamily="49" charset="0"/>
+              </a:rPr>
+              <a:t>”,</a:t>
+            </a:r>
+            <a:endParaRPr lang="pt-PT" sz="1200" strike="noStrike" spc="-1" dirty="0">
+              <a:solidFill>
+                <a:srgbClr val="336699"/>
+              </a:solidFill>
+              <a:latin typeface="Courier New" panose="02070309020205020404" pitchFamily="49" charset="0"/>
+              <a:cs typeface="Courier New" panose="02070309020205020404" pitchFamily="49" charset="0"/>
+            </a:endParaRPr>
+          </a:p>
+          <a:p>
+            <a:r>
+              <a:rPr lang="pt-PT" sz="1200" strike="noStrike" spc="-1" dirty="0">
+                <a:solidFill>
+                  <a:srgbClr val="000000"/>
+                </a:solidFill>
+                <a:latin typeface="Courier New" panose="02070309020205020404" pitchFamily="49" charset="0"/>
+                <a:cs typeface="Courier New" panose="02070309020205020404" pitchFamily="49" charset="0"/>
+              </a:rPr>
+              <a:t>    </a:t>
+            </a:r>
+            <a:r>
+              <a:rPr lang="pt-PT" sz="1200" strike="noStrike" spc="-1" dirty="0" err="1">
+                <a:solidFill>
+                  <a:srgbClr val="000000"/>
+                </a:solidFill>
+                <a:latin typeface="Courier New" panose="02070309020205020404" pitchFamily="49" charset="0"/>
+                <a:cs typeface="Courier New" panose="02070309020205020404" pitchFamily="49" charset="0"/>
+              </a:rPr>
+              <a:t>earnings</a:t>
+            </a:r>
+            <a:r>
+              <a:rPr lang="pt-PT" sz="1200" strike="noStrike" spc="-1" dirty="0">
+                <a:solidFill>
+                  <a:srgbClr val="000000"/>
+                </a:solidFill>
+                <a:latin typeface="Courier New" panose="02070309020205020404" pitchFamily="49" charset="0"/>
+                <a:cs typeface="Courier New" panose="02070309020205020404" pitchFamily="49" charset="0"/>
+              </a:rPr>
+              <a:t>: 23820752.90,</a:t>
+            </a:r>
+            <a:endParaRPr lang="pt-PT" sz="1200" strike="noStrike" spc="-1" dirty="0">
+              <a:solidFill>
+                <a:srgbClr val="336699"/>
+              </a:solidFill>
+              <a:latin typeface="Courier New" panose="02070309020205020404" pitchFamily="49" charset="0"/>
+              <a:cs typeface="Courier New" panose="02070309020205020404" pitchFamily="49" charset="0"/>
+            </a:endParaRPr>
+          </a:p>
+          <a:p>
+            <a:r>
+              <a:rPr lang="pt-PT" sz="1200" strike="noStrike" spc="-1" dirty="0">
+                <a:solidFill>
+                  <a:srgbClr val="000000"/>
+                </a:solidFill>
+                <a:latin typeface="Courier New" panose="02070309020205020404" pitchFamily="49" charset="0"/>
+                <a:cs typeface="Courier New" panose="02070309020205020404" pitchFamily="49" charset="0"/>
+              </a:rPr>
+              <a:t>    </a:t>
+            </a:r>
+            <a:r>
+              <a:rPr lang="pt-PT" sz="1200" strike="noStrike" spc="-1" dirty="0" err="1">
+                <a:solidFill>
+                  <a:srgbClr val="000000"/>
+                </a:solidFill>
+                <a:latin typeface="Courier New" panose="02070309020205020404" pitchFamily="49" charset="0"/>
+                <a:cs typeface="Courier New" panose="02070309020205020404" pitchFamily="49" charset="0"/>
+              </a:rPr>
+              <a:t>tournamentsPlayed</a:t>
+            </a:r>
+            <a:r>
+              <a:rPr lang="pt-PT" sz="1200" strike="noStrike" spc="-1" dirty="0">
+                <a:solidFill>
+                  <a:srgbClr val="000000"/>
+                </a:solidFill>
+                <a:latin typeface="Courier New" panose="02070309020205020404" pitchFamily="49" charset="0"/>
+                <a:cs typeface="Courier New" panose="02070309020205020404" pitchFamily="49" charset="0"/>
+              </a:rPr>
+              <a:t>: 139</a:t>
+            </a:r>
+            <a:r>
+              <a:rPr lang="pt-PT" sz="1300" strike="noStrike" spc="-1" dirty="0">
+                <a:solidFill>
+                  <a:srgbClr val="000000"/>
+                </a:solidFill>
+                <a:latin typeface="Courier New" panose="02070309020205020404" pitchFamily="49" charset="0"/>
+                <a:cs typeface="Courier New" panose="02070309020205020404" pitchFamily="49" charset="0"/>
+              </a:rPr>
+              <a:t>5</a:t>
+            </a:r>
+          </a:p>
+          <a:p>
+            <a:r>
+              <a:rPr lang="pt-PT" sz="1300" b="1" strike="noStrike" spc="-1" dirty="0">
                 <a:solidFill>
                   <a:srgbClr val="000000"/>
                 </a:solidFill>
@@ -6992,7 +8633,7 @@
               </a:rPr>
               <a:t>}</a:t>
             </a:r>
-            <a:endParaRPr b="1" lang="pt-PT" sz="1300" spc="-1" strike="noStrike">
+            <a:endParaRPr lang="pt-PT" sz="1300" b="1" strike="noStrike" spc="-1" dirty="0">
               <a:solidFill>
                 <a:srgbClr val="336699"/>
               </a:solidFill>
@@ -7022,15 +8663,399 @@
           </a:ln>
         </p:spPr>
         <p:txBody>
-          <a:bodyPr lIns="90000" rIns="90000" tIns="45000" bIns="45000"/>
-          <a:p>
-            <a:r>
-              <a:rPr b="1" lang="en-GB" sz="1300" spc="-1" strike="noStrike">
+          <a:bodyPr lIns="90000" tIns="45000" rIns="90000" bIns="45000"/>
+          <a:lstStyle/>
+          <a:p>
+            <a:r>
+              <a:rPr lang="en-GB" sz="1300" b="1" strike="noStrike" spc="-1" dirty="0">
                 <a:latin typeface="Calibri"/>
               </a:rPr>
               <a:t>For a tournament:</a:t>
             </a:r>
-            <a:endParaRPr b="1" lang="en-GB" sz="1300" spc="-1" strike="noStrike">
+          </a:p>
+          <a:p>
+            <a:r>
+              <a:rPr lang="en-GB" sz="1300" b="1" spc="-1" dirty="0">
+                <a:latin typeface="Calibri"/>
+              </a:rPr>
+              <a:t>{</a:t>
+            </a:r>
+          </a:p>
+          <a:p>
+            <a:r>
+              <a:rPr lang="en-GB" sz="1200" spc="-1" dirty="0">
+                <a:latin typeface="Courier New" panose="02070309020205020404" pitchFamily="49" charset="0"/>
+                <a:cs typeface="Courier New" panose="02070309020205020404" pitchFamily="49" charset="0"/>
+              </a:rPr>
+              <a:t>    </a:t>
+            </a:r>
+            <a:r>
+              <a:rPr lang="en-GB" sz="1200" spc="-1" dirty="0" err="1">
+                <a:latin typeface="Courier New" panose="02070309020205020404" pitchFamily="49" charset="0"/>
+                <a:cs typeface="Courier New" panose="02070309020205020404" pitchFamily="49" charset="0"/>
+              </a:rPr>
+              <a:t>gameId</a:t>
+            </a:r>
+            <a:r>
+              <a:rPr lang="en-GB" sz="1200" spc="-1" dirty="0">
+                <a:latin typeface="Courier New" panose="02070309020205020404" pitchFamily="49" charset="0"/>
+                <a:cs typeface="Courier New" panose="02070309020205020404" pitchFamily="49" charset="0"/>
+              </a:rPr>
+              <a:t>: 245,</a:t>
+            </a:r>
+          </a:p>
+          <a:p>
+            <a:r>
+              <a:rPr lang="en-GB" sz="1200" spc="-1" dirty="0">
+                <a:latin typeface="Courier New" panose="02070309020205020404" pitchFamily="49" charset="0"/>
+                <a:cs typeface="Courier New" panose="02070309020205020404" pitchFamily="49" charset="0"/>
+              </a:rPr>
+              <a:t>    </a:t>
+            </a:r>
+            <a:r>
+              <a:rPr lang="en-GB" sz="1200" spc="-1" dirty="0" err="1">
+                <a:latin typeface="Courier New" panose="02070309020205020404" pitchFamily="49" charset="0"/>
+                <a:cs typeface="Courier New" panose="02070309020205020404" pitchFamily="49" charset="0"/>
+              </a:rPr>
+              <a:t>tournamentI</a:t>
+            </a:r>
+            <a:r>
+              <a:rPr lang="en-GB" sz="1200" strike="noStrike" spc="-1" dirty="0" err="1">
+                <a:latin typeface="Courier New" panose="02070309020205020404" pitchFamily="49" charset="0"/>
+                <a:cs typeface="Courier New" panose="02070309020205020404" pitchFamily="49" charset="0"/>
+              </a:rPr>
+              <a:t>d</a:t>
+            </a:r>
+            <a:r>
+              <a:rPr lang="en-GB" sz="1200" strike="noStrike" spc="-1" dirty="0">
+                <a:latin typeface="Courier New" panose="02070309020205020404" pitchFamily="49" charset="0"/>
+                <a:cs typeface="Courier New" panose="02070309020205020404" pitchFamily="49" charset="0"/>
+              </a:rPr>
+              <a:t>: 28961,</a:t>
+            </a:r>
+          </a:p>
+          <a:p>
+            <a:r>
+              <a:rPr lang="en-GB" sz="1200" spc="-1" dirty="0">
+                <a:latin typeface="Courier New" panose="02070309020205020404" pitchFamily="49" charset="0"/>
+                <a:cs typeface="Courier New" panose="02070309020205020404" pitchFamily="49" charset="0"/>
+              </a:rPr>
+              <a:t>    </a:t>
+            </a:r>
+            <a:r>
+              <a:rPr lang="en-GB" sz="1200" spc="-1" dirty="0" err="1">
+                <a:latin typeface="Courier New" panose="02070309020205020404" pitchFamily="49" charset="0"/>
+                <a:cs typeface="Courier New" panose="02070309020205020404" pitchFamily="49" charset="0"/>
+              </a:rPr>
+              <a:t>startDate</a:t>
+            </a:r>
+            <a:r>
+              <a:rPr lang="en-GB" sz="1200" spc="-1" dirty="0">
+                <a:latin typeface="Courier New" panose="02070309020205020404" pitchFamily="49" charset="0"/>
+                <a:cs typeface="Courier New" panose="02070309020205020404" pitchFamily="49" charset="0"/>
+              </a:rPr>
+              <a:t>: 2018-09-26,</a:t>
+            </a:r>
+            <a:endParaRPr lang="en-GB" sz="1200" strike="noStrike" spc="-1" dirty="0">
+              <a:latin typeface="Courier New" panose="02070309020205020404" pitchFamily="49" charset="0"/>
+              <a:cs typeface="Courier New" panose="02070309020205020404" pitchFamily="49" charset="0"/>
+            </a:endParaRPr>
+          </a:p>
+          <a:p>
+            <a:r>
+              <a:rPr lang="en-GB" sz="1200" spc="-1" dirty="0">
+                <a:latin typeface="Courier New" panose="02070309020205020404" pitchFamily="49" charset="0"/>
+                <a:cs typeface="Courier New" panose="02070309020205020404" pitchFamily="49" charset="0"/>
+              </a:rPr>
+              <a:t>    </a:t>
+            </a:r>
+            <a:r>
+              <a:rPr lang="en-GB" sz="1200" spc="-1" dirty="0" err="1">
+                <a:latin typeface="Courier New" panose="02070309020205020404" pitchFamily="49" charset="0"/>
+                <a:cs typeface="Courier New" panose="02070309020205020404" pitchFamily="49" charset="0"/>
+              </a:rPr>
+              <a:t>endDate</a:t>
+            </a:r>
+            <a:r>
+              <a:rPr lang="en-GB" sz="1200" spc="-1" dirty="0">
+                <a:latin typeface="Courier New" panose="02070309020205020404" pitchFamily="49" charset="0"/>
+                <a:cs typeface="Courier New" panose="02070309020205020404" pitchFamily="49" charset="0"/>
+              </a:rPr>
+              <a:t>: 2018-09-30,</a:t>
+            </a:r>
+          </a:p>
+          <a:p>
+            <a:r>
+              <a:rPr lang="en-GB" sz="1200" strike="noStrike" spc="-1" dirty="0">
+                <a:latin typeface="Courier New" panose="02070309020205020404" pitchFamily="49" charset="0"/>
+                <a:cs typeface="Courier New" panose="02070309020205020404" pitchFamily="49" charset="0"/>
+              </a:rPr>
+              <a:t>    </a:t>
+            </a:r>
+            <a:r>
+              <a:rPr lang="en-GB" sz="1200" strike="noStrike" spc="-1" dirty="0" err="1">
+                <a:latin typeface="Courier New" panose="02070309020205020404" pitchFamily="49" charset="0"/>
+                <a:cs typeface="Courier New" panose="02070309020205020404" pitchFamily="49" charset="0"/>
+              </a:rPr>
+              <a:t>totalUSDPrize</a:t>
+            </a:r>
+            <a:r>
+              <a:rPr lang="en-GB" sz="1200" strike="noStrike" spc="-1" dirty="0">
+                <a:latin typeface="Courier New" panose="02070309020205020404" pitchFamily="49" charset="0"/>
+                <a:cs typeface="Courier New" panose="02070309020205020404" pitchFamily="49" charset="0"/>
+              </a:rPr>
+              <a:t>: 250000.00</a:t>
+            </a:r>
+          </a:p>
+          <a:p>
+            <a:r>
+              <a:rPr lang="en-GB" sz="1300" b="1" spc="-1" dirty="0">
+                <a:latin typeface="Calibri"/>
+              </a:rPr>
+              <a:t>}</a:t>
+            </a:r>
+          </a:p>
+          <a:p>
+            <a:endParaRPr lang="en-GB" sz="1300" b="1" strike="noStrike" spc="-1" dirty="0">
+              <a:latin typeface="Calibri"/>
+            </a:endParaRPr>
+          </a:p>
+          <a:p>
+            <a:r>
+              <a:rPr lang="en-GB" sz="1300" b="1" strike="noStrike" spc="-1" dirty="0">
+                <a:latin typeface="Calibri"/>
+              </a:rPr>
+              <a:t>For </a:t>
+            </a:r>
+            <a:r>
+              <a:rPr lang="en-GB" sz="1300" b="1" spc="-1" dirty="0">
+                <a:latin typeface="Calibri"/>
+              </a:rPr>
+              <a:t>player earnings by age:</a:t>
+            </a:r>
+          </a:p>
+          <a:p>
+            <a:r>
+              <a:rPr lang="en-GB" sz="1300" b="1" strike="noStrike" spc="-1" dirty="0">
+                <a:latin typeface="Calibri"/>
+              </a:rPr>
+              <a:t>{</a:t>
+            </a:r>
+          </a:p>
+          <a:p>
+            <a:r>
+              <a:rPr lang="en-GB" sz="1200" spc="-1" dirty="0">
+                <a:latin typeface="Courier New" panose="02070309020205020404" pitchFamily="49" charset="0"/>
+                <a:cs typeface="Courier New" panose="02070309020205020404" pitchFamily="49" charset="0"/>
+              </a:rPr>
+              <a:t>    </a:t>
+            </a:r>
+            <a:r>
+              <a:rPr lang="en-GB" sz="1200" spc="-1" dirty="0" err="1">
+                <a:latin typeface="Courier New" panose="02070309020205020404" pitchFamily="49" charset="0"/>
+                <a:cs typeface="Courier New" panose="02070309020205020404" pitchFamily="49" charset="0"/>
+              </a:rPr>
+              <a:t>playerId</a:t>
+            </a:r>
+            <a:r>
+              <a:rPr lang="en-GB" sz="1200" spc="-1" dirty="0">
+                <a:latin typeface="Courier New" panose="02070309020205020404" pitchFamily="49" charset="0"/>
+                <a:cs typeface="Courier New" panose="02070309020205020404" pitchFamily="49" charset="0"/>
+              </a:rPr>
+              <a:t>: 3145,</a:t>
+            </a:r>
+          </a:p>
+          <a:p>
+            <a:r>
+              <a:rPr lang="en-GB" sz="1200" spc="-1" dirty="0">
+                <a:latin typeface="Courier New" panose="02070309020205020404" pitchFamily="49" charset="0"/>
+                <a:cs typeface="Courier New" panose="02070309020205020404" pitchFamily="49" charset="0"/>
+              </a:rPr>
+              <a:t>    a</a:t>
+            </a:r>
+            <a:r>
+              <a:rPr lang="en-GB" sz="1200" strike="noStrike" spc="-1" dirty="0">
+                <a:latin typeface="Courier New" panose="02070309020205020404" pitchFamily="49" charset="0"/>
+                <a:cs typeface="Courier New" panose="02070309020205020404" pitchFamily="49" charset="0"/>
+              </a:rPr>
+              <a:t>ge: 25,</a:t>
+            </a:r>
+          </a:p>
+          <a:p>
+            <a:r>
+              <a:rPr lang="en-GB" sz="1200" spc="-1" dirty="0">
+                <a:latin typeface="Courier New" panose="02070309020205020404" pitchFamily="49" charset="0"/>
+                <a:cs typeface="Courier New" panose="02070309020205020404" pitchFamily="49" charset="0"/>
+              </a:rPr>
+              <a:t>    </a:t>
+            </a:r>
+            <a:r>
+              <a:rPr lang="en-GB" sz="1200" spc="-1" dirty="0" err="1">
+                <a:latin typeface="Courier New" panose="02070309020205020404" pitchFamily="49" charset="0"/>
+                <a:cs typeface="Courier New" panose="02070309020205020404" pitchFamily="49" charset="0"/>
+              </a:rPr>
+              <a:t>earningsUSD</a:t>
+            </a:r>
+            <a:r>
+              <a:rPr lang="en-GB" sz="1200" spc="-1" dirty="0">
+                <a:latin typeface="Courier New" panose="02070309020205020404" pitchFamily="49" charset="0"/>
+                <a:cs typeface="Courier New" panose="02070309020205020404" pitchFamily="49" charset="0"/>
+              </a:rPr>
+              <a:t>: 702750.40</a:t>
+            </a:r>
+            <a:r>
+              <a:rPr lang="en-GB" sz="1200" strike="noStrike" spc="-1" dirty="0">
+                <a:latin typeface="Courier New" panose="02070309020205020404" pitchFamily="49" charset="0"/>
+                <a:cs typeface="Courier New" panose="02070309020205020404" pitchFamily="49" charset="0"/>
+              </a:rPr>
+              <a:t> </a:t>
+            </a:r>
+          </a:p>
+          <a:p>
+            <a:r>
+              <a:rPr lang="en-GB" sz="1300" b="1" spc="-1" dirty="0">
+                <a:latin typeface="Calibri"/>
+              </a:rPr>
+              <a:t>}</a:t>
+            </a:r>
+          </a:p>
+          <a:p>
+            <a:endParaRPr lang="en-GB" sz="1300" b="1" strike="noStrike" spc="-1" dirty="0">
+              <a:latin typeface="Calibri"/>
+            </a:endParaRPr>
+          </a:p>
+          <a:p>
+            <a:r>
+              <a:rPr lang="en-GB" sz="1300" b="1" spc="-1" dirty="0">
+                <a:latin typeface="Calibri"/>
+              </a:rPr>
+              <a:t>For games:</a:t>
+            </a:r>
+          </a:p>
+          <a:p>
+            <a:r>
+              <a:rPr lang="en-GB" sz="1300" b="1" strike="noStrike" spc="-1" dirty="0">
+                <a:latin typeface="Calibri"/>
+              </a:rPr>
+              <a:t>{</a:t>
+            </a:r>
+          </a:p>
+          <a:p>
+            <a:r>
+              <a:rPr lang="en-GB" sz="1200" spc="-1" dirty="0">
+                <a:latin typeface="Courier New" panose="02070309020205020404" pitchFamily="49" charset="0"/>
+                <a:cs typeface="Courier New" panose="02070309020205020404" pitchFamily="49" charset="0"/>
+              </a:rPr>
+              <a:t>    </a:t>
+            </a:r>
+            <a:r>
+              <a:rPr lang="en-GB" sz="1200" spc="-1" dirty="0" err="1">
+                <a:latin typeface="Courier New" panose="02070309020205020404" pitchFamily="49" charset="0"/>
+                <a:cs typeface="Courier New" panose="02070309020205020404" pitchFamily="49" charset="0"/>
+              </a:rPr>
+              <a:t>gameId</a:t>
+            </a:r>
+            <a:r>
+              <a:rPr lang="en-GB" sz="1200" spc="-1" dirty="0">
+                <a:latin typeface="Courier New" panose="02070309020205020404" pitchFamily="49" charset="0"/>
+                <a:cs typeface="Courier New" panose="02070309020205020404" pitchFamily="49" charset="0"/>
+              </a:rPr>
+              <a:t>: 231,</a:t>
+            </a:r>
+          </a:p>
+          <a:p>
+            <a:r>
+              <a:rPr lang="en-GB" sz="1200" strike="noStrike" spc="-1" dirty="0">
+                <a:latin typeface="Courier New" panose="02070309020205020404" pitchFamily="49" charset="0"/>
+                <a:cs typeface="Courier New" panose="02070309020205020404" pitchFamily="49" charset="0"/>
+              </a:rPr>
+              <a:t>    </a:t>
+            </a:r>
+            <a:r>
+              <a:rPr lang="en-GB" sz="1200" strike="noStrike" spc="-1" dirty="0" err="1">
+                <a:latin typeface="Courier New" panose="02070309020205020404" pitchFamily="49" charset="0"/>
+                <a:cs typeface="Courier New" panose="02070309020205020404" pitchFamily="49" charset="0"/>
+              </a:rPr>
+              <a:t>gameName</a:t>
+            </a:r>
+            <a:r>
+              <a:rPr lang="en-GB" sz="1200" strike="noStrike" spc="-1" dirty="0">
+                <a:latin typeface="Courier New" panose="02070309020205020404" pitchFamily="49" charset="0"/>
+                <a:cs typeface="Courier New" panose="02070309020205020404" pitchFamily="49" charset="0"/>
+              </a:rPr>
+              <a:t>: “</a:t>
+            </a:r>
+            <a:r>
+              <a:rPr lang="en-GB" sz="1200" strike="noStrike" spc="-1" dirty="0" err="1">
+                <a:latin typeface="Courier New" panose="02070309020205020404" pitchFamily="49" charset="0"/>
+                <a:cs typeface="Courier New" panose="02070309020205020404" pitchFamily="49" charset="0"/>
+              </a:rPr>
+              <a:t>Dota</a:t>
+            </a:r>
+            <a:r>
+              <a:rPr lang="en-GB" sz="1200" strike="noStrike" spc="-1" dirty="0">
+                <a:latin typeface="Courier New" panose="02070309020205020404" pitchFamily="49" charset="0"/>
+                <a:cs typeface="Courier New" panose="02070309020205020404" pitchFamily="49" charset="0"/>
+              </a:rPr>
+              <a:t> 2”,</a:t>
+            </a:r>
+          </a:p>
+          <a:p>
+            <a:r>
+              <a:rPr lang="en-GB" sz="1200" spc="-1" dirty="0">
+                <a:latin typeface="Courier New" panose="02070309020205020404" pitchFamily="49" charset="0"/>
+                <a:cs typeface="Courier New" panose="02070309020205020404" pitchFamily="49" charset="0"/>
+              </a:rPr>
+              <a:t>    </a:t>
+            </a:r>
+            <a:r>
+              <a:rPr lang="en-GB" sz="1200" spc="-1" dirty="0" err="1">
+                <a:latin typeface="Courier New" panose="02070309020205020404" pitchFamily="49" charset="0"/>
+                <a:cs typeface="Courier New" panose="02070309020205020404" pitchFamily="49" charset="0"/>
+              </a:rPr>
+              <a:t>earningsUSD</a:t>
+            </a:r>
+            <a:r>
+              <a:rPr lang="en-GB" sz="1200" spc="-1" dirty="0">
+                <a:latin typeface="Courier New" panose="02070309020205020404" pitchFamily="49" charset="0"/>
+                <a:cs typeface="Courier New" panose="02070309020205020404" pitchFamily="49" charset="0"/>
+              </a:rPr>
+              <a:t>: 169669456.45,</a:t>
+            </a:r>
+          </a:p>
+          <a:p>
+            <a:r>
+              <a:rPr lang="en-GB" sz="1200" spc="-1" dirty="0">
+                <a:latin typeface="Courier New" panose="02070309020205020404" pitchFamily="49" charset="0"/>
+                <a:cs typeface="Courier New" panose="02070309020205020404" pitchFamily="49" charset="0"/>
+              </a:rPr>
+              <a:t>    tournaments: 974</a:t>
+            </a:r>
+            <a:endParaRPr lang="en-GB" sz="1200" strike="noStrike" spc="-1" dirty="0">
+              <a:latin typeface="Courier New" panose="02070309020205020404" pitchFamily="49" charset="0"/>
+              <a:cs typeface="Courier New" panose="02070309020205020404" pitchFamily="49" charset="0"/>
+            </a:endParaRPr>
+          </a:p>
+          <a:p>
+            <a:r>
+              <a:rPr lang="en-GB" sz="1300" b="1" strike="noStrike" spc="-1" dirty="0">
+                <a:latin typeface="Calibri"/>
+              </a:rPr>
+              <a:t>}</a:t>
+            </a:r>
+          </a:p>
+          <a:p>
+            <a:endParaRPr lang="en-GB" sz="1300" b="1" strike="noStrike" spc="-1" dirty="0">
+              <a:latin typeface="Calibri"/>
+            </a:endParaRPr>
+          </a:p>
+          <a:p>
+            <a:endParaRPr lang="en-GB" sz="1300" b="1" strike="noStrike" spc="-1" dirty="0">
+              <a:latin typeface="Calibri"/>
+            </a:endParaRPr>
+          </a:p>
+          <a:p>
+            <a:endParaRPr lang="en-GB" sz="1300" b="1" strike="noStrike" spc="-1" dirty="0">
               <a:latin typeface="Calibri"/>
             </a:endParaRPr>
           </a:p>
@@ -7038,22 +9063,25 @@
       </p:sp>
     </p:spTree>
   </p:cSld>
+  <p:clrMapOvr>
+    <a:masterClrMapping/>
+  </p:clrMapOvr>
   <p:timing>
     <p:tnLst>
       <p:par>
-        <p:cTn id="23" dur="indefinite" restart="never" nodeType="tmRoot">
+        <p:cTn id="1" dur="indefinite" restart="never" nodeType="tmRoot">
           <p:childTnLst>
             <p:seq>
-              <p:cTn id="24" dur="indefinite" nodeType="mainSeq"/>
+              <p:cTn id="2" dur="indefinite" nodeType="mainSeq"/>
               <p:prevCondLst>
-                <p:cond delay="0" evt="onPrev">
+                <p:cond evt="onPrev" delay="0">
                   <p:tgtEl>
                     <p:sldTgt/>
                   </p:tgtEl>
                 </p:cond>
               </p:prevCondLst>
               <p:nextCondLst>
-                <p:cond delay="0" evt="onNext">
+                <p:cond evt="onNext" delay="0">
                   <p:tgtEl>
                     <p:sldTgt/>
                   </p:tgtEl>
@@ -7069,7 +9097,7 @@
 </file>
 
 <file path=ppt/slides/slide2.xml><?xml version="1.0" encoding="utf-8"?>
-<p:sld xmlns:a="http://schemas.openxmlformats.org/drawingml/2006/main" xmlns:p="http://schemas.openxmlformats.org/presentationml/2006/main" xmlns:r="http://schemas.openxmlformats.org/officeDocument/2006/relationships" xmlns:p14="http://schemas.microsoft.com/office/powerpoint/2010/main" xmlns:p15="http://schemas.microsoft.com/office/powerpoint/2012/main" xmlns:mc="http://schemas.openxmlformats.org/markup-compatibility/2006">
+<p:sld xmlns:a="http://schemas.openxmlformats.org/drawingml/2006/main" xmlns:r="http://schemas.openxmlformats.org/officeDocument/2006/relationships" xmlns:p="http://schemas.openxmlformats.org/presentationml/2006/main">
   <p:cSld>
     <p:spTree>
       <p:nvGrpSpPr>
@@ -7109,8 +9137,9 @@
         </p:spPr>
         <p:txBody>
           <a:bodyPr/>
-          <a:p>
-            <a:endParaRPr b="1" lang="pt-PT" sz="3200" spc="-1" strike="noStrike">
+          <a:lstStyle/>
+          <a:p>
+            <a:endParaRPr lang="pt-PT" sz="3200" b="1" strike="noStrike" spc="-1">
               <a:solidFill>
                 <a:srgbClr val="336699"/>
               </a:solidFill>
@@ -7142,6 +9171,7 @@
         </p:spPr>
         <p:txBody>
           <a:bodyPr/>
+          <a:lstStyle/>
           <a:p>
             <a:pPr algn="ctr">
               <a:lnSpc>
@@ -7152,15 +9182,15 @@
               </a:spcBef>
             </a:pPr>
             <a:r>
-              <a:rPr b="1" lang="pt-PT" sz="16600" spc="-1" strike="noStrike">
-                <a:solidFill>
-                  <a:srgbClr val="ffffff"/>
+              <a:rPr lang="pt-PT" sz="16600" b="1" strike="noStrike" spc="-1">
+                <a:solidFill>
+                  <a:srgbClr val="FFFFFF"/>
                 </a:solidFill>
                 <a:latin typeface="Calibri"/>
               </a:rPr>
               <a:t>01</a:t>
             </a:r>
-            <a:endParaRPr b="1" lang="pt-PT" sz="16600" spc="-1" strike="noStrike">
+            <a:endParaRPr lang="pt-PT" sz="16600" b="1" strike="noStrike" spc="-1">
               <a:solidFill>
                 <a:srgbClr val="336699"/>
               </a:solidFill>
@@ -7184,7 +9214,7 @@
             <a:avLst/>
           </a:prstGeom>
           <a:solidFill>
-            <a:srgbClr val="ffffff">
+            <a:srgbClr val="FFFFFF">
               <a:alpha val="80000"/>
             </a:srgbClr>
           </a:solidFill>
@@ -7194,6 +9224,7 @@
         </p:spPr>
         <p:txBody>
           <a:bodyPr rIns="288000"/>
+          <a:lstStyle/>
           <a:p>
             <a:pPr algn="r">
               <a:lnSpc>
@@ -7201,7 +9232,7 @@
               </a:lnSpc>
             </a:pPr>
             <a:r>
-              <a:rPr b="1" lang="pt-PT" sz="6000" spc="-1" strike="noStrike" cap="all">
+              <a:rPr lang="pt-PT" sz="6000" b="1" strike="noStrike" cap="all" spc="-1">
                 <a:solidFill>
                   <a:srgbClr val="336699"/>
                 </a:solidFill>
@@ -7209,7 +9240,7 @@
               </a:rPr>
               <a:t>DOMAIN</a:t>
             </a:r>
-            <a:endParaRPr b="0" lang="pt-PT" sz="6000" spc="-1" strike="noStrike">
+            <a:endParaRPr lang="pt-PT" sz="6000" b="0" strike="noStrike" spc="-1">
               <a:solidFill>
                 <a:srgbClr val="000000"/>
               </a:solidFill>
@@ -7220,22 +9251,25 @@
       </p:sp>
     </p:spTree>
   </p:cSld>
+  <p:clrMapOvr>
+    <a:masterClrMapping/>
+  </p:clrMapOvr>
   <p:timing>
     <p:tnLst>
       <p:par>
-        <p:cTn id="3" dur="indefinite" restart="never" nodeType="tmRoot">
+        <p:cTn id="1" dur="indefinite" restart="never" nodeType="tmRoot">
           <p:childTnLst>
             <p:seq>
-              <p:cTn id="4" dur="indefinite" nodeType="mainSeq"/>
+              <p:cTn id="2" dur="indefinite" nodeType="mainSeq"/>
               <p:prevCondLst>
-                <p:cond delay="0" evt="onPrev">
+                <p:cond evt="onPrev" delay="0">
                   <p:tgtEl>
                     <p:sldTgt/>
                   </p:tgtEl>
                 </p:cond>
               </p:prevCondLst>
               <p:nextCondLst>
-                <p:cond delay="0" evt="onNext">
+                <p:cond evt="onNext" delay="0">
                   <p:tgtEl>
                     <p:sldTgt/>
                   </p:tgtEl>
@@ -7251,7 +9285,7 @@
 </file>
 
 <file path=ppt/slides/slide3.xml><?xml version="1.0" encoding="utf-8"?>
-<p:sld xmlns:a="http://schemas.openxmlformats.org/drawingml/2006/main" xmlns:p="http://schemas.openxmlformats.org/presentationml/2006/main" xmlns:r="http://schemas.openxmlformats.org/officeDocument/2006/relationships" xmlns:p14="http://schemas.microsoft.com/office/powerpoint/2010/main" xmlns:p15="http://schemas.microsoft.com/office/powerpoint/2012/main" xmlns:mc="http://schemas.openxmlformats.org/markup-compatibility/2006">
+<p:sld xmlns:a="http://schemas.openxmlformats.org/drawingml/2006/main" xmlns:r="http://schemas.openxmlformats.org/officeDocument/2006/relationships" xmlns:p="http://schemas.openxmlformats.org/presentationml/2006/main">
   <p:cSld>
     <p:spTree>
       <p:nvGrpSpPr>
@@ -7290,6 +9324,7 @@
         </p:spPr>
         <p:txBody>
           <a:bodyPr anchor="ctr"/>
+          <a:lstStyle/>
           <a:p>
             <a:pPr marL="358920">
               <a:lnSpc>
@@ -7297,15 +9332,15 @@
               </a:lnSpc>
             </a:pPr>
             <a:r>
-              <a:rPr b="0" lang="pt-PT" sz="4400" spc="-1" strike="noStrike">
-                <a:solidFill>
-                  <a:srgbClr val="ffffff"/>
+              <a:rPr lang="pt-PT" sz="4400" b="0" strike="noStrike" spc="-1">
+                <a:solidFill>
+                  <a:srgbClr val="FFFFFF"/>
                 </a:solidFill>
                 <a:latin typeface="Calibri"/>
               </a:rPr>
               <a:t>Domain</a:t>
             </a:r>
-            <a:endParaRPr b="0" lang="pt-PT" sz="4400" spc="-1" strike="noStrike">
+            <a:endParaRPr lang="pt-PT" sz="4400" b="0" strike="noStrike" spc="-1">
               <a:solidFill>
                 <a:srgbClr val="000000"/>
               </a:solidFill>
@@ -7322,7 +9357,7 @@
         </p:nvSpPr>
         <p:spPr>
           <a:xfrm>
-            <a:off x="457200" y="1285920"/>
+            <a:off x="457200" y="1272694"/>
             <a:ext cx="8229240" cy="5214600"/>
           </a:xfrm>
           <a:prstGeom prst="rect">
@@ -7335,6 +9370,7 @@
         </p:spPr>
         <p:txBody>
           <a:bodyPr/>
+          <a:lstStyle/>
           <a:p>
             <a:pPr marL="343080" indent="-342720">
               <a:lnSpc>
@@ -7345,15 +9381,51 @@
               </a:spcBef>
             </a:pPr>
             <a:r>
-              <a:rPr b="1" lang="pt-PT" sz="4000" spc="-1" strike="noStrike">
+              <a:rPr lang="pt-PT" sz="4000" b="1" strike="noStrike" spc="-1" dirty="0" err="1">
                 <a:solidFill>
                   <a:srgbClr val="336699"/>
                 </a:solidFill>
                 <a:latin typeface="Calibri"/>
               </a:rPr>
-              <a:t>High level description</a:t>
-            </a:r>
-            <a:endParaRPr b="1" lang="pt-PT" sz="4000" spc="-1" strike="noStrike">
+              <a:t>High</a:t>
+            </a:r>
+            <a:r>
+              <a:rPr lang="pt-PT" sz="4000" b="1" strike="noStrike" spc="-1" dirty="0">
+                <a:solidFill>
+                  <a:srgbClr val="336699"/>
+                </a:solidFill>
+                <a:latin typeface="Calibri"/>
+              </a:rPr>
+              <a:t> </a:t>
+            </a:r>
+            <a:r>
+              <a:rPr lang="pt-PT" sz="4000" b="1" strike="noStrike" spc="-1" dirty="0" err="1">
+                <a:solidFill>
+                  <a:srgbClr val="336699"/>
+                </a:solidFill>
+                <a:latin typeface="Calibri"/>
+              </a:rPr>
+              <a:t>level</a:t>
+            </a:r>
+            <a:r>
+              <a:rPr lang="pt-PT" sz="4000" b="1" strike="noStrike" spc="-1" dirty="0">
+                <a:solidFill>
+                  <a:srgbClr val="336699"/>
+                </a:solidFill>
+                <a:latin typeface="Calibri"/>
+              </a:rPr>
+              <a:t> </a:t>
+            </a:r>
+            <a:r>
+              <a:rPr lang="pt-PT" sz="4000" b="1" strike="noStrike" spc="-1" dirty="0" err="1">
+                <a:solidFill>
+                  <a:srgbClr val="336699"/>
+                </a:solidFill>
+                <a:latin typeface="Calibri"/>
+              </a:rPr>
+              <a:t>description</a:t>
+            </a:r>
+            <a:endParaRPr lang="pt-PT" sz="4000" b="1" strike="noStrike" spc="-1" dirty="0">
               <a:solidFill>
                 <a:srgbClr val="336699"/>
               </a:solidFill>
@@ -7361,100 +9433,679 @@
             </a:endParaRPr>
           </a:p>
           <a:p>
-            <a:pPr marL="743040" indent="-285480">
+            <a:pPr marL="343080" indent="-342720">
               <a:lnSpc>
                 <a:spcPct val="100000"/>
               </a:lnSpc>
               <a:spcBef>
-                <a:spcPts val="601"/>
+                <a:spcPts val="1800"/>
               </a:spcBef>
             </a:pPr>
             <a:r>
-              <a:rPr b="0" lang="pt-PT" sz="3600" spc="-1" strike="noStrike">
-                <a:solidFill>
-                  <a:srgbClr val="000000"/>
-                </a:solidFill>
-                <a:latin typeface="Calibri"/>
-              </a:rPr>
-              <a:t>Analyse earnings made in esports</a:t>
-            </a:r>
-            <a:endParaRPr b="1" lang="pt-PT" sz="3600" spc="-1" strike="noStrike">
-              <a:solidFill>
-                <a:srgbClr val="336699"/>
-              </a:solidFill>
-              <a:latin typeface="Calibri"/>
-            </a:endParaRPr>
-          </a:p>
-          <a:p>
-            <a:pPr marL="743040" indent="-285480">
+              <a:rPr lang="pt-PT" sz="2400" spc="-1" dirty="0">
+                <a:solidFill>
+                  <a:srgbClr val="000000"/>
+                </a:solidFill>
+                <a:latin typeface="Calibri"/>
+              </a:rPr>
+              <a:t>	</a:t>
+            </a:r>
+            <a:r>
+              <a:rPr lang="pt-PT" sz="2400" spc="-1" dirty="0" err="1">
+                <a:solidFill>
+                  <a:srgbClr val="000000"/>
+                </a:solidFill>
+                <a:latin typeface="Calibri"/>
+              </a:rPr>
+              <a:t>We</a:t>
+            </a:r>
+            <a:r>
+              <a:rPr lang="pt-PT" sz="2400" spc="-1" dirty="0">
+                <a:solidFill>
+                  <a:srgbClr val="000000"/>
+                </a:solidFill>
+                <a:latin typeface="Calibri"/>
+              </a:rPr>
+              <a:t> </a:t>
+            </a:r>
+            <a:r>
+              <a:rPr lang="pt-PT" sz="2400" spc="-1" dirty="0" err="1">
+                <a:solidFill>
+                  <a:srgbClr val="000000"/>
+                </a:solidFill>
+                <a:latin typeface="Calibri"/>
+              </a:rPr>
+              <a:t>will</a:t>
+            </a:r>
+            <a:r>
+              <a:rPr lang="pt-PT" sz="2400" spc="-1" dirty="0">
+                <a:solidFill>
+                  <a:srgbClr val="000000"/>
+                </a:solidFill>
+                <a:latin typeface="Calibri"/>
+              </a:rPr>
+              <a:t> </a:t>
+            </a:r>
+            <a:r>
+              <a:rPr lang="pt-PT" sz="2400" spc="-1" dirty="0" err="1">
+                <a:solidFill>
+                  <a:srgbClr val="000000"/>
+                </a:solidFill>
+                <a:latin typeface="Calibri"/>
+              </a:rPr>
+              <a:t>be</a:t>
+            </a:r>
+            <a:r>
+              <a:rPr lang="pt-PT" sz="2400" spc="-1" dirty="0">
+                <a:solidFill>
+                  <a:srgbClr val="000000"/>
+                </a:solidFill>
+                <a:latin typeface="Calibri"/>
+              </a:rPr>
+              <a:t> </a:t>
+            </a:r>
+            <a:r>
+              <a:rPr lang="pt-PT" sz="2400" spc="-1" dirty="0" err="1">
+                <a:solidFill>
+                  <a:srgbClr val="000000"/>
+                </a:solidFill>
+                <a:latin typeface="Calibri"/>
+              </a:rPr>
+              <a:t>analyzing</a:t>
+            </a:r>
+            <a:r>
+              <a:rPr lang="pt-PT" sz="2400" spc="-1" dirty="0">
+                <a:solidFill>
+                  <a:srgbClr val="000000"/>
+                </a:solidFill>
+                <a:latin typeface="Calibri"/>
+              </a:rPr>
+              <a:t> </a:t>
+            </a:r>
+            <a:r>
+              <a:rPr lang="pt-PT" sz="2400" spc="-1" dirty="0" err="1">
+                <a:solidFill>
+                  <a:srgbClr val="000000"/>
+                </a:solidFill>
+                <a:latin typeface="Calibri"/>
+              </a:rPr>
+              <a:t>information</a:t>
+            </a:r>
+            <a:r>
+              <a:rPr lang="pt-PT" sz="2400" spc="-1" dirty="0">
+                <a:solidFill>
+                  <a:srgbClr val="000000"/>
+                </a:solidFill>
+                <a:latin typeface="Calibri"/>
+              </a:rPr>
+              <a:t> </a:t>
+            </a:r>
+            <a:r>
+              <a:rPr lang="pt-PT" sz="2400" spc="-1" dirty="0" err="1">
+                <a:solidFill>
+                  <a:srgbClr val="000000"/>
+                </a:solidFill>
+                <a:latin typeface="Calibri"/>
+              </a:rPr>
+              <a:t>related</a:t>
+            </a:r>
+            <a:r>
+              <a:rPr lang="pt-PT" sz="2400" spc="-1" dirty="0">
+                <a:solidFill>
+                  <a:srgbClr val="000000"/>
+                </a:solidFill>
+                <a:latin typeface="Calibri"/>
+              </a:rPr>
+              <a:t> to </a:t>
+            </a:r>
+            <a:r>
+              <a:rPr lang="pt-PT" sz="2400" spc="-1" dirty="0" err="1">
+                <a:solidFill>
+                  <a:srgbClr val="000000"/>
+                </a:solidFill>
+                <a:latin typeface="Calibri"/>
+              </a:rPr>
+              <a:t>esports</a:t>
+            </a:r>
+            <a:r>
+              <a:rPr lang="pt-PT" sz="2400" spc="-1" dirty="0">
+                <a:solidFill>
+                  <a:srgbClr val="000000"/>
+                </a:solidFill>
+                <a:latin typeface="Calibri"/>
+              </a:rPr>
+              <a:t>.</a:t>
+            </a:r>
+          </a:p>
+          <a:p>
+            <a:pPr marL="343080" indent="-342720">
               <a:lnSpc>
                 <a:spcPct val="100000"/>
               </a:lnSpc>
               <a:spcBef>
-                <a:spcPts val="601"/>
+                <a:spcPts val="1800"/>
               </a:spcBef>
             </a:pPr>
             <a:r>
-              <a:rPr b="0" lang="pt-PT" sz="3600" spc="-1" strike="noStrike">
-                <a:solidFill>
-                  <a:srgbClr val="000000"/>
-                </a:solidFill>
-                <a:latin typeface="Calibri"/>
-              </a:rPr>
-              <a:t>throughout the years by organizations</a:t>
-            </a:r>
-            <a:endParaRPr b="1" lang="pt-PT" sz="3600" spc="-1" strike="noStrike">
-              <a:solidFill>
-                <a:srgbClr val="336699"/>
-              </a:solidFill>
-              <a:latin typeface="Calibri"/>
-            </a:endParaRPr>
-          </a:p>
-          <a:p>
-            <a:pPr marL="743040" indent="-285480">
+              <a:rPr lang="pt-PT" sz="2400" spc="-1" dirty="0">
+                <a:solidFill>
+                  <a:srgbClr val="000000"/>
+                </a:solidFill>
+                <a:latin typeface="Calibri"/>
+              </a:rPr>
+              <a:t>	</a:t>
+            </a:r>
+            <a:r>
+              <a:rPr lang="pt-PT" sz="2400" spc="-1" dirty="0" err="1">
+                <a:solidFill>
+                  <a:srgbClr val="000000"/>
+                </a:solidFill>
+                <a:latin typeface="Calibri"/>
+              </a:rPr>
+              <a:t>Esports</a:t>
+            </a:r>
+            <a:r>
+              <a:rPr lang="pt-PT" sz="2400" spc="-1" dirty="0">
+                <a:solidFill>
+                  <a:srgbClr val="000000"/>
+                </a:solidFill>
+                <a:latin typeface="Calibri"/>
+              </a:rPr>
+              <a:t> are </a:t>
+            </a:r>
+            <a:r>
+              <a:rPr lang="pt-PT" sz="2400" spc="-1" dirty="0" err="1">
+                <a:solidFill>
+                  <a:srgbClr val="000000"/>
+                </a:solidFill>
+                <a:latin typeface="Calibri"/>
+              </a:rPr>
+              <a:t>organized</a:t>
+            </a:r>
+            <a:r>
+              <a:rPr lang="pt-PT" sz="2400" spc="-1" dirty="0">
+                <a:solidFill>
+                  <a:srgbClr val="000000"/>
+                </a:solidFill>
+                <a:latin typeface="Calibri"/>
+              </a:rPr>
+              <a:t> </a:t>
+            </a:r>
+            <a:r>
+              <a:rPr lang="pt-PT" sz="2400" spc="-1" dirty="0" err="1">
+                <a:solidFill>
+                  <a:srgbClr val="000000"/>
+                </a:solidFill>
+                <a:latin typeface="Calibri"/>
+              </a:rPr>
+              <a:t>multiplayer</a:t>
+            </a:r>
+            <a:r>
+              <a:rPr lang="pt-PT" sz="2400" spc="-1" dirty="0">
+                <a:solidFill>
+                  <a:srgbClr val="000000"/>
+                </a:solidFill>
+                <a:latin typeface="Calibri"/>
+              </a:rPr>
+              <a:t> </a:t>
+            </a:r>
+            <a:r>
+              <a:rPr lang="pt-PT" sz="2400" spc="-1" dirty="0" err="1">
+                <a:solidFill>
+                  <a:srgbClr val="000000"/>
+                </a:solidFill>
+                <a:latin typeface="Calibri"/>
+              </a:rPr>
+              <a:t>computer</a:t>
+            </a:r>
+            <a:r>
+              <a:rPr lang="pt-PT" sz="2400" spc="-1" dirty="0">
+                <a:solidFill>
+                  <a:srgbClr val="000000"/>
+                </a:solidFill>
+                <a:latin typeface="Calibri"/>
+              </a:rPr>
+              <a:t> game </a:t>
+            </a:r>
+            <a:r>
+              <a:rPr lang="pt-PT" sz="2400" spc="-1" dirty="0" err="1">
+                <a:solidFill>
+                  <a:srgbClr val="000000"/>
+                </a:solidFill>
+                <a:latin typeface="Calibri"/>
+              </a:rPr>
+              <a:t>competitions</a:t>
+            </a:r>
+            <a:r>
+              <a:rPr lang="pt-PT" sz="2400" spc="-1" dirty="0">
+                <a:solidFill>
+                  <a:srgbClr val="000000"/>
+                </a:solidFill>
+                <a:latin typeface="Calibri"/>
+              </a:rPr>
+              <a:t> </a:t>
+            </a:r>
+            <a:r>
+              <a:rPr lang="pt-PT" sz="2400" spc="-1" dirty="0" err="1">
+                <a:solidFill>
+                  <a:srgbClr val="000000"/>
+                </a:solidFill>
+                <a:latin typeface="Calibri"/>
+              </a:rPr>
+              <a:t>played</a:t>
+            </a:r>
+            <a:r>
+              <a:rPr lang="pt-PT" sz="2400" spc="-1" dirty="0">
+                <a:solidFill>
+                  <a:srgbClr val="000000"/>
+                </a:solidFill>
+                <a:latin typeface="Calibri"/>
+              </a:rPr>
+              <a:t> </a:t>
+            </a:r>
+            <a:r>
+              <a:rPr lang="pt-PT" sz="2400" spc="-1" dirty="0" err="1">
+                <a:solidFill>
+                  <a:srgbClr val="000000"/>
+                </a:solidFill>
+                <a:latin typeface="Calibri"/>
+              </a:rPr>
+              <a:t>between</a:t>
+            </a:r>
+            <a:r>
+              <a:rPr lang="pt-PT" sz="2400" spc="-1" dirty="0">
+                <a:solidFill>
+                  <a:srgbClr val="000000"/>
+                </a:solidFill>
+                <a:latin typeface="Calibri"/>
+              </a:rPr>
+              <a:t> </a:t>
+            </a:r>
+            <a:r>
+              <a:rPr lang="pt-PT" sz="2400" spc="-1" dirty="0" err="1">
+                <a:solidFill>
+                  <a:srgbClr val="000000"/>
+                </a:solidFill>
+                <a:latin typeface="Calibri"/>
+              </a:rPr>
+              <a:t>professional</a:t>
+            </a:r>
+            <a:r>
+              <a:rPr lang="pt-PT" sz="2400" spc="-1" dirty="0">
+                <a:solidFill>
+                  <a:srgbClr val="000000"/>
+                </a:solidFill>
+                <a:latin typeface="Calibri"/>
+              </a:rPr>
+              <a:t> </a:t>
+            </a:r>
+            <a:r>
+              <a:rPr lang="pt-PT" sz="2400" spc="-1" dirty="0" err="1">
+                <a:solidFill>
+                  <a:srgbClr val="000000"/>
+                </a:solidFill>
+                <a:latin typeface="Calibri"/>
+              </a:rPr>
+              <a:t>players</a:t>
+            </a:r>
+            <a:r>
+              <a:rPr lang="pt-PT" sz="2400" spc="-1" dirty="0">
+                <a:solidFill>
+                  <a:srgbClr val="000000"/>
+                </a:solidFill>
+                <a:latin typeface="Calibri"/>
+              </a:rPr>
+              <a:t> </a:t>
+            </a:r>
+            <a:r>
+              <a:rPr lang="pt-PT" sz="2400" spc="-1" dirty="0" err="1">
+                <a:solidFill>
+                  <a:srgbClr val="000000"/>
+                </a:solidFill>
+                <a:latin typeface="Calibri"/>
+              </a:rPr>
+              <a:t>with</a:t>
+            </a:r>
+            <a:r>
+              <a:rPr lang="pt-PT" sz="2400" spc="-1" dirty="0">
+                <a:solidFill>
+                  <a:srgbClr val="000000"/>
+                </a:solidFill>
+                <a:latin typeface="Calibri"/>
+              </a:rPr>
+              <a:t> a </a:t>
+            </a:r>
+            <a:r>
+              <a:rPr lang="pt-PT" sz="2400" spc="-1" dirty="0" err="1">
+                <a:solidFill>
+                  <a:srgbClr val="000000"/>
+                </a:solidFill>
+                <a:latin typeface="Calibri"/>
+              </a:rPr>
+              <a:t>huge</a:t>
+            </a:r>
+            <a:r>
+              <a:rPr lang="pt-PT" sz="2400" spc="-1" dirty="0">
+                <a:solidFill>
+                  <a:srgbClr val="000000"/>
+                </a:solidFill>
+                <a:latin typeface="Calibri"/>
+              </a:rPr>
+              <a:t> </a:t>
+            </a:r>
+            <a:r>
+              <a:rPr lang="pt-PT" sz="2400" spc="-1" dirty="0" err="1">
+                <a:solidFill>
+                  <a:srgbClr val="000000"/>
+                </a:solidFill>
+                <a:latin typeface="Calibri"/>
+              </a:rPr>
+              <a:t>spectatorship</a:t>
+            </a:r>
+            <a:r>
+              <a:rPr lang="pt-PT" sz="2400" spc="-1" dirty="0">
+                <a:solidFill>
+                  <a:srgbClr val="000000"/>
+                </a:solidFill>
+                <a:latin typeface="Calibri"/>
+              </a:rPr>
+              <a:t>. </a:t>
+            </a:r>
+          </a:p>
+          <a:p>
+            <a:pPr marL="343080" indent="-342720">
               <a:lnSpc>
                 <a:spcPct val="100000"/>
               </a:lnSpc>
               <a:spcBef>
-                <a:spcPts val="601"/>
+                <a:spcPts val="1800"/>
               </a:spcBef>
             </a:pPr>
             <a:r>
-              <a:rPr b="0" lang="pt-PT" sz="3600" spc="-1" strike="noStrike">
-                <a:solidFill>
-                  <a:srgbClr val="000000"/>
-                </a:solidFill>
-                <a:latin typeface="Calibri"/>
-              </a:rPr>
-              <a:t>and players</a:t>
-            </a:r>
-            <a:endParaRPr b="1" lang="pt-PT" sz="3600" spc="-1" strike="noStrike">
-              <a:solidFill>
-                <a:srgbClr val="336699"/>
-              </a:solidFill>
-              <a:latin typeface="Calibri"/>
-            </a:endParaRPr>
-          </a:p>
-        </p:txBody>
-      </p:sp>
+              <a:rPr lang="pt-PT" spc="-1" dirty="0">
+                <a:latin typeface="Calibri"/>
+              </a:rPr>
+              <a:t>	</a:t>
+            </a:r>
+          </a:p>
+          <a:p>
+            <a:pPr marL="343080" indent="-342720">
+              <a:lnSpc>
+                <a:spcPct val="100000"/>
+              </a:lnSpc>
+              <a:spcBef>
+                <a:spcPts val="1800"/>
+              </a:spcBef>
+            </a:pPr>
+            <a:endParaRPr lang="pt-PT" strike="noStrike" spc="-1" dirty="0">
+              <a:latin typeface="Calibri"/>
+            </a:endParaRPr>
+          </a:p>
+        </p:txBody>
+      </p:sp>
+      <p:pic>
+        <p:nvPicPr>
+          <p:cNvPr id="1026" name="Picture 2" descr="Image result for twitch">
+            <a:extLst>
+              <a:ext uri="{FF2B5EF4-FFF2-40B4-BE49-F238E27FC236}">
+                <a16:creationId xmlns:a16="http://schemas.microsoft.com/office/drawing/2014/main" id="{D9302375-99F7-45A0-B8B2-418527CDD1B1}"/>
+              </a:ext>
+            </a:extLst>
+          </p:cNvPr>
+          <p:cNvPicPr>
+            <a:picLocks noChangeAspect="1" noChangeArrowheads="1"/>
+          </p:cNvPicPr>
+          <p:nvPr/>
+        </p:nvPicPr>
+        <p:blipFill>
+          <a:blip r:embed="rId3">
+            <a:extLst>
+              <a:ext uri="{28A0092B-C50C-407E-A947-70E740481C1C}">
+                <a14:useLocalDpi xmlns:a14="http://schemas.microsoft.com/office/drawing/2010/main" val="0"/>
+              </a:ext>
+            </a:extLst>
+          </a:blip>
+          <a:srcRect/>
+          <a:stretch>
+            <a:fillRect/>
+          </a:stretch>
+        </p:blipFill>
+        <p:spPr bwMode="auto">
+          <a:xfrm>
+            <a:off x="278705" y="4485289"/>
+            <a:ext cx="2015231" cy="2015231"/>
+          </a:xfrm>
+          <a:prstGeom prst="rect">
+            <a:avLst/>
+          </a:prstGeom>
+          <a:noFill/>
+          <a:extLst>
+            <a:ext uri="{909E8E84-426E-40DD-AFC4-6F175D3DCCD1}">
+              <a14:hiddenFill xmlns:a14="http://schemas.microsoft.com/office/drawing/2010/main">
+                <a:solidFill>
+                  <a:srgbClr val="FFFFFF"/>
+                </a:solidFill>
+              </a14:hiddenFill>
+            </a:ext>
+          </a:extLst>
+        </p:spPr>
+      </p:pic>
+      <p:pic>
+        <p:nvPicPr>
+          <p:cNvPr id="1028" name="Picture 4" descr="Image result for lol logo">
+            <a:extLst>
+              <a:ext uri="{FF2B5EF4-FFF2-40B4-BE49-F238E27FC236}">
+                <a16:creationId xmlns:a16="http://schemas.microsoft.com/office/drawing/2014/main" id="{6AB20613-CAD6-475C-8C7F-D6F155996EE7}"/>
+              </a:ext>
+            </a:extLst>
+          </p:cNvPr>
+          <p:cNvPicPr>
+            <a:picLocks noChangeAspect="1" noChangeArrowheads="1"/>
+          </p:cNvPicPr>
+          <p:nvPr/>
+        </p:nvPicPr>
+        <p:blipFill rotWithShape="1">
+          <a:blip r:embed="rId4">
+            <a:extLst>
+              <a:ext uri="{28A0092B-C50C-407E-A947-70E740481C1C}">
+                <a14:useLocalDpi xmlns:a14="http://schemas.microsoft.com/office/drawing/2010/main" val="0"/>
+              </a:ext>
+            </a:extLst>
+          </a:blip>
+          <a:srcRect l="11315" t="13036" r="11315" b="11161"/>
+          <a:stretch/>
+        </p:blipFill>
+        <p:spPr bwMode="auto">
+          <a:xfrm>
+            <a:off x="2347466" y="5708008"/>
+            <a:ext cx="2015231" cy="789766"/>
+          </a:xfrm>
+          <a:prstGeom prst="rect">
+            <a:avLst/>
+          </a:prstGeom>
+          <a:noFill/>
+          <a:extLst>
+            <a:ext uri="{909E8E84-426E-40DD-AFC4-6F175D3DCCD1}">
+              <a14:hiddenFill xmlns:a14="http://schemas.microsoft.com/office/drawing/2010/main">
+                <a:solidFill>
+                  <a:srgbClr val="FFFFFF"/>
+                </a:solidFill>
+              </a14:hiddenFill>
+            </a:ext>
+          </a:extLst>
+        </p:spPr>
+      </p:pic>
+      <p:pic>
+        <p:nvPicPr>
+          <p:cNvPr id="2" name="Picture 1">
+            <a:extLst>
+              <a:ext uri="{FF2B5EF4-FFF2-40B4-BE49-F238E27FC236}">
+                <a16:creationId xmlns:a16="http://schemas.microsoft.com/office/drawing/2014/main" id="{7B1C9B3C-63E9-447F-8E71-EB7736B47376}"/>
+              </a:ext>
+            </a:extLst>
+          </p:cNvPr>
+          <p:cNvPicPr>
+            <a:picLocks noChangeAspect="1"/>
+          </p:cNvPicPr>
+          <p:nvPr/>
+        </p:nvPicPr>
+        <p:blipFill>
+          <a:blip r:embed="rId5"/>
+          <a:stretch>
+            <a:fillRect/>
+          </a:stretch>
+        </p:blipFill>
+        <p:spPr>
+          <a:xfrm>
+            <a:off x="2564726" y="3968650"/>
+            <a:ext cx="1333004" cy="1237400"/>
+          </a:xfrm>
+          <a:prstGeom prst="rect">
+            <a:avLst/>
+          </a:prstGeom>
+        </p:spPr>
+      </p:pic>
+      <p:pic>
+        <p:nvPicPr>
+          <p:cNvPr id="3" name="Picture 2">
+            <a:extLst>
+              <a:ext uri="{FF2B5EF4-FFF2-40B4-BE49-F238E27FC236}">
+                <a16:creationId xmlns:a16="http://schemas.microsoft.com/office/drawing/2014/main" id="{59D92C4E-40D4-4256-B20D-2F8AE0FC75AE}"/>
+              </a:ext>
+            </a:extLst>
+          </p:cNvPr>
+          <p:cNvPicPr>
+            <a:picLocks noChangeAspect="1"/>
+          </p:cNvPicPr>
+          <p:nvPr/>
+        </p:nvPicPr>
+        <p:blipFill>
+          <a:blip r:embed="rId6"/>
+          <a:stretch>
+            <a:fillRect/>
+          </a:stretch>
+        </p:blipFill>
+        <p:spPr>
+          <a:xfrm>
+            <a:off x="4471031" y="5451199"/>
+            <a:ext cx="2202481" cy="1172485"/>
+          </a:xfrm>
+          <a:prstGeom prst="rect">
+            <a:avLst/>
+          </a:prstGeom>
+        </p:spPr>
+      </p:pic>
+      <p:pic>
+        <p:nvPicPr>
+          <p:cNvPr id="4" name="Picture 3">
+            <a:extLst>
+              <a:ext uri="{FF2B5EF4-FFF2-40B4-BE49-F238E27FC236}">
+                <a16:creationId xmlns:a16="http://schemas.microsoft.com/office/drawing/2014/main" id="{E4829FD7-3043-4FBC-BC2D-4DD03BBEE0FC}"/>
+              </a:ext>
+            </a:extLst>
+          </p:cNvPr>
+          <p:cNvPicPr>
+            <a:picLocks noChangeAspect="1"/>
+          </p:cNvPicPr>
+          <p:nvPr/>
+        </p:nvPicPr>
+        <p:blipFill>
+          <a:blip r:embed="rId7"/>
+          <a:stretch>
+            <a:fillRect/>
+          </a:stretch>
+        </p:blipFill>
+        <p:spPr>
+          <a:xfrm>
+            <a:off x="4401462" y="4149127"/>
+            <a:ext cx="2304450" cy="876446"/>
+          </a:xfrm>
+          <a:prstGeom prst="rect">
+            <a:avLst/>
+          </a:prstGeom>
+        </p:spPr>
+      </p:pic>
+      <p:pic>
+        <p:nvPicPr>
+          <p:cNvPr id="9" name="Picture 8">
+            <a:extLst>
+              <a:ext uri="{FF2B5EF4-FFF2-40B4-BE49-F238E27FC236}">
+                <a16:creationId xmlns:a16="http://schemas.microsoft.com/office/drawing/2014/main" id="{050C8169-5EE0-4709-B2B9-6FCA0E9A46E3}"/>
+              </a:ext>
+            </a:extLst>
+          </p:cNvPr>
+          <p:cNvPicPr>
+            <a:picLocks noChangeAspect="1"/>
+          </p:cNvPicPr>
+          <p:nvPr/>
+        </p:nvPicPr>
+        <p:blipFill>
+          <a:blip r:embed="rId8"/>
+          <a:stretch>
+            <a:fillRect/>
+          </a:stretch>
+        </p:blipFill>
+        <p:spPr>
+          <a:xfrm>
+            <a:off x="6850066" y="3751551"/>
+            <a:ext cx="2181749" cy="1454499"/>
+          </a:xfrm>
+          <a:prstGeom prst="rect">
+            <a:avLst/>
+          </a:prstGeom>
+        </p:spPr>
+      </p:pic>
+      <p:pic>
+        <p:nvPicPr>
+          <p:cNvPr id="10" name="Picture 9">
+            <a:extLst>
+              <a:ext uri="{FF2B5EF4-FFF2-40B4-BE49-F238E27FC236}">
+                <a16:creationId xmlns:a16="http://schemas.microsoft.com/office/drawing/2014/main" id="{EB6AA138-D28C-48A2-A06B-EAEFBD3816B9}"/>
+              </a:ext>
+            </a:extLst>
+          </p:cNvPr>
+          <p:cNvPicPr>
+            <a:picLocks noChangeAspect="1"/>
+          </p:cNvPicPr>
+          <p:nvPr/>
+        </p:nvPicPr>
+        <p:blipFill>
+          <a:blip r:embed="rId9"/>
+          <a:stretch>
+            <a:fillRect/>
+          </a:stretch>
+        </p:blipFill>
+        <p:spPr>
+          <a:xfrm>
+            <a:off x="7333565" y="5231078"/>
+            <a:ext cx="1214749" cy="1231187"/>
+          </a:xfrm>
+          <a:prstGeom prst="rect">
+            <a:avLst/>
+          </a:prstGeom>
+        </p:spPr>
+      </p:pic>
     </p:spTree>
   </p:cSld>
+  <p:clrMapOvr>
+    <a:masterClrMapping/>
+  </p:clrMapOvr>
   <p:timing>
     <p:tnLst>
       <p:par>
-        <p:cTn id="5" dur="indefinite" restart="never" nodeType="tmRoot">
+        <p:cTn id="1" dur="indefinite" restart="never" nodeType="tmRoot">
           <p:childTnLst>
             <p:seq>
-              <p:cTn id="6" dur="indefinite" nodeType="mainSeq"/>
+              <p:cTn id="2" dur="indefinite" nodeType="mainSeq"/>
               <p:prevCondLst>
-                <p:cond delay="0" evt="onPrev">
+                <p:cond evt="onPrev" delay="0">
                   <p:tgtEl>
                     <p:sldTgt/>
                   </p:tgtEl>
                 </p:cond>
               </p:prevCondLst>
               <p:nextCondLst>
-                <p:cond delay="0" evt="onNext">
+                <p:cond evt="onNext" delay="0">
                   <p:tgtEl>
                     <p:sldTgt/>
                   </p:tgtEl>
@@ -7470,7 +10121,7 @@
 </file>
 
 <file path=ppt/slides/slide4.xml><?xml version="1.0" encoding="utf-8"?>
-<p:sld xmlns:a="http://schemas.openxmlformats.org/drawingml/2006/main" xmlns:p="http://schemas.openxmlformats.org/presentationml/2006/main" xmlns:r="http://schemas.openxmlformats.org/officeDocument/2006/relationships" xmlns:p14="http://schemas.microsoft.com/office/powerpoint/2010/main" xmlns:p15="http://schemas.microsoft.com/office/powerpoint/2012/main" xmlns:mc="http://schemas.openxmlformats.org/markup-compatibility/2006">
+<p:sld xmlns:a="http://schemas.openxmlformats.org/drawingml/2006/main" xmlns:r="http://schemas.openxmlformats.org/officeDocument/2006/relationships" xmlns:p="http://schemas.openxmlformats.org/presentationml/2006/main">
   <p:cSld>
     <p:spTree>
       <p:nvGrpSpPr>
@@ -7510,8 +10161,9 @@
         </p:spPr>
         <p:txBody>
           <a:bodyPr/>
-          <a:p>
-            <a:endParaRPr b="1" lang="pt-PT" sz="3200" spc="-1" strike="noStrike">
+          <a:lstStyle/>
+          <a:p>
+            <a:endParaRPr lang="pt-PT" sz="3200" b="1" strike="noStrike" spc="-1">
               <a:solidFill>
                 <a:srgbClr val="336699"/>
               </a:solidFill>
@@ -7543,6 +10195,7 @@
         </p:spPr>
         <p:txBody>
           <a:bodyPr/>
+          <a:lstStyle/>
           <a:p>
             <a:pPr algn="ctr">
               <a:lnSpc>
@@ -7553,15 +10206,15 @@
               </a:spcBef>
             </a:pPr>
             <a:r>
-              <a:rPr b="1" lang="pt-PT" sz="16600" spc="-1" strike="noStrike">
-                <a:solidFill>
-                  <a:srgbClr val="ffffff"/>
+              <a:rPr lang="pt-PT" sz="16600" b="1" strike="noStrike" spc="-1">
+                <a:solidFill>
+                  <a:srgbClr val="FFFFFF"/>
                 </a:solidFill>
                 <a:latin typeface="Calibri"/>
               </a:rPr>
               <a:t>02</a:t>
             </a:r>
-            <a:endParaRPr b="1" lang="pt-PT" sz="16600" spc="-1" strike="noStrike">
+            <a:endParaRPr lang="pt-PT" sz="16600" b="1" strike="noStrike" spc="-1">
               <a:solidFill>
                 <a:srgbClr val="336699"/>
               </a:solidFill>
@@ -7585,7 +10238,7 @@
             <a:avLst/>
           </a:prstGeom>
           <a:solidFill>
-            <a:srgbClr val="ffffff">
+            <a:srgbClr val="FFFFFF">
               <a:alpha val="80000"/>
             </a:srgbClr>
           </a:solidFill>
@@ -7595,6 +10248,7 @@
         </p:spPr>
         <p:txBody>
           <a:bodyPr rIns="288000"/>
+          <a:lstStyle/>
           <a:p>
             <a:pPr algn="r">
               <a:lnSpc>
@@ -7602,7 +10256,7 @@
               </a:lnSpc>
             </a:pPr>
             <a:r>
-              <a:rPr b="1" lang="pt-PT" sz="6000" spc="-1" strike="noStrike" cap="all">
+              <a:rPr lang="pt-PT" sz="6000" b="1" strike="noStrike" cap="all" spc="-1">
                 <a:solidFill>
                   <a:srgbClr val="336699"/>
                 </a:solidFill>
@@ -7610,7 +10264,7 @@
               </a:rPr>
               <a:t>DATASET</a:t>
             </a:r>
-            <a:endParaRPr b="0" lang="pt-PT" sz="6000" spc="-1" strike="noStrike">
+            <a:endParaRPr lang="pt-PT" sz="6000" b="0" strike="noStrike" spc="-1">
               <a:solidFill>
                 <a:srgbClr val="000000"/>
               </a:solidFill>
@@ -7621,22 +10275,25 @@
       </p:sp>
     </p:spTree>
   </p:cSld>
+  <p:clrMapOvr>
+    <a:masterClrMapping/>
+  </p:clrMapOvr>
   <p:timing>
     <p:tnLst>
       <p:par>
-        <p:cTn id="7" dur="indefinite" restart="never" nodeType="tmRoot">
+        <p:cTn id="1" dur="indefinite" restart="never" nodeType="tmRoot">
           <p:childTnLst>
             <p:seq>
-              <p:cTn id="8" dur="indefinite" nodeType="mainSeq"/>
+              <p:cTn id="2" dur="indefinite" nodeType="mainSeq"/>
               <p:prevCondLst>
-                <p:cond delay="0" evt="onPrev">
+                <p:cond evt="onPrev" delay="0">
                   <p:tgtEl>
                     <p:sldTgt/>
                   </p:tgtEl>
                 </p:cond>
               </p:prevCondLst>
               <p:nextCondLst>
-                <p:cond delay="0" evt="onNext">
+                <p:cond evt="onNext" delay="0">
                   <p:tgtEl>
                     <p:sldTgt/>
                   </p:tgtEl>
@@ -7652,7 +10309,7 @@
 </file>
 
 <file path=ppt/slides/slide5.xml><?xml version="1.0" encoding="utf-8"?>
-<p:sld xmlns:a="http://schemas.openxmlformats.org/drawingml/2006/main" xmlns:p="http://schemas.openxmlformats.org/presentationml/2006/main" xmlns:r="http://schemas.openxmlformats.org/officeDocument/2006/relationships" xmlns:p14="http://schemas.microsoft.com/office/powerpoint/2010/main" xmlns:p15="http://schemas.microsoft.com/office/powerpoint/2012/main" xmlns:mc="http://schemas.openxmlformats.org/markup-compatibility/2006">
+<p:sld xmlns:a="http://schemas.openxmlformats.org/drawingml/2006/main" xmlns:r="http://schemas.openxmlformats.org/officeDocument/2006/relationships" xmlns:p="http://schemas.openxmlformats.org/presentationml/2006/main">
   <p:cSld>
     <p:spTree>
       <p:nvGrpSpPr>
@@ -7691,6 +10348,7 @@
         </p:spPr>
         <p:txBody>
           <a:bodyPr anchor="ctr"/>
+          <a:lstStyle/>
           <a:p>
             <a:pPr marL="358920">
               <a:lnSpc>
@@ -7698,15 +10356,15 @@
               </a:lnSpc>
             </a:pPr>
             <a:r>
-              <a:rPr b="0" lang="pt-PT" sz="4400" spc="-1" strike="noStrike">
-                <a:solidFill>
-                  <a:srgbClr val="ffffff"/>
+              <a:rPr lang="pt-PT" sz="4400" b="0" strike="noStrike" spc="-1">
+                <a:solidFill>
+                  <a:srgbClr val="FFFFFF"/>
                 </a:solidFill>
                 <a:latin typeface="Calibri"/>
               </a:rPr>
               <a:t>Dataset</a:t>
             </a:r>
-            <a:endParaRPr b="0" lang="pt-PT" sz="4400" spc="-1" strike="noStrike">
+            <a:endParaRPr lang="pt-PT" sz="4400" b="0" strike="noStrike" spc="-1">
               <a:solidFill>
                 <a:srgbClr val="000000"/>
               </a:solidFill>
@@ -7736,6 +10394,7 @@
         </p:spPr>
         <p:txBody>
           <a:bodyPr/>
+          <a:lstStyle/>
           <a:p>
             <a:pPr marL="343080" indent="-342720">
               <a:lnSpc>
@@ -7746,15 +10405,33 @@
               </a:spcBef>
             </a:pPr>
             <a:r>
-              <a:rPr b="1" lang="pt-PT" sz="4000" spc="-1" strike="noStrike">
+              <a:rPr lang="pt-PT" sz="4000" b="1" strike="noStrike" spc="-1" dirty="0" err="1">
                 <a:solidFill>
                   <a:srgbClr val="336699"/>
                 </a:solidFill>
                 <a:latin typeface="Calibri"/>
               </a:rPr>
-              <a:t>Dataset description</a:t>
-            </a:r>
-            <a:endParaRPr b="1" lang="pt-PT" sz="4000" spc="-1" strike="noStrike">
+              <a:t>Dataset</a:t>
+            </a:r>
+            <a:r>
+              <a:rPr lang="pt-PT" sz="4000" b="1" strike="noStrike" spc="-1" dirty="0">
+                <a:solidFill>
+                  <a:srgbClr val="336699"/>
+                </a:solidFill>
+                <a:latin typeface="Calibri"/>
+              </a:rPr>
+              <a:t> </a:t>
+            </a:r>
+            <a:r>
+              <a:rPr lang="pt-PT" sz="4000" b="1" strike="noStrike" spc="-1" dirty="0" err="1">
+                <a:solidFill>
+                  <a:srgbClr val="336699"/>
+                </a:solidFill>
+                <a:latin typeface="Calibri"/>
+              </a:rPr>
+              <a:t>description</a:t>
+            </a:r>
+            <a:endParaRPr lang="pt-PT" sz="4000" b="1" strike="noStrike" spc="-1" dirty="0">
               <a:solidFill>
                 <a:srgbClr val="336699"/>
               </a:solidFill>
@@ -7771,20 +10448,149 @@
               </a:spcBef>
             </a:pPr>
             <a:r>
-              <a:rPr b="0" lang="pt-PT" sz="3600" spc="-1" strike="noStrike">
-                <a:solidFill>
-                  <a:srgbClr val="000000"/>
-                </a:solidFill>
-                <a:latin typeface="Calibri"/>
-              </a:rPr>
-              <a:t>Our dataset will be a static table</a:t>
-            </a:r>
-            <a:endParaRPr b="1" lang="pt-PT" sz="3600" spc="-1" strike="noStrike">
-              <a:solidFill>
-                <a:srgbClr val="336699"/>
-              </a:solidFill>
-              <a:latin typeface="Calibri"/>
-            </a:endParaRPr>
+              <a:rPr lang="pt-PT" sz="2800" b="0" strike="noStrike" spc="-1" dirty="0" err="1">
+                <a:solidFill>
+                  <a:srgbClr val="000000"/>
+                </a:solidFill>
+                <a:latin typeface="Calibri"/>
+              </a:rPr>
+              <a:t>Our</a:t>
+            </a:r>
+            <a:r>
+              <a:rPr lang="pt-PT" sz="2800" b="0" strike="noStrike" spc="-1" dirty="0">
+                <a:solidFill>
+                  <a:srgbClr val="000000"/>
+                </a:solidFill>
+                <a:latin typeface="Calibri"/>
+              </a:rPr>
+              <a:t> </a:t>
+            </a:r>
+            <a:r>
+              <a:rPr lang="pt-PT" sz="2800" b="0" strike="noStrike" spc="-1" dirty="0" err="1">
+                <a:solidFill>
+                  <a:srgbClr val="000000"/>
+                </a:solidFill>
+                <a:latin typeface="Calibri"/>
+              </a:rPr>
+              <a:t>dataset</a:t>
+            </a:r>
+            <a:r>
+              <a:rPr lang="pt-PT" sz="2800" b="0" strike="noStrike" spc="-1" dirty="0">
+                <a:solidFill>
+                  <a:srgbClr val="000000"/>
+                </a:solidFill>
+                <a:latin typeface="Calibri"/>
+              </a:rPr>
+              <a:t> </a:t>
+            </a:r>
+            <a:r>
+              <a:rPr lang="pt-PT" sz="2800" b="0" strike="noStrike" spc="-1" dirty="0" err="1">
+                <a:solidFill>
+                  <a:srgbClr val="000000"/>
+                </a:solidFill>
+                <a:latin typeface="Calibri"/>
+              </a:rPr>
+              <a:t>will</a:t>
+            </a:r>
+            <a:r>
+              <a:rPr lang="pt-PT" sz="2800" b="0" strike="noStrike" spc="-1" dirty="0">
+                <a:solidFill>
+                  <a:srgbClr val="000000"/>
+                </a:solidFill>
+                <a:latin typeface="Calibri"/>
+              </a:rPr>
+              <a:t> </a:t>
+            </a:r>
+            <a:r>
+              <a:rPr lang="pt-PT" sz="2800" b="0" strike="noStrike" spc="-1" dirty="0" err="1">
+                <a:solidFill>
+                  <a:srgbClr val="000000"/>
+                </a:solidFill>
+                <a:latin typeface="Calibri"/>
+              </a:rPr>
+              <a:t>be</a:t>
+            </a:r>
+            <a:r>
+              <a:rPr lang="pt-PT" sz="2800" b="0" strike="noStrike" spc="-1" dirty="0">
+                <a:solidFill>
+                  <a:srgbClr val="000000"/>
+                </a:solidFill>
+                <a:latin typeface="Calibri"/>
+              </a:rPr>
+              <a:t> a </a:t>
+            </a:r>
+            <a:r>
+              <a:rPr lang="pt-PT" sz="2800" b="0" strike="noStrike" spc="-1" dirty="0" err="1">
+                <a:solidFill>
+                  <a:srgbClr val="000000"/>
+                </a:solidFill>
+                <a:latin typeface="Calibri"/>
+              </a:rPr>
+              <a:t>static</a:t>
+            </a:r>
+            <a:r>
+              <a:rPr lang="pt-PT" sz="2800" b="0" strike="noStrike" spc="-1" dirty="0">
+                <a:solidFill>
+                  <a:srgbClr val="000000"/>
+                </a:solidFill>
+                <a:latin typeface="Calibri"/>
+              </a:rPr>
+              <a:t> </a:t>
+            </a:r>
+            <a:r>
+              <a:rPr lang="pt-PT" sz="2800" b="0" strike="noStrike" spc="-1" dirty="0" err="1">
+                <a:solidFill>
+                  <a:srgbClr val="000000"/>
+                </a:solidFill>
+                <a:latin typeface="Calibri"/>
+              </a:rPr>
+              <a:t>table</a:t>
+            </a:r>
+            <a:r>
+              <a:rPr lang="pt-PT" sz="2800" b="1" spc="-1" dirty="0">
+                <a:solidFill>
+                  <a:srgbClr val="336699"/>
+                </a:solidFill>
+                <a:latin typeface="Calibri"/>
+              </a:rPr>
+              <a:t> </a:t>
+            </a:r>
+            <a:r>
+              <a:rPr lang="pt-PT" sz="2800" b="0" strike="noStrike" spc="-1" dirty="0" err="1">
+                <a:solidFill>
+                  <a:srgbClr val="000000"/>
+                </a:solidFill>
+                <a:latin typeface="Calibri"/>
+              </a:rPr>
+              <a:t>provided</a:t>
+            </a:r>
+            <a:r>
+              <a:rPr lang="pt-PT" sz="2800" b="0" strike="noStrike" spc="-1" dirty="0">
+                <a:solidFill>
+                  <a:srgbClr val="000000"/>
+                </a:solidFill>
+                <a:latin typeface="Calibri"/>
+              </a:rPr>
+              <a:t> </a:t>
+            </a:r>
+            <a:r>
+              <a:rPr lang="pt-PT" sz="2800" b="0" strike="noStrike" spc="-1" dirty="0" err="1">
+                <a:solidFill>
+                  <a:srgbClr val="000000"/>
+                </a:solidFill>
+                <a:latin typeface="Calibri"/>
+              </a:rPr>
+              <a:t>by</a:t>
+            </a:r>
+            <a:r>
+              <a:rPr lang="pt-PT" sz="2800" b="0" strike="noStrike" spc="-1" dirty="0">
+                <a:solidFill>
+                  <a:srgbClr val="000000"/>
+                </a:solidFill>
+                <a:latin typeface="Calibri"/>
+              </a:rPr>
+              <a:t> </a:t>
+            </a:r>
           </a:p>
           <a:p>
             <a:pPr marL="743040" indent="-285480" algn="just">
@@ -7796,20 +10602,50 @@
               </a:spcBef>
             </a:pPr>
             <a:r>
-              <a:rPr b="0" lang="pt-PT" sz="3600" spc="-1" strike="noStrike">
-                <a:solidFill>
-                  <a:srgbClr val="000000"/>
-                </a:solidFill>
-                <a:latin typeface="Calibri"/>
-              </a:rPr>
-              <a:t>provided by esportsearning website</a:t>
-            </a:r>
-            <a:endParaRPr b="1" lang="pt-PT" sz="3600" spc="-1" strike="noStrike">
-              <a:solidFill>
-                <a:srgbClr val="336699"/>
-              </a:solidFill>
-              <a:latin typeface="Calibri"/>
-            </a:endParaRPr>
+              <a:rPr lang="pt-PT" sz="2800" b="0" strike="noStrike" spc="-1" dirty="0" err="1">
+                <a:solidFill>
+                  <a:srgbClr val="000000"/>
+                </a:solidFill>
+                <a:latin typeface="Calibri"/>
+              </a:rPr>
+              <a:t>esportsearning</a:t>
+            </a:r>
+            <a:r>
+              <a:rPr lang="pt-PT" sz="2800" b="0" strike="noStrike" spc="-1" dirty="0">
+                <a:solidFill>
+                  <a:srgbClr val="000000"/>
+                </a:solidFill>
+                <a:latin typeface="Calibri"/>
+              </a:rPr>
+              <a:t> website</a:t>
+            </a:r>
+            <a:r>
+              <a:rPr lang="pt-PT" sz="2800" b="1" spc="-1" dirty="0">
+                <a:solidFill>
+                  <a:srgbClr val="336699"/>
+                </a:solidFill>
+                <a:latin typeface="Calibri"/>
+              </a:rPr>
+              <a:t> </a:t>
+            </a:r>
+            <a:r>
+              <a:rPr lang="pt-PT" sz="2800" b="0" strike="noStrike" spc="-1" dirty="0" err="1">
+                <a:solidFill>
+                  <a:srgbClr val="000000"/>
+                </a:solidFill>
+                <a:latin typeface="Calibri"/>
+              </a:rPr>
+              <a:t>hosted</a:t>
+            </a:r>
+            <a:r>
+              <a:rPr lang="pt-PT" sz="2800" b="0" strike="noStrike" spc="-1" dirty="0">
+                <a:solidFill>
+                  <a:srgbClr val="000000"/>
+                </a:solidFill>
+                <a:latin typeface="Calibri"/>
+              </a:rPr>
+              <a:t> in</a:t>
+            </a:r>
           </a:p>
           <a:p>
             <a:pPr marL="743040" indent="-285480" algn="just">
@@ -7821,34 +10657,26 @@
               </a:spcBef>
             </a:pPr>
             <a:r>
-              <a:rPr b="0" lang="pt-PT" sz="3600" spc="-1" strike="noStrike">
-                <a:solidFill>
-                  <a:srgbClr val="000000"/>
-                </a:solidFill>
-                <a:latin typeface="Calibri"/>
-              </a:rPr>
-              <a:t>hosted in </a:t>
-            </a:r>
-            <a:r>
-              <a:rPr b="0" lang="pt-PT" sz="3600" spc="-1" strike="noStrike" u="sng">
-                <a:solidFill>
-                  <a:srgbClr val="0000ff"/>
+              <a:rPr lang="pt-PT" sz="2800" b="0" u="sng" strike="noStrike" spc="-1" dirty="0">
+                <a:solidFill>
+                  <a:srgbClr val="0000FF"/>
                 </a:solidFill>
                 <a:uFillTx/>
                 <a:latin typeface="Calibri"/>
-                <a:hlinkClick r:id="rId1"/>
+                <a:hlinkClick r:id="rId3"/>
               </a:rPr>
               <a:t>www.esportsearnings.com</a:t>
             </a:r>
-            <a:endParaRPr b="1" lang="pt-PT" sz="3600" spc="-1" strike="noStrike">
-              <a:solidFill>
-                <a:srgbClr val="336699"/>
-              </a:solidFill>
-              <a:latin typeface="Calibri"/>
-            </a:endParaRPr>
-          </a:p>
-          <a:p>
-            <a:pPr marL="743040" indent="-285480">
+            <a:endParaRPr lang="pt-PT" sz="2800" b="0" u="sng" strike="noStrike" spc="-1" dirty="0">
+              <a:solidFill>
+                <a:srgbClr val="0000FF"/>
+              </a:solidFill>
+              <a:uFillTx/>
+              <a:latin typeface="Calibri"/>
+            </a:endParaRPr>
+          </a:p>
+          <a:p>
+            <a:pPr marL="743040" indent="-285480" algn="just">
               <a:lnSpc>
                 <a:spcPct val="100000"/>
               </a:lnSpc>
@@ -7856,7 +10684,288 @@
                 <a:spcPts val="601"/>
               </a:spcBef>
             </a:pPr>
-            <a:endParaRPr b="1" lang="pt-PT" sz="3600" spc="-1" strike="noStrike">
+            <a:r>
+              <a:rPr lang="pt-PT" sz="2800" spc="-1" dirty="0" err="1">
+                <a:solidFill>
+                  <a:srgbClr val="000000"/>
+                </a:solidFill>
+                <a:latin typeface="Calibri"/>
+              </a:rPr>
+              <a:t>The</a:t>
+            </a:r>
+            <a:r>
+              <a:rPr lang="pt-PT" sz="2800" spc="-1" dirty="0">
+                <a:solidFill>
+                  <a:srgbClr val="000000"/>
+                </a:solidFill>
+                <a:latin typeface="Calibri"/>
+              </a:rPr>
+              <a:t> </a:t>
+            </a:r>
+            <a:r>
+              <a:rPr lang="pt-PT" sz="2800" spc="-1" dirty="0" err="1">
+                <a:solidFill>
+                  <a:srgbClr val="000000"/>
+                </a:solidFill>
+                <a:latin typeface="Calibri"/>
+              </a:rPr>
+              <a:t>website’s</a:t>
+            </a:r>
+            <a:r>
+              <a:rPr lang="pt-PT" sz="2800" spc="-1" dirty="0">
+                <a:solidFill>
+                  <a:srgbClr val="000000"/>
+                </a:solidFill>
+                <a:latin typeface="Calibri"/>
+              </a:rPr>
+              <a:t> API </a:t>
+            </a:r>
+            <a:r>
+              <a:rPr lang="pt-PT" sz="2800" spc="-1" dirty="0" err="1">
+                <a:solidFill>
+                  <a:srgbClr val="000000"/>
+                </a:solidFill>
+                <a:latin typeface="Calibri"/>
+              </a:rPr>
+              <a:t>doesn’t</a:t>
+            </a:r>
+            <a:r>
+              <a:rPr lang="pt-PT" sz="2800" spc="-1" dirty="0">
+                <a:solidFill>
+                  <a:srgbClr val="000000"/>
+                </a:solidFill>
+                <a:latin typeface="Calibri"/>
+              </a:rPr>
+              <a:t> </a:t>
+            </a:r>
+            <a:r>
+              <a:rPr lang="pt-PT" sz="2800" spc="-1" dirty="0" err="1">
+                <a:solidFill>
+                  <a:srgbClr val="000000"/>
+                </a:solidFill>
+                <a:latin typeface="Calibri"/>
+              </a:rPr>
+              <a:t>include</a:t>
+            </a:r>
+            <a:r>
+              <a:rPr lang="pt-PT" sz="2800" spc="-1" dirty="0">
+                <a:solidFill>
+                  <a:srgbClr val="000000"/>
+                </a:solidFill>
+                <a:latin typeface="Calibri"/>
+              </a:rPr>
+              <a:t> </a:t>
+            </a:r>
+            <a:r>
+              <a:rPr lang="pt-PT" sz="2800" spc="-1" dirty="0" err="1">
+                <a:solidFill>
+                  <a:srgbClr val="000000"/>
+                </a:solidFill>
+                <a:latin typeface="Calibri"/>
+              </a:rPr>
+              <a:t>player</a:t>
+            </a:r>
+            <a:r>
+              <a:rPr lang="pt-PT" sz="2800" spc="-1" dirty="0">
+                <a:solidFill>
+                  <a:srgbClr val="000000"/>
+                </a:solidFill>
+                <a:latin typeface="Calibri"/>
+              </a:rPr>
+              <a:t> age, </a:t>
+            </a:r>
+            <a:r>
+              <a:rPr lang="pt-PT" sz="2800" spc="-1" dirty="0" err="1">
+                <a:solidFill>
+                  <a:srgbClr val="000000"/>
+                </a:solidFill>
+                <a:latin typeface="Calibri"/>
+              </a:rPr>
+              <a:t>but</a:t>
+            </a:r>
+            <a:r>
+              <a:rPr lang="pt-PT" sz="2800" spc="-1" dirty="0">
+                <a:solidFill>
+                  <a:srgbClr val="000000"/>
+                </a:solidFill>
+                <a:latin typeface="Calibri"/>
+              </a:rPr>
+              <a:t> </a:t>
+            </a:r>
+            <a:r>
+              <a:rPr lang="pt-PT" sz="2800" spc="-1" dirty="0" err="1">
+                <a:solidFill>
+                  <a:srgbClr val="000000"/>
+                </a:solidFill>
+                <a:latin typeface="Calibri"/>
+              </a:rPr>
+              <a:t>it</a:t>
+            </a:r>
+            <a:r>
+              <a:rPr lang="pt-PT" sz="2800" spc="-1" dirty="0">
+                <a:solidFill>
+                  <a:srgbClr val="000000"/>
+                </a:solidFill>
+                <a:latin typeface="Calibri"/>
+              </a:rPr>
+              <a:t> </a:t>
+            </a:r>
+          </a:p>
+          <a:p>
+            <a:pPr marL="743040" indent="-285480" algn="just">
+              <a:lnSpc>
+                <a:spcPct val="100000"/>
+              </a:lnSpc>
+              <a:spcBef>
+                <a:spcPts val="601"/>
+              </a:spcBef>
+            </a:pPr>
+            <a:r>
+              <a:rPr lang="pt-PT" sz="2800" spc="-1" dirty="0">
+                <a:solidFill>
+                  <a:srgbClr val="000000"/>
+                </a:solidFill>
+                <a:latin typeface="Calibri"/>
+              </a:rPr>
+              <a:t>can </a:t>
+            </a:r>
+            <a:r>
+              <a:rPr lang="pt-PT" sz="2800" spc="-1" dirty="0" err="1">
+                <a:solidFill>
+                  <a:srgbClr val="000000"/>
+                </a:solidFill>
+                <a:latin typeface="Calibri"/>
+              </a:rPr>
+              <a:t>be</a:t>
+            </a:r>
+            <a:r>
+              <a:rPr lang="pt-PT" sz="2800" spc="-1" dirty="0">
+                <a:solidFill>
+                  <a:srgbClr val="000000"/>
+                </a:solidFill>
+                <a:latin typeface="Calibri"/>
+              </a:rPr>
+              <a:t> </a:t>
+            </a:r>
+            <a:r>
+              <a:rPr lang="pt-PT" sz="2800" spc="-1" dirty="0" err="1">
+                <a:solidFill>
+                  <a:srgbClr val="000000"/>
+                </a:solidFill>
+                <a:latin typeface="Calibri"/>
+              </a:rPr>
+              <a:t>scraped</a:t>
+            </a:r>
+            <a:r>
+              <a:rPr lang="pt-PT" sz="2800" spc="-1" dirty="0">
+                <a:solidFill>
+                  <a:srgbClr val="000000"/>
+                </a:solidFill>
+                <a:latin typeface="Calibri"/>
+              </a:rPr>
+              <a:t> </a:t>
+            </a:r>
+            <a:r>
+              <a:rPr lang="pt-PT" sz="2800" spc="-1" dirty="0" err="1">
+                <a:solidFill>
+                  <a:srgbClr val="000000"/>
+                </a:solidFill>
+                <a:latin typeface="Calibri"/>
+              </a:rPr>
+              <a:t>from</a:t>
+            </a:r>
+            <a:r>
+              <a:rPr lang="pt-PT" sz="2800" spc="-1" dirty="0">
+                <a:solidFill>
+                  <a:srgbClr val="000000"/>
+                </a:solidFill>
+                <a:latin typeface="Calibri"/>
+              </a:rPr>
+              <a:t> </a:t>
+            </a:r>
+            <a:r>
+              <a:rPr lang="pt-PT" sz="2800" spc="-1" dirty="0" err="1">
+                <a:solidFill>
+                  <a:srgbClr val="000000"/>
+                </a:solidFill>
+                <a:latin typeface="Calibri"/>
+              </a:rPr>
+              <a:t>the</a:t>
+            </a:r>
+            <a:r>
+              <a:rPr lang="pt-PT" sz="2800" spc="-1" dirty="0">
+                <a:solidFill>
+                  <a:srgbClr val="000000"/>
+                </a:solidFill>
+                <a:latin typeface="Calibri"/>
+              </a:rPr>
+              <a:t> website </a:t>
+            </a:r>
+            <a:r>
+              <a:rPr lang="pt-PT" sz="2800" spc="-1" dirty="0" err="1">
+                <a:solidFill>
+                  <a:srgbClr val="000000"/>
+                </a:solidFill>
+                <a:latin typeface="Calibri"/>
+              </a:rPr>
+              <a:t>since</a:t>
+            </a:r>
+            <a:r>
+              <a:rPr lang="pt-PT" sz="2800" spc="-1" dirty="0">
+                <a:solidFill>
+                  <a:srgbClr val="000000"/>
+                </a:solidFill>
+                <a:latin typeface="Calibri"/>
+              </a:rPr>
+              <a:t> </a:t>
+            </a:r>
+            <a:r>
+              <a:rPr lang="pt-PT" sz="2800" spc="-1" dirty="0" err="1">
+                <a:solidFill>
+                  <a:srgbClr val="000000"/>
+                </a:solidFill>
+                <a:latin typeface="Calibri"/>
+              </a:rPr>
+              <a:t>it’s</a:t>
+            </a:r>
+            <a:r>
+              <a:rPr lang="pt-PT" sz="2800" spc="-1" dirty="0">
+                <a:solidFill>
+                  <a:srgbClr val="000000"/>
+                </a:solidFill>
+                <a:latin typeface="Calibri"/>
+              </a:rPr>
+              <a:t> in </a:t>
+            </a:r>
+          </a:p>
+          <a:p>
+            <a:pPr marL="743040" indent="-285480" algn="just">
+              <a:lnSpc>
+                <a:spcPct val="100000"/>
+              </a:lnSpc>
+              <a:spcBef>
+                <a:spcPts val="601"/>
+              </a:spcBef>
+            </a:pPr>
+            <a:r>
+              <a:rPr lang="pt-PT" sz="2800" spc="-1" dirty="0" err="1">
+                <a:solidFill>
+                  <a:srgbClr val="000000"/>
+                </a:solidFill>
+                <a:latin typeface="Calibri"/>
+              </a:rPr>
+              <a:t>plaintext</a:t>
+            </a:r>
+            <a:r>
+              <a:rPr lang="pt-PT" sz="2800" spc="-1" dirty="0">
+                <a:solidFill>
+                  <a:srgbClr val="000000"/>
+                </a:solidFill>
+                <a:latin typeface="Calibri"/>
+              </a:rPr>
+              <a:t>.</a:t>
+            </a:r>
+            <a:endParaRPr lang="pt-PT" sz="3600" b="1" strike="noStrike" spc="-1" dirty="0">
               <a:solidFill>
                 <a:srgbClr val="336699"/>
               </a:solidFill>
@@ -7867,17 +10976,17 @@
       </p:sp>
       <p:pic>
         <p:nvPicPr>
-          <p:cNvPr id="138" name="Picture 3" descr=""/>
+          <p:cNvPr id="138" name="Picture 3"/>
           <p:cNvPicPr/>
           <p:nvPr/>
         </p:nvPicPr>
         <p:blipFill>
-          <a:blip r:embed="rId2"/>
+          <a:blip r:embed="rId4"/>
           <a:stretch/>
         </p:blipFill>
         <p:spPr>
           <a:xfrm>
-            <a:off x="1524240" y="4725000"/>
+            <a:off x="1524420" y="5478875"/>
             <a:ext cx="6094800" cy="888480"/>
           </a:xfrm>
           <a:prstGeom prst="rect">
@@ -7890,22 +10999,25 @@
       </p:pic>
     </p:spTree>
   </p:cSld>
+  <p:clrMapOvr>
+    <a:masterClrMapping/>
+  </p:clrMapOvr>
   <p:timing>
     <p:tnLst>
       <p:par>
-        <p:cTn id="9" dur="indefinite" restart="never" nodeType="tmRoot">
+        <p:cTn id="1" dur="indefinite" restart="never" nodeType="tmRoot">
           <p:childTnLst>
             <p:seq>
-              <p:cTn id="10" dur="indefinite" nodeType="mainSeq"/>
+              <p:cTn id="2" dur="indefinite" nodeType="mainSeq"/>
               <p:prevCondLst>
-                <p:cond delay="0" evt="onPrev">
+                <p:cond evt="onPrev" delay="0">
                   <p:tgtEl>
                     <p:sldTgt/>
                   </p:tgtEl>
                 </p:cond>
               </p:prevCondLst>
               <p:nextCondLst>
-                <p:cond delay="0" evt="onNext">
+                <p:cond evt="onNext" delay="0">
                   <p:tgtEl>
                     <p:sldTgt/>
                   </p:tgtEl>
@@ -7921,7 +11033,7 @@
 </file>
 
 <file path=ppt/slides/slide6.xml><?xml version="1.0" encoding="utf-8"?>
-<p:sld xmlns:a="http://schemas.openxmlformats.org/drawingml/2006/main" xmlns:p="http://schemas.openxmlformats.org/presentationml/2006/main" xmlns:r="http://schemas.openxmlformats.org/officeDocument/2006/relationships" xmlns:p14="http://schemas.microsoft.com/office/powerpoint/2010/main" xmlns:p15="http://schemas.microsoft.com/office/powerpoint/2012/main" xmlns:mc="http://schemas.openxmlformats.org/markup-compatibility/2006">
+<p:sld xmlns:a="http://schemas.openxmlformats.org/drawingml/2006/main" xmlns:r="http://schemas.openxmlformats.org/officeDocument/2006/relationships" xmlns:p="http://schemas.openxmlformats.org/presentationml/2006/main">
   <p:cSld>
     <p:spTree>
       <p:nvGrpSpPr>
@@ -7961,8 +11073,9 @@
         </p:spPr>
         <p:txBody>
           <a:bodyPr/>
-          <a:p>
-            <a:endParaRPr b="1" lang="pt-PT" sz="3200" spc="-1" strike="noStrike">
+          <a:lstStyle/>
+          <a:p>
+            <a:endParaRPr lang="pt-PT" sz="3200" b="1" strike="noStrike" spc="-1">
               <a:solidFill>
                 <a:srgbClr val="336699"/>
               </a:solidFill>
@@ -7994,6 +11107,7 @@
         </p:spPr>
         <p:txBody>
           <a:bodyPr/>
+          <a:lstStyle/>
           <a:p>
             <a:pPr algn="ctr">
               <a:lnSpc>
@@ -8004,15 +11118,15 @@
               </a:spcBef>
             </a:pPr>
             <a:r>
-              <a:rPr b="1" lang="pt-PT" sz="16600" spc="-1" strike="noStrike">
-                <a:solidFill>
-                  <a:srgbClr val="ffffff"/>
+              <a:rPr lang="pt-PT" sz="16600" b="1" strike="noStrike" spc="-1">
+                <a:solidFill>
+                  <a:srgbClr val="FFFFFF"/>
                 </a:solidFill>
                 <a:latin typeface="Calibri"/>
               </a:rPr>
               <a:t>03</a:t>
             </a:r>
-            <a:endParaRPr b="1" lang="pt-PT" sz="16600" spc="-1" strike="noStrike">
+            <a:endParaRPr lang="pt-PT" sz="16600" b="1" strike="noStrike" spc="-1">
               <a:solidFill>
                 <a:srgbClr val="336699"/>
               </a:solidFill>
@@ -8036,7 +11150,7 @@
             <a:avLst/>
           </a:prstGeom>
           <a:solidFill>
-            <a:srgbClr val="ffffff">
+            <a:srgbClr val="FFFFFF">
               <a:alpha val="80000"/>
             </a:srgbClr>
           </a:solidFill>
@@ -8046,6 +11160,7 @@
         </p:spPr>
         <p:txBody>
           <a:bodyPr rIns="288000"/>
+          <a:lstStyle/>
           <a:p>
             <a:pPr algn="r">
               <a:lnSpc>
@@ -8053,7 +11168,7 @@
               </a:lnSpc>
             </a:pPr>
             <a:r>
-              <a:rPr b="1" lang="pt-PT" sz="6000" spc="-1" strike="noStrike" cap="all">
+              <a:rPr lang="pt-PT" sz="6000" b="1" strike="noStrike" cap="all" spc="-1">
                 <a:solidFill>
                   <a:srgbClr val="336699"/>
                 </a:solidFill>
@@ -8061,7 +11176,7 @@
               </a:rPr>
               <a:t>TASKS</a:t>
             </a:r>
-            <a:endParaRPr b="0" lang="pt-PT" sz="6000" spc="-1" strike="noStrike">
+            <a:endParaRPr lang="pt-PT" sz="6000" b="0" strike="noStrike" spc="-1">
               <a:solidFill>
                 <a:srgbClr val="000000"/>
               </a:solidFill>
@@ -8072,22 +11187,25 @@
       </p:sp>
     </p:spTree>
   </p:cSld>
+  <p:clrMapOvr>
+    <a:masterClrMapping/>
+  </p:clrMapOvr>
   <p:timing>
     <p:tnLst>
       <p:par>
-        <p:cTn id="11" dur="indefinite" restart="never" nodeType="tmRoot">
+        <p:cTn id="1" dur="indefinite" restart="never" nodeType="tmRoot">
           <p:childTnLst>
             <p:seq>
-              <p:cTn id="12" dur="indefinite" nodeType="mainSeq"/>
+              <p:cTn id="2" dur="indefinite" nodeType="mainSeq"/>
               <p:prevCondLst>
-                <p:cond delay="0" evt="onPrev">
+                <p:cond evt="onPrev" delay="0">
                   <p:tgtEl>
                     <p:sldTgt/>
                   </p:tgtEl>
                 </p:cond>
               </p:prevCondLst>
               <p:nextCondLst>
-                <p:cond delay="0" evt="onNext">
+                <p:cond evt="onNext" delay="0">
                   <p:tgtEl>
                     <p:sldTgt/>
                   </p:tgtEl>
@@ -8103,7 +11221,7 @@
 </file>
 
 <file path=ppt/slides/slide7.xml><?xml version="1.0" encoding="utf-8"?>
-<p:sld xmlns:a="http://schemas.openxmlformats.org/drawingml/2006/main" xmlns:p="http://schemas.openxmlformats.org/presentationml/2006/main" xmlns:r="http://schemas.openxmlformats.org/officeDocument/2006/relationships" xmlns:p14="http://schemas.microsoft.com/office/powerpoint/2010/main" xmlns:p15="http://schemas.microsoft.com/office/powerpoint/2012/main" xmlns:mc="http://schemas.openxmlformats.org/markup-compatibility/2006">
+<p:sld xmlns:a="http://schemas.openxmlformats.org/drawingml/2006/main" xmlns:r="http://schemas.openxmlformats.org/officeDocument/2006/relationships" xmlns:p="http://schemas.openxmlformats.org/presentationml/2006/main">
   <p:cSld>
     <p:spTree>
       <p:nvGrpSpPr>
@@ -8142,6 +11260,7 @@
         </p:spPr>
         <p:txBody>
           <a:bodyPr anchor="ctr"/>
+          <a:lstStyle/>
           <a:p>
             <a:pPr marL="358920">
               <a:lnSpc>
@@ -8149,15 +11268,15 @@
               </a:lnSpc>
             </a:pPr>
             <a:r>
-              <a:rPr b="0" lang="pt-PT" sz="4400" spc="-1" strike="noStrike">
-                <a:solidFill>
-                  <a:srgbClr val="ffffff"/>
+              <a:rPr lang="pt-PT" sz="4400" b="0" strike="noStrike" spc="-1">
+                <a:solidFill>
+                  <a:srgbClr val="FFFFFF"/>
                 </a:solidFill>
                 <a:latin typeface="Calibri"/>
               </a:rPr>
               <a:t>Tasks</a:t>
             </a:r>
-            <a:endParaRPr b="0" lang="pt-PT" sz="4400" spc="-1" strike="noStrike">
+            <a:endParaRPr lang="pt-PT" sz="4400" b="0" strike="noStrike" spc="-1">
               <a:solidFill>
                 <a:srgbClr val="000000"/>
               </a:solidFill>
@@ -8187,6 +11306,7 @@
         </p:spPr>
         <p:txBody>
           <a:bodyPr/>
+          <a:lstStyle/>
           <a:p>
             <a:pPr marL="343080" indent="-342720">
               <a:lnSpc>
@@ -8197,20 +11317,23 @@
               </a:spcBef>
             </a:pPr>
             <a:r>
-              <a:rPr b="1" lang="pt-PT" sz="2800" spc="-1" strike="noStrike">
+              <a:rPr lang="pt-PT" sz="2800" b="1" strike="noStrike" spc="-1" dirty="0" err="1">
                 <a:solidFill>
                   <a:srgbClr val="336699"/>
                 </a:solidFill>
                 <a:latin typeface="Calibri"/>
               </a:rPr>
-              <a:t>Task 1</a:t>
-            </a:r>
-            <a:endParaRPr b="1" lang="pt-PT" sz="2800" spc="-1" strike="noStrike">
-              <a:solidFill>
-                <a:srgbClr val="336699"/>
-              </a:solidFill>
-              <a:latin typeface="Calibri"/>
-            </a:endParaRPr>
+              <a:t>Task</a:t>
+            </a:r>
+            <a:r>
+              <a:rPr lang="pt-PT" sz="2800" b="1" strike="noStrike" spc="-1" dirty="0">
+                <a:solidFill>
+                  <a:srgbClr val="336699"/>
+                </a:solidFill>
+                <a:latin typeface="Calibri"/>
+              </a:rPr>
+              <a:t> 1</a:t>
+            </a:r>
           </a:p>
           <a:p>
             <a:pPr marL="450360" indent="-228600" algn="just">
@@ -8219,7 +11342,7 @@
               </a:spcAft>
             </a:pPr>
             <a:r>
-              <a:rPr b="0" lang="en-GB" sz="2600" spc="-1" strike="noStrike">
+              <a:rPr lang="en-GB" sz="2600" b="0" strike="noStrike" spc="-1" dirty="0">
                 <a:solidFill>
                   <a:srgbClr val="000000"/>
                 </a:solidFill>
@@ -8228,7 +11351,7 @@
               </a:rPr>
               <a:t>Analyse -&gt; Consume -&gt; Present</a:t>
             </a:r>
-            <a:endParaRPr b="0" lang="en-GB" sz="2600" spc="-1" strike="noStrike">
+            <a:endParaRPr lang="en-GB" sz="2600" b="0" strike="noStrike" spc="-1" dirty="0">
               <a:latin typeface="Calibri"/>
               <a:ea typeface="DejaVu Sans Condensed"/>
             </a:endParaRPr>
@@ -8240,7 +11363,7 @@
               </a:spcAft>
             </a:pPr>
             <a:r>
-              <a:rPr b="0" lang="en-GB" sz="2600" spc="-1" strike="noStrike">
+              <a:rPr lang="en-GB" sz="2600" b="0" strike="noStrike" spc="-1" dirty="0">
                 <a:solidFill>
                   <a:srgbClr val="000000"/>
                 </a:solidFill>
@@ -8249,7 +11372,7 @@
               </a:rPr>
               <a:t>Analyse earnings from esports tournaments</a:t>
             </a:r>
-            <a:endParaRPr b="0" lang="en-GB" sz="2600" spc="-1" strike="noStrike">
+            <a:endParaRPr lang="en-GB" sz="2600" b="0" strike="noStrike" spc="-1" dirty="0">
               <a:latin typeface="Calibri"/>
               <a:ea typeface="DejaVu Sans Condensed"/>
             </a:endParaRPr>
@@ -8261,7 +11384,7 @@
               </a:spcAft>
             </a:pPr>
             <a:r>
-              <a:rPr b="0" lang="en-GB" sz="2600" spc="-1" strike="noStrike">
+              <a:rPr lang="en-GB" sz="2600" b="0" strike="noStrike" spc="-1" dirty="0">
                 <a:solidFill>
                   <a:srgbClr val="000000"/>
                 </a:solidFill>
@@ -8270,7 +11393,7 @@
               </a:rPr>
               <a:t>throughout the years</a:t>
             </a:r>
-            <a:endParaRPr b="0" lang="en-GB" sz="2600" spc="-1" strike="noStrike">
+            <a:endParaRPr lang="en-GB" sz="2600" b="0" strike="noStrike" spc="-1" dirty="0">
               <a:latin typeface="Calibri"/>
               <a:ea typeface="DejaVu Sans Condensed"/>
             </a:endParaRPr>
@@ -8285,20 +11408,23 @@
               </a:spcBef>
             </a:pPr>
             <a:r>
-              <a:rPr b="1" lang="pt-PT" sz="2800" spc="-1" strike="noStrike">
+              <a:rPr lang="pt-PT" sz="2800" b="1" strike="noStrike" spc="-1" dirty="0" err="1">
                 <a:solidFill>
                   <a:srgbClr val="336699"/>
                 </a:solidFill>
                 <a:latin typeface="Calibri"/>
               </a:rPr>
-              <a:t>Task 2</a:t>
-            </a:r>
-            <a:endParaRPr b="1" lang="pt-PT" sz="2800" spc="-1" strike="noStrike">
-              <a:solidFill>
-                <a:srgbClr val="336699"/>
-              </a:solidFill>
-              <a:latin typeface="Calibri"/>
-            </a:endParaRPr>
+              <a:t>Task</a:t>
+            </a:r>
+            <a:r>
+              <a:rPr lang="pt-PT" sz="2800" b="1" strike="noStrike" spc="-1" dirty="0">
+                <a:solidFill>
+                  <a:srgbClr val="336699"/>
+                </a:solidFill>
+                <a:latin typeface="Calibri"/>
+              </a:rPr>
+              <a:t> 2</a:t>
+            </a:r>
           </a:p>
           <a:p>
             <a:pPr marL="450360" indent="-228600" algn="just">
@@ -8307,7 +11433,7 @@
               </a:spcAft>
             </a:pPr>
             <a:r>
-              <a:rPr b="0" lang="en-GB" sz="2600" spc="-1" strike="noStrike">
+              <a:rPr lang="en-GB" sz="2600" b="0" strike="noStrike" spc="-1" dirty="0">
                 <a:solidFill>
                   <a:srgbClr val="000000"/>
                 </a:solidFill>
@@ -8316,7 +11442,7 @@
               </a:rPr>
               <a:t>Search -&gt; Browse</a:t>
             </a:r>
-            <a:endParaRPr b="0" lang="en-GB" sz="2600" spc="-1" strike="noStrike">
+            <a:endParaRPr lang="en-GB" sz="2600" b="0" strike="noStrike" spc="-1" dirty="0">
               <a:latin typeface="Calibri"/>
               <a:ea typeface="DejaVu Sans Condensed"/>
             </a:endParaRPr>
@@ -8328,7 +11454,7 @@
               </a:spcAft>
             </a:pPr>
             <a:r>
-              <a:rPr b="0" lang="en-GB" sz="2600" spc="-1" strike="noStrike">
+              <a:rPr lang="en-GB" sz="2600" b="0" strike="noStrike" spc="-1" dirty="0">
                 <a:solidFill>
                   <a:srgbClr val="000000"/>
                 </a:solidFill>
@@ -8337,7 +11463,7 @@
               </a:rPr>
               <a:t>Search for the countries with highest player</a:t>
             </a:r>
-            <a:endParaRPr b="0" lang="en-GB" sz="2600" spc="-1" strike="noStrike">
+            <a:endParaRPr lang="en-GB" sz="2600" b="0" strike="noStrike" spc="-1" dirty="0">
               <a:latin typeface="Calibri"/>
               <a:ea typeface="DejaVu Sans Condensed"/>
             </a:endParaRPr>
@@ -8349,7 +11475,7 @@
               </a:spcAft>
             </a:pPr>
             <a:r>
-              <a:rPr b="0" lang="en-GB" sz="2600" spc="-1" strike="noStrike">
+              <a:rPr lang="en-GB" sz="2600" b="0" strike="noStrike" spc="-1" dirty="0">
                 <a:solidFill>
                   <a:srgbClr val="000000"/>
                 </a:solidFill>
@@ -8358,7 +11484,7 @@
               </a:rPr>
               <a:t>earnings</a:t>
             </a:r>
-            <a:endParaRPr b="0" lang="en-GB" sz="2600" spc="-1" strike="noStrike">
+            <a:endParaRPr lang="en-GB" sz="2600" b="0" strike="noStrike" spc="-1" dirty="0">
               <a:latin typeface="Calibri"/>
               <a:ea typeface="DejaVu Sans Condensed"/>
             </a:endParaRPr>
@@ -8373,20 +11499,23 @@
               </a:spcBef>
             </a:pPr>
             <a:r>
-              <a:rPr b="1" lang="pt-PT" sz="2800" spc="-1" strike="noStrike">
+              <a:rPr lang="pt-PT" sz="2800" b="1" strike="noStrike" spc="-1" dirty="0" err="1">
                 <a:solidFill>
                   <a:srgbClr val="336699"/>
                 </a:solidFill>
                 <a:latin typeface="Calibri"/>
               </a:rPr>
-              <a:t>Task 3</a:t>
-            </a:r>
-            <a:endParaRPr b="1" lang="pt-PT" sz="2800" spc="-1" strike="noStrike">
-              <a:solidFill>
-                <a:srgbClr val="336699"/>
-              </a:solidFill>
-              <a:latin typeface="Calibri"/>
-            </a:endParaRPr>
+              <a:t>Task</a:t>
+            </a:r>
+            <a:r>
+              <a:rPr lang="pt-PT" sz="2800" b="1" strike="noStrike" spc="-1" dirty="0">
+                <a:solidFill>
+                  <a:srgbClr val="336699"/>
+                </a:solidFill>
+                <a:latin typeface="Calibri"/>
+              </a:rPr>
+              <a:t> 3</a:t>
+            </a:r>
           </a:p>
           <a:p>
             <a:pPr marL="450360" indent="-228600" algn="just">
@@ -8395,7 +11524,7 @@
               </a:spcAft>
             </a:pPr>
             <a:r>
-              <a:rPr b="0" lang="en-GB" sz="2600" spc="-1" strike="noStrike">
+              <a:rPr lang="en-GB" sz="2600" b="0" strike="noStrike" spc="-1" dirty="0">
                 <a:solidFill>
                   <a:srgbClr val="000000"/>
                 </a:solidFill>
@@ -8404,7 +11533,7 @@
               </a:rPr>
               <a:t>Query -&gt; Identify</a:t>
             </a:r>
-            <a:endParaRPr b="0" lang="en-GB" sz="2600" spc="-1" strike="noStrike">
+            <a:endParaRPr lang="en-GB" sz="2600" b="0" strike="noStrike" spc="-1" dirty="0">
               <a:latin typeface="Calibri"/>
               <a:ea typeface="DejaVu Sans Condensed"/>
             </a:endParaRPr>
@@ -8416,7 +11545,7 @@
               </a:spcAft>
             </a:pPr>
             <a:r>
-              <a:rPr b="0" lang="en-GB" sz="2600" spc="-1" strike="noStrike">
+              <a:rPr lang="en-GB" sz="2600" b="0" strike="noStrike" spc="-1" dirty="0">
                 <a:solidFill>
                   <a:srgbClr val="000000"/>
                 </a:solidFill>
@@ -8425,7 +11554,7 @@
               </a:rPr>
               <a:t>Identify at what ages players earn more money</a:t>
             </a:r>
-            <a:endParaRPr b="0" lang="en-GB" sz="2600" spc="-1" strike="noStrike">
+            <a:endParaRPr lang="en-GB" sz="2600" b="0" strike="noStrike" spc="-1" dirty="0">
               <a:latin typeface="Calibri"/>
               <a:ea typeface="DejaVu Sans Condensed"/>
             </a:endParaRPr>
@@ -8434,22 +11563,25 @@
       </p:sp>
     </p:spTree>
   </p:cSld>
+  <p:clrMapOvr>
+    <a:masterClrMapping/>
+  </p:clrMapOvr>
   <p:timing>
     <p:tnLst>
       <p:par>
-        <p:cTn id="13" dur="indefinite" restart="never" nodeType="tmRoot">
+        <p:cTn id="1" dur="indefinite" restart="never" nodeType="tmRoot">
           <p:childTnLst>
             <p:seq>
-              <p:cTn id="14" dur="indefinite" nodeType="mainSeq"/>
+              <p:cTn id="2" dur="indefinite" nodeType="mainSeq"/>
               <p:prevCondLst>
-                <p:cond delay="0" evt="onPrev">
+                <p:cond evt="onPrev" delay="0">
                   <p:tgtEl>
                     <p:sldTgt/>
                   </p:tgtEl>
                 </p:cond>
               </p:prevCondLst>
               <p:nextCondLst>
-                <p:cond delay="0" evt="onNext">
+                <p:cond evt="onNext" delay="0">
                   <p:tgtEl>
                     <p:sldTgt/>
                   </p:tgtEl>
@@ -8465,7 +11597,7 @@
 </file>
 
 <file path=ppt/slides/slide8.xml><?xml version="1.0" encoding="utf-8"?>
-<p:sld xmlns:a="http://schemas.openxmlformats.org/drawingml/2006/main" xmlns:p="http://schemas.openxmlformats.org/presentationml/2006/main" xmlns:r="http://schemas.openxmlformats.org/officeDocument/2006/relationships" xmlns:p14="http://schemas.microsoft.com/office/powerpoint/2010/main" xmlns:p15="http://schemas.microsoft.com/office/powerpoint/2012/main" xmlns:mc="http://schemas.openxmlformats.org/markup-compatibility/2006">
+<p:sld xmlns:a="http://schemas.openxmlformats.org/drawingml/2006/main" xmlns:r="http://schemas.openxmlformats.org/officeDocument/2006/relationships" xmlns:p="http://schemas.openxmlformats.org/presentationml/2006/main">
   <p:cSld>
     <p:spTree>
       <p:nvGrpSpPr>
@@ -8504,6 +11636,7 @@
         </p:spPr>
         <p:txBody>
           <a:bodyPr anchor="ctr"/>
+          <a:lstStyle/>
           <a:p>
             <a:pPr marL="358920">
               <a:lnSpc>
@@ -8511,15 +11644,15 @@
               </a:lnSpc>
             </a:pPr>
             <a:r>
-              <a:rPr b="0" lang="pt-PT" sz="4400" spc="-1" strike="noStrike">
-                <a:solidFill>
-                  <a:srgbClr val="ffffff"/>
+              <a:rPr lang="pt-PT" sz="4400" b="0" strike="noStrike" spc="-1">
+                <a:solidFill>
+                  <a:srgbClr val="FFFFFF"/>
                 </a:solidFill>
                 <a:latin typeface="Calibri"/>
               </a:rPr>
               <a:t>Tasks</a:t>
             </a:r>
-            <a:endParaRPr b="0" lang="pt-PT" sz="4400" spc="-1" strike="noStrike">
+            <a:endParaRPr lang="pt-PT" sz="4400" b="0" strike="noStrike" spc="-1">
               <a:solidFill>
                 <a:srgbClr val="000000"/>
               </a:solidFill>
@@ -8536,7 +11669,7 @@
         </p:nvSpPr>
         <p:spPr>
           <a:xfrm>
-            <a:off x="457200" y="1094400"/>
+            <a:off x="457380" y="1103278"/>
             <a:ext cx="8229240" cy="5214600"/>
           </a:xfrm>
           <a:prstGeom prst="rect">
@@ -8549,6 +11682,7 @@
         </p:spPr>
         <p:txBody>
           <a:bodyPr/>
+          <a:lstStyle/>
           <a:p>
             <a:pPr marL="343080" indent="-342720">
               <a:lnSpc>
@@ -8559,16 +11693,26 @@
               </a:spcBef>
             </a:pPr>
             <a:r>
-              <a:rPr b="1" lang="pt-PT" sz="2800" spc="-1" strike="noStrike">
+              <a:rPr lang="pt-PT" sz="2800" b="1" strike="noStrike" spc="-1" dirty="0" err="1">
                 <a:solidFill>
                   <a:srgbClr val="336699"/>
                 </a:solidFill>
                 <a:latin typeface="Calibri"/>
                 <a:ea typeface="DejaVu Sans Condensed"/>
               </a:rPr>
-              <a:t>Task 4</a:t>
-            </a:r>
-            <a:endParaRPr b="1" lang="pt-PT" sz="2800" spc="-1" strike="noStrike">
+              <a:t>Task</a:t>
+            </a:r>
+            <a:r>
+              <a:rPr lang="pt-PT" sz="2800" b="1" strike="noStrike" spc="-1" dirty="0">
+                <a:solidFill>
+                  <a:srgbClr val="336699"/>
+                </a:solidFill>
+                <a:latin typeface="Calibri"/>
+                <a:ea typeface="DejaVu Sans Condensed"/>
+              </a:rPr>
+              <a:t> 4</a:t>
+            </a:r>
+            <a:endParaRPr lang="pt-PT" sz="2800" b="1" strike="noStrike" spc="-1" dirty="0">
               <a:solidFill>
                 <a:srgbClr val="336699"/>
               </a:solidFill>
@@ -8582,7 +11726,7 @@
               </a:spcAft>
             </a:pPr>
             <a:r>
-              <a:rPr b="0" lang="en-GB" sz="2600" spc="-1" strike="noStrike">
+              <a:rPr lang="en-GB" sz="2600" b="0" strike="noStrike" spc="-1" dirty="0">
                 <a:solidFill>
                   <a:srgbClr val="000000"/>
                 </a:solidFill>
@@ -8591,7 +11735,7 @@
               </a:rPr>
               <a:t>Query -&gt; Compare</a:t>
             </a:r>
-            <a:endParaRPr b="0" lang="en-GB" sz="2600" spc="-1" strike="noStrike">
+            <a:endParaRPr lang="en-GB" sz="2600" b="0" strike="noStrike" spc="-1" dirty="0">
               <a:latin typeface="Calibri"/>
               <a:ea typeface="DejaVu Sans Condensed"/>
             </a:endParaRPr>
@@ -8603,7 +11747,7 @@
               </a:spcAft>
             </a:pPr>
             <a:r>
-              <a:rPr b="0" lang="en-GB" sz="2600" spc="-1" strike="noStrike">
+              <a:rPr lang="en-GB" sz="2600" b="0" strike="noStrike" spc="-1" dirty="0">
                 <a:solidFill>
                   <a:srgbClr val="000000"/>
                 </a:solidFill>
@@ -8612,7 +11756,7 @@
               </a:rPr>
               <a:t>Compare different organisations</a:t>
             </a:r>
-            <a:endParaRPr b="0" lang="en-GB" sz="2600" spc="-1" strike="noStrike">
+            <a:endParaRPr lang="en-GB" sz="2600" b="0" strike="noStrike" spc="-1" dirty="0">
               <a:latin typeface="Calibri"/>
               <a:ea typeface="DejaVu Sans Condensed"/>
             </a:endParaRPr>
@@ -8627,16 +11771,26 @@
               </a:spcBef>
             </a:pPr>
             <a:r>
-              <a:rPr b="1" lang="pt-PT" sz="2800" spc="-1" strike="noStrike">
+              <a:rPr lang="pt-PT" sz="2800" b="1" strike="noStrike" spc="-1" dirty="0" err="1">
                 <a:solidFill>
                   <a:srgbClr val="336699"/>
                 </a:solidFill>
                 <a:latin typeface="Calibri"/>
                 <a:ea typeface="DejaVu Sans Condensed"/>
               </a:rPr>
-              <a:t>Task 5</a:t>
-            </a:r>
-            <a:endParaRPr b="1" lang="pt-PT" sz="2800" spc="-1" strike="noStrike">
+              <a:t>Task</a:t>
+            </a:r>
+            <a:r>
+              <a:rPr lang="pt-PT" sz="2800" b="1" strike="noStrike" spc="-1" dirty="0">
+                <a:solidFill>
+                  <a:srgbClr val="336699"/>
+                </a:solidFill>
+                <a:latin typeface="Calibri"/>
+                <a:ea typeface="DejaVu Sans Condensed"/>
+              </a:rPr>
+              <a:t> 5</a:t>
+            </a:r>
+            <a:endParaRPr lang="pt-PT" sz="2800" b="1" strike="noStrike" spc="-1" dirty="0">
               <a:solidFill>
                 <a:srgbClr val="336699"/>
               </a:solidFill>
@@ -8650,7 +11804,7 @@
               </a:spcAft>
             </a:pPr>
             <a:r>
-              <a:rPr b="0" lang="en-GB" sz="2600" spc="-1" strike="noStrike">
+              <a:rPr lang="en-GB" sz="2600" b="0" strike="noStrike" spc="-1" dirty="0">
                 <a:solidFill>
                   <a:srgbClr val="000000"/>
                 </a:solidFill>
@@ -8659,7 +11813,7 @@
               </a:rPr>
               <a:t>Query -&gt; Compare</a:t>
             </a:r>
-            <a:endParaRPr b="0" lang="en-GB" sz="2600" spc="-1" strike="noStrike">
+            <a:endParaRPr lang="en-GB" sz="2600" b="0" strike="noStrike" spc="-1" dirty="0">
               <a:latin typeface="Calibri"/>
               <a:ea typeface="DejaVu Sans Condensed"/>
             </a:endParaRPr>
@@ -8671,7 +11825,7 @@
               </a:spcAft>
             </a:pPr>
             <a:r>
-              <a:rPr b="0" lang="en-GB" sz="2600" spc="-1" strike="noStrike">
+              <a:rPr lang="en-GB" sz="2600" b="0" strike="noStrike" spc="-1" dirty="0">
                 <a:solidFill>
                   <a:srgbClr val="000000"/>
                 </a:solidFill>
@@ -8680,7 +11834,92 @@
               </a:rPr>
               <a:t>Compare different games and their earnings</a:t>
             </a:r>
-            <a:endParaRPr b="0" lang="en-GB" sz="2600" spc="-1" strike="noStrike">
+          </a:p>
+          <a:p>
+            <a:pPr marL="343080" indent="-342720">
+              <a:lnSpc>
+                <a:spcPct val="100000"/>
+              </a:lnSpc>
+              <a:spcBef>
+                <a:spcPts val="1800"/>
+              </a:spcBef>
+            </a:pPr>
+            <a:r>
+              <a:rPr lang="pt-PT" sz="2800" b="1" strike="noStrike" spc="-1" dirty="0" err="1">
+                <a:solidFill>
+                  <a:srgbClr val="336699"/>
+                </a:solidFill>
+                <a:latin typeface="Calibri"/>
+                <a:ea typeface="DejaVu Sans Condensed"/>
+              </a:rPr>
+              <a:t>Task</a:t>
+            </a:r>
+            <a:r>
+              <a:rPr lang="pt-PT" sz="2800" b="1" strike="noStrike" spc="-1" dirty="0">
+                <a:solidFill>
+                  <a:srgbClr val="336699"/>
+                </a:solidFill>
+                <a:latin typeface="Calibri"/>
+                <a:ea typeface="DejaVu Sans Condensed"/>
+              </a:rPr>
+              <a:t> 6</a:t>
+            </a:r>
+            <a:endParaRPr lang="pt-PT" sz="2800" b="1" strike="noStrike" spc="-1" dirty="0">
+              <a:solidFill>
+                <a:srgbClr val="336699"/>
+              </a:solidFill>
+              <a:latin typeface="Calibri"/>
+            </a:endParaRPr>
+          </a:p>
+          <a:p>
+            <a:pPr marL="450360" indent="-228600" algn="just">
+              <a:spcAft>
+                <a:spcPts val="601"/>
+              </a:spcAft>
+            </a:pPr>
+            <a:r>
+              <a:rPr lang="en-GB" sz="2600" b="0" strike="noStrike" spc="-1" dirty="0">
+                <a:solidFill>
+                  <a:srgbClr val="000000"/>
+                </a:solidFill>
+                <a:latin typeface="Calibri"/>
+                <a:ea typeface="DejaVu Sans Condensed"/>
+              </a:rPr>
+              <a:t>Query -&gt; Compare</a:t>
+            </a:r>
+            <a:endParaRPr lang="en-GB" sz="2600" b="0" strike="noStrike" spc="-1" dirty="0">
+              <a:latin typeface="Calibri"/>
+              <a:ea typeface="DejaVu Sans Condensed"/>
+            </a:endParaRPr>
+          </a:p>
+          <a:p>
+            <a:pPr marL="450360" indent="-228600" algn="just">
+              <a:spcAft>
+                <a:spcPts val="601"/>
+              </a:spcAft>
+            </a:pPr>
+            <a:r>
+              <a:rPr lang="en-GB" sz="2600" b="0" strike="noStrike" spc="-1" dirty="0">
+                <a:solidFill>
+                  <a:srgbClr val="000000"/>
+                </a:solidFill>
+                <a:latin typeface="Calibri"/>
+                <a:ea typeface="DejaVu Sans Condensed"/>
+              </a:rPr>
+              <a:t>Compare at which months tournaments were held</a:t>
+            </a:r>
+            <a:endParaRPr lang="en-GB" sz="2600" b="0" strike="noStrike" spc="-1" dirty="0">
+              <a:latin typeface="Calibri"/>
+              <a:ea typeface="DejaVu Sans Condensed"/>
+            </a:endParaRPr>
+          </a:p>
+          <a:p>
+            <a:pPr marL="450360" indent="-228600" algn="just">
+              <a:spcAft>
+                <a:spcPts val="601"/>
+              </a:spcAft>
+            </a:pPr>
+            <a:endParaRPr lang="en-GB" sz="2600" b="0" strike="noStrike" spc="-1" dirty="0">
               <a:latin typeface="Calibri"/>
               <a:ea typeface="DejaVu Sans Condensed"/>
             </a:endParaRPr>
@@ -8689,22 +11928,25 @@
       </p:sp>
     </p:spTree>
   </p:cSld>
+  <p:clrMapOvr>
+    <a:masterClrMapping/>
+  </p:clrMapOvr>
   <p:timing>
     <p:tnLst>
       <p:par>
-        <p:cTn id="15" dur="indefinite" restart="never" nodeType="tmRoot">
+        <p:cTn id="1" dur="indefinite" restart="never" nodeType="tmRoot">
           <p:childTnLst>
             <p:seq>
-              <p:cTn id="16" dur="indefinite" nodeType="mainSeq"/>
+              <p:cTn id="2" dur="indefinite" nodeType="mainSeq"/>
               <p:prevCondLst>
-                <p:cond delay="0" evt="onPrev">
+                <p:cond evt="onPrev" delay="0">
                   <p:tgtEl>
                     <p:sldTgt/>
                   </p:tgtEl>
                 </p:cond>
               </p:prevCondLst>
               <p:nextCondLst>
-                <p:cond delay="0" evt="onNext">
+                <p:cond evt="onNext" delay="0">
                   <p:tgtEl>
                     <p:sldTgt/>
                   </p:tgtEl>
@@ -8720,7 +11962,7 @@
 </file>
 
 <file path=ppt/slides/slide9.xml><?xml version="1.0" encoding="utf-8"?>
-<p:sld xmlns:a="http://schemas.openxmlformats.org/drawingml/2006/main" xmlns:p="http://schemas.openxmlformats.org/presentationml/2006/main" xmlns:r="http://schemas.openxmlformats.org/officeDocument/2006/relationships" xmlns:p14="http://schemas.microsoft.com/office/powerpoint/2010/main" xmlns:p15="http://schemas.microsoft.com/office/powerpoint/2012/main" xmlns:mc="http://schemas.openxmlformats.org/markup-compatibility/2006">
+<p:sld xmlns:a="http://schemas.openxmlformats.org/drawingml/2006/main" xmlns:r="http://schemas.openxmlformats.org/officeDocument/2006/relationships" xmlns:p="http://schemas.openxmlformats.org/presentationml/2006/main">
   <p:cSld>
     <p:spTree>
       <p:nvGrpSpPr>
@@ -8760,8 +12002,9 @@
         </p:spPr>
         <p:txBody>
           <a:bodyPr/>
-          <a:p>
-            <a:endParaRPr b="1" lang="pt-PT" sz="3200" spc="-1" strike="noStrike">
+          <a:lstStyle/>
+          <a:p>
+            <a:endParaRPr lang="pt-PT" sz="3200" b="1" strike="noStrike" spc="-1">
               <a:solidFill>
                 <a:srgbClr val="336699"/>
               </a:solidFill>
@@ -8793,6 +12036,7 @@
         </p:spPr>
         <p:txBody>
           <a:bodyPr/>
+          <a:lstStyle/>
           <a:p>
             <a:pPr algn="ctr">
               <a:lnSpc>
@@ -8803,15 +12047,15 @@
               </a:spcBef>
             </a:pPr>
             <a:r>
-              <a:rPr b="1" lang="pt-PT" sz="16600" spc="-1" strike="noStrike">
-                <a:solidFill>
-                  <a:srgbClr val="ffffff"/>
+              <a:rPr lang="pt-PT" sz="16600" b="1" strike="noStrike" spc="-1">
+                <a:solidFill>
+                  <a:srgbClr val="FFFFFF"/>
                 </a:solidFill>
                 <a:latin typeface="Calibri"/>
               </a:rPr>
               <a:t>04</a:t>
             </a:r>
-            <a:endParaRPr b="1" lang="pt-PT" sz="16600" spc="-1" strike="noStrike">
+            <a:endParaRPr lang="pt-PT" sz="16600" b="1" strike="noStrike" spc="-1">
               <a:solidFill>
                 <a:srgbClr val="336699"/>
               </a:solidFill>
@@ -8835,7 +12079,7 @@
             <a:avLst/>
           </a:prstGeom>
           <a:solidFill>
-            <a:srgbClr val="ffffff">
+            <a:srgbClr val="FFFFFF">
               <a:alpha val="80000"/>
             </a:srgbClr>
           </a:solidFill>
@@ -8845,6 +12089,7 @@
         </p:spPr>
         <p:txBody>
           <a:bodyPr rIns="288000"/>
+          <a:lstStyle/>
           <a:p>
             <a:pPr algn="r">
               <a:lnSpc>
@@ -8852,7 +12097,7 @@
               </a:lnSpc>
             </a:pPr>
             <a:r>
-              <a:rPr b="1" lang="pt-PT" sz="6000" spc="-1" strike="noStrike" cap="all">
+              <a:rPr lang="pt-PT" sz="6000" b="1" strike="noStrike" cap="all" spc="-1">
                 <a:solidFill>
                   <a:srgbClr val="336699"/>
                 </a:solidFill>
@@ -8860,7 +12105,7 @@
               </a:rPr>
               <a:t>Example QUESTIONS</a:t>
             </a:r>
-            <a:endParaRPr b="0" lang="pt-PT" sz="6000" spc="-1" strike="noStrike">
+            <a:endParaRPr lang="pt-PT" sz="6000" b="0" strike="noStrike" spc="-1">
               <a:solidFill>
                 <a:srgbClr val="000000"/>
               </a:solidFill>
@@ -8871,22 +12116,25 @@
       </p:sp>
     </p:spTree>
   </p:cSld>
+  <p:clrMapOvr>
+    <a:masterClrMapping/>
+  </p:clrMapOvr>
   <p:timing>
     <p:tnLst>
       <p:par>
-        <p:cTn id="17" dur="indefinite" restart="never" nodeType="tmRoot">
+        <p:cTn id="1" dur="indefinite" restart="never" nodeType="tmRoot">
           <p:childTnLst>
             <p:seq>
-              <p:cTn id="18" dur="indefinite" nodeType="mainSeq"/>
+              <p:cTn id="2" dur="indefinite" nodeType="mainSeq"/>
               <p:prevCondLst>
-                <p:cond delay="0" evt="onPrev">
+                <p:cond evt="onPrev" delay="0">
                   <p:tgtEl>
                     <p:sldTgt/>
                   </p:tgtEl>
                 </p:cond>
               </p:prevCondLst>
               <p:nextCondLst>
-                <p:cond delay="0" evt="onNext">
+                <p:cond evt="onNext" delay="0">
                   <p:tgtEl>
                     <p:sldTgt/>
                   </p:tgtEl>
@@ -8912,31 +12160,31 @@
         <a:sysClr val="window" lastClr="FFFFFF"/>
       </a:lt1>
       <a:dk2>
-        <a:srgbClr val="1d3b59"/>
+        <a:srgbClr val="1D3B59"/>
       </a:dk2>
       <a:lt2>
         <a:srgbClr val="336699"/>
       </a:lt2>
       <a:accent1>
-        <a:srgbClr val="2a9300"/>
+        <a:srgbClr val="2A9300"/>
       </a:accent1>
       <a:accent2>
-        <a:srgbClr val="cf8c00"/>
+        <a:srgbClr val="CF8C00"/>
       </a:accent2>
       <a:accent3>
-        <a:srgbClr val="00a0bd"/>
+        <a:srgbClr val="00A0BD"/>
       </a:accent3>
       <a:accent4>
-        <a:srgbClr val="8064a2"/>
+        <a:srgbClr val="8064A2"/>
       </a:accent4>
       <a:accent5>
-        <a:srgbClr val="4bacc6"/>
+        <a:srgbClr val="4BACC6"/>
       </a:accent5>
       <a:accent6>
-        <a:srgbClr val="f79646"/>
+        <a:srgbClr val="F79646"/>
       </a:accent6>
       <a:hlink>
-        <a:srgbClr val="0000ff"/>
+        <a:srgbClr val="0000FF"/>
       </a:hlink>
       <a:folHlink>
         <a:srgbClr val="800080"/>
@@ -9121,6 +12369,8 @@
       </a:bgFillStyleLst>
     </a:fmtScheme>
   </a:themeElements>
+  <a:objectDefaults/>
+  <a:extraClrSchemeLst/>
 </a:theme>
 </file>
 
@@ -9135,31 +12385,31 @@
         <a:sysClr val="window" lastClr="FFFFFF"/>
       </a:lt1>
       <a:dk2>
-        <a:srgbClr val="1f497d"/>
+        <a:srgbClr val="1F497D"/>
       </a:dk2>
       <a:lt2>
-        <a:srgbClr val="eeece1"/>
+        <a:srgbClr val="EEECE1"/>
       </a:lt2>
       <a:accent1>
-        <a:srgbClr val="4f81bd"/>
+        <a:srgbClr val="4F81BD"/>
       </a:accent1>
       <a:accent2>
-        <a:srgbClr val="c0504d"/>
+        <a:srgbClr val="C0504D"/>
       </a:accent2>
       <a:accent3>
-        <a:srgbClr val="9bbb59"/>
+        <a:srgbClr val="9BBB59"/>
       </a:accent3>
       <a:accent4>
-        <a:srgbClr val="8064a2"/>
+        <a:srgbClr val="8064A2"/>
       </a:accent4>
       <a:accent5>
-        <a:srgbClr val="4bacc6"/>
+        <a:srgbClr val="4BACC6"/>
       </a:accent5>
       <a:accent6>
-        <a:srgbClr val="f79646"/>
+        <a:srgbClr val="F79646"/>
       </a:accent6>
       <a:hlink>
-        <a:srgbClr val="0000ff"/>
+        <a:srgbClr val="0000FF"/>
       </a:hlink>
       <a:folHlink>
         <a:srgbClr val="800080"/>
@@ -9344,6 +12594,8 @@
       </a:bgFillStyleLst>
     </a:fmtScheme>
   </a:themeElements>
+  <a:objectDefaults/>
+  <a:extraClrSchemeLst/>
 </a:theme>
 </file>
 
@@ -9358,31 +12610,31 @@
         <a:sysClr val="window" lastClr="FFFFFF"/>
       </a:lt1>
       <a:dk2>
-        <a:srgbClr val="1f497d"/>
+        <a:srgbClr val="1F497D"/>
       </a:dk2>
       <a:lt2>
-        <a:srgbClr val="eeece1"/>
+        <a:srgbClr val="EEECE1"/>
       </a:lt2>
       <a:accent1>
-        <a:srgbClr val="4f81bd"/>
+        <a:srgbClr val="4F81BD"/>
       </a:accent1>
       <a:accent2>
-        <a:srgbClr val="c0504d"/>
+        <a:srgbClr val="C0504D"/>
       </a:accent2>
       <a:accent3>
-        <a:srgbClr val="9bbb59"/>
+        <a:srgbClr val="9BBB59"/>
       </a:accent3>
       <a:accent4>
-        <a:srgbClr val="8064a2"/>
+        <a:srgbClr val="8064A2"/>
       </a:accent4>
       <a:accent5>
-        <a:srgbClr val="4bacc6"/>
+        <a:srgbClr val="4BACC6"/>
       </a:accent5>
       <a:accent6>
-        <a:srgbClr val="f79646"/>
+        <a:srgbClr val="F79646"/>
       </a:accent6>
       <a:hlink>
-        <a:srgbClr val="0000ff"/>
+        <a:srgbClr val="0000FF"/>
       </a:hlink>
       <a:folHlink>
         <a:srgbClr val="800080"/>
@@ -9567,6 +12819,8 @@
       </a:bgFillStyleLst>
     </a:fmtScheme>
   </a:themeElements>
+  <a:objectDefaults/>
+  <a:extraClrSchemeLst/>
 </a:theme>
 </file>
 
@@ -9581,31 +12835,31 @@
         <a:sysClr val="window" lastClr="FFFFFF"/>
       </a:lt1>
       <a:dk2>
-        <a:srgbClr val="1f497d"/>
+        <a:srgbClr val="1F497D"/>
       </a:dk2>
       <a:lt2>
-        <a:srgbClr val="eeece1"/>
+        <a:srgbClr val="EEECE1"/>
       </a:lt2>
       <a:accent1>
-        <a:srgbClr val="4f81bd"/>
+        <a:srgbClr val="4F81BD"/>
       </a:accent1>
       <a:accent2>
-        <a:srgbClr val="c0504d"/>
+        <a:srgbClr val="C0504D"/>
       </a:accent2>
       <a:accent3>
-        <a:srgbClr val="9bbb59"/>
+        <a:srgbClr val="9BBB59"/>
       </a:accent3>
       <a:accent4>
-        <a:srgbClr val="8064a2"/>
+        <a:srgbClr val="8064A2"/>
       </a:accent4>
       <a:accent5>
-        <a:srgbClr val="4bacc6"/>
+        <a:srgbClr val="4BACC6"/>
       </a:accent5>
       <a:accent6>
-        <a:srgbClr val="f79646"/>
+        <a:srgbClr val="F79646"/>
       </a:accent6>
       <a:hlink>
-        <a:srgbClr val="0000ff"/>
+        <a:srgbClr val="0000FF"/>
       </a:hlink>
       <a:folHlink>
         <a:srgbClr val="800080"/>
@@ -9790,5 +13044,7 @@
       </a:bgFillStyleLst>
     </a:fmtScheme>
   </a:themeElements>
+  <a:objectDefaults/>
+  <a:extraClrSchemeLst/>
 </a:theme>
 </file>